--- a/05_day.pptx
+++ b/05_day.pptx
@@ -12,6 +12,16 @@
     <p:sldId id="260" r:id="rId6"/>
     <p:sldId id="261" r:id="rId7"/>
     <p:sldId id="262" r:id="rId8"/>
+    <p:sldId id="263" r:id="rId9"/>
+    <p:sldId id="264" r:id="rId10"/>
+    <p:sldId id="265" r:id="rId11"/>
+    <p:sldId id="266" r:id="rId12"/>
+    <p:sldId id="267" r:id="rId13"/>
+    <p:sldId id="268" r:id="rId14"/>
+    <p:sldId id="269" r:id="rId15"/>
+    <p:sldId id="270" r:id="rId16"/>
+    <p:sldId id="271" r:id="rId17"/>
+    <p:sldId id="272" r:id="rId18"/>
   </p:sldIdLst>
   <p:sldSz cx="9144000" cy="6858000" type="screen4x3"/>
   <p:notesSz cx="6858000" cy="9144000"/>
@@ -3315,6 +3325,6792 @@
 </p:sld>
 </file>
 
+<file path=ppt/slides/slide10.xml><?xml version="1.0" encoding="utf-8"?>
+<p:sld xmlns:a="http://schemas.openxmlformats.org/drawingml/2006/main" xmlns:r="http://schemas.openxmlformats.org/officeDocument/2006/relationships" xmlns:p="http://schemas.openxmlformats.org/presentationml/2006/main">
+  <p:cSld>
+    <p:spTree>
+      <p:nvGrpSpPr>
+        <p:cNvPr id="1" name=""/>
+        <p:cNvGrpSpPr/>
+        <p:nvPr/>
+      </p:nvGrpSpPr>
+      <p:grpSpPr>
+        <a:xfrm>
+          <a:off x="0" y="0"/>
+          <a:ext cx="0" cy="0"/>
+          <a:chOff x="0" y="0"/>
+          <a:chExt cx="0" cy="0"/>
+        </a:xfrm>
+      </p:grpSpPr>
+      <p:sp>
+        <p:nvSpPr>
+          <p:cNvPr id="40" name="TextBox 39">
+            <a:extLst>
+              <a:ext uri="{FF2B5EF4-FFF2-40B4-BE49-F238E27FC236}">
+                <a16:creationId xmlns:a16="http://schemas.microsoft.com/office/drawing/2014/main" id="{40A03F83-8756-4750-95D7-C9F8B4C3F0B5}"/>
+              </a:ext>
+            </a:extLst>
+          </p:cNvPr>
+          <p:cNvSpPr txBox="1"/>
+          <p:nvPr/>
+        </p:nvSpPr>
+        <p:spPr>
+          <a:xfrm>
+            <a:off x="-252536" y="116632"/>
+            <a:ext cx="5250155" cy="5632311"/>
+          </a:xfrm>
+          <a:prstGeom prst="rect">
+            <a:avLst/>
+          </a:prstGeom>
+          <a:noFill/>
+        </p:spPr>
+        <p:txBody>
+          <a:bodyPr wrap="none" rtlCol="0">
+            <a:spAutoFit/>
+          </a:bodyPr>
+          <a:lstStyle/>
+          <a:p>
+            <a:r>
+              <a:rPr lang="en-US" altLang="ko-KR">
+                <a:latin typeface="Consolas" pitchFamily="49" charset="0"/>
+                <a:cs typeface="Consolas" pitchFamily="49" charset="0"/>
+              </a:rPr>
+              <a:t>int popcount32a(uint32_t x)</a:t>
+            </a:r>
+          </a:p>
+          <a:p>
+            <a:r>
+              <a:rPr lang="en-US" altLang="ko-KR">
+                <a:latin typeface="Consolas" pitchFamily="49" charset="0"/>
+                <a:cs typeface="Consolas" pitchFamily="49" charset="0"/>
+              </a:rPr>
+              <a:t>{</a:t>
+            </a:r>
+          </a:p>
+          <a:p>
+            <a:r>
+              <a:rPr lang="en-US" altLang="ko-KR">
+                <a:solidFill>
+                  <a:srgbClr val="FF0000"/>
+                </a:solidFill>
+                <a:latin typeface="Consolas" pitchFamily="49" charset="0"/>
+                <a:cs typeface="Consolas" pitchFamily="49" charset="0"/>
+              </a:rPr>
+              <a:t>    x = (x &amp; m1 ) + ((x &gt;&gt;  1) &amp; m1 );  </a:t>
+            </a:r>
+          </a:p>
+          <a:p>
+            <a:r>
+              <a:rPr lang="en-US" altLang="ko-KR" b="1">
+                <a:latin typeface="Consolas" pitchFamily="49" charset="0"/>
+                <a:cs typeface="Consolas" pitchFamily="49" charset="0"/>
+              </a:rPr>
+              <a:t>    x = (x &amp; m2 ) + ((x &gt;&gt;  2) &amp; m2 );  </a:t>
+            </a:r>
+          </a:p>
+          <a:p>
+            <a:r>
+              <a:rPr lang="en-US" altLang="ko-KR">
+                <a:latin typeface="Consolas" pitchFamily="49" charset="0"/>
+                <a:cs typeface="Consolas" pitchFamily="49" charset="0"/>
+              </a:rPr>
+              <a:t>    x = (x &amp; m4 ) + ((x &gt;&gt;  4) &amp; m4 );  </a:t>
+            </a:r>
+          </a:p>
+          <a:p>
+            <a:r>
+              <a:rPr lang="en-US" altLang="ko-KR">
+                <a:latin typeface="Consolas" pitchFamily="49" charset="0"/>
+                <a:cs typeface="Consolas" pitchFamily="49" charset="0"/>
+              </a:rPr>
+              <a:t>    x = (x &amp; m8 ) + ((x &gt;&gt;  8) &amp; m8 );  </a:t>
+            </a:r>
+          </a:p>
+          <a:p>
+            <a:r>
+              <a:rPr lang="en-US" altLang="ko-KR">
+                <a:latin typeface="Consolas" pitchFamily="49" charset="0"/>
+                <a:cs typeface="Consolas" pitchFamily="49" charset="0"/>
+              </a:rPr>
+              <a:t>    x = (x &amp; m16) + ((x &gt;&gt; 16) &amp; m16);  </a:t>
+            </a:r>
+          </a:p>
+          <a:p>
+            <a:r>
+              <a:rPr lang="en-US" altLang="ko-KR">
+                <a:latin typeface="Consolas" pitchFamily="49" charset="0"/>
+                <a:cs typeface="Consolas" pitchFamily="49" charset="0"/>
+              </a:rPr>
+              <a:t>    return x;</a:t>
+            </a:r>
+          </a:p>
+          <a:p>
+            <a:r>
+              <a:rPr lang="en-US" altLang="ko-KR">
+                <a:latin typeface="Consolas" pitchFamily="49" charset="0"/>
+                <a:cs typeface="Consolas" pitchFamily="49" charset="0"/>
+              </a:rPr>
+              <a:t>}</a:t>
+            </a:r>
+          </a:p>
+          <a:p>
+            <a:endParaRPr lang="en-US" altLang="ko-KR">
+              <a:latin typeface="Consolas" pitchFamily="49" charset="0"/>
+              <a:cs typeface="Consolas" pitchFamily="49" charset="0"/>
+            </a:endParaRPr>
+          </a:p>
+          <a:p>
+            <a:r>
+              <a:rPr lang="en-US" altLang="ko-KR">
+                <a:latin typeface="Consolas" pitchFamily="49" charset="0"/>
+                <a:cs typeface="Consolas" pitchFamily="49" charset="0"/>
+              </a:rPr>
+              <a:t>int popcount32b(uint32_t x)</a:t>
+            </a:r>
+          </a:p>
+          <a:p>
+            <a:r>
+              <a:rPr lang="en-US" altLang="ko-KR">
+                <a:latin typeface="Consolas" pitchFamily="49" charset="0"/>
+                <a:cs typeface="Consolas" pitchFamily="49" charset="0"/>
+              </a:rPr>
+              <a:t>{</a:t>
+            </a:r>
+          </a:p>
+          <a:p>
+            <a:r>
+              <a:rPr lang="en-US" altLang="ko-KR">
+                <a:solidFill>
+                  <a:srgbClr val="FF0000"/>
+                </a:solidFill>
+                <a:latin typeface="Consolas" pitchFamily="49" charset="0"/>
+                <a:cs typeface="Consolas" pitchFamily="49" charset="0"/>
+              </a:rPr>
+              <a:t>    x = x - (x &gt;&gt; 1) &amp; m1;             </a:t>
+            </a:r>
+          </a:p>
+          <a:p>
+            <a:r>
+              <a:rPr lang="en-US" altLang="ko-KR" b="1">
+                <a:latin typeface="Consolas" pitchFamily="49" charset="0"/>
+                <a:cs typeface="Consolas" pitchFamily="49" charset="0"/>
+              </a:rPr>
+              <a:t>    x = (x &amp; m2) + ((x &gt;&gt; 2) &amp; m2);  </a:t>
+            </a:r>
+          </a:p>
+          <a:p>
+            <a:r>
+              <a:rPr lang="en-US" altLang="ko-KR">
+                <a:latin typeface="Consolas" pitchFamily="49" charset="0"/>
+                <a:cs typeface="Consolas" pitchFamily="49" charset="0"/>
+              </a:rPr>
+              <a:t>    x = (x + (x &gt;&gt; 4)) &amp; m4;         </a:t>
+            </a:r>
+          </a:p>
+          <a:p>
+            <a:r>
+              <a:rPr lang="en-US" altLang="ko-KR">
+                <a:latin typeface="Consolas" pitchFamily="49" charset="0"/>
+                <a:cs typeface="Consolas" pitchFamily="49" charset="0"/>
+              </a:rPr>
+              <a:t>    x += x &gt;&gt;  8;  </a:t>
+            </a:r>
+          </a:p>
+          <a:p>
+            <a:r>
+              <a:rPr lang="en-US" altLang="ko-KR">
+                <a:latin typeface="Consolas" pitchFamily="49" charset="0"/>
+                <a:cs typeface="Consolas" pitchFamily="49" charset="0"/>
+              </a:rPr>
+              <a:t>    x += x &gt;&gt; 16;  </a:t>
+            </a:r>
+          </a:p>
+          <a:p>
+            <a:r>
+              <a:rPr lang="en-US" altLang="ko-KR">
+                <a:latin typeface="Consolas" pitchFamily="49" charset="0"/>
+                <a:cs typeface="Consolas" pitchFamily="49" charset="0"/>
+              </a:rPr>
+              <a:t>    return x &amp; 0x7f;</a:t>
+            </a:r>
+          </a:p>
+          <a:p>
+            <a:r>
+              <a:rPr lang="en-US" altLang="ko-KR">
+                <a:latin typeface="Consolas" pitchFamily="49" charset="0"/>
+                <a:cs typeface="Consolas" pitchFamily="49" charset="0"/>
+              </a:rPr>
+              <a:t>}</a:t>
+            </a:r>
+          </a:p>
+          <a:p>
+            <a:endParaRPr lang="en-US" altLang="ko-KR">
+              <a:latin typeface="Consolas" pitchFamily="49" charset="0"/>
+              <a:cs typeface="Consolas" pitchFamily="49" charset="0"/>
+            </a:endParaRPr>
+          </a:p>
+        </p:txBody>
+      </p:sp>
+      <p:sp>
+        <p:nvSpPr>
+          <p:cNvPr id="3" name="직사각형 2">
+            <a:extLst>
+              <a:ext uri="{FF2B5EF4-FFF2-40B4-BE49-F238E27FC236}">
+                <a16:creationId xmlns:a16="http://schemas.microsoft.com/office/drawing/2014/main" id="{3E678748-DDCF-4C20-A7AC-A198C79C51D8}"/>
+              </a:ext>
+            </a:extLst>
+          </p:cNvPr>
+          <p:cNvSpPr/>
+          <p:nvPr/>
+        </p:nvSpPr>
+        <p:spPr>
+          <a:xfrm>
+            <a:off x="5868144" y="1052736"/>
+            <a:ext cx="360040" cy="432048"/>
+          </a:xfrm>
+          <a:prstGeom prst="rect">
+            <a:avLst/>
+          </a:prstGeom>
+          <a:solidFill>
+            <a:srgbClr val="FFFF00"/>
+          </a:solidFill>
+          <a:ln w="9525"/>
+        </p:spPr>
+        <p:style>
+          <a:lnRef idx="2">
+            <a:schemeClr val="accent1">
+              <a:shade val="50000"/>
+            </a:schemeClr>
+          </a:lnRef>
+          <a:fillRef idx="1">
+            <a:schemeClr val="accent1"/>
+          </a:fillRef>
+          <a:effectRef idx="0">
+            <a:schemeClr val="accent1"/>
+          </a:effectRef>
+          <a:fontRef idx="minor">
+            <a:schemeClr val="lt1"/>
+          </a:fontRef>
+        </p:style>
+        <p:txBody>
+          <a:bodyPr rot="0" spcFirstLastPara="0" vertOverflow="overflow" horzOverflow="overflow" vert="horz" wrap="square" lIns="91440" tIns="45720" rIns="91440" bIns="45720" numCol="1" spcCol="0" rtlCol="0" fromWordArt="0" anchor="ctr" anchorCtr="0" forceAA="0" compatLnSpc="1">
+            <a:prstTxWarp prst="textNoShape">
+              <a:avLst/>
+            </a:prstTxWarp>
+            <a:noAutofit/>
+          </a:bodyPr>
+          <a:lstStyle/>
+          <a:p>
+            <a:pPr algn="ctr"/>
+            <a:r>
+              <a:rPr lang="en-US" altLang="ko-KR" sz="2000">
+                <a:solidFill>
+                  <a:schemeClr val="tx1"/>
+                </a:solidFill>
+                <a:latin typeface="Consolas" pitchFamily="49" charset="0"/>
+                <a:cs typeface="Consolas" pitchFamily="49" charset="0"/>
+              </a:rPr>
+              <a:t>a</a:t>
+            </a:r>
+            <a:endParaRPr lang="ko-KR" altLang="en-US" sz="2000">
+              <a:solidFill>
+                <a:schemeClr val="tx1"/>
+              </a:solidFill>
+              <a:latin typeface="Consolas" pitchFamily="49" charset="0"/>
+              <a:cs typeface="Consolas" pitchFamily="49" charset="0"/>
+            </a:endParaRPr>
+          </a:p>
+        </p:txBody>
+      </p:sp>
+      <p:sp>
+        <p:nvSpPr>
+          <p:cNvPr id="9" name="직사각형 8">
+            <a:extLst>
+              <a:ext uri="{FF2B5EF4-FFF2-40B4-BE49-F238E27FC236}">
+                <a16:creationId xmlns:a16="http://schemas.microsoft.com/office/drawing/2014/main" id="{734EA393-D305-4CB4-BC5D-D7C460D96136}"/>
+              </a:ext>
+            </a:extLst>
+          </p:cNvPr>
+          <p:cNvSpPr/>
+          <p:nvPr/>
+        </p:nvSpPr>
+        <p:spPr>
+          <a:xfrm>
+            <a:off x="6228184" y="1052736"/>
+            <a:ext cx="360040" cy="432048"/>
+          </a:xfrm>
+          <a:prstGeom prst="rect">
+            <a:avLst/>
+          </a:prstGeom>
+          <a:solidFill>
+            <a:srgbClr val="FFFF00"/>
+          </a:solidFill>
+          <a:ln w="9525"/>
+        </p:spPr>
+        <p:style>
+          <a:lnRef idx="2">
+            <a:schemeClr val="accent1">
+              <a:shade val="50000"/>
+            </a:schemeClr>
+          </a:lnRef>
+          <a:fillRef idx="1">
+            <a:schemeClr val="accent1"/>
+          </a:fillRef>
+          <a:effectRef idx="0">
+            <a:schemeClr val="accent1"/>
+          </a:effectRef>
+          <a:fontRef idx="minor">
+            <a:schemeClr val="lt1"/>
+          </a:fontRef>
+        </p:style>
+        <p:txBody>
+          <a:bodyPr rot="0" spcFirstLastPara="0" vertOverflow="overflow" horzOverflow="overflow" vert="horz" wrap="square" lIns="91440" tIns="45720" rIns="91440" bIns="45720" numCol="1" spcCol="0" rtlCol="0" fromWordArt="0" anchor="ctr" anchorCtr="0" forceAA="0" compatLnSpc="1">
+            <a:prstTxWarp prst="textNoShape">
+              <a:avLst/>
+            </a:prstTxWarp>
+            <a:noAutofit/>
+          </a:bodyPr>
+          <a:lstStyle/>
+          <a:p>
+            <a:pPr algn="ctr"/>
+            <a:r>
+              <a:rPr lang="en-US" altLang="ko-KR" sz="2000">
+                <a:solidFill>
+                  <a:schemeClr val="tx1"/>
+                </a:solidFill>
+                <a:latin typeface="Consolas" pitchFamily="49" charset="0"/>
+                <a:cs typeface="Consolas" pitchFamily="49" charset="0"/>
+              </a:rPr>
+              <a:t>b</a:t>
+            </a:r>
+            <a:endParaRPr lang="ko-KR" altLang="en-US" sz="2000">
+              <a:solidFill>
+                <a:schemeClr val="tx1"/>
+              </a:solidFill>
+              <a:latin typeface="Consolas" pitchFamily="49" charset="0"/>
+              <a:cs typeface="Consolas" pitchFamily="49" charset="0"/>
+            </a:endParaRPr>
+          </a:p>
+        </p:txBody>
+      </p:sp>
+      <p:sp>
+        <p:nvSpPr>
+          <p:cNvPr id="10" name="직사각형 9">
+            <a:extLst>
+              <a:ext uri="{FF2B5EF4-FFF2-40B4-BE49-F238E27FC236}">
+                <a16:creationId xmlns:a16="http://schemas.microsoft.com/office/drawing/2014/main" id="{76D7B368-06FD-47B9-B3D3-067573085512}"/>
+              </a:ext>
+            </a:extLst>
+          </p:cNvPr>
+          <p:cNvSpPr/>
+          <p:nvPr/>
+        </p:nvSpPr>
+        <p:spPr>
+          <a:xfrm>
+            <a:off x="6588224" y="1052736"/>
+            <a:ext cx="648072" cy="432048"/>
+          </a:xfrm>
+          <a:prstGeom prst="rect">
+            <a:avLst/>
+          </a:prstGeom>
+          <a:solidFill>
+            <a:srgbClr val="FFFF00"/>
+          </a:solidFill>
+          <a:ln w="9525"/>
+        </p:spPr>
+        <p:style>
+          <a:lnRef idx="2">
+            <a:schemeClr val="accent1">
+              <a:shade val="50000"/>
+            </a:schemeClr>
+          </a:lnRef>
+          <a:fillRef idx="1">
+            <a:schemeClr val="accent1"/>
+          </a:fillRef>
+          <a:effectRef idx="0">
+            <a:schemeClr val="accent1"/>
+          </a:effectRef>
+          <a:fontRef idx="minor">
+            <a:schemeClr val="lt1"/>
+          </a:fontRef>
+        </p:style>
+        <p:txBody>
+          <a:bodyPr rot="0" spcFirstLastPara="0" vertOverflow="overflow" horzOverflow="overflow" vert="horz" wrap="square" lIns="91440" tIns="45720" rIns="91440" bIns="45720" numCol="1" spcCol="0" rtlCol="0" fromWordArt="0" anchor="ctr" anchorCtr="0" forceAA="0" compatLnSpc="1">
+            <a:prstTxWarp prst="textNoShape">
+              <a:avLst/>
+            </a:prstTxWarp>
+            <a:noAutofit/>
+          </a:bodyPr>
+          <a:lstStyle/>
+          <a:p>
+            <a:pPr algn="ctr"/>
+            <a:endParaRPr lang="ko-KR" altLang="en-US" sz="2000">
+              <a:solidFill>
+                <a:schemeClr val="tx1"/>
+              </a:solidFill>
+              <a:latin typeface="Consolas" pitchFamily="49" charset="0"/>
+              <a:cs typeface="Consolas" pitchFamily="49" charset="0"/>
+            </a:endParaRPr>
+          </a:p>
+        </p:txBody>
+      </p:sp>
+      <p:sp>
+        <p:nvSpPr>
+          <p:cNvPr id="11" name="직사각형 10">
+            <a:extLst>
+              <a:ext uri="{FF2B5EF4-FFF2-40B4-BE49-F238E27FC236}">
+                <a16:creationId xmlns:a16="http://schemas.microsoft.com/office/drawing/2014/main" id="{9E130DAE-85D6-4168-9054-88A7BD69B78C}"/>
+              </a:ext>
+            </a:extLst>
+          </p:cNvPr>
+          <p:cNvSpPr/>
+          <p:nvPr/>
+        </p:nvSpPr>
+        <p:spPr>
+          <a:xfrm>
+            <a:off x="5868144" y="1484784"/>
+            <a:ext cx="360040" cy="432048"/>
+          </a:xfrm>
+          <a:prstGeom prst="rect">
+            <a:avLst/>
+          </a:prstGeom>
+          <a:solidFill>
+            <a:srgbClr val="FFFF00"/>
+          </a:solidFill>
+          <a:ln w="9525"/>
+        </p:spPr>
+        <p:style>
+          <a:lnRef idx="2">
+            <a:schemeClr val="accent1">
+              <a:shade val="50000"/>
+            </a:schemeClr>
+          </a:lnRef>
+          <a:fillRef idx="1">
+            <a:schemeClr val="accent1"/>
+          </a:fillRef>
+          <a:effectRef idx="0">
+            <a:schemeClr val="accent1"/>
+          </a:effectRef>
+          <a:fontRef idx="minor">
+            <a:schemeClr val="lt1"/>
+          </a:fontRef>
+        </p:style>
+        <p:txBody>
+          <a:bodyPr rot="0" spcFirstLastPara="0" vertOverflow="overflow" horzOverflow="overflow" vert="horz" wrap="square" lIns="91440" tIns="45720" rIns="91440" bIns="45720" numCol="1" spcCol="0" rtlCol="0" fromWordArt="0" anchor="ctr" anchorCtr="0" forceAA="0" compatLnSpc="1">
+            <a:prstTxWarp prst="textNoShape">
+              <a:avLst/>
+            </a:prstTxWarp>
+            <a:noAutofit/>
+          </a:bodyPr>
+          <a:lstStyle/>
+          <a:p>
+            <a:pPr algn="ctr"/>
+            <a:r>
+              <a:rPr lang="en-US" altLang="ko-KR" sz="2000">
+                <a:solidFill>
+                  <a:schemeClr val="tx1"/>
+                </a:solidFill>
+                <a:latin typeface="Consolas" pitchFamily="49" charset="0"/>
+                <a:cs typeface="Consolas" pitchFamily="49" charset="0"/>
+              </a:rPr>
+              <a:t>0</a:t>
+            </a:r>
+            <a:endParaRPr lang="ko-KR" altLang="en-US" sz="2000">
+              <a:solidFill>
+                <a:schemeClr val="tx1"/>
+              </a:solidFill>
+              <a:latin typeface="Consolas" pitchFamily="49" charset="0"/>
+              <a:cs typeface="Consolas" pitchFamily="49" charset="0"/>
+            </a:endParaRPr>
+          </a:p>
+        </p:txBody>
+      </p:sp>
+      <p:sp>
+        <p:nvSpPr>
+          <p:cNvPr id="12" name="직사각형 11">
+            <a:extLst>
+              <a:ext uri="{FF2B5EF4-FFF2-40B4-BE49-F238E27FC236}">
+                <a16:creationId xmlns:a16="http://schemas.microsoft.com/office/drawing/2014/main" id="{3AD4E742-3E7B-4655-82EF-645268F471A8}"/>
+              </a:ext>
+            </a:extLst>
+          </p:cNvPr>
+          <p:cNvSpPr/>
+          <p:nvPr/>
+        </p:nvSpPr>
+        <p:spPr>
+          <a:xfrm>
+            <a:off x="6228184" y="1484784"/>
+            <a:ext cx="360040" cy="432048"/>
+          </a:xfrm>
+          <a:prstGeom prst="rect">
+            <a:avLst/>
+          </a:prstGeom>
+          <a:solidFill>
+            <a:srgbClr val="FFFF00"/>
+          </a:solidFill>
+          <a:ln w="9525"/>
+        </p:spPr>
+        <p:style>
+          <a:lnRef idx="2">
+            <a:schemeClr val="accent1">
+              <a:shade val="50000"/>
+            </a:schemeClr>
+          </a:lnRef>
+          <a:fillRef idx="1">
+            <a:schemeClr val="accent1"/>
+          </a:fillRef>
+          <a:effectRef idx="0">
+            <a:schemeClr val="accent1"/>
+          </a:effectRef>
+          <a:fontRef idx="minor">
+            <a:schemeClr val="lt1"/>
+          </a:fontRef>
+        </p:style>
+        <p:txBody>
+          <a:bodyPr rot="0" spcFirstLastPara="0" vertOverflow="overflow" horzOverflow="overflow" vert="horz" wrap="square" lIns="91440" tIns="45720" rIns="91440" bIns="45720" numCol="1" spcCol="0" rtlCol="0" fromWordArt="0" anchor="ctr" anchorCtr="0" forceAA="0" compatLnSpc="1">
+            <a:prstTxWarp prst="textNoShape">
+              <a:avLst/>
+            </a:prstTxWarp>
+            <a:noAutofit/>
+          </a:bodyPr>
+          <a:lstStyle/>
+          <a:p>
+            <a:pPr algn="ctr"/>
+            <a:r>
+              <a:rPr lang="en-US" altLang="ko-KR" sz="2000">
+                <a:solidFill>
+                  <a:schemeClr val="tx1"/>
+                </a:solidFill>
+                <a:latin typeface="Consolas" pitchFamily="49" charset="0"/>
+                <a:cs typeface="Consolas" pitchFamily="49" charset="0"/>
+              </a:rPr>
+              <a:t>0</a:t>
+            </a:r>
+            <a:endParaRPr lang="ko-KR" altLang="en-US" sz="2000">
+              <a:solidFill>
+                <a:schemeClr val="tx1"/>
+              </a:solidFill>
+              <a:latin typeface="Consolas" pitchFamily="49" charset="0"/>
+              <a:cs typeface="Consolas" pitchFamily="49" charset="0"/>
+            </a:endParaRPr>
+          </a:p>
+        </p:txBody>
+      </p:sp>
+      <p:sp>
+        <p:nvSpPr>
+          <p:cNvPr id="13" name="직사각형 12">
+            <a:extLst>
+              <a:ext uri="{FF2B5EF4-FFF2-40B4-BE49-F238E27FC236}">
+                <a16:creationId xmlns:a16="http://schemas.microsoft.com/office/drawing/2014/main" id="{9C8D831D-F619-40FC-AD36-502AFD76C677}"/>
+              </a:ext>
+            </a:extLst>
+          </p:cNvPr>
+          <p:cNvSpPr/>
+          <p:nvPr/>
+        </p:nvSpPr>
+        <p:spPr>
+          <a:xfrm>
+            <a:off x="6588224" y="1484784"/>
+            <a:ext cx="648072" cy="432048"/>
+          </a:xfrm>
+          <a:prstGeom prst="rect">
+            <a:avLst/>
+          </a:prstGeom>
+          <a:solidFill>
+            <a:srgbClr val="FFFF00"/>
+          </a:solidFill>
+          <a:ln w="9525"/>
+        </p:spPr>
+        <p:style>
+          <a:lnRef idx="2">
+            <a:schemeClr val="accent1">
+              <a:shade val="50000"/>
+            </a:schemeClr>
+          </a:lnRef>
+          <a:fillRef idx="1">
+            <a:schemeClr val="accent1"/>
+          </a:fillRef>
+          <a:effectRef idx="0">
+            <a:schemeClr val="accent1"/>
+          </a:effectRef>
+          <a:fontRef idx="minor">
+            <a:schemeClr val="lt1"/>
+          </a:fontRef>
+        </p:style>
+        <p:txBody>
+          <a:bodyPr rot="0" spcFirstLastPara="0" vertOverflow="overflow" horzOverflow="overflow" vert="horz" wrap="square" lIns="91440" tIns="45720" rIns="91440" bIns="45720" numCol="1" spcCol="0" rtlCol="0" fromWordArt="0" anchor="ctr" anchorCtr="0" forceAA="0" compatLnSpc="1">
+            <a:prstTxWarp prst="textNoShape">
+              <a:avLst/>
+            </a:prstTxWarp>
+            <a:noAutofit/>
+          </a:bodyPr>
+          <a:lstStyle/>
+          <a:p>
+            <a:pPr algn="ctr"/>
+            <a:r>
+              <a:rPr lang="en-US" altLang="ko-KR" sz="2000">
+                <a:solidFill>
+                  <a:schemeClr val="tx1"/>
+                </a:solidFill>
+                <a:latin typeface="Consolas" pitchFamily="49" charset="0"/>
+                <a:cs typeface="Consolas" pitchFamily="49" charset="0"/>
+              </a:rPr>
+              <a:t>00</a:t>
+            </a:r>
+            <a:endParaRPr lang="ko-KR" altLang="en-US" sz="2000">
+              <a:solidFill>
+                <a:schemeClr val="tx1"/>
+              </a:solidFill>
+              <a:latin typeface="Consolas" pitchFamily="49" charset="0"/>
+              <a:cs typeface="Consolas" pitchFamily="49" charset="0"/>
+            </a:endParaRPr>
+          </a:p>
+        </p:txBody>
+      </p:sp>
+      <p:sp>
+        <p:nvSpPr>
+          <p:cNvPr id="14" name="직사각형 13">
+            <a:extLst>
+              <a:ext uri="{FF2B5EF4-FFF2-40B4-BE49-F238E27FC236}">
+                <a16:creationId xmlns:a16="http://schemas.microsoft.com/office/drawing/2014/main" id="{0E75ED6C-6059-4E77-A225-F8CADDD8E01C}"/>
+              </a:ext>
+            </a:extLst>
+          </p:cNvPr>
+          <p:cNvSpPr/>
+          <p:nvPr/>
+        </p:nvSpPr>
+        <p:spPr>
+          <a:xfrm>
+            <a:off x="5868144" y="1916832"/>
+            <a:ext cx="360040" cy="432048"/>
+          </a:xfrm>
+          <a:prstGeom prst="rect">
+            <a:avLst/>
+          </a:prstGeom>
+          <a:solidFill>
+            <a:srgbClr val="FFFF00"/>
+          </a:solidFill>
+          <a:ln w="9525"/>
+        </p:spPr>
+        <p:style>
+          <a:lnRef idx="2">
+            <a:schemeClr val="accent1">
+              <a:shade val="50000"/>
+            </a:schemeClr>
+          </a:lnRef>
+          <a:fillRef idx="1">
+            <a:schemeClr val="accent1"/>
+          </a:fillRef>
+          <a:effectRef idx="0">
+            <a:schemeClr val="accent1"/>
+          </a:effectRef>
+          <a:fontRef idx="minor">
+            <a:schemeClr val="lt1"/>
+          </a:fontRef>
+        </p:style>
+        <p:txBody>
+          <a:bodyPr rot="0" spcFirstLastPara="0" vertOverflow="overflow" horzOverflow="overflow" vert="horz" wrap="square" lIns="91440" tIns="45720" rIns="91440" bIns="45720" numCol="1" spcCol="0" rtlCol="0" fromWordArt="0" anchor="ctr" anchorCtr="0" forceAA="0" compatLnSpc="1">
+            <a:prstTxWarp prst="textNoShape">
+              <a:avLst/>
+            </a:prstTxWarp>
+            <a:noAutofit/>
+          </a:bodyPr>
+          <a:lstStyle/>
+          <a:p>
+            <a:pPr algn="ctr"/>
+            <a:r>
+              <a:rPr lang="en-US" altLang="ko-KR" sz="2000">
+                <a:solidFill>
+                  <a:schemeClr val="tx1"/>
+                </a:solidFill>
+                <a:latin typeface="Consolas" pitchFamily="49" charset="0"/>
+                <a:cs typeface="Consolas" pitchFamily="49" charset="0"/>
+              </a:rPr>
+              <a:t>0</a:t>
+            </a:r>
+            <a:endParaRPr lang="ko-KR" altLang="en-US" sz="2000">
+              <a:solidFill>
+                <a:schemeClr val="tx1"/>
+              </a:solidFill>
+              <a:latin typeface="Consolas" pitchFamily="49" charset="0"/>
+              <a:cs typeface="Consolas" pitchFamily="49" charset="0"/>
+            </a:endParaRPr>
+          </a:p>
+        </p:txBody>
+      </p:sp>
+      <p:sp>
+        <p:nvSpPr>
+          <p:cNvPr id="15" name="직사각형 14">
+            <a:extLst>
+              <a:ext uri="{FF2B5EF4-FFF2-40B4-BE49-F238E27FC236}">
+                <a16:creationId xmlns:a16="http://schemas.microsoft.com/office/drawing/2014/main" id="{A8EFC149-3C4C-49DF-B5B1-BDB2D1D75C53}"/>
+              </a:ext>
+            </a:extLst>
+          </p:cNvPr>
+          <p:cNvSpPr/>
+          <p:nvPr/>
+        </p:nvSpPr>
+        <p:spPr>
+          <a:xfrm>
+            <a:off x="6228184" y="1916832"/>
+            <a:ext cx="360040" cy="432048"/>
+          </a:xfrm>
+          <a:prstGeom prst="rect">
+            <a:avLst/>
+          </a:prstGeom>
+          <a:solidFill>
+            <a:srgbClr val="FFFF00"/>
+          </a:solidFill>
+          <a:ln w="9525"/>
+        </p:spPr>
+        <p:style>
+          <a:lnRef idx="2">
+            <a:schemeClr val="accent1">
+              <a:shade val="50000"/>
+            </a:schemeClr>
+          </a:lnRef>
+          <a:fillRef idx="1">
+            <a:schemeClr val="accent1"/>
+          </a:fillRef>
+          <a:effectRef idx="0">
+            <a:schemeClr val="accent1"/>
+          </a:effectRef>
+          <a:fontRef idx="minor">
+            <a:schemeClr val="lt1"/>
+          </a:fontRef>
+        </p:style>
+        <p:txBody>
+          <a:bodyPr rot="0" spcFirstLastPara="0" vertOverflow="overflow" horzOverflow="overflow" vert="horz" wrap="square" lIns="91440" tIns="45720" rIns="91440" bIns="45720" numCol="1" spcCol="0" rtlCol="0" fromWordArt="0" anchor="ctr" anchorCtr="0" forceAA="0" compatLnSpc="1">
+            <a:prstTxWarp prst="textNoShape">
+              <a:avLst/>
+            </a:prstTxWarp>
+            <a:noAutofit/>
+          </a:bodyPr>
+          <a:lstStyle/>
+          <a:p>
+            <a:pPr algn="ctr"/>
+            <a:r>
+              <a:rPr lang="en-US" altLang="ko-KR" sz="2000">
+                <a:solidFill>
+                  <a:schemeClr val="tx1"/>
+                </a:solidFill>
+                <a:latin typeface="Consolas" pitchFamily="49" charset="0"/>
+                <a:cs typeface="Consolas" pitchFamily="49" charset="0"/>
+              </a:rPr>
+              <a:t>1</a:t>
+            </a:r>
+            <a:endParaRPr lang="ko-KR" altLang="en-US" sz="2000">
+              <a:solidFill>
+                <a:schemeClr val="tx1"/>
+              </a:solidFill>
+              <a:latin typeface="Consolas" pitchFamily="49" charset="0"/>
+              <a:cs typeface="Consolas" pitchFamily="49" charset="0"/>
+            </a:endParaRPr>
+          </a:p>
+        </p:txBody>
+      </p:sp>
+      <p:sp>
+        <p:nvSpPr>
+          <p:cNvPr id="16" name="직사각형 15">
+            <a:extLst>
+              <a:ext uri="{FF2B5EF4-FFF2-40B4-BE49-F238E27FC236}">
+                <a16:creationId xmlns:a16="http://schemas.microsoft.com/office/drawing/2014/main" id="{92EF728D-59B7-493D-9FB9-930B70A53707}"/>
+              </a:ext>
+            </a:extLst>
+          </p:cNvPr>
+          <p:cNvSpPr/>
+          <p:nvPr/>
+        </p:nvSpPr>
+        <p:spPr>
+          <a:xfrm>
+            <a:off x="6588224" y="1916832"/>
+            <a:ext cx="648072" cy="432048"/>
+          </a:xfrm>
+          <a:prstGeom prst="rect">
+            <a:avLst/>
+          </a:prstGeom>
+          <a:solidFill>
+            <a:srgbClr val="FFFF00"/>
+          </a:solidFill>
+          <a:ln w="9525"/>
+        </p:spPr>
+        <p:style>
+          <a:lnRef idx="2">
+            <a:schemeClr val="accent1">
+              <a:shade val="50000"/>
+            </a:schemeClr>
+          </a:lnRef>
+          <a:fillRef idx="1">
+            <a:schemeClr val="accent1"/>
+          </a:fillRef>
+          <a:effectRef idx="0">
+            <a:schemeClr val="accent1"/>
+          </a:effectRef>
+          <a:fontRef idx="minor">
+            <a:schemeClr val="lt1"/>
+          </a:fontRef>
+        </p:style>
+        <p:txBody>
+          <a:bodyPr rot="0" spcFirstLastPara="0" vertOverflow="overflow" horzOverflow="overflow" vert="horz" wrap="square" lIns="91440" tIns="45720" rIns="91440" bIns="45720" numCol="1" spcCol="0" rtlCol="0" fromWordArt="0" anchor="ctr" anchorCtr="0" forceAA="0" compatLnSpc="1">
+            <a:prstTxWarp prst="textNoShape">
+              <a:avLst/>
+            </a:prstTxWarp>
+            <a:noAutofit/>
+          </a:bodyPr>
+          <a:lstStyle/>
+          <a:p>
+            <a:pPr algn="ctr"/>
+            <a:r>
+              <a:rPr lang="en-US" altLang="ko-KR" sz="2000">
+                <a:solidFill>
+                  <a:schemeClr val="tx1"/>
+                </a:solidFill>
+                <a:latin typeface="Consolas" pitchFamily="49" charset="0"/>
+                <a:cs typeface="Consolas" pitchFamily="49" charset="0"/>
+              </a:rPr>
+              <a:t>01</a:t>
+            </a:r>
+            <a:endParaRPr lang="ko-KR" altLang="en-US" sz="2000">
+              <a:solidFill>
+                <a:schemeClr val="tx1"/>
+              </a:solidFill>
+              <a:latin typeface="Consolas" pitchFamily="49" charset="0"/>
+              <a:cs typeface="Consolas" pitchFamily="49" charset="0"/>
+            </a:endParaRPr>
+          </a:p>
+        </p:txBody>
+      </p:sp>
+      <p:sp>
+        <p:nvSpPr>
+          <p:cNvPr id="17" name="직사각형 16">
+            <a:extLst>
+              <a:ext uri="{FF2B5EF4-FFF2-40B4-BE49-F238E27FC236}">
+                <a16:creationId xmlns:a16="http://schemas.microsoft.com/office/drawing/2014/main" id="{8F746350-3590-47F1-A45D-02392631049E}"/>
+              </a:ext>
+            </a:extLst>
+          </p:cNvPr>
+          <p:cNvSpPr/>
+          <p:nvPr/>
+        </p:nvSpPr>
+        <p:spPr>
+          <a:xfrm>
+            <a:off x="5868144" y="2348880"/>
+            <a:ext cx="360040" cy="432048"/>
+          </a:xfrm>
+          <a:prstGeom prst="rect">
+            <a:avLst/>
+          </a:prstGeom>
+          <a:solidFill>
+            <a:srgbClr val="FFFF00"/>
+          </a:solidFill>
+          <a:ln w="9525"/>
+        </p:spPr>
+        <p:style>
+          <a:lnRef idx="2">
+            <a:schemeClr val="accent1">
+              <a:shade val="50000"/>
+            </a:schemeClr>
+          </a:lnRef>
+          <a:fillRef idx="1">
+            <a:schemeClr val="accent1"/>
+          </a:fillRef>
+          <a:effectRef idx="0">
+            <a:schemeClr val="accent1"/>
+          </a:effectRef>
+          <a:fontRef idx="minor">
+            <a:schemeClr val="lt1"/>
+          </a:fontRef>
+        </p:style>
+        <p:txBody>
+          <a:bodyPr rot="0" spcFirstLastPara="0" vertOverflow="overflow" horzOverflow="overflow" vert="horz" wrap="square" lIns="91440" tIns="45720" rIns="91440" bIns="45720" numCol="1" spcCol="0" rtlCol="0" fromWordArt="0" anchor="ctr" anchorCtr="0" forceAA="0" compatLnSpc="1">
+            <a:prstTxWarp prst="textNoShape">
+              <a:avLst/>
+            </a:prstTxWarp>
+            <a:noAutofit/>
+          </a:bodyPr>
+          <a:lstStyle/>
+          <a:p>
+            <a:pPr algn="ctr"/>
+            <a:r>
+              <a:rPr lang="en-US" altLang="ko-KR" sz="2000">
+                <a:solidFill>
+                  <a:schemeClr val="tx1"/>
+                </a:solidFill>
+                <a:latin typeface="Consolas" pitchFamily="49" charset="0"/>
+                <a:cs typeface="Consolas" pitchFamily="49" charset="0"/>
+              </a:rPr>
+              <a:t>1</a:t>
+            </a:r>
+            <a:endParaRPr lang="ko-KR" altLang="en-US" sz="2000">
+              <a:solidFill>
+                <a:schemeClr val="tx1"/>
+              </a:solidFill>
+              <a:latin typeface="Consolas" pitchFamily="49" charset="0"/>
+              <a:cs typeface="Consolas" pitchFamily="49" charset="0"/>
+            </a:endParaRPr>
+          </a:p>
+        </p:txBody>
+      </p:sp>
+      <p:sp>
+        <p:nvSpPr>
+          <p:cNvPr id="18" name="직사각형 17">
+            <a:extLst>
+              <a:ext uri="{FF2B5EF4-FFF2-40B4-BE49-F238E27FC236}">
+                <a16:creationId xmlns:a16="http://schemas.microsoft.com/office/drawing/2014/main" id="{5CD3B7B6-FD6C-4373-AEDE-2EFF52DA2617}"/>
+              </a:ext>
+            </a:extLst>
+          </p:cNvPr>
+          <p:cNvSpPr/>
+          <p:nvPr/>
+        </p:nvSpPr>
+        <p:spPr>
+          <a:xfrm>
+            <a:off x="6228184" y="2348880"/>
+            <a:ext cx="360040" cy="432048"/>
+          </a:xfrm>
+          <a:prstGeom prst="rect">
+            <a:avLst/>
+          </a:prstGeom>
+          <a:solidFill>
+            <a:srgbClr val="FFFF00"/>
+          </a:solidFill>
+          <a:ln w="9525"/>
+        </p:spPr>
+        <p:style>
+          <a:lnRef idx="2">
+            <a:schemeClr val="accent1">
+              <a:shade val="50000"/>
+            </a:schemeClr>
+          </a:lnRef>
+          <a:fillRef idx="1">
+            <a:schemeClr val="accent1"/>
+          </a:fillRef>
+          <a:effectRef idx="0">
+            <a:schemeClr val="accent1"/>
+          </a:effectRef>
+          <a:fontRef idx="minor">
+            <a:schemeClr val="lt1"/>
+          </a:fontRef>
+        </p:style>
+        <p:txBody>
+          <a:bodyPr rot="0" spcFirstLastPara="0" vertOverflow="overflow" horzOverflow="overflow" vert="horz" wrap="square" lIns="91440" tIns="45720" rIns="91440" bIns="45720" numCol="1" spcCol="0" rtlCol="0" fromWordArt="0" anchor="ctr" anchorCtr="0" forceAA="0" compatLnSpc="1">
+            <a:prstTxWarp prst="textNoShape">
+              <a:avLst/>
+            </a:prstTxWarp>
+            <a:noAutofit/>
+          </a:bodyPr>
+          <a:lstStyle/>
+          <a:p>
+            <a:pPr algn="ctr"/>
+            <a:r>
+              <a:rPr lang="en-US" altLang="ko-KR" sz="2000">
+                <a:solidFill>
+                  <a:schemeClr val="tx1"/>
+                </a:solidFill>
+                <a:latin typeface="Consolas" pitchFamily="49" charset="0"/>
+                <a:cs typeface="Consolas" pitchFamily="49" charset="0"/>
+              </a:rPr>
+              <a:t>0</a:t>
+            </a:r>
+            <a:endParaRPr lang="ko-KR" altLang="en-US" sz="2000">
+              <a:solidFill>
+                <a:schemeClr val="tx1"/>
+              </a:solidFill>
+              <a:latin typeface="Consolas" pitchFamily="49" charset="0"/>
+              <a:cs typeface="Consolas" pitchFamily="49" charset="0"/>
+            </a:endParaRPr>
+          </a:p>
+        </p:txBody>
+      </p:sp>
+      <p:sp>
+        <p:nvSpPr>
+          <p:cNvPr id="19" name="직사각형 18">
+            <a:extLst>
+              <a:ext uri="{FF2B5EF4-FFF2-40B4-BE49-F238E27FC236}">
+                <a16:creationId xmlns:a16="http://schemas.microsoft.com/office/drawing/2014/main" id="{19CAE695-B4AA-4999-993A-ACF70AF3956D}"/>
+              </a:ext>
+            </a:extLst>
+          </p:cNvPr>
+          <p:cNvSpPr/>
+          <p:nvPr/>
+        </p:nvSpPr>
+        <p:spPr>
+          <a:xfrm>
+            <a:off x="6588224" y="2348880"/>
+            <a:ext cx="648072" cy="432048"/>
+          </a:xfrm>
+          <a:prstGeom prst="rect">
+            <a:avLst/>
+          </a:prstGeom>
+          <a:solidFill>
+            <a:srgbClr val="FFFF00"/>
+          </a:solidFill>
+          <a:ln w="9525"/>
+        </p:spPr>
+        <p:style>
+          <a:lnRef idx="2">
+            <a:schemeClr val="accent1">
+              <a:shade val="50000"/>
+            </a:schemeClr>
+          </a:lnRef>
+          <a:fillRef idx="1">
+            <a:schemeClr val="accent1"/>
+          </a:fillRef>
+          <a:effectRef idx="0">
+            <a:schemeClr val="accent1"/>
+          </a:effectRef>
+          <a:fontRef idx="minor">
+            <a:schemeClr val="lt1"/>
+          </a:fontRef>
+        </p:style>
+        <p:txBody>
+          <a:bodyPr rot="0" spcFirstLastPara="0" vertOverflow="overflow" horzOverflow="overflow" vert="horz" wrap="square" lIns="91440" tIns="45720" rIns="91440" bIns="45720" numCol="1" spcCol="0" rtlCol="0" fromWordArt="0" anchor="ctr" anchorCtr="0" forceAA="0" compatLnSpc="1">
+            <a:prstTxWarp prst="textNoShape">
+              <a:avLst/>
+            </a:prstTxWarp>
+            <a:noAutofit/>
+          </a:bodyPr>
+          <a:lstStyle/>
+          <a:p>
+            <a:pPr algn="ctr"/>
+            <a:r>
+              <a:rPr lang="en-US" altLang="ko-KR" sz="2000">
+                <a:solidFill>
+                  <a:schemeClr val="tx1"/>
+                </a:solidFill>
+                <a:latin typeface="Consolas" pitchFamily="49" charset="0"/>
+                <a:cs typeface="Consolas" pitchFamily="49" charset="0"/>
+              </a:rPr>
+              <a:t>01</a:t>
+            </a:r>
+            <a:endParaRPr lang="ko-KR" altLang="en-US" sz="2000">
+              <a:solidFill>
+                <a:schemeClr val="tx1"/>
+              </a:solidFill>
+              <a:latin typeface="Consolas" pitchFamily="49" charset="0"/>
+              <a:cs typeface="Consolas" pitchFamily="49" charset="0"/>
+            </a:endParaRPr>
+          </a:p>
+        </p:txBody>
+      </p:sp>
+      <p:sp>
+        <p:nvSpPr>
+          <p:cNvPr id="20" name="직사각형 19">
+            <a:extLst>
+              <a:ext uri="{FF2B5EF4-FFF2-40B4-BE49-F238E27FC236}">
+                <a16:creationId xmlns:a16="http://schemas.microsoft.com/office/drawing/2014/main" id="{B530EE9B-6772-4E3F-AD74-5CFC431B76EF}"/>
+              </a:ext>
+            </a:extLst>
+          </p:cNvPr>
+          <p:cNvSpPr/>
+          <p:nvPr/>
+        </p:nvSpPr>
+        <p:spPr>
+          <a:xfrm>
+            <a:off x="5868144" y="2780928"/>
+            <a:ext cx="360040" cy="432048"/>
+          </a:xfrm>
+          <a:prstGeom prst="rect">
+            <a:avLst/>
+          </a:prstGeom>
+          <a:solidFill>
+            <a:srgbClr val="FFFF00"/>
+          </a:solidFill>
+          <a:ln w="9525"/>
+        </p:spPr>
+        <p:style>
+          <a:lnRef idx="2">
+            <a:schemeClr val="accent1">
+              <a:shade val="50000"/>
+            </a:schemeClr>
+          </a:lnRef>
+          <a:fillRef idx="1">
+            <a:schemeClr val="accent1"/>
+          </a:fillRef>
+          <a:effectRef idx="0">
+            <a:schemeClr val="accent1"/>
+          </a:effectRef>
+          <a:fontRef idx="minor">
+            <a:schemeClr val="lt1"/>
+          </a:fontRef>
+        </p:style>
+        <p:txBody>
+          <a:bodyPr rot="0" spcFirstLastPara="0" vertOverflow="overflow" horzOverflow="overflow" vert="horz" wrap="square" lIns="91440" tIns="45720" rIns="91440" bIns="45720" numCol="1" spcCol="0" rtlCol="0" fromWordArt="0" anchor="ctr" anchorCtr="0" forceAA="0" compatLnSpc="1">
+            <a:prstTxWarp prst="textNoShape">
+              <a:avLst/>
+            </a:prstTxWarp>
+            <a:noAutofit/>
+          </a:bodyPr>
+          <a:lstStyle/>
+          <a:p>
+            <a:pPr algn="ctr"/>
+            <a:r>
+              <a:rPr lang="en-US" altLang="ko-KR" sz="2000">
+                <a:solidFill>
+                  <a:schemeClr val="tx1"/>
+                </a:solidFill>
+                <a:latin typeface="Consolas" pitchFamily="49" charset="0"/>
+                <a:cs typeface="Consolas" pitchFamily="49" charset="0"/>
+              </a:rPr>
+              <a:t>1</a:t>
+            </a:r>
+            <a:endParaRPr lang="ko-KR" altLang="en-US" sz="2000">
+              <a:solidFill>
+                <a:schemeClr val="tx1"/>
+              </a:solidFill>
+              <a:latin typeface="Consolas" pitchFamily="49" charset="0"/>
+              <a:cs typeface="Consolas" pitchFamily="49" charset="0"/>
+            </a:endParaRPr>
+          </a:p>
+        </p:txBody>
+      </p:sp>
+      <p:sp>
+        <p:nvSpPr>
+          <p:cNvPr id="21" name="직사각형 20">
+            <a:extLst>
+              <a:ext uri="{FF2B5EF4-FFF2-40B4-BE49-F238E27FC236}">
+                <a16:creationId xmlns:a16="http://schemas.microsoft.com/office/drawing/2014/main" id="{0EA77AE8-6500-4843-A069-6351899688E2}"/>
+              </a:ext>
+            </a:extLst>
+          </p:cNvPr>
+          <p:cNvSpPr/>
+          <p:nvPr/>
+        </p:nvSpPr>
+        <p:spPr>
+          <a:xfrm>
+            <a:off x="6228184" y="2780928"/>
+            <a:ext cx="360040" cy="432048"/>
+          </a:xfrm>
+          <a:prstGeom prst="rect">
+            <a:avLst/>
+          </a:prstGeom>
+          <a:solidFill>
+            <a:srgbClr val="FFFF00"/>
+          </a:solidFill>
+          <a:ln w="9525"/>
+        </p:spPr>
+        <p:style>
+          <a:lnRef idx="2">
+            <a:schemeClr val="accent1">
+              <a:shade val="50000"/>
+            </a:schemeClr>
+          </a:lnRef>
+          <a:fillRef idx="1">
+            <a:schemeClr val="accent1"/>
+          </a:fillRef>
+          <a:effectRef idx="0">
+            <a:schemeClr val="accent1"/>
+          </a:effectRef>
+          <a:fontRef idx="minor">
+            <a:schemeClr val="lt1"/>
+          </a:fontRef>
+        </p:style>
+        <p:txBody>
+          <a:bodyPr rot="0" spcFirstLastPara="0" vertOverflow="overflow" horzOverflow="overflow" vert="horz" wrap="square" lIns="91440" tIns="45720" rIns="91440" bIns="45720" numCol="1" spcCol="0" rtlCol="0" fromWordArt="0" anchor="ctr" anchorCtr="0" forceAA="0" compatLnSpc="1">
+            <a:prstTxWarp prst="textNoShape">
+              <a:avLst/>
+            </a:prstTxWarp>
+            <a:noAutofit/>
+          </a:bodyPr>
+          <a:lstStyle/>
+          <a:p>
+            <a:pPr algn="ctr"/>
+            <a:r>
+              <a:rPr lang="en-US" altLang="ko-KR" sz="2000">
+                <a:solidFill>
+                  <a:schemeClr val="tx1"/>
+                </a:solidFill>
+                <a:latin typeface="Consolas" pitchFamily="49" charset="0"/>
+                <a:cs typeface="Consolas" pitchFamily="49" charset="0"/>
+              </a:rPr>
+              <a:t>1</a:t>
+            </a:r>
+            <a:endParaRPr lang="ko-KR" altLang="en-US" sz="2000">
+              <a:solidFill>
+                <a:schemeClr val="tx1"/>
+              </a:solidFill>
+              <a:latin typeface="Consolas" pitchFamily="49" charset="0"/>
+              <a:cs typeface="Consolas" pitchFamily="49" charset="0"/>
+            </a:endParaRPr>
+          </a:p>
+        </p:txBody>
+      </p:sp>
+      <p:sp>
+        <p:nvSpPr>
+          <p:cNvPr id="22" name="직사각형 21">
+            <a:extLst>
+              <a:ext uri="{FF2B5EF4-FFF2-40B4-BE49-F238E27FC236}">
+                <a16:creationId xmlns:a16="http://schemas.microsoft.com/office/drawing/2014/main" id="{1F86C2E2-3590-40FD-880B-B7D9D8000864}"/>
+              </a:ext>
+            </a:extLst>
+          </p:cNvPr>
+          <p:cNvSpPr/>
+          <p:nvPr/>
+        </p:nvSpPr>
+        <p:spPr>
+          <a:xfrm>
+            <a:off x="6588224" y="2780928"/>
+            <a:ext cx="648072" cy="432048"/>
+          </a:xfrm>
+          <a:prstGeom prst="rect">
+            <a:avLst/>
+          </a:prstGeom>
+          <a:solidFill>
+            <a:srgbClr val="FFFF00"/>
+          </a:solidFill>
+          <a:ln w="9525"/>
+        </p:spPr>
+        <p:style>
+          <a:lnRef idx="2">
+            <a:schemeClr val="accent1">
+              <a:shade val="50000"/>
+            </a:schemeClr>
+          </a:lnRef>
+          <a:fillRef idx="1">
+            <a:schemeClr val="accent1"/>
+          </a:fillRef>
+          <a:effectRef idx="0">
+            <a:schemeClr val="accent1"/>
+          </a:effectRef>
+          <a:fontRef idx="minor">
+            <a:schemeClr val="lt1"/>
+          </a:fontRef>
+        </p:style>
+        <p:txBody>
+          <a:bodyPr rot="0" spcFirstLastPara="0" vertOverflow="overflow" horzOverflow="overflow" vert="horz" wrap="square" lIns="91440" tIns="45720" rIns="91440" bIns="45720" numCol="1" spcCol="0" rtlCol="0" fromWordArt="0" anchor="ctr" anchorCtr="0" forceAA="0" compatLnSpc="1">
+            <a:prstTxWarp prst="textNoShape">
+              <a:avLst/>
+            </a:prstTxWarp>
+            <a:noAutofit/>
+          </a:bodyPr>
+          <a:lstStyle/>
+          <a:p>
+            <a:pPr algn="ctr"/>
+            <a:r>
+              <a:rPr lang="en-US" altLang="ko-KR" sz="2000">
+                <a:solidFill>
+                  <a:schemeClr val="tx1"/>
+                </a:solidFill>
+                <a:latin typeface="Consolas" pitchFamily="49" charset="0"/>
+                <a:cs typeface="Consolas" pitchFamily="49" charset="0"/>
+              </a:rPr>
+              <a:t>10</a:t>
+            </a:r>
+            <a:endParaRPr lang="ko-KR" altLang="en-US" sz="2000">
+              <a:solidFill>
+                <a:schemeClr val="tx1"/>
+              </a:solidFill>
+              <a:latin typeface="Consolas" pitchFamily="49" charset="0"/>
+              <a:cs typeface="Consolas" pitchFamily="49" charset="0"/>
+            </a:endParaRPr>
+          </a:p>
+        </p:txBody>
+      </p:sp>
+      <p:sp>
+        <p:nvSpPr>
+          <p:cNvPr id="23" name="직사각형 22">
+            <a:extLst>
+              <a:ext uri="{FF2B5EF4-FFF2-40B4-BE49-F238E27FC236}">
+                <a16:creationId xmlns:a16="http://schemas.microsoft.com/office/drawing/2014/main" id="{EB7B26AA-E383-4329-8CF8-0448F2935293}"/>
+              </a:ext>
+            </a:extLst>
+          </p:cNvPr>
+          <p:cNvSpPr/>
+          <p:nvPr/>
+        </p:nvSpPr>
+        <p:spPr>
+          <a:xfrm>
+            <a:off x="5879253" y="3501008"/>
+            <a:ext cx="360040" cy="432048"/>
+          </a:xfrm>
+          <a:prstGeom prst="rect">
+            <a:avLst/>
+          </a:prstGeom>
+          <a:solidFill>
+            <a:srgbClr val="FFFF00"/>
+          </a:solidFill>
+          <a:ln w="9525"/>
+        </p:spPr>
+        <p:style>
+          <a:lnRef idx="2">
+            <a:schemeClr val="accent1">
+              <a:shade val="50000"/>
+            </a:schemeClr>
+          </a:lnRef>
+          <a:fillRef idx="1">
+            <a:schemeClr val="accent1"/>
+          </a:fillRef>
+          <a:effectRef idx="0">
+            <a:schemeClr val="accent1"/>
+          </a:effectRef>
+          <a:fontRef idx="minor">
+            <a:schemeClr val="lt1"/>
+          </a:fontRef>
+        </p:style>
+        <p:txBody>
+          <a:bodyPr rot="0" spcFirstLastPara="0" vertOverflow="overflow" horzOverflow="overflow" vert="horz" wrap="square" lIns="91440" tIns="45720" rIns="91440" bIns="45720" numCol="1" spcCol="0" rtlCol="0" fromWordArt="0" anchor="ctr" anchorCtr="0" forceAA="0" compatLnSpc="1">
+            <a:prstTxWarp prst="textNoShape">
+              <a:avLst/>
+            </a:prstTxWarp>
+            <a:noAutofit/>
+          </a:bodyPr>
+          <a:lstStyle/>
+          <a:p>
+            <a:pPr algn="ctr"/>
+            <a:r>
+              <a:rPr lang="en-US" altLang="ko-KR" sz="2000">
+                <a:solidFill>
+                  <a:schemeClr val="tx1"/>
+                </a:solidFill>
+                <a:latin typeface="Consolas" pitchFamily="49" charset="0"/>
+                <a:cs typeface="Consolas" pitchFamily="49" charset="0"/>
+              </a:rPr>
+              <a:t>a</a:t>
+            </a:r>
+            <a:endParaRPr lang="ko-KR" altLang="en-US" sz="2000">
+              <a:solidFill>
+                <a:schemeClr val="tx1"/>
+              </a:solidFill>
+              <a:latin typeface="Consolas" pitchFamily="49" charset="0"/>
+              <a:cs typeface="Consolas" pitchFamily="49" charset="0"/>
+            </a:endParaRPr>
+          </a:p>
+        </p:txBody>
+      </p:sp>
+      <p:sp>
+        <p:nvSpPr>
+          <p:cNvPr id="24" name="직사각형 23">
+            <a:extLst>
+              <a:ext uri="{FF2B5EF4-FFF2-40B4-BE49-F238E27FC236}">
+                <a16:creationId xmlns:a16="http://schemas.microsoft.com/office/drawing/2014/main" id="{7726D694-C677-4C9B-B9CA-AF22D85FAB1D}"/>
+              </a:ext>
+            </a:extLst>
+          </p:cNvPr>
+          <p:cNvSpPr/>
+          <p:nvPr/>
+        </p:nvSpPr>
+        <p:spPr>
+          <a:xfrm>
+            <a:off x="6239293" y="3501008"/>
+            <a:ext cx="360040" cy="432048"/>
+          </a:xfrm>
+          <a:prstGeom prst="rect">
+            <a:avLst/>
+          </a:prstGeom>
+          <a:solidFill>
+            <a:srgbClr val="FFFF00"/>
+          </a:solidFill>
+          <a:ln w="9525"/>
+        </p:spPr>
+        <p:style>
+          <a:lnRef idx="2">
+            <a:schemeClr val="accent1">
+              <a:shade val="50000"/>
+            </a:schemeClr>
+          </a:lnRef>
+          <a:fillRef idx="1">
+            <a:schemeClr val="accent1"/>
+          </a:fillRef>
+          <a:effectRef idx="0">
+            <a:schemeClr val="accent1"/>
+          </a:effectRef>
+          <a:fontRef idx="minor">
+            <a:schemeClr val="lt1"/>
+          </a:fontRef>
+        </p:style>
+        <p:txBody>
+          <a:bodyPr rot="0" spcFirstLastPara="0" vertOverflow="overflow" horzOverflow="overflow" vert="horz" wrap="square" lIns="91440" tIns="45720" rIns="91440" bIns="45720" numCol="1" spcCol="0" rtlCol="0" fromWordArt="0" anchor="ctr" anchorCtr="0" forceAA="0" compatLnSpc="1">
+            <a:prstTxWarp prst="textNoShape">
+              <a:avLst/>
+            </a:prstTxWarp>
+            <a:noAutofit/>
+          </a:bodyPr>
+          <a:lstStyle/>
+          <a:p>
+            <a:pPr algn="ctr"/>
+            <a:r>
+              <a:rPr lang="en-US" altLang="ko-KR" sz="2000">
+                <a:solidFill>
+                  <a:schemeClr val="tx1"/>
+                </a:solidFill>
+                <a:latin typeface="Consolas" pitchFamily="49" charset="0"/>
+                <a:cs typeface="Consolas" pitchFamily="49" charset="0"/>
+              </a:rPr>
+              <a:t>b</a:t>
+            </a:r>
+            <a:endParaRPr lang="ko-KR" altLang="en-US" sz="2000">
+              <a:solidFill>
+                <a:schemeClr val="tx1"/>
+              </a:solidFill>
+              <a:latin typeface="Consolas" pitchFamily="49" charset="0"/>
+              <a:cs typeface="Consolas" pitchFamily="49" charset="0"/>
+            </a:endParaRPr>
+          </a:p>
+        </p:txBody>
+      </p:sp>
+      <p:sp>
+        <p:nvSpPr>
+          <p:cNvPr id="25" name="직사각형 24">
+            <a:extLst>
+              <a:ext uri="{FF2B5EF4-FFF2-40B4-BE49-F238E27FC236}">
+                <a16:creationId xmlns:a16="http://schemas.microsoft.com/office/drawing/2014/main" id="{B4E287A3-211D-4B8E-BEF2-A81BD594B7FC}"/>
+              </a:ext>
+            </a:extLst>
+          </p:cNvPr>
+          <p:cNvSpPr/>
+          <p:nvPr/>
+        </p:nvSpPr>
+        <p:spPr>
+          <a:xfrm>
+            <a:off x="6599333" y="3501008"/>
+            <a:ext cx="648072" cy="432048"/>
+          </a:xfrm>
+          <a:prstGeom prst="rect">
+            <a:avLst/>
+          </a:prstGeom>
+          <a:solidFill>
+            <a:srgbClr val="FFFF00"/>
+          </a:solidFill>
+          <a:ln w="9525"/>
+        </p:spPr>
+        <p:style>
+          <a:lnRef idx="2">
+            <a:schemeClr val="accent1">
+              <a:shade val="50000"/>
+            </a:schemeClr>
+          </a:lnRef>
+          <a:fillRef idx="1">
+            <a:schemeClr val="accent1"/>
+          </a:fillRef>
+          <a:effectRef idx="0">
+            <a:schemeClr val="accent1"/>
+          </a:effectRef>
+          <a:fontRef idx="minor">
+            <a:schemeClr val="lt1"/>
+          </a:fontRef>
+        </p:style>
+        <p:txBody>
+          <a:bodyPr rot="0" spcFirstLastPara="0" vertOverflow="overflow" horzOverflow="overflow" vert="horz" wrap="square" lIns="91440" tIns="45720" rIns="91440" bIns="45720" numCol="1" spcCol="0" rtlCol="0" fromWordArt="0" anchor="ctr" anchorCtr="0" forceAA="0" compatLnSpc="1">
+            <a:prstTxWarp prst="textNoShape">
+              <a:avLst/>
+            </a:prstTxWarp>
+            <a:noAutofit/>
+          </a:bodyPr>
+          <a:lstStyle/>
+          <a:p>
+            <a:pPr algn="ctr"/>
+            <a:endParaRPr lang="ko-KR" altLang="en-US" sz="2000">
+              <a:solidFill>
+                <a:schemeClr val="tx1"/>
+              </a:solidFill>
+              <a:latin typeface="Consolas" pitchFamily="49" charset="0"/>
+              <a:cs typeface="Consolas" pitchFamily="49" charset="0"/>
+            </a:endParaRPr>
+          </a:p>
+        </p:txBody>
+      </p:sp>
+      <p:sp>
+        <p:nvSpPr>
+          <p:cNvPr id="26" name="직사각형 25">
+            <a:extLst>
+              <a:ext uri="{FF2B5EF4-FFF2-40B4-BE49-F238E27FC236}">
+                <a16:creationId xmlns:a16="http://schemas.microsoft.com/office/drawing/2014/main" id="{F65ACA10-0EE7-4E11-97F8-7213085D45B0}"/>
+              </a:ext>
+            </a:extLst>
+          </p:cNvPr>
+          <p:cNvSpPr/>
+          <p:nvPr/>
+        </p:nvSpPr>
+        <p:spPr>
+          <a:xfrm>
+            <a:off x="5879253" y="3933056"/>
+            <a:ext cx="360040" cy="432048"/>
+          </a:xfrm>
+          <a:prstGeom prst="rect">
+            <a:avLst/>
+          </a:prstGeom>
+          <a:solidFill>
+            <a:srgbClr val="FFFF00"/>
+          </a:solidFill>
+          <a:ln w="9525"/>
+        </p:spPr>
+        <p:style>
+          <a:lnRef idx="2">
+            <a:schemeClr val="accent1">
+              <a:shade val="50000"/>
+            </a:schemeClr>
+          </a:lnRef>
+          <a:fillRef idx="1">
+            <a:schemeClr val="accent1"/>
+          </a:fillRef>
+          <a:effectRef idx="0">
+            <a:schemeClr val="accent1"/>
+          </a:effectRef>
+          <a:fontRef idx="minor">
+            <a:schemeClr val="lt1"/>
+          </a:fontRef>
+        </p:style>
+        <p:txBody>
+          <a:bodyPr rot="0" spcFirstLastPara="0" vertOverflow="overflow" horzOverflow="overflow" vert="horz" wrap="square" lIns="91440" tIns="45720" rIns="91440" bIns="45720" numCol="1" spcCol="0" rtlCol="0" fromWordArt="0" anchor="ctr" anchorCtr="0" forceAA="0" compatLnSpc="1">
+            <a:prstTxWarp prst="textNoShape">
+              <a:avLst/>
+            </a:prstTxWarp>
+            <a:noAutofit/>
+          </a:bodyPr>
+          <a:lstStyle/>
+          <a:p>
+            <a:pPr algn="ctr"/>
+            <a:r>
+              <a:rPr lang="en-US" altLang="ko-KR" sz="2000">
+                <a:solidFill>
+                  <a:schemeClr val="tx1"/>
+                </a:solidFill>
+                <a:latin typeface="Consolas" pitchFamily="49" charset="0"/>
+                <a:cs typeface="Consolas" pitchFamily="49" charset="0"/>
+              </a:rPr>
+              <a:t>0</a:t>
+            </a:r>
+            <a:endParaRPr lang="ko-KR" altLang="en-US" sz="2000">
+              <a:solidFill>
+                <a:schemeClr val="tx1"/>
+              </a:solidFill>
+              <a:latin typeface="Consolas" pitchFamily="49" charset="0"/>
+              <a:cs typeface="Consolas" pitchFamily="49" charset="0"/>
+            </a:endParaRPr>
+          </a:p>
+        </p:txBody>
+      </p:sp>
+      <p:sp>
+        <p:nvSpPr>
+          <p:cNvPr id="27" name="직사각형 26">
+            <a:extLst>
+              <a:ext uri="{FF2B5EF4-FFF2-40B4-BE49-F238E27FC236}">
+                <a16:creationId xmlns:a16="http://schemas.microsoft.com/office/drawing/2014/main" id="{C96A0CB8-9629-4019-B850-4BBBD93F4821}"/>
+              </a:ext>
+            </a:extLst>
+          </p:cNvPr>
+          <p:cNvSpPr/>
+          <p:nvPr/>
+        </p:nvSpPr>
+        <p:spPr>
+          <a:xfrm>
+            <a:off x="6239293" y="3933056"/>
+            <a:ext cx="360040" cy="432048"/>
+          </a:xfrm>
+          <a:prstGeom prst="rect">
+            <a:avLst/>
+          </a:prstGeom>
+          <a:solidFill>
+            <a:srgbClr val="FFFF00"/>
+          </a:solidFill>
+          <a:ln w="9525"/>
+        </p:spPr>
+        <p:style>
+          <a:lnRef idx="2">
+            <a:schemeClr val="accent1">
+              <a:shade val="50000"/>
+            </a:schemeClr>
+          </a:lnRef>
+          <a:fillRef idx="1">
+            <a:schemeClr val="accent1"/>
+          </a:fillRef>
+          <a:effectRef idx="0">
+            <a:schemeClr val="accent1"/>
+          </a:effectRef>
+          <a:fontRef idx="minor">
+            <a:schemeClr val="lt1"/>
+          </a:fontRef>
+        </p:style>
+        <p:txBody>
+          <a:bodyPr rot="0" spcFirstLastPara="0" vertOverflow="overflow" horzOverflow="overflow" vert="horz" wrap="square" lIns="91440" tIns="45720" rIns="91440" bIns="45720" numCol="1" spcCol="0" rtlCol="0" fromWordArt="0" anchor="ctr" anchorCtr="0" forceAA="0" compatLnSpc="1">
+            <a:prstTxWarp prst="textNoShape">
+              <a:avLst/>
+            </a:prstTxWarp>
+            <a:noAutofit/>
+          </a:bodyPr>
+          <a:lstStyle/>
+          <a:p>
+            <a:pPr algn="ctr"/>
+            <a:r>
+              <a:rPr lang="en-US" altLang="ko-KR" sz="2000">
+                <a:solidFill>
+                  <a:schemeClr val="tx1"/>
+                </a:solidFill>
+                <a:latin typeface="Consolas" pitchFamily="49" charset="0"/>
+                <a:cs typeface="Consolas" pitchFamily="49" charset="0"/>
+              </a:rPr>
+              <a:t>0</a:t>
+            </a:r>
+            <a:endParaRPr lang="ko-KR" altLang="en-US" sz="2000">
+              <a:solidFill>
+                <a:schemeClr val="tx1"/>
+              </a:solidFill>
+              <a:latin typeface="Consolas" pitchFamily="49" charset="0"/>
+              <a:cs typeface="Consolas" pitchFamily="49" charset="0"/>
+            </a:endParaRPr>
+          </a:p>
+        </p:txBody>
+      </p:sp>
+      <p:sp>
+        <p:nvSpPr>
+          <p:cNvPr id="28" name="직사각형 27">
+            <a:extLst>
+              <a:ext uri="{FF2B5EF4-FFF2-40B4-BE49-F238E27FC236}">
+                <a16:creationId xmlns:a16="http://schemas.microsoft.com/office/drawing/2014/main" id="{703022E4-1B9F-4DFE-A0B5-D3C4274DB5F6}"/>
+              </a:ext>
+            </a:extLst>
+          </p:cNvPr>
+          <p:cNvSpPr/>
+          <p:nvPr/>
+        </p:nvSpPr>
+        <p:spPr>
+          <a:xfrm>
+            <a:off x="6599333" y="3933056"/>
+            <a:ext cx="648072" cy="432048"/>
+          </a:xfrm>
+          <a:prstGeom prst="rect">
+            <a:avLst/>
+          </a:prstGeom>
+          <a:solidFill>
+            <a:srgbClr val="FFFF00"/>
+          </a:solidFill>
+          <a:ln w="9525"/>
+        </p:spPr>
+        <p:style>
+          <a:lnRef idx="2">
+            <a:schemeClr val="accent1">
+              <a:shade val="50000"/>
+            </a:schemeClr>
+          </a:lnRef>
+          <a:fillRef idx="1">
+            <a:schemeClr val="accent1"/>
+          </a:fillRef>
+          <a:effectRef idx="0">
+            <a:schemeClr val="accent1"/>
+          </a:effectRef>
+          <a:fontRef idx="minor">
+            <a:schemeClr val="lt1"/>
+          </a:fontRef>
+        </p:style>
+        <p:txBody>
+          <a:bodyPr rot="0" spcFirstLastPara="0" vertOverflow="overflow" horzOverflow="overflow" vert="horz" wrap="square" lIns="91440" tIns="45720" rIns="91440" bIns="45720" numCol="1" spcCol="0" rtlCol="0" fromWordArt="0" anchor="ctr" anchorCtr="0" forceAA="0" compatLnSpc="1">
+            <a:prstTxWarp prst="textNoShape">
+              <a:avLst/>
+            </a:prstTxWarp>
+            <a:noAutofit/>
+          </a:bodyPr>
+          <a:lstStyle/>
+          <a:p>
+            <a:pPr algn="ctr"/>
+            <a:r>
+              <a:rPr lang="en-US" altLang="ko-KR" sz="2000">
+                <a:solidFill>
+                  <a:schemeClr val="tx1"/>
+                </a:solidFill>
+                <a:latin typeface="Consolas" pitchFamily="49" charset="0"/>
+                <a:cs typeface="Consolas" pitchFamily="49" charset="0"/>
+              </a:rPr>
+              <a:t>00</a:t>
+            </a:r>
+            <a:endParaRPr lang="ko-KR" altLang="en-US" sz="2000">
+              <a:solidFill>
+                <a:schemeClr val="tx1"/>
+              </a:solidFill>
+              <a:latin typeface="Consolas" pitchFamily="49" charset="0"/>
+              <a:cs typeface="Consolas" pitchFamily="49" charset="0"/>
+            </a:endParaRPr>
+          </a:p>
+        </p:txBody>
+      </p:sp>
+      <p:sp>
+        <p:nvSpPr>
+          <p:cNvPr id="29" name="직사각형 28">
+            <a:extLst>
+              <a:ext uri="{FF2B5EF4-FFF2-40B4-BE49-F238E27FC236}">
+                <a16:creationId xmlns:a16="http://schemas.microsoft.com/office/drawing/2014/main" id="{059966F5-398F-473A-98A5-34097DC28032}"/>
+              </a:ext>
+            </a:extLst>
+          </p:cNvPr>
+          <p:cNvSpPr/>
+          <p:nvPr/>
+        </p:nvSpPr>
+        <p:spPr>
+          <a:xfrm>
+            <a:off x="5879253" y="4365104"/>
+            <a:ext cx="360040" cy="432048"/>
+          </a:xfrm>
+          <a:prstGeom prst="rect">
+            <a:avLst/>
+          </a:prstGeom>
+          <a:solidFill>
+            <a:srgbClr val="FFFF00"/>
+          </a:solidFill>
+          <a:ln w="9525"/>
+        </p:spPr>
+        <p:style>
+          <a:lnRef idx="2">
+            <a:schemeClr val="accent1">
+              <a:shade val="50000"/>
+            </a:schemeClr>
+          </a:lnRef>
+          <a:fillRef idx="1">
+            <a:schemeClr val="accent1"/>
+          </a:fillRef>
+          <a:effectRef idx="0">
+            <a:schemeClr val="accent1"/>
+          </a:effectRef>
+          <a:fontRef idx="minor">
+            <a:schemeClr val="lt1"/>
+          </a:fontRef>
+        </p:style>
+        <p:txBody>
+          <a:bodyPr rot="0" spcFirstLastPara="0" vertOverflow="overflow" horzOverflow="overflow" vert="horz" wrap="square" lIns="91440" tIns="45720" rIns="91440" bIns="45720" numCol="1" spcCol="0" rtlCol="0" fromWordArt="0" anchor="ctr" anchorCtr="0" forceAA="0" compatLnSpc="1">
+            <a:prstTxWarp prst="textNoShape">
+              <a:avLst/>
+            </a:prstTxWarp>
+            <a:noAutofit/>
+          </a:bodyPr>
+          <a:lstStyle/>
+          <a:p>
+            <a:pPr algn="ctr"/>
+            <a:r>
+              <a:rPr lang="en-US" altLang="ko-KR" sz="2000">
+                <a:solidFill>
+                  <a:schemeClr val="tx1"/>
+                </a:solidFill>
+                <a:latin typeface="Consolas" pitchFamily="49" charset="0"/>
+                <a:cs typeface="Consolas" pitchFamily="49" charset="0"/>
+              </a:rPr>
+              <a:t>0</a:t>
+            </a:r>
+            <a:endParaRPr lang="ko-KR" altLang="en-US" sz="2000">
+              <a:solidFill>
+                <a:schemeClr val="tx1"/>
+              </a:solidFill>
+              <a:latin typeface="Consolas" pitchFamily="49" charset="0"/>
+              <a:cs typeface="Consolas" pitchFamily="49" charset="0"/>
+            </a:endParaRPr>
+          </a:p>
+        </p:txBody>
+      </p:sp>
+      <p:sp>
+        <p:nvSpPr>
+          <p:cNvPr id="30" name="직사각형 29">
+            <a:extLst>
+              <a:ext uri="{FF2B5EF4-FFF2-40B4-BE49-F238E27FC236}">
+                <a16:creationId xmlns:a16="http://schemas.microsoft.com/office/drawing/2014/main" id="{C680FF2D-1813-4CD2-B5AF-7988B951C27D}"/>
+              </a:ext>
+            </a:extLst>
+          </p:cNvPr>
+          <p:cNvSpPr/>
+          <p:nvPr/>
+        </p:nvSpPr>
+        <p:spPr>
+          <a:xfrm>
+            <a:off x="6239293" y="4365104"/>
+            <a:ext cx="360040" cy="432048"/>
+          </a:xfrm>
+          <a:prstGeom prst="rect">
+            <a:avLst/>
+          </a:prstGeom>
+          <a:solidFill>
+            <a:srgbClr val="FFFF00"/>
+          </a:solidFill>
+          <a:ln w="9525"/>
+        </p:spPr>
+        <p:style>
+          <a:lnRef idx="2">
+            <a:schemeClr val="accent1">
+              <a:shade val="50000"/>
+            </a:schemeClr>
+          </a:lnRef>
+          <a:fillRef idx="1">
+            <a:schemeClr val="accent1"/>
+          </a:fillRef>
+          <a:effectRef idx="0">
+            <a:schemeClr val="accent1"/>
+          </a:effectRef>
+          <a:fontRef idx="minor">
+            <a:schemeClr val="lt1"/>
+          </a:fontRef>
+        </p:style>
+        <p:txBody>
+          <a:bodyPr rot="0" spcFirstLastPara="0" vertOverflow="overflow" horzOverflow="overflow" vert="horz" wrap="square" lIns="91440" tIns="45720" rIns="91440" bIns="45720" numCol="1" spcCol="0" rtlCol="0" fromWordArt="0" anchor="ctr" anchorCtr="0" forceAA="0" compatLnSpc="1">
+            <a:prstTxWarp prst="textNoShape">
+              <a:avLst/>
+            </a:prstTxWarp>
+            <a:noAutofit/>
+          </a:bodyPr>
+          <a:lstStyle/>
+          <a:p>
+            <a:pPr algn="ctr"/>
+            <a:r>
+              <a:rPr lang="en-US" altLang="ko-KR" sz="2000">
+                <a:solidFill>
+                  <a:schemeClr val="tx1"/>
+                </a:solidFill>
+                <a:latin typeface="Consolas" pitchFamily="49" charset="0"/>
+                <a:cs typeface="Consolas" pitchFamily="49" charset="0"/>
+              </a:rPr>
+              <a:t>1</a:t>
+            </a:r>
+            <a:endParaRPr lang="ko-KR" altLang="en-US" sz="2000">
+              <a:solidFill>
+                <a:schemeClr val="tx1"/>
+              </a:solidFill>
+              <a:latin typeface="Consolas" pitchFamily="49" charset="0"/>
+              <a:cs typeface="Consolas" pitchFamily="49" charset="0"/>
+            </a:endParaRPr>
+          </a:p>
+        </p:txBody>
+      </p:sp>
+      <p:sp>
+        <p:nvSpPr>
+          <p:cNvPr id="31" name="직사각형 30">
+            <a:extLst>
+              <a:ext uri="{FF2B5EF4-FFF2-40B4-BE49-F238E27FC236}">
+                <a16:creationId xmlns:a16="http://schemas.microsoft.com/office/drawing/2014/main" id="{747CA03F-FD36-4120-8EB7-26389EC5F4C5}"/>
+              </a:ext>
+            </a:extLst>
+          </p:cNvPr>
+          <p:cNvSpPr/>
+          <p:nvPr/>
+        </p:nvSpPr>
+        <p:spPr>
+          <a:xfrm>
+            <a:off x="6599333" y="4365104"/>
+            <a:ext cx="648072" cy="432048"/>
+          </a:xfrm>
+          <a:prstGeom prst="rect">
+            <a:avLst/>
+          </a:prstGeom>
+          <a:solidFill>
+            <a:srgbClr val="FFFF00"/>
+          </a:solidFill>
+          <a:ln w="9525"/>
+        </p:spPr>
+        <p:style>
+          <a:lnRef idx="2">
+            <a:schemeClr val="accent1">
+              <a:shade val="50000"/>
+            </a:schemeClr>
+          </a:lnRef>
+          <a:fillRef idx="1">
+            <a:schemeClr val="accent1"/>
+          </a:fillRef>
+          <a:effectRef idx="0">
+            <a:schemeClr val="accent1"/>
+          </a:effectRef>
+          <a:fontRef idx="minor">
+            <a:schemeClr val="lt1"/>
+          </a:fontRef>
+        </p:style>
+        <p:txBody>
+          <a:bodyPr rot="0" spcFirstLastPara="0" vertOverflow="overflow" horzOverflow="overflow" vert="horz" wrap="square" lIns="91440" tIns="45720" rIns="91440" bIns="45720" numCol="1" spcCol="0" rtlCol="0" fromWordArt="0" anchor="ctr" anchorCtr="0" forceAA="0" compatLnSpc="1">
+            <a:prstTxWarp prst="textNoShape">
+              <a:avLst/>
+            </a:prstTxWarp>
+            <a:noAutofit/>
+          </a:bodyPr>
+          <a:lstStyle/>
+          <a:p>
+            <a:pPr algn="ctr"/>
+            <a:r>
+              <a:rPr lang="en-US" altLang="ko-KR" sz="2000">
+                <a:solidFill>
+                  <a:schemeClr val="tx1"/>
+                </a:solidFill>
+                <a:latin typeface="Consolas" pitchFamily="49" charset="0"/>
+                <a:cs typeface="Consolas" pitchFamily="49" charset="0"/>
+              </a:rPr>
+              <a:t>01</a:t>
+            </a:r>
+            <a:endParaRPr lang="ko-KR" altLang="en-US" sz="2000">
+              <a:solidFill>
+                <a:schemeClr val="tx1"/>
+              </a:solidFill>
+              <a:latin typeface="Consolas" pitchFamily="49" charset="0"/>
+              <a:cs typeface="Consolas" pitchFamily="49" charset="0"/>
+            </a:endParaRPr>
+          </a:p>
+        </p:txBody>
+      </p:sp>
+      <p:sp>
+        <p:nvSpPr>
+          <p:cNvPr id="32" name="직사각형 31">
+            <a:extLst>
+              <a:ext uri="{FF2B5EF4-FFF2-40B4-BE49-F238E27FC236}">
+                <a16:creationId xmlns:a16="http://schemas.microsoft.com/office/drawing/2014/main" id="{83AC2D85-A85A-4CDD-94AC-EB17F5B5C350}"/>
+              </a:ext>
+            </a:extLst>
+          </p:cNvPr>
+          <p:cNvSpPr/>
+          <p:nvPr/>
+        </p:nvSpPr>
+        <p:spPr>
+          <a:xfrm>
+            <a:off x="5879253" y="4797152"/>
+            <a:ext cx="360040" cy="432048"/>
+          </a:xfrm>
+          <a:prstGeom prst="rect">
+            <a:avLst/>
+          </a:prstGeom>
+          <a:solidFill>
+            <a:srgbClr val="FFFF00"/>
+          </a:solidFill>
+          <a:ln w="9525"/>
+        </p:spPr>
+        <p:style>
+          <a:lnRef idx="2">
+            <a:schemeClr val="accent1">
+              <a:shade val="50000"/>
+            </a:schemeClr>
+          </a:lnRef>
+          <a:fillRef idx="1">
+            <a:schemeClr val="accent1"/>
+          </a:fillRef>
+          <a:effectRef idx="0">
+            <a:schemeClr val="accent1"/>
+          </a:effectRef>
+          <a:fontRef idx="minor">
+            <a:schemeClr val="lt1"/>
+          </a:fontRef>
+        </p:style>
+        <p:txBody>
+          <a:bodyPr rot="0" spcFirstLastPara="0" vertOverflow="overflow" horzOverflow="overflow" vert="horz" wrap="square" lIns="91440" tIns="45720" rIns="91440" bIns="45720" numCol="1" spcCol="0" rtlCol="0" fromWordArt="0" anchor="ctr" anchorCtr="0" forceAA="0" compatLnSpc="1">
+            <a:prstTxWarp prst="textNoShape">
+              <a:avLst/>
+            </a:prstTxWarp>
+            <a:noAutofit/>
+          </a:bodyPr>
+          <a:lstStyle/>
+          <a:p>
+            <a:pPr algn="ctr"/>
+            <a:r>
+              <a:rPr lang="en-US" altLang="ko-KR" sz="2000">
+                <a:solidFill>
+                  <a:schemeClr val="tx1"/>
+                </a:solidFill>
+                <a:latin typeface="Consolas" pitchFamily="49" charset="0"/>
+                <a:cs typeface="Consolas" pitchFamily="49" charset="0"/>
+              </a:rPr>
+              <a:t>1</a:t>
+            </a:r>
+            <a:endParaRPr lang="ko-KR" altLang="en-US" sz="2000">
+              <a:solidFill>
+                <a:schemeClr val="tx1"/>
+              </a:solidFill>
+              <a:latin typeface="Consolas" pitchFamily="49" charset="0"/>
+              <a:cs typeface="Consolas" pitchFamily="49" charset="0"/>
+            </a:endParaRPr>
+          </a:p>
+        </p:txBody>
+      </p:sp>
+      <p:sp>
+        <p:nvSpPr>
+          <p:cNvPr id="33" name="직사각형 32">
+            <a:extLst>
+              <a:ext uri="{FF2B5EF4-FFF2-40B4-BE49-F238E27FC236}">
+                <a16:creationId xmlns:a16="http://schemas.microsoft.com/office/drawing/2014/main" id="{289F01E1-53C9-4F8E-9C85-2EC4CBA689D2}"/>
+              </a:ext>
+            </a:extLst>
+          </p:cNvPr>
+          <p:cNvSpPr/>
+          <p:nvPr/>
+        </p:nvSpPr>
+        <p:spPr>
+          <a:xfrm>
+            <a:off x="6239293" y="4797152"/>
+            <a:ext cx="360040" cy="432048"/>
+          </a:xfrm>
+          <a:prstGeom prst="rect">
+            <a:avLst/>
+          </a:prstGeom>
+          <a:solidFill>
+            <a:srgbClr val="FFFF00"/>
+          </a:solidFill>
+          <a:ln w="9525"/>
+        </p:spPr>
+        <p:style>
+          <a:lnRef idx="2">
+            <a:schemeClr val="accent1">
+              <a:shade val="50000"/>
+            </a:schemeClr>
+          </a:lnRef>
+          <a:fillRef idx="1">
+            <a:schemeClr val="accent1"/>
+          </a:fillRef>
+          <a:effectRef idx="0">
+            <a:schemeClr val="accent1"/>
+          </a:effectRef>
+          <a:fontRef idx="minor">
+            <a:schemeClr val="lt1"/>
+          </a:fontRef>
+        </p:style>
+        <p:txBody>
+          <a:bodyPr rot="0" spcFirstLastPara="0" vertOverflow="overflow" horzOverflow="overflow" vert="horz" wrap="square" lIns="91440" tIns="45720" rIns="91440" bIns="45720" numCol="1" spcCol="0" rtlCol="0" fromWordArt="0" anchor="ctr" anchorCtr="0" forceAA="0" compatLnSpc="1">
+            <a:prstTxWarp prst="textNoShape">
+              <a:avLst/>
+            </a:prstTxWarp>
+            <a:noAutofit/>
+          </a:bodyPr>
+          <a:lstStyle/>
+          <a:p>
+            <a:pPr algn="ctr"/>
+            <a:r>
+              <a:rPr lang="en-US" altLang="ko-KR" sz="2000">
+                <a:solidFill>
+                  <a:schemeClr val="tx1"/>
+                </a:solidFill>
+                <a:latin typeface="Consolas" pitchFamily="49" charset="0"/>
+                <a:cs typeface="Consolas" pitchFamily="49" charset="0"/>
+              </a:rPr>
+              <a:t>0</a:t>
+            </a:r>
+            <a:endParaRPr lang="ko-KR" altLang="en-US" sz="2000">
+              <a:solidFill>
+                <a:schemeClr val="tx1"/>
+              </a:solidFill>
+              <a:latin typeface="Consolas" pitchFamily="49" charset="0"/>
+              <a:cs typeface="Consolas" pitchFamily="49" charset="0"/>
+            </a:endParaRPr>
+          </a:p>
+        </p:txBody>
+      </p:sp>
+      <p:sp>
+        <p:nvSpPr>
+          <p:cNvPr id="34" name="직사각형 33">
+            <a:extLst>
+              <a:ext uri="{FF2B5EF4-FFF2-40B4-BE49-F238E27FC236}">
+                <a16:creationId xmlns:a16="http://schemas.microsoft.com/office/drawing/2014/main" id="{3E1F20F3-C320-4957-8D45-FE1342E38B0F}"/>
+              </a:ext>
+            </a:extLst>
+          </p:cNvPr>
+          <p:cNvSpPr/>
+          <p:nvPr/>
+        </p:nvSpPr>
+        <p:spPr>
+          <a:xfrm>
+            <a:off x="6599333" y="4797152"/>
+            <a:ext cx="648072" cy="432048"/>
+          </a:xfrm>
+          <a:prstGeom prst="rect">
+            <a:avLst/>
+          </a:prstGeom>
+          <a:solidFill>
+            <a:srgbClr val="FFFF00"/>
+          </a:solidFill>
+          <a:ln w="9525"/>
+        </p:spPr>
+        <p:style>
+          <a:lnRef idx="2">
+            <a:schemeClr val="accent1">
+              <a:shade val="50000"/>
+            </a:schemeClr>
+          </a:lnRef>
+          <a:fillRef idx="1">
+            <a:schemeClr val="accent1"/>
+          </a:fillRef>
+          <a:effectRef idx="0">
+            <a:schemeClr val="accent1"/>
+          </a:effectRef>
+          <a:fontRef idx="minor">
+            <a:schemeClr val="lt1"/>
+          </a:fontRef>
+        </p:style>
+        <p:txBody>
+          <a:bodyPr rot="0" spcFirstLastPara="0" vertOverflow="overflow" horzOverflow="overflow" vert="horz" wrap="square" lIns="91440" tIns="45720" rIns="91440" bIns="45720" numCol="1" spcCol="0" rtlCol="0" fromWordArt="0" anchor="ctr" anchorCtr="0" forceAA="0" compatLnSpc="1">
+            <a:prstTxWarp prst="textNoShape">
+              <a:avLst/>
+            </a:prstTxWarp>
+            <a:noAutofit/>
+          </a:bodyPr>
+          <a:lstStyle/>
+          <a:p>
+            <a:pPr algn="ctr"/>
+            <a:r>
+              <a:rPr lang="en-US" altLang="ko-KR" sz="2000">
+                <a:solidFill>
+                  <a:schemeClr val="tx1"/>
+                </a:solidFill>
+                <a:latin typeface="Consolas" pitchFamily="49" charset="0"/>
+                <a:cs typeface="Consolas" pitchFamily="49" charset="0"/>
+              </a:rPr>
+              <a:t>01</a:t>
+            </a:r>
+            <a:endParaRPr lang="ko-KR" altLang="en-US" sz="2000">
+              <a:solidFill>
+                <a:schemeClr val="tx1"/>
+              </a:solidFill>
+              <a:latin typeface="Consolas" pitchFamily="49" charset="0"/>
+              <a:cs typeface="Consolas" pitchFamily="49" charset="0"/>
+            </a:endParaRPr>
+          </a:p>
+        </p:txBody>
+      </p:sp>
+      <p:sp>
+        <p:nvSpPr>
+          <p:cNvPr id="35" name="직사각형 34">
+            <a:extLst>
+              <a:ext uri="{FF2B5EF4-FFF2-40B4-BE49-F238E27FC236}">
+                <a16:creationId xmlns:a16="http://schemas.microsoft.com/office/drawing/2014/main" id="{B04074B2-4785-4CE1-A9C3-BE50C0DBF17F}"/>
+              </a:ext>
+            </a:extLst>
+          </p:cNvPr>
+          <p:cNvSpPr/>
+          <p:nvPr/>
+        </p:nvSpPr>
+        <p:spPr>
+          <a:xfrm>
+            <a:off x="5879253" y="5229200"/>
+            <a:ext cx="360040" cy="432048"/>
+          </a:xfrm>
+          <a:prstGeom prst="rect">
+            <a:avLst/>
+          </a:prstGeom>
+          <a:solidFill>
+            <a:srgbClr val="FFFF00"/>
+          </a:solidFill>
+          <a:ln w="9525"/>
+        </p:spPr>
+        <p:style>
+          <a:lnRef idx="2">
+            <a:schemeClr val="accent1">
+              <a:shade val="50000"/>
+            </a:schemeClr>
+          </a:lnRef>
+          <a:fillRef idx="1">
+            <a:schemeClr val="accent1"/>
+          </a:fillRef>
+          <a:effectRef idx="0">
+            <a:schemeClr val="accent1"/>
+          </a:effectRef>
+          <a:fontRef idx="minor">
+            <a:schemeClr val="lt1"/>
+          </a:fontRef>
+        </p:style>
+        <p:txBody>
+          <a:bodyPr rot="0" spcFirstLastPara="0" vertOverflow="overflow" horzOverflow="overflow" vert="horz" wrap="square" lIns="91440" tIns="45720" rIns="91440" bIns="45720" numCol="1" spcCol="0" rtlCol="0" fromWordArt="0" anchor="ctr" anchorCtr="0" forceAA="0" compatLnSpc="1">
+            <a:prstTxWarp prst="textNoShape">
+              <a:avLst/>
+            </a:prstTxWarp>
+            <a:noAutofit/>
+          </a:bodyPr>
+          <a:lstStyle/>
+          <a:p>
+            <a:pPr algn="ctr"/>
+            <a:r>
+              <a:rPr lang="en-US" altLang="ko-KR" sz="2000">
+                <a:solidFill>
+                  <a:schemeClr val="tx1"/>
+                </a:solidFill>
+                <a:latin typeface="Consolas" pitchFamily="49" charset="0"/>
+                <a:cs typeface="Consolas" pitchFamily="49" charset="0"/>
+              </a:rPr>
+              <a:t>1</a:t>
+            </a:r>
+            <a:endParaRPr lang="ko-KR" altLang="en-US" sz="2000">
+              <a:solidFill>
+                <a:schemeClr val="tx1"/>
+              </a:solidFill>
+              <a:latin typeface="Consolas" pitchFamily="49" charset="0"/>
+              <a:cs typeface="Consolas" pitchFamily="49" charset="0"/>
+            </a:endParaRPr>
+          </a:p>
+        </p:txBody>
+      </p:sp>
+      <p:sp>
+        <p:nvSpPr>
+          <p:cNvPr id="36" name="직사각형 35">
+            <a:extLst>
+              <a:ext uri="{FF2B5EF4-FFF2-40B4-BE49-F238E27FC236}">
+                <a16:creationId xmlns:a16="http://schemas.microsoft.com/office/drawing/2014/main" id="{82701903-0E1E-42C1-8EB5-ECD91E86FC31}"/>
+              </a:ext>
+            </a:extLst>
+          </p:cNvPr>
+          <p:cNvSpPr/>
+          <p:nvPr/>
+        </p:nvSpPr>
+        <p:spPr>
+          <a:xfrm>
+            <a:off x="6239293" y="5229200"/>
+            <a:ext cx="360040" cy="432048"/>
+          </a:xfrm>
+          <a:prstGeom prst="rect">
+            <a:avLst/>
+          </a:prstGeom>
+          <a:solidFill>
+            <a:srgbClr val="FFFF00"/>
+          </a:solidFill>
+          <a:ln w="9525"/>
+        </p:spPr>
+        <p:style>
+          <a:lnRef idx="2">
+            <a:schemeClr val="accent1">
+              <a:shade val="50000"/>
+            </a:schemeClr>
+          </a:lnRef>
+          <a:fillRef idx="1">
+            <a:schemeClr val="accent1"/>
+          </a:fillRef>
+          <a:effectRef idx="0">
+            <a:schemeClr val="accent1"/>
+          </a:effectRef>
+          <a:fontRef idx="minor">
+            <a:schemeClr val="lt1"/>
+          </a:fontRef>
+        </p:style>
+        <p:txBody>
+          <a:bodyPr rot="0" spcFirstLastPara="0" vertOverflow="overflow" horzOverflow="overflow" vert="horz" wrap="square" lIns="91440" tIns="45720" rIns="91440" bIns="45720" numCol="1" spcCol="0" rtlCol="0" fromWordArt="0" anchor="ctr" anchorCtr="0" forceAA="0" compatLnSpc="1">
+            <a:prstTxWarp prst="textNoShape">
+              <a:avLst/>
+            </a:prstTxWarp>
+            <a:noAutofit/>
+          </a:bodyPr>
+          <a:lstStyle/>
+          <a:p>
+            <a:pPr algn="ctr"/>
+            <a:r>
+              <a:rPr lang="en-US" altLang="ko-KR" sz="2000">
+                <a:solidFill>
+                  <a:schemeClr val="tx1"/>
+                </a:solidFill>
+                <a:latin typeface="Consolas" pitchFamily="49" charset="0"/>
+                <a:cs typeface="Consolas" pitchFamily="49" charset="0"/>
+              </a:rPr>
+              <a:t>1</a:t>
+            </a:r>
+            <a:endParaRPr lang="ko-KR" altLang="en-US" sz="2000">
+              <a:solidFill>
+                <a:schemeClr val="tx1"/>
+              </a:solidFill>
+              <a:latin typeface="Consolas" pitchFamily="49" charset="0"/>
+              <a:cs typeface="Consolas" pitchFamily="49" charset="0"/>
+            </a:endParaRPr>
+          </a:p>
+        </p:txBody>
+      </p:sp>
+      <p:sp>
+        <p:nvSpPr>
+          <p:cNvPr id="37" name="직사각형 36">
+            <a:extLst>
+              <a:ext uri="{FF2B5EF4-FFF2-40B4-BE49-F238E27FC236}">
+                <a16:creationId xmlns:a16="http://schemas.microsoft.com/office/drawing/2014/main" id="{445DE598-0A8C-4AB5-88FA-45719CB88BFF}"/>
+              </a:ext>
+            </a:extLst>
+          </p:cNvPr>
+          <p:cNvSpPr/>
+          <p:nvPr/>
+        </p:nvSpPr>
+        <p:spPr>
+          <a:xfrm>
+            <a:off x="6599333" y="5229200"/>
+            <a:ext cx="648072" cy="432048"/>
+          </a:xfrm>
+          <a:prstGeom prst="rect">
+            <a:avLst/>
+          </a:prstGeom>
+          <a:solidFill>
+            <a:srgbClr val="FFFF00"/>
+          </a:solidFill>
+          <a:ln w="9525"/>
+        </p:spPr>
+        <p:style>
+          <a:lnRef idx="2">
+            <a:schemeClr val="accent1">
+              <a:shade val="50000"/>
+            </a:schemeClr>
+          </a:lnRef>
+          <a:fillRef idx="1">
+            <a:schemeClr val="accent1"/>
+          </a:fillRef>
+          <a:effectRef idx="0">
+            <a:schemeClr val="accent1"/>
+          </a:effectRef>
+          <a:fontRef idx="minor">
+            <a:schemeClr val="lt1"/>
+          </a:fontRef>
+        </p:style>
+        <p:txBody>
+          <a:bodyPr rot="0" spcFirstLastPara="0" vertOverflow="overflow" horzOverflow="overflow" vert="horz" wrap="square" lIns="91440" tIns="45720" rIns="91440" bIns="45720" numCol="1" spcCol="0" rtlCol="0" fromWordArt="0" anchor="ctr" anchorCtr="0" forceAA="0" compatLnSpc="1">
+            <a:prstTxWarp prst="textNoShape">
+              <a:avLst/>
+            </a:prstTxWarp>
+            <a:noAutofit/>
+          </a:bodyPr>
+          <a:lstStyle/>
+          <a:p>
+            <a:pPr algn="ctr"/>
+            <a:r>
+              <a:rPr lang="en-US" altLang="ko-KR" sz="2000">
+                <a:solidFill>
+                  <a:schemeClr val="tx1"/>
+                </a:solidFill>
+                <a:latin typeface="Consolas" pitchFamily="49" charset="0"/>
+                <a:cs typeface="Consolas" pitchFamily="49" charset="0"/>
+              </a:rPr>
+              <a:t>10</a:t>
+            </a:r>
+            <a:endParaRPr lang="ko-KR" altLang="en-US" sz="2000">
+              <a:solidFill>
+                <a:schemeClr val="tx1"/>
+              </a:solidFill>
+              <a:latin typeface="Consolas" pitchFamily="49" charset="0"/>
+              <a:cs typeface="Consolas" pitchFamily="49" charset="0"/>
+            </a:endParaRPr>
+          </a:p>
+        </p:txBody>
+      </p:sp>
+    </p:spTree>
+    <p:extLst>
+      <p:ext uri="{BB962C8B-B14F-4D97-AF65-F5344CB8AC3E}">
+        <p14:creationId xmlns:p14="http://schemas.microsoft.com/office/powerpoint/2010/main" val="698924879"/>
+      </p:ext>
+    </p:extLst>
+  </p:cSld>
+  <p:clrMapOvr>
+    <a:masterClrMapping/>
+  </p:clrMapOvr>
+</p:sld>
+</file>
+
+<file path=ppt/slides/slide11.xml><?xml version="1.0" encoding="utf-8"?>
+<p:sld xmlns:a="http://schemas.openxmlformats.org/drawingml/2006/main" xmlns:r="http://schemas.openxmlformats.org/officeDocument/2006/relationships" xmlns:p="http://schemas.openxmlformats.org/presentationml/2006/main">
+  <p:cSld>
+    <p:spTree>
+      <p:nvGrpSpPr>
+        <p:cNvPr id="1" name=""/>
+        <p:cNvGrpSpPr/>
+        <p:nvPr/>
+      </p:nvGrpSpPr>
+      <p:grpSpPr>
+        <a:xfrm>
+          <a:off x="0" y="0"/>
+          <a:ext cx="0" cy="0"/>
+          <a:chOff x="0" y="0"/>
+          <a:chExt cx="0" cy="0"/>
+        </a:xfrm>
+      </p:grpSpPr>
+      <p:sp>
+        <p:nvSpPr>
+          <p:cNvPr id="40" name="TextBox 39">
+            <a:extLst>
+              <a:ext uri="{FF2B5EF4-FFF2-40B4-BE49-F238E27FC236}">
+                <a16:creationId xmlns:a16="http://schemas.microsoft.com/office/drawing/2014/main" id="{40A03F83-8756-4750-95D7-C9F8B4C3F0B5}"/>
+              </a:ext>
+            </a:extLst>
+          </p:cNvPr>
+          <p:cNvSpPr txBox="1"/>
+          <p:nvPr/>
+        </p:nvSpPr>
+        <p:spPr>
+          <a:xfrm>
+            <a:off x="179512" y="-27384"/>
+            <a:ext cx="7186583" cy="4801314"/>
+          </a:xfrm>
+          <a:prstGeom prst="rect">
+            <a:avLst/>
+          </a:prstGeom>
+          <a:noFill/>
+        </p:spPr>
+        <p:txBody>
+          <a:bodyPr wrap="none" rtlCol="0">
+            <a:spAutoFit/>
+          </a:bodyPr>
+          <a:lstStyle/>
+          <a:p>
+            <a:r>
+              <a:rPr lang="en-US" altLang="ko-KR">
+                <a:latin typeface="Consolas" pitchFamily="49" charset="0"/>
+                <a:cs typeface="Consolas" pitchFamily="49" charset="0"/>
+              </a:rPr>
+              <a:t>const uint32_t h01 = 0x01010101; </a:t>
+            </a:r>
+          </a:p>
+          <a:p>
+            <a:endParaRPr lang="en-US" altLang="ko-KR">
+              <a:latin typeface="Consolas" pitchFamily="49" charset="0"/>
+              <a:cs typeface="Consolas" pitchFamily="49" charset="0"/>
+            </a:endParaRPr>
+          </a:p>
+          <a:p>
+            <a:r>
+              <a:rPr lang="en-US" altLang="ko-KR">
+                <a:latin typeface="Consolas" pitchFamily="49" charset="0"/>
+                <a:cs typeface="Consolas" pitchFamily="49" charset="0"/>
+              </a:rPr>
+              <a:t>int popcount32c(uint32_t x)</a:t>
+            </a:r>
+          </a:p>
+          <a:p>
+            <a:r>
+              <a:rPr lang="en-US" altLang="ko-KR">
+                <a:latin typeface="Consolas" pitchFamily="49" charset="0"/>
+                <a:cs typeface="Consolas" pitchFamily="49" charset="0"/>
+              </a:rPr>
+              <a:t>{</a:t>
+            </a:r>
+          </a:p>
+          <a:p>
+            <a:r>
+              <a:rPr lang="en-US" altLang="ko-KR">
+                <a:latin typeface="Consolas" pitchFamily="49" charset="0"/>
+                <a:cs typeface="Consolas" pitchFamily="49" charset="0"/>
+              </a:rPr>
+              <a:t>    x -= (x &gt;&gt; 1) &amp; m1;             </a:t>
+            </a:r>
+          </a:p>
+          <a:p>
+            <a:r>
+              <a:rPr lang="en-US" altLang="ko-KR">
+                <a:latin typeface="Consolas" pitchFamily="49" charset="0"/>
+                <a:cs typeface="Consolas" pitchFamily="49" charset="0"/>
+              </a:rPr>
+              <a:t>    x = (x &amp; m2) + ((x &gt;&gt; 2) &amp; m2); </a:t>
+            </a:r>
+          </a:p>
+          <a:p>
+            <a:r>
+              <a:rPr lang="en-US" altLang="ko-KR">
+                <a:latin typeface="Consolas" pitchFamily="49" charset="0"/>
+                <a:cs typeface="Consolas" pitchFamily="49" charset="0"/>
+              </a:rPr>
+              <a:t>    x = (x + (x &gt;&gt; 4)) &amp; m4;        </a:t>
+            </a:r>
+          </a:p>
+          <a:p>
+            <a:r>
+              <a:rPr lang="en-US" altLang="ko-KR">
+                <a:latin typeface="Consolas" pitchFamily="49" charset="0"/>
+                <a:cs typeface="Consolas" pitchFamily="49" charset="0"/>
+              </a:rPr>
+              <a:t>    return (x * h01) &gt;&gt; 24;         </a:t>
+            </a:r>
+          </a:p>
+          <a:p>
+            <a:r>
+              <a:rPr lang="en-US" altLang="ko-KR">
+                <a:latin typeface="Consolas" pitchFamily="49" charset="0"/>
+                <a:cs typeface="Consolas" pitchFamily="49" charset="0"/>
+              </a:rPr>
+              <a:t>}</a:t>
+            </a:r>
+          </a:p>
+          <a:p>
+            <a:endParaRPr lang="en-US" altLang="ko-KR">
+              <a:latin typeface="Consolas" pitchFamily="49" charset="0"/>
+              <a:cs typeface="Consolas" pitchFamily="49" charset="0"/>
+            </a:endParaRPr>
+          </a:p>
+          <a:p>
+            <a:r>
+              <a:rPr lang="pl-PL" altLang="ko-KR">
+                <a:latin typeface="Consolas" pitchFamily="49" charset="0"/>
+                <a:cs typeface="Consolas" pitchFamily="49" charset="0"/>
+              </a:rPr>
+              <a:t>unsigned int __sw_hweight32(unsigned int w)</a:t>
+            </a:r>
+          </a:p>
+          <a:p>
+            <a:r>
+              <a:rPr lang="pl-PL" altLang="ko-KR">
+                <a:latin typeface="Consolas" pitchFamily="49" charset="0"/>
+                <a:cs typeface="Consolas" pitchFamily="49" charset="0"/>
+              </a:rPr>
+              <a:t>{</a:t>
+            </a:r>
+          </a:p>
+          <a:p>
+            <a:r>
+              <a:rPr lang="pl-PL" altLang="ko-KR">
+                <a:latin typeface="Consolas" pitchFamily="49" charset="0"/>
+                <a:cs typeface="Consolas" pitchFamily="49" charset="0"/>
+              </a:rPr>
+              <a:t>	w -= (w &gt;&gt; 1) &amp; 0x55555555;</a:t>
+            </a:r>
+          </a:p>
+          <a:p>
+            <a:r>
+              <a:rPr lang="pl-PL" altLang="ko-KR">
+                <a:latin typeface="Consolas" pitchFamily="49" charset="0"/>
+                <a:cs typeface="Consolas" pitchFamily="49" charset="0"/>
+              </a:rPr>
+              <a:t>	w =  (w &amp; 0x33333333) + ((w &gt;&gt; 2) &amp; 0x33333333);</a:t>
+            </a:r>
+          </a:p>
+          <a:p>
+            <a:r>
+              <a:rPr lang="pl-PL" altLang="ko-KR">
+                <a:latin typeface="Consolas" pitchFamily="49" charset="0"/>
+                <a:cs typeface="Consolas" pitchFamily="49" charset="0"/>
+              </a:rPr>
+              <a:t>	w =  (w + (w &gt;&gt; 4)) &amp; 0x0f0f0f0f;</a:t>
+            </a:r>
+          </a:p>
+          <a:p>
+            <a:r>
+              <a:rPr lang="pl-PL" altLang="ko-KR">
+                <a:latin typeface="Consolas" pitchFamily="49" charset="0"/>
+                <a:cs typeface="Consolas" pitchFamily="49" charset="0"/>
+              </a:rPr>
+              <a:t>	return (w * 0x01010101) &gt;&gt; 24;</a:t>
+            </a:r>
+          </a:p>
+          <a:p>
+            <a:r>
+              <a:rPr lang="pl-PL" altLang="ko-KR">
+                <a:latin typeface="Consolas" pitchFamily="49" charset="0"/>
+                <a:cs typeface="Consolas" pitchFamily="49" charset="0"/>
+              </a:rPr>
+              <a:t>}</a:t>
+            </a:r>
+            <a:endParaRPr lang="en-US" altLang="ko-KR">
+              <a:latin typeface="Consolas" pitchFamily="49" charset="0"/>
+              <a:cs typeface="Consolas" pitchFamily="49" charset="0"/>
+            </a:endParaRPr>
+          </a:p>
+        </p:txBody>
+      </p:sp>
+      <p:sp>
+        <p:nvSpPr>
+          <p:cNvPr id="38" name="TextBox 37">
+            <a:extLst>
+              <a:ext uri="{FF2B5EF4-FFF2-40B4-BE49-F238E27FC236}">
+                <a16:creationId xmlns:a16="http://schemas.microsoft.com/office/drawing/2014/main" id="{6109A575-CE13-4F61-BA5B-A0309641284E}"/>
+              </a:ext>
+            </a:extLst>
+          </p:cNvPr>
+          <p:cNvSpPr txBox="1"/>
+          <p:nvPr/>
+        </p:nvSpPr>
+        <p:spPr>
+          <a:xfrm>
+            <a:off x="6084168" y="332656"/>
+            <a:ext cx="1451038" cy="646331"/>
+          </a:xfrm>
+          <a:prstGeom prst="rect">
+            <a:avLst/>
+          </a:prstGeom>
+          <a:noFill/>
+        </p:spPr>
+        <p:txBody>
+          <a:bodyPr wrap="none" rtlCol="0">
+            <a:spAutoFit/>
+          </a:bodyPr>
+          <a:lstStyle/>
+          <a:p>
+            <a:r>
+              <a:rPr lang="en-US" altLang="ko-KR">
+                <a:latin typeface="Consolas" pitchFamily="49" charset="0"/>
+                <a:cs typeface="Consolas" pitchFamily="49" charset="0"/>
+              </a:rPr>
+              <a:t>0x12345678</a:t>
+            </a:r>
+          </a:p>
+          <a:p>
+            <a:endParaRPr lang="en-US" altLang="ko-KR">
+              <a:latin typeface="Consolas" pitchFamily="49" charset="0"/>
+              <a:cs typeface="Consolas" pitchFamily="49" charset="0"/>
+            </a:endParaRPr>
+          </a:p>
+        </p:txBody>
+      </p:sp>
+      <p:sp>
+        <p:nvSpPr>
+          <p:cNvPr id="39" name="TextBox 38">
+            <a:extLst>
+              <a:ext uri="{FF2B5EF4-FFF2-40B4-BE49-F238E27FC236}">
+                <a16:creationId xmlns:a16="http://schemas.microsoft.com/office/drawing/2014/main" id="{D4F6E4D2-B20F-46B6-8284-E4C78FEE02FC}"/>
+              </a:ext>
+            </a:extLst>
+          </p:cNvPr>
+          <p:cNvSpPr txBox="1"/>
+          <p:nvPr/>
+        </p:nvSpPr>
+        <p:spPr>
+          <a:xfrm>
+            <a:off x="6012160" y="3933056"/>
+            <a:ext cx="4363695" cy="2585323"/>
+          </a:xfrm>
+          <a:prstGeom prst="rect">
+            <a:avLst/>
+          </a:prstGeom>
+          <a:noFill/>
+        </p:spPr>
+        <p:txBody>
+          <a:bodyPr wrap="none" rtlCol="0">
+            <a:spAutoFit/>
+          </a:bodyPr>
+          <a:lstStyle/>
+          <a:p>
+            <a:r>
+              <a:rPr lang="en-US" altLang="ko-KR">
+                <a:latin typeface="Consolas" pitchFamily="49" charset="0"/>
+                <a:cs typeface="Consolas" pitchFamily="49" charset="0"/>
+              </a:rPr>
+              <a:t>                     0x02030404</a:t>
+            </a:r>
+          </a:p>
+          <a:p>
+            <a:r>
+              <a:rPr lang="en-US" altLang="ko-KR">
+                <a:latin typeface="Consolas" pitchFamily="49" charset="0"/>
+                <a:cs typeface="Consolas" pitchFamily="49" charset="0"/>
+              </a:rPr>
+              <a:t>                     0x01010101 *</a:t>
+            </a:r>
+          </a:p>
+          <a:p>
+            <a:r>
+              <a:rPr lang="en-US" altLang="ko-KR">
+                <a:latin typeface="Consolas" pitchFamily="49" charset="0"/>
+                <a:cs typeface="Consolas" pitchFamily="49" charset="0"/>
+              </a:rPr>
+              <a:t>--------------------------------</a:t>
+            </a:r>
+          </a:p>
+          <a:p>
+            <a:r>
+              <a:rPr lang="en-US" altLang="ko-KR">
+                <a:latin typeface="Consolas" pitchFamily="49" charset="0"/>
+                <a:cs typeface="Consolas" pitchFamily="49" charset="0"/>
+              </a:rPr>
+              <a:t>                     0x</a:t>
+            </a:r>
+            <a:r>
+              <a:rPr lang="en-US" altLang="ko-KR">
+                <a:solidFill>
+                  <a:srgbClr val="FF0000"/>
+                </a:solidFill>
+                <a:latin typeface="Consolas" pitchFamily="49" charset="0"/>
+                <a:cs typeface="Consolas" pitchFamily="49" charset="0"/>
+              </a:rPr>
+              <a:t>02</a:t>
+            </a:r>
+            <a:r>
+              <a:rPr lang="en-US" altLang="ko-KR">
+                <a:latin typeface="Consolas" pitchFamily="49" charset="0"/>
+                <a:cs typeface="Consolas" pitchFamily="49" charset="0"/>
+              </a:rPr>
+              <a:t>030404</a:t>
+            </a:r>
+          </a:p>
+          <a:p>
+            <a:r>
+              <a:rPr lang="en-US" altLang="ko-KR">
+                <a:latin typeface="Consolas" pitchFamily="49" charset="0"/>
+                <a:cs typeface="Consolas" pitchFamily="49" charset="0"/>
+              </a:rPr>
+              <a:t>                   0x02</a:t>
+            </a:r>
+            <a:r>
+              <a:rPr lang="en-US" altLang="ko-KR">
+                <a:solidFill>
+                  <a:srgbClr val="FF0000"/>
+                </a:solidFill>
+                <a:latin typeface="Consolas" pitchFamily="49" charset="0"/>
+                <a:cs typeface="Consolas" pitchFamily="49" charset="0"/>
+              </a:rPr>
+              <a:t>03</a:t>
+            </a:r>
+            <a:r>
+              <a:rPr lang="en-US" altLang="ko-KR">
+                <a:latin typeface="Consolas" pitchFamily="49" charset="0"/>
+                <a:cs typeface="Consolas" pitchFamily="49" charset="0"/>
+              </a:rPr>
+              <a:t>0404</a:t>
+            </a:r>
+          </a:p>
+          <a:p>
+            <a:r>
+              <a:rPr lang="en-US" altLang="ko-KR">
+                <a:latin typeface="Consolas" pitchFamily="49" charset="0"/>
+                <a:cs typeface="Consolas" pitchFamily="49" charset="0"/>
+              </a:rPr>
+              <a:t>                 0x0203</a:t>
+            </a:r>
+            <a:r>
+              <a:rPr lang="en-US" altLang="ko-KR">
+                <a:solidFill>
+                  <a:srgbClr val="FF0000"/>
+                </a:solidFill>
+                <a:latin typeface="Consolas" pitchFamily="49" charset="0"/>
+                <a:cs typeface="Consolas" pitchFamily="49" charset="0"/>
+              </a:rPr>
+              <a:t>04</a:t>
+            </a:r>
+            <a:r>
+              <a:rPr lang="en-US" altLang="ko-KR">
+                <a:latin typeface="Consolas" pitchFamily="49" charset="0"/>
+                <a:cs typeface="Consolas" pitchFamily="49" charset="0"/>
+              </a:rPr>
+              <a:t>04</a:t>
+            </a:r>
+          </a:p>
+          <a:p>
+            <a:r>
+              <a:rPr lang="en-US" altLang="ko-KR">
+                <a:latin typeface="Consolas" pitchFamily="49" charset="0"/>
+                <a:cs typeface="Consolas" pitchFamily="49" charset="0"/>
+              </a:rPr>
+              <a:t>               0x020304</a:t>
+            </a:r>
+            <a:r>
+              <a:rPr lang="en-US" altLang="ko-KR">
+                <a:solidFill>
+                  <a:srgbClr val="FF0000"/>
+                </a:solidFill>
+                <a:latin typeface="Consolas" pitchFamily="49" charset="0"/>
+                <a:cs typeface="Consolas" pitchFamily="49" charset="0"/>
+              </a:rPr>
+              <a:t>04</a:t>
+            </a:r>
+            <a:r>
+              <a:rPr lang="en-US" altLang="ko-KR">
+                <a:latin typeface="Consolas" pitchFamily="49" charset="0"/>
+                <a:cs typeface="Consolas" pitchFamily="49" charset="0"/>
+              </a:rPr>
+              <a:t> </a:t>
+            </a:r>
+          </a:p>
+          <a:p>
+            <a:r>
+              <a:rPr lang="en-US" altLang="ko-KR">
+                <a:latin typeface="Consolas" pitchFamily="49" charset="0"/>
+                <a:cs typeface="Consolas" pitchFamily="49" charset="0"/>
+              </a:rPr>
+              <a:t>--------------------------------</a:t>
+            </a:r>
+          </a:p>
+          <a:p>
+            <a:r>
+              <a:rPr lang="en-US" altLang="ko-KR">
+                <a:latin typeface="Consolas" pitchFamily="49" charset="0"/>
+                <a:cs typeface="Consolas" pitchFamily="49" charset="0"/>
+              </a:rPr>
+              <a:t>               </a:t>
+            </a:r>
+            <a:r>
+              <a:rPr lang="en-US" altLang="ko-KR">
+                <a:solidFill>
+                  <a:schemeClr val="bg1">
+                    <a:lumMod val="75000"/>
+                  </a:schemeClr>
+                </a:solidFill>
+                <a:latin typeface="Consolas" pitchFamily="49" charset="0"/>
+                <a:cs typeface="Consolas" pitchFamily="49" charset="0"/>
+              </a:rPr>
+              <a:t>0x020509</a:t>
+            </a:r>
+            <a:r>
+              <a:rPr lang="en-US" altLang="ko-KR">
+                <a:solidFill>
+                  <a:srgbClr val="FF0000"/>
+                </a:solidFill>
+                <a:latin typeface="Consolas" pitchFamily="49" charset="0"/>
+                <a:cs typeface="Consolas" pitchFamily="49" charset="0"/>
+              </a:rPr>
+              <a:t>0d</a:t>
+            </a:r>
+            <a:r>
+              <a:rPr lang="en-US" altLang="ko-KR">
+                <a:solidFill>
+                  <a:schemeClr val="bg1">
+                    <a:lumMod val="75000"/>
+                  </a:schemeClr>
+                </a:solidFill>
+                <a:latin typeface="Consolas" pitchFamily="49" charset="0"/>
+                <a:cs typeface="Consolas" pitchFamily="49" charset="0"/>
+              </a:rPr>
+              <a:t>0b0804</a:t>
+            </a:r>
+            <a:r>
+              <a:rPr lang="en-US" altLang="ko-KR">
+                <a:latin typeface="Consolas" pitchFamily="49" charset="0"/>
+                <a:cs typeface="Consolas" pitchFamily="49" charset="0"/>
+              </a:rPr>
+              <a:t> </a:t>
+            </a:r>
+          </a:p>
+        </p:txBody>
+      </p:sp>
+    </p:spTree>
+    <p:extLst>
+      <p:ext uri="{BB962C8B-B14F-4D97-AF65-F5344CB8AC3E}">
+        <p14:creationId xmlns:p14="http://schemas.microsoft.com/office/powerpoint/2010/main" val="4011530122"/>
+      </p:ext>
+    </p:extLst>
+  </p:cSld>
+  <p:clrMapOvr>
+    <a:masterClrMapping/>
+  </p:clrMapOvr>
+</p:sld>
+</file>
+
+<file path=ppt/slides/slide12.xml><?xml version="1.0" encoding="utf-8"?>
+<p:sld xmlns:a="http://schemas.openxmlformats.org/drawingml/2006/main" xmlns:r="http://schemas.openxmlformats.org/officeDocument/2006/relationships" xmlns:p="http://schemas.openxmlformats.org/presentationml/2006/main">
+  <p:cSld>
+    <p:spTree>
+      <p:nvGrpSpPr>
+        <p:cNvPr id="1" name=""/>
+        <p:cNvGrpSpPr/>
+        <p:nvPr/>
+      </p:nvGrpSpPr>
+      <p:grpSpPr>
+        <a:xfrm>
+          <a:off x="0" y="0"/>
+          <a:ext cx="0" cy="0"/>
+          <a:chOff x="0" y="0"/>
+          <a:chExt cx="0" cy="0"/>
+        </a:xfrm>
+      </p:grpSpPr>
+      <p:sp>
+        <p:nvSpPr>
+          <p:cNvPr id="40" name="TextBox 39">
+            <a:extLst>
+              <a:ext uri="{FF2B5EF4-FFF2-40B4-BE49-F238E27FC236}">
+                <a16:creationId xmlns:a16="http://schemas.microsoft.com/office/drawing/2014/main" id="{40A03F83-8756-4750-95D7-C9F8B4C3F0B5}"/>
+              </a:ext>
+            </a:extLst>
+          </p:cNvPr>
+          <p:cNvSpPr txBox="1"/>
+          <p:nvPr/>
+        </p:nvSpPr>
+        <p:spPr>
+          <a:xfrm>
+            <a:off x="179512" y="-27384"/>
+            <a:ext cx="7186583" cy="4801314"/>
+          </a:xfrm>
+          <a:prstGeom prst="rect">
+            <a:avLst/>
+          </a:prstGeom>
+          <a:noFill/>
+        </p:spPr>
+        <p:txBody>
+          <a:bodyPr wrap="none" rtlCol="0">
+            <a:spAutoFit/>
+          </a:bodyPr>
+          <a:lstStyle/>
+          <a:p>
+            <a:r>
+              <a:rPr lang="en-US" altLang="ko-KR">
+                <a:latin typeface="Consolas" pitchFamily="49" charset="0"/>
+                <a:cs typeface="Consolas" pitchFamily="49" charset="0"/>
+              </a:rPr>
+              <a:t>const uint32_t h01 = 0x01010101; </a:t>
+            </a:r>
+          </a:p>
+          <a:p>
+            <a:endParaRPr lang="en-US" altLang="ko-KR">
+              <a:latin typeface="Consolas" pitchFamily="49" charset="0"/>
+              <a:cs typeface="Consolas" pitchFamily="49" charset="0"/>
+            </a:endParaRPr>
+          </a:p>
+          <a:p>
+            <a:r>
+              <a:rPr lang="en-US" altLang="ko-KR">
+                <a:latin typeface="Consolas" pitchFamily="49" charset="0"/>
+                <a:cs typeface="Consolas" pitchFamily="49" charset="0"/>
+              </a:rPr>
+              <a:t>int popcount32c(uint32_t x)</a:t>
+            </a:r>
+          </a:p>
+          <a:p>
+            <a:r>
+              <a:rPr lang="en-US" altLang="ko-KR">
+                <a:latin typeface="Consolas" pitchFamily="49" charset="0"/>
+                <a:cs typeface="Consolas" pitchFamily="49" charset="0"/>
+              </a:rPr>
+              <a:t>{</a:t>
+            </a:r>
+          </a:p>
+          <a:p>
+            <a:r>
+              <a:rPr lang="en-US" altLang="ko-KR">
+                <a:latin typeface="Consolas" pitchFamily="49" charset="0"/>
+                <a:cs typeface="Consolas" pitchFamily="49" charset="0"/>
+              </a:rPr>
+              <a:t>    x -= (x &gt;&gt; 1) &amp; m1;             </a:t>
+            </a:r>
+          </a:p>
+          <a:p>
+            <a:r>
+              <a:rPr lang="en-US" altLang="ko-KR">
+                <a:latin typeface="Consolas" pitchFamily="49" charset="0"/>
+                <a:cs typeface="Consolas" pitchFamily="49" charset="0"/>
+              </a:rPr>
+              <a:t>    x = (x &amp; m2) + ((x &gt;&gt; 2) &amp; m2); </a:t>
+            </a:r>
+          </a:p>
+          <a:p>
+            <a:r>
+              <a:rPr lang="en-US" altLang="ko-KR">
+                <a:latin typeface="Consolas" pitchFamily="49" charset="0"/>
+                <a:cs typeface="Consolas" pitchFamily="49" charset="0"/>
+              </a:rPr>
+              <a:t>    x = (x + (x &gt;&gt; 4)) &amp; m4;        </a:t>
+            </a:r>
+          </a:p>
+          <a:p>
+            <a:r>
+              <a:rPr lang="en-US" altLang="ko-KR">
+                <a:latin typeface="Consolas" pitchFamily="49" charset="0"/>
+                <a:cs typeface="Consolas" pitchFamily="49" charset="0"/>
+              </a:rPr>
+              <a:t>    return (x * h01) &gt;&gt; 24;         </a:t>
+            </a:r>
+          </a:p>
+          <a:p>
+            <a:r>
+              <a:rPr lang="en-US" altLang="ko-KR">
+                <a:latin typeface="Consolas" pitchFamily="49" charset="0"/>
+                <a:cs typeface="Consolas" pitchFamily="49" charset="0"/>
+              </a:rPr>
+              <a:t>}</a:t>
+            </a:r>
+          </a:p>
+          <a:p>
+            <a:endParaRPr lang="en-US" altLang="ko-KR">
+              <a:latin typeface="Consolas" pitchFamily="49" charset="0"/>
+              <a:cs typeface="Consolas" pitchFamily="49" charset="0"/>
+            </a:endParaRPr>
+          </a:p>
+          <a:p>
+            <a:r>
+              <a:rPr lang="pl-PL" altLang="ko-KR">
+                <a:latin typeface="Consolas" pitchFamily="49" charset="0"/>
+                <a:cs typeface="Consolas" pitchFamily="49" charset="0"/>
+              </a:rPr>
+              <a:t>unsigned int __sw_hweight32(unsigned int w)</a:t>
+            </a:r>
+          </a:p>
+          <a:p>
+            <a:r>
+              <a:rPr lang="pl-PL" altLang="ko-KR">
+                <a:latin typeface="Consolas" pitchFamily="49" charset="0"/>
+                <a:cs typeface="Consolas" pitchFamily="49" charset="0"/>
+              </a:rPr>
+              <a:t>{</a:t>
+            </a:r>
+          </a:p>
+          <a:p>
+            <a:r>
+              <a:rPr lang="pl-PL" altLang="ko-KR">
+                <a:latin typeface="Consolas" pitchFamily="49" charset="0"/>
+                <a:cs typeface="Consolas" pitchFamily="49" charset="0"/>
+              </a:rPr>
+              <a:t>	w -= (w &gt;&gt; 1) &amp; 0x55555555;</a:t>
+            </a:r>
+          </a:p>
+          <a:p>
+            <a:r>
+              <a:rPr lang="pl-PL" altLang="ko-KR">
+                <a:latin typeface="Consolas" pitchFamily="49" charset="0"/>
+                <a:cs typeface="Consolas" pitchFamily="49" charset="0"/>
+              </a:rPr>
+              <a:t>	w =  (w &amp; 0x33333333) + ((w &gt;&gt; 2) &amp; 0x33333333);</a:t>
+            </a:r>
+          </a:p>
+          <a:p>
+            <a:r>
+              <a:rPr lang="pl-PL" altLang="ko-KR">
+                <a:latin typeface="Consolas" pitchFamily="49" charset="0"/>
+                <a:cs typeface="Consolas" pitchFamily="49" charset="0"/>
+              </a:rPr>
+              <a:t>	w =  (w + (w &gt;&gt; 4)) &amp; 0x0f0f0f0f;</a:t>
+            </a:r>
+          </a:p>
+          <a:p>
+            <a:r>
+              <a:rPr lang="pl-PL" altLang="ko-KR">
+                <a:latin typeface="Consolas" pitchFamily="49" charset="0"/>
+                <a:cs typeface="Consolas" pitchFamily="49" charset="0"/>
+              </a:rPr>
+              <a:t>	return (w * 0x01010101) &gt;&gt; 24;</a:t>
+            </a:r>
+          </a:p>
+          <a:p>
+            <a:r>
+              <a:rPr lang="pl-PL" altLang="ko-KR">
+                <a:latin typeface="Consolas" pitchFamily="49" charset="0"/>
+                <a:cs typeface="Consolas" pitchFamily="49" charset="0"/>
+              </a:rPr>
+              <a:t>}</a:t>
+            </a:r>
+            <a:endParaRPr lang="en-US" altLang="ko-KR">
+              <a:latin typeface="Consolas" pitchFamily="49" charset="0"/>
+              <a:cs typeface="Consolas" pitchFamily="49" charset="0"/>
+            </a:endParaRPr>
+          </a:p>
+        </p:txBody>
+      </p:sp>
+      <p:sp>
+        <p:nvSpPr>
+          <p:cNvPr id="38" name="TextBox 37">
+            <a:extLst>
+              <a:ext uri="{FF2B5EF4-FFF2-40B4-BE49-F238E27FC236}">
+                <a16:creationId xmlns:a16="http://schemas.microsoft.com/office/drawing/2014/main" id="{6109A575-CE13-4F61-BA5B-A0309641284E}"/>
+              </a:ext>
+            </a:extLst>
+          </p:cNvPr>
+          <p:cNvSpPr txBox="1"/>
+          <p:nvPr/>
+        </p:nvSpPr>
+        <p:spPr>
+          <a:xfrm>
+            <a:off x="6084168" y="332656"/>
+            <a:ext cx="1451038" cy="646331"/>
+          </a:xfrm>
+          <a:prstGeom prst="rect">
+            <a:avLst/>
+          </a:prstGeom>
+          <a:noFill/>
+        </p:spPr>
+        <p:txBody>
+          <a:bodyPr wrap="none" rtlCol="0">
+            <a:spAutoFit/>
+          </a:bodyPr>
+          <a:lstStyle/>
+          <a:p>
+            <a:r>
+              <a:rPr lang="en-US" altLang="ko-KR">
+                <a:latin typeface="Consolas" pitchFamily="49" charset="0"/>
+                <a:cs typeface="Consolas" pitchFamily="49" charset="0"/>
+              </a:rPr>
+              <a:t>0x12345678</a:t>
+            </a:r>
+          </a:p>
+          <a:p>
+            <a:endParaRPr lang="en-US" altLang="ko-KR">
+              <a:latin typeface="Consolas" pitchFamily="49" charset="0"/>
+              <a:cs typeface="Consolas" pitchFamily="49" charset="0"/>
+            </a:endParaRPr>
+          </a:p>
+        </p:txBody>
+      </p:sp>
+      <p:sp>
+        <p:nvSpPr>
+          <p:cNvPr id="39" name="TextBox 38">
+            <a:extLst>
+              <a:ext uri="{FF2B5EF4-FFF2-40B4-BE49-F238E27FC236}">
+                <a16:creationId xmlns:a16="http://schemas.microsoft.com/office/drawing/2014/main" id="{D4F6E4D2-B20F-46B6-8284-E4C78FEE02FC}"/>
+              </a:ext>
+            </a:extLst>
+          </p:cNvPr>
+          <p:cNvSpPr txBox="1"/>
+          <p:nvPr/>
+        </p:nvSpPr>
+        <p:spPr>
+          <a:xfrm>
+            <a:off x="6012160" y="3933056"/>
+            <a:ext cx="4363695" cy="2585323"/>
+          </a:xfrm>
+          <a:prstGeom prst="rect">
+            <a:avLst/>
+          </a:prstGeom>
+          <a:noFill/>
+        </p:spPr>
+        <p:txBody>
+          <a:bodyPr wrap="none" rtlCol="0">
+            <a:spAutoFit/>
+          </a:bodyPr>
+          <a:lstStyle/>
+          <a:p>
+            <a:r>
+              <a:rPr lang="en-US" altLang="ko-KR">
+                <a:latin typeface="Consolas" pitchFamily="49" charset="0"/>
+                <a:cs typeface="Consolas" pitchFamily="49" charset="0"/>
+              </a:rPr>
+              <a:t>                     0x02030404</a:t>
+            </a:r>
+          </a:p>
+          <a:p>
+            <a:r>
+              <a:rPr lang="en-US" altLang="ko-KR">
+                <a:latin typeface="Consolas" pitchFamily="49" charset="0"/>
+                <a:cs typeface="Consolas" pitchFamily="49" charset="0"/>
+              </a:rPr>
+              <a:t>                     0x01010101 *</a:t>
+            </a:r>
+          </a:p>
+          <a:p>
+            <a:r>
+              <a:rPr lang="en-US" altLang="ko-KR">
+                <a:latin typeface="Consolas" pitchFamily="49" charset="0"/>
+                <a:cs typeface="Consolas" pitchFamily="49" charset="0"/>
+              </a:rPr>
+              <a:t>--------------------------------</a:t>
+            </a:r>
+          </a:p>
+          <a:p>
+            <a:r>
+              <a:rPr lang="en-US" altLang="ko-KR">
+                <a:latin typeface="Consolas" pitchFamily="49" charset="0"/>
+                <a:cs typeface="Consolas" pitchFamily="49" charset="0"/>
+              </a:rPr>
+              <a:t>                     0x</a:t>
+            </a:r>
+            <a:r>
+              <a:rPr lang="en-US" altLang="ko-KR">
+                <a:solidFill>
+                  <a:srgbClr val="FF0000"/>
+                </a:solidFill>
+                <a:latin typeface="Consolas" pitchFamily="49" charset="0"/>
+                <a:cs typeface="Consolas" pitchFamily="49" charset="0"/>
+              </a:rPr>
+              <a:t>02</a:t>
+            </a:r>
+            <a:r>
+              <a:rPr lang="en-US" altLang="ko-KR">
+                <a:latin typeface="Consolas" pitchFamily="49" charset="0"/>
+                <a:cs typeface="Consolas" pitchFamily="49" charset="0"/>
+              </a:rPr>
+              <a:t>030404</a:t>
+            </a:r>
+          </a:p>
+          <a:p>
+            <a:r>
+              <a:rPr lang="en-US" altLang="ko-KR">
+                <a:latin typeface="Consolas" pitchFamily="49" charset="0"/>
+                <a:cs typeface="Consolas" pitchFamily="49" charset="0"/>
+              </a:rPr>
+              <a:t>                   0x02</a:t>
+            </a:r>
+            <a:r>
+              <a:rPr lang="en-US" altLang="ko-KR">
+                <a:solidFill>
+                  <a:srgbClr val="FF0000"/>
+                </a:solidFill>
+                <a:latin typeface="Consolas" pitchFamily="49" charset="0"/>
+                <a:cs typeface="Consolas" pitchFamily="49" charset="0"/>
+              </a:rPr>
+              <a:t>03</a:t>
+            </a:r>
+            <a:r>
+              <a:rPr lang="en-US" altLang="ko-KR">
+                <a:latin typeface="Consolas" pitchFamily="49" charset="0"/>
+                <a:cs typeface="Consolas" pitchFamily="49" charset="0"/>
+              </a:rPr>
+              <a:t>0404</a:t>
+            </a:r>
+          </a:p>
+          <a:p>
+            <a:r>
+              <a:rPr lang="en-US" altLang="ko-KR">
+                <a:latin typeface="Consolas" pitchFamily="49" charset="0"/>
+                <a:cs typeface="Consolas" pitchFamily="49" charset="0"/>
+              </a:rPr>
+              <a:t>                 0x0203</a:t>
+            </a:r>
+            <a:r>
+              <a:rPr lang="en-US" altLang="ko-KR">
+                <a:solidFill>
+                  <a:srgbClr val="FF0000"/>
+                </a:solidFill>
+                <a:latin typeface="Consolas" pitchFamily="49" charset="0"/>
+                <a:cs typeface="Consolas" pitchFamily="49" charset="0"/>
+              </a:rPr>
+              <a:t>04</a:t>
+            </a:r>
+            <a:r>
+              <a:rPr lang="en-US" altLang="ko-KR">
+                <a:latin typeface="Consolas" pitchFamily="49" charset="0"/>
+                <a:cs typeface="Consolas" pitchFamily="49" charset="0"/>
+              </a:rPr>
+              <a:t>04</a:t>
+            </a:r>
+          </a:p>
+          <a:p>
+            <a:r>
+              <a:rPr lang="en-US" altLang="ko-KR">
+                <a:latin typeface="Consolas" pitchFamily="49" charset="0"/>
+                <a:cs typeface="Consolas" pitchFamily="49" charset="0"/>
+              </a:rPr>
+              <a:t>               0x020304</a:t>
+            </a:r>
+            <a:r>
+              <a:rPr lang="en-US" altLang="ko-KR">
+                <a:solidFill>
+                  <a:srgbClr val="FF0000"/>
+                </a:solidFill>
+                <a:latin typeface="Consolas" pitchFamily="49" charset="0"/>
+                <a:cs typeface="Consolas" pitchFamily="49" charset="0"/>
+              </a:rPr>
+              <a:t>04</a:t>
+            </a:r>
+            <a:r>
+              <a:rPr lang="en-US" altLang="ko-KR">
+                <a:latin typeface="Consolas" pitchFamily="49" charset="0"/>
+                <a:cs typeface="Consolas" pitchFamily="49" charset="0"/>
+              </a:rPr>
+              <a:t> </a:t>
+            </a:r>
+          </a:p>
+          <a:p>
+            <a:r>
+              <a:rPr lang="en-US" altLang="ko-KR">
+                <a:latin typeface="Consolas" pitchFamily="49" charset="0"/>
+                <a:cs typeface="Consolas" pitchFamily="49" charset="0"/>
+              </a:rPr>
+              <a:t>--------------------------------</a:t>
+            </a:r>
+          </a:p>
+          <a:p>
+            <a:r>
+              <a:rPr lang="en-US" altLang="ko-KR">
+                <a:latin typeface="Consolas" pitchFamily="49" charset="0"/>
+                <a:cs typeface="Consolas" pitchFamily="49" charset="0"/>
+              </a:rPr>
+              <a:t>               </a:t>
+            </a:r>
+            <a:r>
+              <a:rPr lang="en-US" altLang="ko-KR">
+                <a:solidFill>
+                  <a:schemeClr val="bg1">
+                    <a:lumMod val="75000"/>
+                  </a:schemeClr>
+                </a:solidFill>
+                <a:latin typeface="Consolas" pitchFamily="49" charset="0"/>
+                <a:cs typeface="Consolas" pitchFamily="49" charset="0"/>
+              </a:rPr>
+              <a:t>0x020509</a:t>
+            </a:r>
+            <a:r>
+              <a:rPr lang="en-US" altLang="ko-KR">
+                <a:solidFill>
+                  <a:srgbClr val="FF0000"/>
+                </a:solidFill>
+                <a:latin typeface="Consolas" pitchFamily="49" charset="0"/>
+                <a:cs typeface="Consolas" pitchFamily="49" charset="0"/>
+              </a:rPr>
+              <a:t>0d</a:t>
+            </a:r>
+            <a:r>
+              <a:rPr lang="en-US" altLang="ko-KR">
+                <a:solidFill>
+                  <a:schemeClr val="bg1">
+                    <a:lumMod val="75000"/>
+                  </a:schemeClr>
+                </a:solidFill>
+                <a:latin typeface="Consolas" pitchFamily="49" charset="0"/>
+                <a:cs typeface="Consolas" pitchFamily="49" charset="0"/>
+              </a:rPr>
+              <a:t>0b0804</a:t>
+            </a:r>
+            <a:r>
+              <a:rPr lang="en-US" altLang="ko-KR">
+                <a:latin typeface="Consolas" pitchFamily="49" charset="0"/>
+                <a:cs typeface="Consolas" pitchFamily="49" charset="0"/>
+              </a:rPr>
+              <a:t> </a:t>
+            </a:r>
+          </a:p>
+        </p:txBody>
+      </p:sp>
+    </p:spTree>
+    <p:extLst>
+      <p:ext uri="{BB962C8B-B14F-4D97-AF65-F5344CB8AC3E}">
+        <p14:creationId xmlns:p14="http://schemas.microsoft.com/office/powerpoint/2010/main" val="387534106"/>
+      </p:ext>
+    </p:extLst>
+  </p:cSld>
+  <p:clrMapOvr>
+    <a:masterClrMapping/>
+  </p:clrMapOvr>
+</p:sld>
+</file>
+
+<file path=ppt/slides/slide13.xml><?xml version="1.0" encoding="utf-8"?>
+<p:sld xmlns:a="http://schemas.openxmlformats.org/drawingml/2006/main" xmlns:r="http://schemas.openxmlformats.org/officeDocument/2006/relationships" xmlns:p="http://schemas.openxmlformats.org/presentationml/2006/main">
+  <p:cSld>
+    <p:spTree>
+      <p:nvGrpSpPr>
+        <p:cNvPr id="1" name=""/>
+        <p:cNvGrpSpPr/>
+        <p:nvPr/>
+      </p:nvGrpSpPr>
+      <p:grpSpPr>
+        <a:xfrm>
+          <a:off x="0" y="0"/>
+          <a:ext cx="0" cy="0"/>
+          <a:chOff x="0" y="0"/>
+          <a:chExt cx="0" cy="0"/>
+        </a:xfrm>
+      </p:grpSpPr>
+      <p:sp>
+        <p:nvSpPr>
+          <p:cNvPr id="40" name="TextBox 39">
+            <a:extLst>
+              <a:ext uri="{FF2B5EF4-FFF2-40B4-BE49-F238E27FC236}">
+                <a16:creationId xmlns:a16="http://schemas.microsoft.com/office/drawing/2014/main" id="{40A03F83-8756-4750-95D7-C9F8B4C3F0B5}"/>
+              </a:ext>
+            </a:extLst>
+          </p:cNvPr>
+          <p:cNvSpPr txBox="1"/>
+          <p:nvPr/>
+        </p:nvSpPr>
+        <p:spPr>
+          <a:xfrm>
+            <a:off x="179512" y="-27384"/>
+            <a:ext cx="3857146" cy="2031325"/>
+          </a:xfrm>
+          <a:prstGeom prst="rect">
+            <a:avLst/>
+          </a:prstGeom>
+          <a:noFill/>
+        </p:spPr>
+        <p:txBody>
+          <a:bodyPr wrap="none" rtlCol="0">
+            <a:spAutoFit/>
+          </a:bodyPr>
+          <a:lstStyle/>
+          <a:p>
+            <a:r>
+              <a:rPr lang="en-US" altLang="ko-KR">
+                <a:latin typeface="Consolas" pitchFamily="49" charset="0"/>
+                <a:cs typeface="Consolas" pitchFamily="49" charset="0"/>
+              </a:rPr>
+              <a:t>int popcount32d(uint32_t x)</a:t>
+            </a:r>
+          </a:p>
+          <a:p>
+            <a:r>
+              <a:rPr lang="en-US" altLang="ko-KR">
+                <a:latin typeface="Consolas" pitchFamily="49" charset="0"/>
+                <a:cs typeface="Consolas" pitchFamily="49" charset="0"/>
+              </a:rPr>
+              <a:t>{</a:t>
+            </a:r>
+          </a:p>
+          <a:p>
+            <a:r>
+              <a:rPr lang="en-US" altLang="ko-KR">
+                <a:latin typeface="Consolas" pitchFamily="49" charset="0"/>
+                <a:cs typeface="Consolas" pitchFamily="49" charset="0"/>
+              </a:rPr>
+              <a:t>    int count;</a:t>
+            </a:r>
+          </a:p>
+          <a:p>
+            <a:r>
+              <a:rPr lang="en-US" altLang="ko-KR">
+                <a:latin typeface="Consolas" pitchFamily="49" charset="0"/>
+                <a:cs typeface="Consolas" pitchFamily="49" charset="0"/>
+              </a:rPr>
+              <a:t>    for (count=0; x; count++)</a:t>
+            </a:r>
+          </a:p>
+          <a:p>
+            <a:r>
+              <a:rPr lang="en-US" altLang="ko-KR">
+                <a:latin typeface="Consolas" pitchFamily="49" charset="0"/>
+                <a:cs typeface="Consolas" pitchFamily="49" charset="0"/>
+              </a:rPr>
+              <a:t>        x &amp;= x - 1;</a:t>
+            </a:r>
+          </a:p>
+          <a:p>
+            <a:r>
+              <a:rPr lang="en-US" altLang="ko-KR">
+                <a:latin typeface="Consolas" pitchFamily="49" charset="0"/>
+                <a:cs typeface="Consolas" pitchFamily="49" charset="0"/>
+              </a:rPr>
+              <a:t>    return count;</a:t>
+            </a:r>
+          </a:p>
+          <a:p>
+            <a:r>
+              <a:rPr lang="en-US" altLang="ko-KR">
+                <a:latin typeface="Consolas" pitchFamily="49" charset="0"/>
+                <a:cs typeface="Consolas" pitchFamily="49" charset="0"/>
+              </a:rPr>
+              <a:t>}</a:t>
+            </a:r>
+          </a:p>
+        </p:txBody>
+      </p:sp>
+      <p:sp>
+        <p:nvSpPr>
+          <p:cNvPr id="5" name="TextBox 4">
+            <a:extLst>
+              <a:ext uri="{FF2B5EF4-FFF2-40B4-BE49-F238E27FC236}">
+                <a16:creationId xmlns:a16="http://schemas.microsoft.com/office/drawing/2014/main" id="{679813D9-A01C-4EAF-A5B4-480B9E290651}"/>
+              </a:ext>
+            </a:extLst>
+          </p:cNvPr>
+          <p:cNvSpPr txBox="1"/>
+          <p:nvPr/>
+        </p:nvSpPr>
+        <p:spPr>
+          <a:xfrm>
+            <a:off x="1475656" y="2060848"/>
+            <a:ext cx="4980851" cy="1015663"/>
+          </a:xfrm>
+          <a:prstGeom prst="rect">
+            <a:avLst/>
+          </a:prstGeom>
+          <a:noFill/>
+        </p:spPr>
+        <p:txBody>
+          <a:bodyPr wrap="none" rtlCol="0">
+            <a:spAutoFit/>
+          </a:bodyPr>
+          <a:lstStyle/>
+          <a:p>
+            <a:r>
+              <a:rPr lang="en-US" altLang="ko-KR" sz="2000">
+                <a:latin typeface="Consolas" pitchFamily="49" charset="0"/>
+                <a:cs typeface="Consolas" pitchFamily="49" charset="0"/>
+              </a:rPr>
+              <a:t>00010010001101000101011001111000</a:t>
+            </a:r>
+          </a:p>
+          <a:p>
+            <a:r>
+              <a:rPr lang="en-US" altLang="ko-KR" sz="2000">
+                <a:latin typeface="Consolas" pitchFamily="49" charset="0"/>
+                <a:cs typeface="Consolas" pitchFamily="49" charset="0"/>
+              </a:rPr>
+              <a:t>00010010001101000101011001110111 &amp;</a:t>
+            </a:r>
+          </a:p>
+          <a:p>
+            <a:r>
+              <a:rPr lang="en-US" altLang="ko-KR" sz="2000">
+                <a:latin typeface="Consolas" pitchFamily="49" charset="0"/>
+                <a:cs typeface="Consolas" pitchFamily="49" charset="0"/>
+              </a:rPr>
+              <a:t>00010010001101000101011001110000</a:t>
+            </a:r>
+          </a:p>
+        </p:txBody>
+      </p:sp>
+      <p:sp>
+        <p:nvSpPr>
+          <p:cNvPr id="6" name="TextBox 5">
+            <a:extLst>
+              <a:ext uri="{FF2B5EF4-FFF2-40B4-BE49-F238E27FC236}">
+                <a16:creationId xmlns:a16="http://schemas.microsoft.com/office/drawing/2014/main" id="{F373BDB9-7CAB-4D02-B74B-80080B81BC0D}"/>
+              </a:ext>
+            </a:extLst>
+          </p:cNvPr>
+          <p:cNvSpPr txBox="1"/>
+          <p:nvPr/>
+        </p:nvSpPr>
+        <p:spPr>
+          <a:xfrm>
+            <a:off x="1475656" y="3356992"/>
+            <a:ext cx="5616625" cy="1015663"/>
+          </a:xfrm>
+          <a:prstGeom prst="rect">
+            <a:avLst/>
+          </a:prstGeom>
+          <a:noFill/>
+        </p:spPr>
+        <p:txBody>
+          <a:bodyPr wrap="square" rtlCol="0">
+            <a:spAutoFit/>
+          </a:bodyPr>
+          <a:lstStyle/>
+          <a:p>
+            <a:r>
+              <a:rPr lang="en-US" altLang="ko-KR" sz="2000">
+                <a:latin typeface="Consolas" pitchFamily="49" charset="0"/>
+                <a:cs typeface="Consolas" pitchFamily="49" charset="0"/>
+              </a:rPr>
+              <a:t>00010010001101000101011001110000</a:t>
+            </a:r>
+          </a:p>
+          <a:p>
+            <a:r>
+              <a:rPr lang="en-US" altLang="ko-KR" sz="2000">
+                <a:latin typeface="Consolas" pitchFamily="49" charset="0"/>
+                <a:cs typeface="Consolas" pitchFamily="49" charset="0"/>
+              </a:rPr>
+              <a:t>00010010001101000101011001101111&amp;</a:t>
+            </a:r>
+          </a:p>
+          <a:p>
+            <a:r>
+              <a:rPr lang="en-US" altLang="ko-KR" sz="2000">
+                <a:latin typeface="Consolas" pitchFamily="49" charset="0"/>
+                <a:cs typeface="Consolas" pitchFamily="49" charset="0"/>
+              </a:rPr>
+              <a:t>00010010001101000101011001100000</a:t>
+            </a:r>
+          </a:p>
+        </p:txBody>
+      </p:sp>
+    </p:spTree>
+    <p:extLst>
+      <p:ext uri="{BB962C8B-B14F-4D97-AF65-F5344CB8AC3E}">
+        <p14:creationId xmlns:p14="http://schemas.microsoft.com/office/powerpoint/2010/main" val="2631301000"/>
+      </p:ext>
+    </p:extLst>
+  </p:cSld>
+  <p:clrMapOvr>
+    <a:masterClrMapping/>
+  </p:clrMapOvr>
+</p:sld>
+</file>
+
+<file path=ppt/slides/slide14.xml><?xml version="1.0" encoding="utf-8"?>
+<p:sld xmlns:a="http://schemas.openxmlformats.org/drawingml/2006/main" xmlns:r="http://schemas.openxmlformats.org/officeDocument/2006/relationships" xmlns:p="http://schemas.openxmlformats.org/presentationml/2006/main">
+  <p:cSld>
+    <p:spTree>
+      <p:nvGrpSpPr>
+        <p:cNvPr id="1" name=""/>
+        <p:cNvGrpSpPr/>
+        <p:nvPr/>
+      </p:nvGrpSpPr>
+      <p:grpSpPr>
+        <a:xfrm>
+          <a:off x="0" y="0"/>
+          <a:ext cx="0" cy="0"/>
+          <a:chOff x="0" y="0"/>
+          <a:chExt cx="0" cy="0"/>
+        </a:xfrm>
+      </p:grpSpPr>
+      <p:sp>
+        <p:nvSpPr>
+          <p:cNvPr id="40" name="TextBox 39">
+            <a:extLst>
+              <a:ext uri="{FF2B5EF4-FFF2-40B4-BE49-F238E27FC236}">
+                <a16:creationId xmlns:a16="http://schemas.microsoft.com/office/drawing/2014/main" id="{40A03F83-8756-4750-95D7-C9F8B4C3F0B5}"/>
+              </a:ext>
+            </a:extLst>
+          </p:cNvPr>
+          <p:cNvSpPr txBox="1"/>
+          <p:nvPr/>
+        </p:nvSpPr>
+        <p:spPr>
+          <a:xfrm>
+            <a:off x="179512" y="-27384"/>
+            <a:ext cx="3857146" cy="2031325"/>
+          </a:xfrm>
+          <a:prstGeom prst="rect">
+            <a:avLst/>
+          </a:prstGeom>
+          <a:noFill/>
+        </p:spPr>
+        <p:txBody>
+          <a:bodyPr wrap="none" rtlCol="0">
+            <a:spAutoFit/>
+          </a:bodyPr>
+          <a:lstStyle/>
+          <a:p>
+            <a:r>
+              <a:rPr lang="en-US" altLang="ko-KR">
+                <a:latin typeface="Consolas" pitchFamily="49" charset="0"/>
+                <a:cs typeface="Consolas" pitchFamily="49" charset="0"/>
+              </a:rPr>
+              <a:t>int popcount32d(uint32_t x)</a:t>
+            </a:r>
+          </a:p>
+          <a:p>
+            <a:r>
+              <a:rPr lang="en-US" altLang="ko-KR">
+                <a:latin typeface="Consolas" pitchFamily="49" charset="0"/>
+                <a:cs typeface="Consolas" pitchFamily="49" charset="0"/>
+              </a:rPr>
+              <a:t>{</a:t>
+            </a:r>
+          </a:p>
+          <a:p>
+            <a:r>
+              <a:rPr lang="en-US" altLang="ko-KR">
+                <a:latin typeface="Consolas" pitchFamily="49" charset="0"/>
+                <a:cs typeface="Consolas" pitchFamily="49" charset="0"/>
+              </a:rPr>
+              <a:t>    int count;</a:t>
+            </a:r>
+          </a:p>
+          <a:p>
+            <a:r>
+              <a:rPr lang="en-US" altLang="ko-KR">
+                <a:latin typeface="Consolas" pitchFamily="49" charset="0"/>
+                <a:cs typeface="Consolas" pitchFamily="49" charset="0"/>
+              </a:rPr>
+              <a:t>    for (count=0; x; count++)</a:t>
+            </a:r>
+          </a:p>
+          <a:p>
+            <a:r>
+              <a:rPr lang="en-US" altLang="ko-KR">
+                <a:latin typeface="Consolas" pitchFamily="49" charset="0"/>
+                <a:cs typeface="Consolas" pitchFamily="49" charset="0"/>
+              </a:rPr>
+              <a:t>        x &amp;= x - 1;</a:t>
+            </a:r>
+          </a:p>
+          <a:p>
+            <a:r>
+              <a:rPr lang="en-US" altLang="ko-KR">
+                <a:latin typeface="Consolas" pitchFamily="49" charset="0"/>
+                <a:cs typeface="Consolas" pitchFamily="49" charset="0"/>
+              </a:rPr>
+              <a:t>    return count;</a:t>
+            </a:r>
+          </a:p>
+          <a:p>
+            <a:r>
+              <a:rPr lang="en-US" altLang="ko-KR">
+                <a:latin typeface="Consolas" pitchFamily="49" charset="0"/>
+                <a:cs typeface="Consolas" pitchFamily="49" charset="0"/>
+              </a:rPr>
+              <a:t>}</a:t>
+            </a:r>
+          </a:p>
+        </p:txBody>
+      </p:sp>
+      <p:sp>
+        <p:nvSpPr>
+          <p:cNvPr id="5" name="TextBox 4">
+            <a:extLst>
+              <a:ext uri="{FF2B5EF4-FFF2-40B4-BE49-F238E27FC236}">
+                <a16:creationId xmlns:a16="http://schemas.microsoft.com/office/drawing/2014/main" id="{679813D9-A01C-4EAF-A5B4-480B9E290651}"/>
+              </a:ext>
+            </a:extLst>
+          </p:cNvPr>
+          <p:cNvSpPr txBox="1"/>
+          <p:nvPr/>
+        </p:nvSpPr>
+        <p:spPr>
+          <a:xfrm>
+            <a:off x="1475656" y="2060848"/>
+            <a:ext cx="4980851" cy="1015663"/>
+          </a:xfrm>
+          <a:prstGeom prst="rect">
+            <a:avLst/>
+          </a:prstGeom>
+          <a:noFill/>
+        </p:spPr>
+        <p:txBody>
+          <a:bodyPr wrap="none" rtlCol="0">
+            <a:spAutoFit/>
+          </a:bodyPr>
+          <a:lstStyle/>
+          <a:p>
+            <a:r>
+              <a:rPr lang="en-US" altLang="ko-KR" sz="2000">
+                <a:latin typeface="Consolas" pitchFamily="49" charset="0"/>
+                <a:cs typeface="Consolas" pitchFamily="49" charset="0"/>
+              </a:rPr>
+              <a:t>10000000000000000000000000000000</a:t>
+            </a:r>
+          </a:p>
+          <a:p>
+            <a:r>
+              <a:rPr lang="en-US" altLang="ko-KR" sz="2000">
+                <a:latin typeface="Consolas" pitchFamily="49" charset="0"/>
+                <a:cs typeface="Consolas" pitchFamily="49" charset="0"/>
+              </a:rPr>
+              <a:t>01111111111111111111111111111111 &amp;</a:t>
+            </a:r>
+          </a:p>
+          <a:p>
+            <a:r>
+              <a:rPr lang="en-US" altLang="ko-KR" sz="2000">
+                <a:latin typeface="Consolas" pitchFamily="49" charset="0"/>
+                <a:cs typeface="Consolas" pitchFamily="49" charset="0"/>
+              </a:rPr>
+              <a:t>00000000000000000000000000000000</a:t>
+            </a:r>
+          </a:p>
+        </p:txBody>
+      </p:sp>
+    </p:spTree>
+    <p:extLst>
+      <p:ext uri="{BB962C8B-B14F-4D97-AF65-F5344CB8AC3E}">
+        <p14:creationId xmlns:p14="http://schemas.microsoft.com/office/powerpoint/2010/main" val="321271590"/>
+      </p:ext>
+    </p:extLst>
+  </p:cSld>
+  <p:clrMapOvr>
+    <a:masterClrMapping/>
+  </p:clrMapOvr>
+</p:sld>
+</file>
+
+<file path=ppt/slides/slide15.xml><?xml version="1.0" encoding="utf-8"?>
+<p:sld xmlns:a="http://schemas.openxmlformats.org/drawingml/2006/main" xmlns:r="http://schemas.openxmlformats.org/officeDocument/2006/relationships" xmlns:p="http://schemas.openxmlformats.org/presentationml/2006/main">
+  <p:cSld>
+    <p:spTree>
+      <p:nvGrpSpPr>
+        <p:cNvPr id="1" name=""/>
+        <p:cNvGrpSpPr/>
+        <p:nvPr/>
+      </p:nvGrpSpPr>
+      <p:grpSpPr>
+        <a:xfrm>
+          <a:off x="0" y="0"/>
+          <a:ext cx="0" cy="0"/>
+          <a:chOff x="0" y="0"/>
+          <a:chExt cx="0" cy="0"/>
+        </a:xfrm>
+      </p:grpSpPr>
+      <p:sp>
+        <p:nvSpPr>
+          <p:cNvPr id="4" name="TextBox 3">
+            <a:extLst>
+              <a:ext uri="{FF2B5EF4-FFF2-40B4-BE49-F238E27FC236}">
+                <a16:creationId xmlns:a16="http://schemas.microsoft.com/office/drawing/2014/main" id="{AA42897F-0827-4CF7-9880-DF7D4028D3B2}"/>
+              </a:ext>
+            </a:extLst>
+          </p:cNvPr>
+          <p:cNvSpPr txBox="1"/>
+          <p:nvPr/>
+        </p:nvSpPr>
+        <p:spPr>
+          <a:xfrm>
+            <a:off x="395536" y="260648"/>
+            <a:ext cx="2156360" cy="523220"/>
+          </a:xfrm>
+          <a:prstGeom prst="rect">
+            <a:avLst/>
+          </a:prstGeom>
+          <a:noFill/>
+        </p:spPr>
+        <p:txBody>
+          <a:bodyPr wrap="none" rtlCol="0">
+            <a:spAutoFit/>
+          </a:bodyPr>
+          <a:lstStyle/>
+          <a:p>
+            <a:r>
+              <a:rPr lang="en-US" altLang="ko-KR" sz="2800">
+                <a:latin typeface="Consolas" pitchFamily="49" charset="0"/>
+                <a:cs typeface="Consolas" pitchFamily="49" charset="0"/>
+              </a:rPr>
+              <a:t>parity bit</a:t>
+            </a:r>
+            <a:endParaRPr lang="ko-KR" altLang="en-US" sz="2800">
+              <a:latin typeface="Consolas" pitchFamily="49" charset="0"/>
+              <a:cs typeface="Consolas" pitchFamily="49" charset="0"/>
+            </a:endParaRPr>
+          </a:p>
+        </p:txBody>
+      </p:sp>
+      <p:sp>
+        <p:nvSpPr>
+          <p:cNvPr id="5" name="TextBox 4">
+            <a:extLst>
+              <a:ext uri="{FF2B5EF4-FFF2-40B4-BE49-F238E27FC236}">
+                <a16:creationId xmlns:a16="http://schemas.microsoft.com/office/drawing/2014/main" id="{90495E89-8D81-4ED2-8B1A-229AFBAA68DF}"/>
+              </a:ext>
+            </a:extLst>
+          </p:cNvPr>
+          <p:cNvSpPr txBox="1"/>
+          <p:nvPr/>
+        </p:nvSpPr>
+        <p:spPr>
+          <a:xfrm>
+            <a:off x="971600" y="1700808"/>
+            <a:ext cx="776175" cy="523220"/>
+          </a:xfrm>
+          <a:prstGeom prst="rect">
+            <a:avLst/>
+          </a:prstGeom>
+          <a:noFill/>
+        </p:spPr>
+        <p:txBody>
+          <a:bodyPr wrap="none" rtlCol="0">
+            <a:spAutoFit/>
+          </a:bodyPr>
+          <a:lstStyle/>
+          <a:p>
+            <a:r>
+              <a:rPr lang="en-US" altLang="ko-KR" sz="2800">
+                <a:latin typeface="Consolas" pitchFamily="49" charset="0"/>
+                <a:cs typeface="Consolas" pitchFamily="49" charset="0"/>
+              </a:rPr>
+              <a:t>'a'</a:t>
+            </a:r>
+            <a:endParaRPr lang="ko-KR" altLang="en-US" sz="2800">
+              <a:latin typeface="Consolas" pitchFamily="49" charset="0"/>
+              <a:cs typeface="Consolas" pitchFamily="49" charset="0"/>
+            </a:endParaRPr>
+          </a:p>
+        </p:txBody>
+      </p:sp>
+      <p:sp>
+        <p:nvSpPr>
+          <p:cNvPr id="6" name="TextBox 5">
+            <a:extLst>
+              <a:ext uri="{FF2B5EF4-FFF2-40B4-BE49-F238E27FC236}">
+                <a16:creationId xmlns:a16="http://schemas.microsoft.com/office/drawing/2014/main" id="{85379D06-4796-4186-9136-BA1A95941F93}"/>
+              </a:ext>
+            </a:extLst>
+          </p:cNvPr>
+          <p:cNvSpPr txBox="1"/>
+          <p:nvPr/>
+        </p:nvSpPr>
+        <p:spPr>
+          <a:xfrm>
+            <a:off x="5940152" y="1778249"/>
+            <a:ext cx="776175" cy="523220"/>
+          </a:xfrm>
+          <a:prstGeom prst="rect">
+            <a:avLst/>
+          </a:prstGeom>
+          <a:noFill/>
+        </p:spPr>
+        <p:txBody>
+          <a:bodyPr wrap="none" rtlCol="0">
+            <a:spAutoFit/>
+          </a:bodyPr>
+          <a:lstStyle/>
+          <a:p>
+            <a:r>
+              <a:rPr lang="en-US" altLang="ko-KR" sz="2800">
+                <a:latin typeface="Consolas" pitchFamily="49" charset="0"/>
+                <a:cs typeface="Consolas" pitchFamily="49" charset="0"/>
+              </a:rPr>
+              <a:t>'a'</a:t>
+            </a:r>
+            <a:endParaRPr lang="ko-KR" altLang="en-US" sz="2800">
+              <a:latin typeface="Consolas" pitchFamily="49" charset="0"/>
+              <a:cs typeface="Consolas" pitchFamily="49" charset="0"/>
+            </a:endParaRPr>
+          </a:p>
+        </p:txBody>
+      </p:sp>
+      <p:sp>
+        <p:nvSpPr>
+          <p:cNvPr id="7" name="TextBox 6">
+            <a:extLst>
+              <a:ext uri="{FF2B5EF4-FFF2-40B4-BE49-F238E27FC236}">
+                <a16:creationId xmlns:a16="http://schemas.microsoft.com/office/drawing/2014/main" id="{508D4EF0-C2AD-426C-BAFB-ECD19940F3A6}"/>
+              </a:ext>
+            </a:extLst>
+          </p:cNvPr>
+          <p:cNvSpPr txBox="1"/>
+          <p:nvPr/>
+        </p:nvSpPr>
+        <p:spPr>
+          <a:xfrm>
+            <a:off x="611560" y="2420888"/>
+            <a:ext cx="1762021" cy="523220"/>
+          </a:xfrm>
+          <a:prstGeom prst="rect">
+            <a:avLst/>
+          </a:prstGeom>
+          <a:noFill/>
+        </p:spPr>
+        <p:txBody>
+          <a:bodyPr wrap="none" rtlCol="0">
+            <a:spAutoFit/>
+          </a:bodyPr>
+          <a:lstStyle/>
+          <a:p>
+            <a:r>
+              <a:rPr lang="en-US" altLang="ko-KR" sz="2800">
+                <a:solidFill>
+                  <a:srgbClr val="FF0000"/>
+                </a:solidFill>
+                <a:latin typeface="Consolas" pitchFamily="49" charset="0"/>
+                <a:cs typeface="Consolas" pitchFamily="49" charset="0"/>
+              </a:rPr>
+              <a:t>0</a:t>
+            </a:r>
+            <a:r>
+              <a:rPr lang="en-US" altLang="ko-KR" sz="2800">
+                <a:latin typeface="Consolas" pitchFamily="49" charset="0"/>
+                <a:cs typeface="Consolas" pitchFamily="49" charset="0"/>
+              </a:rPr>
+              <a:t>1100001</a:t>
+            </a:r>
+            <a:endParaRPr lang="ko-KR" altLang="en-US" sz="2800">
+              <a:latin typeface="Consolas" pitchFamily="49" charset="0"/>
+              <a:cs typeface="Consolas" pitchFamily="49" charset="0"/>
+            </a:endParaRPr>
+          </a:p>
+        </p:txBody>
+      </p:sp>
+      <p:sp>
+        <p:nvSpPr>
+          <p:cNvPr id="8" name="TextBox 7">
+            <a:extLst>
+              <a:ext uri="{FF2B5EF4-FFF2-40B4-BE49-F238E27FC236}">
+                <a16:creationId xmlns:a16="http://schemas.microsoft.com/office/drawing/2014/main" id="{5D1EA2AD-D047-4294-B996-C0A2DD94A0FC}"/>
+              </a:ext>
+            </a:extLst>
+          </p:cNvPr>
+          <p:cNvSpPr txBox="1"/>
+          <p:nvPr/>
+        </p:nvSpPr>
+        <p:spPr>
+          <a:xfrm>
+            <a:off x="5364088" y="2420888"/>
+            <a:ext cx="1762021" cy="523220"/>
+          </a:xfrm>
+          <a:prstGeom prst="rect">
+            <a:avLst/>
+          </a:prstGeom>
+          <a:noFill/>
+        </p:spPr>
+        <p:txBody>
+          <a:bodyPr wrap="none" rtlCol="0">
+            <a:spAutoFit/>
+          </a:bodyPr>
+          <a:lstStyle/>
+          <a:p>
+            <a:r>
+              <a:rPr lang="en-US" altLang="ko-KR" sz="2800">
+                <a:solidFill>
+                  <a:srgbClr val="FF0000"/>
+                </a:solidFill>
+                <a:latin typeface="Consolas" pitchFamily="49" charset="0"/>
+                <a:cs typeface="Consolas" pitchFamily="49" charset="0"/>
+              </a:rPr>
+              <a:t>1</a:t>
+            </a:r>
+            <a:r>
+              <a:rPr lang="en-US" altLang="ko-KR" sz="2800">
+                <a:latin typeface="Consolas" pitchFamily="49" charset="0"/>
+                <a:cs typeface="Consolas" pitchFamily="49" charset="0"/>
+              </a:rPr>
+              <a:t>1100001</a:t>
+            </a:r>
+            <a:endParaRPr lang="ko-KR" altLang="en-US" sz="2800">
+              <a:latin typeface="Consolas" pitchFamily="49" charset="0"/>
+              <a:cs typeface="Consolas" pitchFamily="49" charset="0"/>
+            </a:endParaRPr>
+          </a:p>
+        </p:txBody>
+      </p:sp>
+      <p:sp>
+        <p:nvSpPr>
+          <p:cNvPr id="9" name="TextBox 8">
+            <a:extLst>
+              <a:ext uri="{FF2B5EF4-FFF2-40B4-BE49-F238E27FC236}">
+                <a16:creationId xmlns:a16="http://schemas.microsoft.com/office/drawing/2014/main" id="{1DE14925-51C8-4CD1-A839-70FDE67B8C5C}"/>
+              </a:ext>
+            </a:extLst>
+          </p:cNvPr>
+          <p:cNvSpPr txBox="1"/>
+          <p:nvPr/>
+        </p:nvSpPr>
+        <p:spPr>
+          <a:xfrm>
+            <a:off x="323528" y="5229200"/>
+            <a:ext cx="8507457" cy="1015663"/>
+          </a:xfrm>
+          <a:prstGeom prst="rect">
+            <a:avLst/>
+          </a:prstGeom>
+          <a:noFill/>
+        </p:spPr>
+        <p:txBody>
+          <a:bodyPr wrap="none" rtlCol="0">
+            <a:spAutoFit/>
+          </a:bodyPr>
+          <a:lstStyle/>
+          <a:p>
+            <a:r>
+              <a:rPr lang="ko-KR" altLang="en-US" sz="2000">
+                <a:latin typeface="Consolas" pitchFamily="49" charset="0"/>
+                <a:cs typeface="Consolas" pitchFamily="49" charset="0"/>
+              </a:rPr>
+              <a:t>짝수 </a:t>
+            </a:r>
+            <a:r>
+              <a:rPr lang="en-US" altLang="ko-KR" sz="2000">
+                <a:latin typeface="Consolas" pitchFamily="49" charset="0"/>
+                <a:cs typeface="Consolas" pitchFamily="49" charset="0"/>
+              </a:rPr>
+              <a:t>parity : </a:t>
+            </a:r>
+            <a:r>
+              <a:rPr lang="ko-KR" altLang="en-US" sz="2000">
+                <a:latin typeface="Consolas" pitchFamily="49" charset="0"/>
+                <a:cs typeface="Consolas" pitchFamily="49" charset="0"/>
+              </a:rPr>
+              <a:t>전체 비트의 개수가 짝수가 되도록 한다</a:t>
+            </a:r>
+            <a:r>
+              <a:rPr lang="en-US" altLang="ko-KR" sz="2000">
+                <a:latin typeface="Consolas" pitchFamily="49" charset="0"/>
+                <a:cs typeface="Consolas" pitchFamily="49" charset="0"/>
+              </a:rPr>
+              <a:t>.</a:t>
+            </a:r>
+          </a:p>
+          <a:p>
+            <a:endParaRPr lang="en-US" altLang="ko-KR" sz="2000">
+              <a:latin typeface="Consolas" pitchFamily="49" charset="0"/>
+              <a:cs typeface="Consolas" pitchFamily="49" charset="0"/>
+            </a:endParaRPr>
+          </a:p>
+          <a:p>
+            <a:r>
+              <a:rPr lang="ko-KR" altLang="en-US" sz="2000">
+                <a:latin typeface="Consolas" pitchFamily="49" charset="0"/>
+                <a:cs typeface="Consolas" pitchFamily="49" charset="0"/>
+              </a:rPr>
+              <a:t>문제점 </a:t>
+            </a:r>
+            <a:r>
+              <a:rPr lang="en-US" altLang="ko-KR" sz="2000">
+                <a:latin typeface="Consolas" pitchFamily="49" charset="0"/>
+                <a:cs typeface="Consolas" pitchFamily="49" charset="0"/>
+              </a:rPr>
+              <a:t>: </a:t>
+            </a:r>
+            <a:r>
+              <a:rPr lang="ko-KR" altLang="en-US" sz="2000">
+                <a:latin typeface="Consolas" pitchFamily="49" charset="0"/>
+                <a:cs typeface="Consolas" pitchFamily="49" charset="0"/>
+              </a:rPr>
+              <a:t>짝수개의 비트가 동시에 변조된 경우 </a:t>
+            </a:r>
+            <a:r>
+              <a:rPr lang="en-US" altLang="ko-KR" sz="2000">
+                <a:latin typeface="Consolas" pitchFamily="49" charset="0"/>
+                <a:cs typeface="Consolas" pitchFamily="49" charset="0"/>
+              </a:rPr>
+              <a:t>check </a:t>
+            </a:r>
+            <a:r>
+              <a:rPr lang="ko-KR" altLang="en-US" sz="2000">
+                <a:latin typeface="Consolas" pitchFamily="49" charset="0"/>
+                <a:cs typeface="Consolas" pitchFamily="49" charset="0"/>
+              </a:rPr>
+              <a:t>할 수 없다</a:t>
+            </a:r>
+            <a:r>
+              <a:rPr lang="en-US" altLang="ko-KR" sz="2000">
+                <a:latin typeface="Consolas" pitchFamily="49" charset="0"/>
+                <a:cs typeface="Consolas" pitchFamily="49" charset="0"/>
+              </a:rPr>
+              <a:t>.  </a:t>
+            </a:r>
+            <a:endParaRPr lang="ko-KR" altLang="en-US" sz="2000">
+              <a:latin typeface="Consolas" pitchFamily="49" charset="0"/>
+              <a:cs typeface="Consolas" pitchFamily="49" charset="0"/>
+            </a:endParaRPr>
+          </a:p>
+        </p:txBody>
+      </p:sp>
+      <p:sp>
+        <p:nvSpPr>
+          <p:cNvPr id="10" name="TextBox 9">
+            <a:extLst>
+              <a:ext uri="{FF2B5EF4-FFF2-40B4-BE49-F238E27FC236}">
+                <a16:creationId xmlns:a16="http://schemas.microsoft.com/office/drawing/2014/main" id="{AD6D6537-50E8-44CD-B8C0-C922D70F7A04}"/>
+              </a:ext>
+            </a:extLst>
+          </p:cNvPr>
+          <p:cNvSpPr txBox="1"/>
+          <p:nvPr/>
+        </p:nvSpPr>
+        <p:spPr>
+          <a:xfrm>
+            <a:off x="0" y="3356992"/>
+            <a:ext cx="3570208" cy="707886"/>
+          </a:xfrm>
+          <a:prstGeom prst="rect">
+            <a:avLst/>
+          </a:prstGeom>
+          <a:noFill/>
+        </p:spPr>
+        <p:txBody>
+          <a:bodyPr wrap="none" rtlCol="0">
+            <a:spAutoFit/>
+          </a:bodyPr>
+          <a:lstStyle/>
+          <a:p>
+            <a:r>
+              <a:rPr lang="en-US" altLang="ko-KR" sz="2000">
+                <a:latin typeface="Consolas" pitchFamily="49" charset="0"/>
+                <a:cs typeface="Consolas" pitchFamily="49" charset="0"/>
+              </a:rPr>
+              <a:t>if(</a:t>
+            </a:r>
+            <a:r>
+              <a:rPr lang="ko-KR" altLang="en-US" sz="2000">
+                <a:latin typeface="Consolas" pitchFamily="49" charset="0"/>
+                <a:cs typeface="Consolas" pitchFamily="49" charset="0"/>
+              </a:rPr>
+              <a:t> </a:t>
+            </a:r>
+            <a:r>
+              <a:rPr lang="en-US" altLang="ko-KR" sz="2000">
+                <a:latin typeface="Consolas" pitchFamily="49" charset="0"/>
+                <a:cs typeface="Consolas" pitchFamily="49" charset="0"/>
+              </a:rPr>
+              <a:t>hweight(ch)%2 != 0 )</a:t>
+            </a:r>
+          </a:p>
+          <a:p>
+            <a:r>
+              <a:rPr lang="en-US" altLang="ko-KR" sz="2000">
+                <a:latin typeface="Consolas" pitchFamily="49" charset="0"/>
+                <a:cs typeface="Consolas" pitchFamily="49" charset="0"/>
+              </a:rPr>
+              <a:t>   ch |= 0x80;</a:t>
+            </a:r>
+            <a:r>
+              <a:rPr lang="ko-KR" altLang="en-US" sz="2000">
+                <a:latin typeface="Consolas" pitchFamily="49" charset="0"/>
+                <a:cs typeface="Consolas" pitchFamily="49" charset="0"/>
+              </a:rPr>
+              <a:t> </a:t>
+            </a:r>
+          </a:p>
+        </p:txBody>
+      </p:sp>
+      <p:sp>
+        <p:nvSpPr>
+          <p:cNvPr id="11" name="TextBox 10">
+            <a:extLst>
+              <a:ext uri="{FF2B5EF4-FFF2-40B4-BE49-F238E27FC236}">
+                <a16:creationId xmlns:a16="http://schemas.microsoft.com/office/drawing/2014/main" id="{284AEF21-DA6E-4A8D-BD38-05714F848ADB}"/>
+              </a:ext>
+            </a:extLst>
+          </p:cNvPr>
+          <p:cNvSpPr txBox="1"/>
+          <p:nvPr/>
+        </p:nvSpPr>
+        <p:spPr>
+          <a:xfrm>
+            <a:off x="2933562" y="1885474"/>
+            <a:ext cx="1762021" cy="523220"/>
+          </a:xfrm>
+          <a:prstGeom prst="rect">
+            <a:avLst/>
+          </a:prstGeom>
+          <a:noFill/>
+        </p:spPr>
+        <p:txBody>
+          <a:bodyPr wrap="none" rtlCol="0">
+            <a:spAutoFit/>
+          </a:bodyPr>
+          <a:lstStyle/>
+          <a:p>
+            <a:r>
+              <a:rPr lang="en-US" altLang="ko-KR" sz="2800">
+                <a:solidFill>
+                  <a:srgbClr val="FF0000"/>
+                </a:solidFill>
+                <a:latin typeface="Consolas" pitchFamily="49" charset="0"/>
+                <a:cs typeface="Consolas" pitchFamily="49" charset="0"/>
+              </a:rPr>
+              <a:t>1</a:t>
+            </a:r>
+            <a:r>
+              <a:rPr lang="en-US" altLang="ko-KR" sz="2800">
+                <a:latin typeface="Consolas" pitchFamily="49" charset="0"/>
+                <a:cs typeface="Consolas" pitchFamily="49" charset="0"/>
+              </a:rPr>
+              <a:t>1100001</a:t>
+            </a:r>
+            <a:endParaRPr lang="ko-KR" altLang="en-US" sz="2800">
+              <a:latin typeface="Consolas" pitchFamily="49" charset="0"/>
+              <a:cs typeface="Consolas" pitchFamily="49" charset="0"/>
+            </a:endParaRPr>
+          </a:p>
+        </p:txBody>
+      </p:sp>
+      <p:sp>
+        <p:nvSpPr>
+          <p:cNvPr id="12" name="TextBox 11">
+            <a:extLst>
+              <a:ext uri="{FF2B5EF4-FFF2-40B4-BE49-F238E27FC236}">
+                <a16:creationId xmlns:a16="http://schemas.microsoft.com/office/drawing/2014/main" id="{14984F30-EB6F-405F-A434-52AD7DBB503C}"/>
+              </a:ext>
+            </a:extLst>
+          </p:cNvPr>
+          <p:cNvSpPr txBox="1"/>
+          <p:nvPr/>
+        </p:nvSpPr>
+        <p:spPr>
+          <a:xfrm>
+            <a:off x="5076056" y="3369445"/>
+            <a:ext cx="4121641" cy="1631216"/>
+          </a:xfrm>
+          <a:prstGeom prst="rect">
+            <a:avLst/>
+          </a:prstGeom>
+          <a:noFill/>
+        </p:spPr>
+        <p:txBody>
+          <a:bodyPr wrap="none" rtlCol="0">
+            <a:spAutoFit/>
+          </a:bodyPr>
+          <a:lstStyle/>
+          <a:p>
+            <a:r>
+              <a:rPr lang="en-US" altLang="ko-KR" sz="2000">
+                <a:latin typeface="Consolas" pitchFamily="49" charset="0"/>
+                <a:cs typeface="Consolas" pitchFamily="49" charset="0"/>
+              </a:rPr>
+              <a:t>if(</a:t>
+            </a:r>
+            <a:r>
+              <a:rPr lang="ko-KR" altLang="en-US" sz="2000">
+                <a:latin typeface="Consolas" pitchFamily="49" charset="0"/>
+                <a:cs typeface="Consolas" pitchFamily="49" charset="0"/>
+              </a:rPr>
+              <a:t> </a:t>
+            </a:r>
+            <a:r>
+              <a:rPr lang="en-US" altLang="ko-KR" sz="2000">
+                <a:latin typeface="Consolas" pitchFamily="49" charset="0"/>
+                <a:cs typeface="Consolas" pitchFamily="49" charset="0"/>
+              </a:rPr>
+              <a:t>hweight(ch)%2 != 0 )</a:t>
+            </a:r>
+          </a:p>
+          <a:p>
+            <a:r>
+              <a:rPr lang="en-US" altLang="ko-KR" sz="2000">
+                <a:latin typeface="Consolas" pitchFamily="49" charset="0"/>
+                <a:cs typeface="Consolas" pitchFamily="49" charset="0"/>
+              </a:rPr>
+              <a:t>{</a:t>
+            </a:r>
+          </a:p>
+          <a:p>
+            <a:r>
+              <a:rPr lang="en-US" altLang="ko-KR" sz="2000">
+                <a:latin typeface="Consolas" pitchFamily="49" charset="0"/>
+                <a:cs typeface="Consolas" pitchFamily="49" charset="0"/>
+              </a:rPr>
+              <a:t>   printf("</a:t>
+            </a:r>
+            <a:r>
+              <a:rPr lang="ko-KR" altLang="en-US" sz="2000">
+                <a:latin typeface="Consolas" pitchFamily="49" charset="0"/>
+                <a:cs typeface="Consolas" pitchFamily="49" charset="0"/>
+              </a:rPr>
+              <a:t>변조된 데이터</a:t>
+            </a:r>
+            <a:r>
+              <a:rPr lang="en-US" altLang="ko-KR" sz="2000">
+                <a:latin typeface="Consolas" pitchFamily="49" charset="0"/>
+                <a:cs typeface="Consolas" pitchFamily="49" charset="0"/>
+              </a:rPr>
+              <a:t>\n");</a:t>
+            </a:r>
+          </a:p>
+          <a:p>
+            <a:r>
+              <a:rPr lang="en-US" altLang="ko-KR" sz="2000">
+                <a:latin typeface="Consolas" pitchFamily="49" charset="0"/>
+                <a:cs typeface="Consolas" pitchFamily="49" charset="0"/>
+              </a:rPr>
+              <a:t>   return -1;</a:t>
+            </a:r>
+          </a:p>
+          <a:p>
+            <a:r>
+              <a:rPr lang="en-US" altLang="ko-KR" sz="2000">
+                <a:latin typeface="Consolas" pitchFamily="49" charset="0"/>
+                <a:cs typeface="Consolas" pitchFamily="49" charset="0"/>
+              </a:rPr>
+              <a:t>}</a:t>
+            </a:r>
+            <a:endParaRPr lang="ko-KR" altLang="en-US" sz="2000">
+              <a:latin typeface="Consolas" pitchFamily="49" charset="0"/>
+              <a:cs typeface="Consolas" pitchFamily="49" charset="0"/>
+            </a:endParaRPr>
+          </a:p>
+        </p:txBody>
+      </p:sp>
+    </p:spTree>
+    <p:extLst>
+      <p:ext uri="{BB962C8B-B14F-4D97-AF65-F5344CB8AC3E}">
+        <p14:creationId xmlns:p14="http://schemas.microsoft.com/office/powerpoint/2010/main" val="2091731448"/>
+      </p:ext>
+    </p:extLst>
+  </p:cSld>
+  <p:clrMapOvr>
+    <a:masterClrMapping/>
+  </p:clrMapOvr>
+</p:sld>
+</file>
+
+<file path=ppt/slides/slide16.xml><?xml version="1.0" encoding="utf-8"?>
+<p:sld xmlns:a="http://schemas.openxmlformats.org/drawingml/2006/main" xmlns:r="http://schemas.openxmlformats.org/officeDocument/2006/relationships" xmlns:p="http://schemas.openxmlformats.org/presentationml/2006/main">
+  <p:cSld>
+    <p:spTree>
+      <p:nvGrpSpPr>
+        <p:cNvPr id="1" name=""/>
+        <p:cNvGrpSpPr/>
+        <p:nvPr/>
+      </p:nvGrpSpPr>
+      <p:grpSpPr>
+        <a:xfrm>
+          <a:off x="0" y="0"/>
+          <a:ext cx="0" cy="0"/>
+          <a:chOff x="0" y="0"/>
+          <a:chExt cx="0" cy="0"/>
+        </a:xfrm>
+      </p:grpSpPr>
+      <p:sp>
+        <p:nvSpPr>
+          <p:cNvPr id="4" name="TextBox 3">
+            <a:extLst>
+              <a:ext uri="{FF2B5EF4-FFF2-40B4-BE49-F238E27FC236}">
+                <a16:creationId xmlns:a16="http://schemas.microsoft.com/office/drawing/2014/main" id="{AA42897F-0827-4CF7-9880-DF7D4028D3B2}"/>
+              </a:ext>
+            </a:extLst>
+          </p:cNvPr>
+          <p:cNvSpPr txBox="1"/>
+          <p:nvPr/>
+        </p:nvSpPr>
+        <p:spPr>
+          <a:xfrm>
+            <a:off x="395536" y="260648"/>
+            <a:ext cx="1959191" cy="523220"/>
+          </a:xfrm>
+          <a:prstGeom prst="rect">
+            <a:avLst/>
+          </a:prstGeom>
+          <a:noFill/>
+        </p:spPr>
+        <p:txBody>
+          <a:bodyPr wrap="none" rtlCol="0">
+            <a:spAutoFit/>
+          </a:bodyPr>
+          <a:lstStyle/>
+          <a:p>
+            <a:r>
+              <a:rPr lang="en-US" altLang="ko-KR" sz="2800">
+                <a:latin typeface="Consolas" pitchFamily="49" charset="0"/>
+                <a:cs typeface="Consolas" pitchFamily="49" charset="0"/>
+              </a:rPr>
+              <a:t>check sum</a:t>
+            </a:r>
+            <a:endParaRPr lang="ko-KR" altLang="en-US" sz="2800">
+              <a:latin typeface="Consolas" pitchFamily="49" charset="0"/>
+              <a:cs typeface="Consolas" pitchFamily="49" charset="0"/>
+            </a:endParaRPr>
+          </a:p>
+        </p:txBody>
+      </p:sp>
+      <p:sp>
+        <p:nvSpPr>
+          <p:cNvPr id="2" name="직사각형 1">
+            <a:extLst>
+              <a:ext uri="{FF2B5EF4-FFF2-40B4-BE49-F238E27FC236}">
+                <a16:creationId xmlns:a16="http://schemas.microsoft.com/office/drawing/2014/main" id="{DEA5660D-9F0C-4611-81A7-38F66DC8BB24}"/>
+              </a:ext>
+            </a:extLst>
+          </p:cNvPr>
+          <p:cNvSpPr/>
+          <p:nvPr/>
+        </p:nvSpPr>
+        <p:spPr>
+          <a:xfrm>
+            <a:off x="1043608" y="1124744"/>
+            <a:ext cx="504056" cy="576064"/>
+          </a:xfrm>
+          <a:prstGeom prst="rect">
+            <a:avLst/>
+          </a:prstGeom>
+          <a:solidFill>
+            <a:srgbClr val="FFFF00"/>
+          </a:solidFill>
+          <a:ln w="9525"/>
+        </p:spPr>
+        <p:style>
+          <a:lnRef idx="2">
+            <a:schemeClr val="accent1">
+              <a:shade val="50000"/>
+            </a:schemeClr>
+          </a:lnRef>
+          <a:fillRef idx="1">
+            <a:schemeClr val="accent1"/>
+          </a:fillRef>
+          <a:effectRef idx="0">
+            <a:schemeClr val="accent1"/>
+          </a:effectRef>
+          <a:fontRef idx="minor">
+            <a:schemeClr val="lt1"/>
+          </a:fontRef>
+        </p:style>
+        <p:txBody>
+          <a:bodyPr rot="0" spcFirstLastPara="0" vertOverflow="overflow" horzOverflow="overflow" vert="horz" wrap="square" lIns="91440" tIns="45720" rIns="91440" bIns="45720" numCol="1" spcCol="0" rtlCol="0" fromWordArt="0" anchor="ctr" anchorCtr="0" forceAA="0" compatLnSpc="1">
+            <a:prstTxWarp prst="textNoShape">
+              <a:avLst/>
+            </a:prstTxWarp>
+            <a:noAutofit/>
+          </a:bodyPr>
+          <a:lstStyle/>
+          <a:p>
+            <a:pPr algn="ctr"/>
+            <a:r>
+              <a:rPr lang="en-US" altLang="ko-KR" sz="2000">
+                <a:solidFill>
+                  <a:schemeClr val="tx1"/>
+                </a:solidFill>
+                <a:latin typeface="Consolas" pitchFamily="49" charset="0"/>
+                <a:cs typeface="Consolas" pitchFamily="49" charset="0"/>
+              </a:rPr>
+              <a:t>7</a:t>
+            </a:r>
+            <a:endParaRPr lang="ko-KR" altLang="en-US" sz="2000">
+              <a:solidFill>
+                <a:schemeClr val="tx1"/>
+              </a:solidFill>
+              <a:latin typeface="Consolas" pitchFamily="49" charset="0"/>
+              <a:cs typeface="Consolas" pitchFamily="49" charset="0"/>
+            </a:endParaRPr>
+          </a:p>
+        </p:txBody>
+      </p:sp>
+      <p:sp>
+        <p:nvSpPr>
+          <p:cNvPr id="13" name="직사각형 12">
+            <a:extLst>
+              <a:ext uri="{FF2B5EF4-FFF2-40B4-BE49-F238E27FC236}">
+                <a16:creationId xmlns:a16="http://schemas.microsoft.com/office/drawing/2014/main" id="{6BD63B00-3BF5-434A-9E8A-A9229B98578A}"/>
+              </a:ext>
+            </a:extLst>
+          </p:cNvPr>
+          <p:cNvSpPr/>
+          <p:nvPr/>
+        </p:nvSpPr>
+        <p:spPr>
+          <a:xfrm>
+            <a:off x="1547664" y="1124744"/>
+            <a:ext cx="504056" cy="576064"/>
+          </a:xfrm>
+          <a:prstGeom prst="rect">
+            <a:avLst/>
+          </a:prstGeom>
+          <a:solidFill>
+            <a:srgbClr val="FFFF00"/>
+          </a:solidFill>
+          <a:ln w="9525"/>
+        </p:spPr>
+        <p:style>
+          <a:lnRef idx="2">
+            <a:schemeClr val="accent1">
+              <a:shade val="50000"/>
+            </a:schemeClr>
+          </a:lnRef>
+          <a:fillRef idx="1">
+            <a:schemeClr val="accent1"/>
+          </a:fillRef>
+          <a:effectRef idx="0">
+            <a:schemeClr val="accent1"/>
+          </a:effectRef>
+          <a:fontRef idx="minor">
+            <a:schemeClr val="lt1"/>
+          </a:fontRef>
+        </p:style>
+        <p:txBody>
+          <a:bodyPr rot="0" spcFirstLastPara="0" vertOverflow="overflow" horzOverflow="overflow" vert="horz" wrap="square" lIns="91440" tIns="45720" rIns="91440" bIns="45720" numCol="1" spcCol="0" rtlCol="0" fromWordArt="0" anchor="ctr" anchorCtr="0" forceAA="0" compatLnSpc="1">
+            <a:prstTxWarp prst="textNoShape">
+              <a:avLst/>
+            </a:prstTxWarp>
+            <a:noAutofit/>
+          </a:bodyPr>
+          <a:lstStyle/>
+          <a:p>
+            <a:pPr algn="ctr"/>
+            <a:r>
+              <a:rPr lang="en-US" altLang="ko-KR" sz="2000">
+                <a:solidFill>
+                  <a:schemeClr val="tx1"/>
+                </a:solidFill>
+                <a:latin typeface="Consolas" pitchFamily="49" charset="0"/>
+                <a:cs typeface="Consolas" pitchFamily="49" charset="0"/>
+              </a:rPr>
+              <a:t>8</a:t>
+            </a:r>
+            <a:endParaRPr lang="ko-KR" altLang="en-US" sz="2000">
+              <a:solidFill>
+                <a:schemeClr val="tx1"/>
+              </a:solidFill>
+              <a:latin typeface="Consolas" pitchFamily="49" charset="0"/>
+              <a:cs typeface="Consolas" pitchFamily="49" charset="0"/>
+            </a:endParaRPr>
+          </a:p>
+        </p:txBody>
+      </p:sp>
+      <p:sp>
+        <p:nvSpPr>
+          <p:cNvPr id="14" name="직사각형 13">
+            <a:extLst>
+              <a:ext uri="{FF2B5EF4-FFF2-40B4-BE49-F238E27FC236}">
+                <a16:creationId xmlns:a16="http://schemas.microsoft.com/office/drawing/2014/main" id="{8DACDB39-147E-4019-A62B-1A8DD73180DC}"/>
+              </a:ext>
+            </a:extLst>
+          </p:cNvPr>
+          <p:cNvSpPr/>
+          <p:nvPr/>
+        </p:nvSpPr>
+        <p:spPr>
+          <a:xfrm>
+            <a:off x="2051720" y="1124744"/>
+            <a:ext cx="504056" cy="576064"/>
+          </a:xfrm>
+          <a:prstGeom prst="rect">
+            <a:avLst/>
+          </a:prstGeom>
+          <a:solidFill>
+            <a:srgbClr val="FFFF00"/>
+          </a:solidFill>
+          <a:ln w="9525"/>
+        </p:spPr>
+        <p:style>
+          <a:lnRef idx="2">
+            <a:schemeClr val="accent1">
+              <a:shade val="50000"/>
+            </a:schemeClr>
+          </a:lnRef>
+          <a:fillRef idx="1">
+            <a:schemeClr val="accent1"/>
+          </a:fillRef>
+          <a:effectRef idx="0">
+            <a:schemeClr val="accent1"/>
+          </a:effectRef>
+          <a:fontRef idx="minor">
+            <a:schemeClr val="lt1"/>
+          </a:fontRef>
+        </p:style>
+        <p:txBody>
+          <a:bodyPr rot="0" spcFirstLastPara="0" vertOverflow="overflow" horzOverflow="overflow" vert="horz" wrap="square" lIns="91440" tIns="45720" rIns="91440" bIns="45720" numCol="1" spcCol="0" rtlCol="0" fromWordArt="0" anchor="ctr" anchorCtr="0" forceAA="0" compatLnSpc="1">
+            <a:prstTxWarp prst="textNoShape">
+              <a:avLst/>
+            </a:prstTxWarp>
+            <a:noAutofit/>
+          </a:bodyPr>
+          <a:lstStyle/>
+          <a:p>
+            <a:pPr algn="ctr"/>
+            <a:r>
+              <a:rPr lang="en-US" altLang="ko-KR" sz="2000">
+                <a:solidFill>
+                  <a:schemeClr val="tx1"/>
+                </a:solidFill>
+                <a:latin typeface="Consolas" pitchFamily="49" charset="0"/>
+                <a:cs typeface="Consolas" pitchFamily="49" charset="0"/>
+              </a:rPr>
+              <a:t>1</a:t>
+            </a:r>
+            <a:endParaRPr lang="ko-KR" altLang="en-US" sz="2000">
+              <a:solidFill>
+                <a:schemeClr val="tx1"/>
+              </a:solidFill>
+              <a:latin typeface="Consolas" pitchFamily="49" charset="0"/>
+              <a:cs typeface="Consolas" pitchFamily="49" charset="0"/>
+            </a:endParaRPr>
+          </a:p>
+        </p:txBody>
+      </p:sp>
+      <p:sp>
+        <p:nvSpPr>
+          <p:cNvPr id="15" name="직사각형 14">
+            <a:extLst>
+              <a:ext uri="{FF2B5EF4-FFF2-40B4-BE49-F238E27FC236}">
+                <a16:creationId xmlns:a16="http://schemas.microsoft.com/office/drawing/2014/main" id="{F884CF9A-FC36-461F-AC11-AC135D06EDC9}"/>
+              </a:ext>
+            </a:extLst>
+          </p:cNvPr>
+          <p:cNvSpPr/>
+          <p:nvPr/>
+        </p:nvSpPr>
+        <p:spPr>
+          <a:xfrm>
+            <a:off x="2555776" y="1124744"/>
+            <a:ext cx="504056" cy="576064"/>
+          </a:xfrm>
+          <a:prstGeom prst="rect">
+            <a:avLst/>
+          </a:prstGeom>
+          <a:solidFill>
+            <a:srgbClr val="FFFF00"/>
+          </a:solidFill>
+          <a:ln w="9525"/>
+        </p:spPr>
+        <p:style>
+          <a:lnRef idx="2">
+            <a:schemeClr val="accent1">
+              <a:shade val="50000"/>
+            </a:schemeClr>
+          </a:lnRef>
+          <a:fillRef idx="1">
+            <a:schemeClr val="accent1"/>
+          </a:fillRef>
+          <a:effectRef idx="0">
+            <a:schemeClr val="accent1"/>
+          </a:effectRef>
+          <a:fontRef idx="minor">
+            <a:schemeClr val="lt1"/>
+          </a:fontRef>
+        </p:style>
+        <p:txBody>
+          <a:bodyPr rot="0" spcFirstLastPara="0" vertOverflow="overflow" horzOverflow="overflow" vert="horz" wrap="square" lIns="91440" tIns="45720" rIns="91440" bIns="45720" numCol="1" spcCol="0" rtlCol="0" fromWordArt="0" anchor="ctr" anchorCtr="0" forceAA="0" compatLnSpc="1">
+            <a:prstTxWarp prst="textNoShape">
+              <a:avLst/>
+            </a:prstTxWarp>
+            <a:noAutofit/>
+          </a:bodyPr>
+          <a:lstStyle/>
+          <a:p>
+            <a:pPr algn="ctr"/>
+            <a:r>
+              <a:rPr lang="en-US" altLang="ko-KR" sz="2000">
+                <a:solidFill>
+                  <a:schemeClr val="tx1"/>
+                </a:solidFill>
+                <a:latin typeface="Consolas" pitchFamily="49" charset="0"/>
+                <a:cs typeface="Consolas" pitchFamily="49" charset="0"/>
+              </a:rPr>
+              <a:t>1</a:t>
+            </a:r>
+            <a:endParaRPr lang="ko-KR" altLang="en-US" sz="2000">
+              <a:solidFill>
+                <a:schemeClr val="tx1"/>
+              </a:solidFill>
+              <a:latin typeface="Consolas" pitchFamily="49" charset="0"/>
+              <a:cs typeface="Consolas" pitchFamily="49" charset="0"/>
+            </a:endParaRPr>
+          </a:p>
+        </p:txBody>
+      </p:sp>
+      <p:sp>
+        <p:nvSpPr>
+          <p:cNvPr id="16" name="직사각형 15">
+            <a:extLst>
+              <a:ext uri="{FF2B5EF4-FFF2-40B4-BE49-F238E27FC236}">
+                <a16:creationId xmlns:a16="http://schemas.microsoft.com/office/drawing/2014/main" id="{28EEE824-1DFB-4613-8EFE-AD3CBE42F1BE}"/>
+              </a:ext>
+            </a:extLst>
+          </p:cNvPr>
+          <p:cNvSpPr/>
+          <p:nvPr/>
+        </p:nvSpPr>
+        <p:spPr>
+          <a:xfrm>
+            <a:off x="3059832" y="1124744"/>
+            <a:ext cx="504056" cy="576064"/>
+          </a:xfrm>
+          <a:prstGeom prst="rect">
+            <a:avLst/>
+          </a:prstGeom>
+          <a:solidFill>
+            <a:srgbClr val="FFFF00"/>
+          </a:solidFill>
+          <a:ln w="9525"/>
+        </p:spPr>
+        <p:style>
+          <a:lnRef idx="2">
+            <a:schemeClr val="accent1">
+              <a:shade val="50000"/>
+            </a:schemeClr>
+          </a:lnRef>
+          <a:fillRef idx="1">
+            <a:schemeClr val="accent1"/>
+          </a:fillRef>
+          <a:effectRef idx="0">
+            <a:schemeClr val="accent1"/>
+          </a:effectRef>
+          <a:fontRef idx="minor">
+            <a:schemeClr val="lt1"/>
+          </a:fontRef>
+        </p:style>
+        <p:txBody>
+          <a:bodyPr rot="0" spcFirstLastPara="0" vertOverflow="overflow" horzOverflow="overflow" vert="horz" wrap="square" lIns="91440" tIns="45720" rIns="91440" bIns="45720" numCol="1" spcCol="0" rtlCol="0" fromWordArt="0" anchor="ctr" anchorCtr="0" forceAA="0" compatLnSpc="1">
+            <a:prstTxWarp prst="textNoShape">
+              <a:avLst/>
+            </a:prstTxWarp>
+            <a:noAutofit/>
+          </a:bodyPr>
+          <a:lstStyle/>
+          <a:p>
+            <a:pPr algn="ctr"/>
+            <a:r>
+              <a:rPr lang="en-US" altLang="ko-KR" sz="2000">
+                <a:solidFill>
+                  <a:schemeClr val="tx1"/>
+                </a:solidFill>
+                <a:latin typeface="Consolas" pitchFamily="49" charset="0"/>
+                <a:cs typeface="Consolas" pitchFamily="49" charset="0"/>
+              </a:rPr>
+              <a:t>2</a:t>
+            </a:r>
+            <a:endParaRPr lang="ko-KR" altLang="en-US" sz="2000">
+              <a:solidFill>
+                <a:schemeClr val="tx1"/>
+              </a:solidFill>
+              <a:latin typeface="Consolas" pitchFamily="49" charset="0"/>
+              <a:cs typeface="Consolas" pitchFamily="49" charset="0"/>
+            </a:endParaRPr>
+          </a:p>
+        </p:txBody>
+      </p:sp>
+      <p:sp>
+        <p:nvSpPr>
+          <p:cNvPr id="17" name="직사각형 16">
+            <a:extLst>
+              <a:ext uri="{FF2B5EF4-FFF2-40B4-BE49-F238E27FC236}">
+                <a16:creationId xmlns:a16="http://schemas.microsoft.com/office/drawing/2014/main" id="{9B9D211A-A4EC-4D1C-8075-D202BAB8E241}"/>
+              </a:ext>
+            </a:extLst>
+          </p:cNvPr>
+          <p:cNvSpPr/>
+          <p:nvPr/>
+        </p:nvSpPr>
+        <p:spPr>
+          <a:xfrm>
+            <a:off x="3563888" y="1124744"/>
+            <a:ext cx="504056" cy="576064"/>
+          </a:xfrm>
+          <a:prstGeom prst="rect">
+            <a:avLst/>
+          </a:prstGeom>
+          <a:solidFill>
+            <a:srgbClr val="FFFF00"/>
+          </a:solidFill>
+          <a:ln w="9525"/>
+        </p:spPr>
+        <p:style>
+          <a:lnRef idx="2">
+            <a:schemeClr val="accent1">
+              <a:shade val="50000"/>
+            </a:schemeClr>
+          </a:lnRef>
+          <a:fillRef idx="1">
+            <a:schemeClr val="accent1"/>
+          </a:fillRef>
+          <a:effectRef idx="0">
+            <a:schemeClr val="accent1"/>
+          </a:effectRef>
+          <a:fontRef idx="minor">
+            <a:schemeClr val="lt1"/>
+          </a:fontRef>
+        </p:style>
+        <p:txBody>
+          <a:bodyPr rot="0" spcFirstLastPara="0" vertOverflow="overflow" horzOverflow="overflow" vert="horz" wrap="square" lIns="91440" tIns="45720" rIns="91440" bIns="45720" numCol="1" spcCol="0" rtlCol="0" fromWordArt="0" anchor="ctr" anchorCtr="0" forceAA="0" compatLnSpc="1">
+            <a:prstTxWarp prst="textNoShape">
+              <a:avLst/>
+            </a:prstTxWarp>
+            <a:noAutofit/>
+          </a:bodyPr>
+          <a:lstStyle/>
+          <a:p>
+            <a:pPr algn="ctr"/>
+            <a:r>
+              <a:rPr lang="en-US" altLang="ko-KR" sz="2000">
+                <a:solidFill>
+                  <a:schemeClr val="tx1"/>
+                </a:solidFill>
+                <a:latin typeface="Consolas" pitchFamily="49" charset="0"/>
+                <a:cs typeface="Consolas" pitchFamily="49" charset="0"/>
+              </a:rPr>
+              <a:t>5</a:t>
+            </a:r>
+            <a:endParaRPr lang="ko-KR" altLang="en-US" sz="2000">
+              <a:solidFill>
+                <a:schemeClr val="tx1"/>
+              </a:solidFill>
+              <a:latin typeface="Consolas" pitchFamily="49" charset="0"/>
+              <a:cs typeface="Consolas" pitchFamily="49" charset="0"/>
+            </a:endParaRPr>
+          </a:p>
+        </p:txBody>
+      </p:sp>
+      <p:sp>
+        <p:nvSpPr>
+          <p:cNvPr id="18" name="직사각형 17">
+            <a:extLst>
+              <a:ext uri="{FF2B5EF4-FFF2-40B4-BE49-F238E27FC236}">
+                <a16:creationId xmlns:a16="http://schemas.microsoft.com/office/drawing/2014/main" id="{1FB553FF-1854-4787-BFFF-36D42C86817B}"/>
+              </a:ext>
+            </a:extLst>
+          </p:cNvPr>
+          <p:cNvSpPr/>
+          <p:nvPr/>
+        </p:nvSpPr>
+        <p:spPr>
+          <a:xfrm>
+            <a:off x="4427984" y="1124744"/>
+            <a:ext cx="504056" cy="576064"/>
+          </a:xfrm>
+          <a:prstGeom prst="rect">
+            <a:avLst/>
+          </a:prstGeom>
+          <a:solidFill>
+            <a:srgbClr val="FFFF00"/>
+          </a:solidFill>
+          <a:ln w="9525"/>
+        </p:spPr>
+        <p:style>
+          <a:lnRef idx="2">
+            <a:schemeClr val="accent1">
+              <a:shade val="50000"/>
+            </a:schemeClr>
+          </a:lnRef>
+          <a:fillRef idx="1">
+            <a:schemeClr val="accent1"/>
+          </a:fillRef>
+          <a:effectRef idx="0">
+            <a:schemeClr val="accent1"/>
+          </a:effectRef>
+          <a:fontRef idx="minor">
+            <a:schemeClr val="lt1"/>
+          </a:fontRef>
+        </p:style>
+        <p:txBody>
+          <a:bodyPr rot="0" spcFirstLastPara="0" vertOverflow="overflow" horzOverflow="overflow" vert="horz" wrap="square" lIns="91440" tIns="45720" rIns="91440" bIns="45720" numCol="1" spcCol="0" rtlCol="0" fromWordArt="0" anchor="ctr" anchorCtr="0" forceAA="0" compatLnSpc="1">
+            <a:prstTxWarp prst="textNoShape">
+              <a:avLst/>
+            </a:prstTxWarp>
+            <a:noAutofit/>
+          </a:bodyPr>
+          <a:lstStyle/>
+          <a:p>
+            <a:pPr algn="ctr"/>
+            <a:r>
+              <a:rPr lang="en-US" altLang="ko-KR" sz="2000">
+                <a:solidFill>
+                  <a:schemeClr val="tx1"/>
+                </a:solidFill>
+                <a:latin typeface="Consolas" pitchFamily="49" charset="0"/>
+                <a:cs typeface="Consolas" pitchFamily="49" charset="0"/>
+              </a:rPr>
+              <a:t>2</a:t>
+            </a:r>
+            <a:endParaRPr lang="ko-KR" altLang="en-US" sz="2000">
+              <a:solidFill>
+                <a:schemeClr val="tx1"/>
+              </a:solidFill>
+              <a:latin typeface="Consolas" pitchFamily="49" charset="0"/>
+              <a:cs typeface="Consolas" pitchFamily="49" charset="0"/>
+            </a:endParaRPr>
+          </a:p>
+        </p:txBody>
+      </p:sp>
+      <p:sp>
+        <p:nvSpPr>
+          <p:cNvPr id="19" name="직사각형 18">
+            <a:extLst>
+              <a:ext uri="{FF2B5EF4-FFF2-40B4-BE49-F238E27FC236}">
+                <a16:creationId xmlns:a16="http://schemas.microsoft.com/office/drawing/2014/main" id="{DE897CBD-D98E-4EBA-A9C8-4AECE53B69A3}"/>
+              </a:ext>
+            </a:extLst>
+          </p:cNvPr>
+          <p:cNvSpPr/>
+          <p:nvPr/>
+        </p:nvSpPr>
+        <p:spPr>
+          <a:xfrm>
+            <a:off x="4932040" y="1124744"/>
+            <a:ext cx="504056" cy="576064"/>
+          </a:xfrm>
+          <a:prstGeom prst="rect">
+            <a:avLst/>
+          </a:prstGeom>
+          <a:solidFill>
+            <a:srgbClr val="FFFF00"/>
+          </a:solidFill>
+          <a:ln w="9525"/>
+        </p:spPr>
+        <p:style>
+          <a:lnRef idx="2">
+            <a:schemeClr val="accent1">
+              <a:shade val="50000"/>
+            </a:schemeClr>
+          </a:lnRef>
+          <a:fillRef idx="1">
+            <a:schemeClr val="accent1"/>
+          </a:fillRef>
+          <a:effectRef idx="0">
+            <a:schemeClr val="accent1"/>
+          </a:effectRef>
+          <a:fontRef idx="minor">
+            <a:schemeClr val="lt1"/>
+          </a:fontRef>
+        </p:style>
+        <p:txBody>
+          <a:bodyPr rot="0" spcFirstLastPara="0" vertOverflow="overflow" horzOverflow="overflow" vert="horz" wrap="square" lIns="91440" tIns="45720" rIns="91440" bIns="45720" numCol="1" spcCol="0" rtlCol="0" fromWordArt="0" anchor="ctr" anchorCtr="0" forceAA="0" compatLnSpc="1">
+            <a:prstTxWarp prst="textNoShape">
+              <a:avLst/>
+            </a:prstTxWarp>
+            <a:noAutofit/>
+          </a:bodyPr>
+          <a:lstStyle/>
+          <a:p>
+            <a:pPr algn="ctr"/>
+            <a:r>
+              <a:rPr lang="en-US" altLang="ko-KR" sz="2000">
+                <a:solidFill>
+                  <a:schemeClr val="tx1"/>
+                </a:solidFill>
+                <a:latin typeface="Consolas" pitchFamily="49" charset="0"/>
+                <a:cs typeface="Consolas" pitchFamily="49" charset="0"/>
+              </a:rPr>
+              <a:t>4</a:t>
+            </a:r>
+            <a:endParaRPr lang="ko-KR" altLang="en-US" sz="2000">
+              <a:solidFill>
+                <a:schemeClr val="tx1"/>
+              </a:solidFill>
+              <a:latin typeface="Consolas" pitchFamily="49" charset="0"/>
+              <a:cs typeface="Consolas" pitchFamily="49" charset="0"/>
+            </a:endParaRPr>
+          </a:p>
+        </p:txBody>
+      </p:sp>
+      <p:sp>
+        <p:nvSpPr>
+          <p:cNvPr id="20" name="직사각형 19">
+            <a:extLst>
+              <a:ext uri="{FF2B5EF4-FFF2-40B4-BE49-F238E27FC236}">
+                <a16:creationId xmlns:a16="http://schemas.microsoft.com/office/drawing/2014/main" id="{8686CF07-CC8D-4355-A2E7-ED2D377B4CE4}"/>
+              </a:ext>
+            </a:extLst>
+          </p:cNvPr>
+          <p:cNvSpPr/>
+          <p:nvPr/>
+        </p:nvSpPr>
+        <p:spPr>
+          <a:xfrm>
+            <a:off x="5436096" y="1124744"/>
+            <a:ext cx="504056" cy="576064"/>
+          </a:xfrm>
+          <a:prstGeom prst="rect">
+            <a:avLst/>
+          </a:prstGeom>
+          <a:solidFill>
+            <a:srgbClr val="FFFF00"/>
+          </a:solidFill>
+          <a:ln w="9525"/>
+        </p:spPr>
+        <p:style>
+          <a:lnRef idx="2">
+            <a:schemeClr val="accent1">
+              <a:shade val="50000"/>
+            </a:schemeClr>
+          </a:lnRef>
+          <a:fillRef idx="1">
+            <a:schemeClr val="accent1"/>
+          </a:fillRef>
+          <a:effectRef idx="0">
+            <a:schemeClr val="accent1"/>
+          </a:effectRef>
+          <a:fontRef idx="minor">
+            <a:schemeClr val="lt1"/>
+          </a:fontRef>
+        </p:style>
+        <p:txBody>
+          <a:bodyPr rot="0" spcFirstLastPara="0" vertOverflow="overflow" horzOverflow="overflow" vert="horz" wrap="square" lIns="91440" tIns="45720" rIns="91440" bIns="45720" numCol="1" spcCol="0" rtlCol="0" fromWordArt="0" anchor="ctr" anchorCtr="0" forceAA="0" compatLnSpc="1">
+            <a:prstTxWarp prst="textNoShape">
+              <a:avLst/>
+            </a:prstTxWarp>
+            <a:noAutofit/>
+          </a:bodyPr>
+          <a:lstStyle/>
+          <a:p>
+            <a:pPr algn="ctr"/>
+            <a:r>
+              <a:rPr lang="en-US" altLang="ko-KR" sz="2000">
+                <a:solidFill>
+                  <a:schemeClr val="tx1"/>
+                </a:solidFill>
+                <a:latin typeface="Consolas" pitchFamily="49" charset="0"/>
+                <a:cs typeface="Consolas" pitchFamily="49" charset="0"/>
+              </a:rPr>
+              <a:t>8</a:t>
+            </a:r>
+            <a:endParaRPr lang="ko-KR" altLang="en-US" sz="2000">
+              <a:solidFill>
+                <a:schemeClr val="tx1"/>
+              </a:solidFill>
+              <a:latin typeface="Consolas" pitchFamily="49" charset="0"/>
+              <a:cs typeface="Consolas" pitchFamily="49" charset="0"/>
+            </a:endParaRPr>
+          </a:p>
+        </p:txBody>
+      </p:sp>
+      <p:sp>
+        <p:nvSpPr>
+          <p:cNvPr id="21" name="직사각형 20">
+            <a:extLst>
+              <a:ext uri="{FF2B5EF4-FFF2-40B4-BE49-F238E27FC236}">
+                <a16:creationId xmlns:a16="http://schemas.microsoft.com/office/drawing/2014/main" id="{55091141-4DE0-4EDC-A661-21F1A121D9D6}"/>
+              </a:ext>
+            </a:extLst>
+          </p:cNvPr>
+          <p:cNvSpPr/>
+          <p:nvPr/>
+        </p:nvSpPr>
+        <p:spPr>
+          <a:xfrm>
+            <a:off x="5940152" y="1124744"/>
+            <a:ext cx="504056" cy="576064"/>
+          </a:xfrm>
+          <a:prstGeom prst="rect">
+            <a:avLst/>
+          </a:prstGeom>
+          <a:solidFill>
+            <a:srgbClr val="FFFF00"/>
+          </a:solidFill>
+          <a:ln w="9525"/>
+        </p:spPr>
+        <p:style>
+          <a:lnRef idx="2">
+            <a:schemeClr val="accent1">
+              <a:shade val="50000"/>
+            </a:schemeClr>
+          </a:lnRef>
+          <a:fillRef idx="1">
+            <a:schemeClr val="accent1"/>
+          </a:fillRef>
+          <a:effectRef idx="0">
+            <a:schemeClr val="accent1"/>
+          </a:effectRef>
+          <a:fontRef idx="minor">
+            <a:schemeClr val="lt1"/>
+          </a:fontRef>
+        </p:style>
+        <p:txBody>
+          <a:bodyPr rot="0" spcFirstLastPara="0" vertOverflow="overflow" horzOverflow="overflow" vert="horz" wrap="square" lIns="91440" tIns="45720" rIns="91440" bIns="45720" numCol="1" spcCol="0" rtlCol="0" fromWordArt="0" anchor="ctr" anchorCtr="0" forceAA="0" compatLnSpc="1">
+            <a:prstTxWarp prst="textNoShape">
+              <a:avLst/>
+            </a:prstTxWarp>
+            <a:noAutofit/>
+          </a:bodyPr>
+          <a:lstStyle/>
+          <a:p>
+            <a:pPr algn="ctr"/>
+            <a:r>
+              <a:rPr lang="en-US" altLang="ko-KR" sz="2000">
+                <a:solidFill>
+                  <a:schemeClr val="tx1"/>
+                </a:solidFill>
+                <a:latin typeface="Consolas" pitchFamily="49" charset="0"/>
+                <a:cs typeface="Consolas" pitchFamily="49" charset="0"/>
+              </a:rPr>
+              <a:t>6</a:t>
+            </a:r>
+            <a:endParaRPr lang="ko-KR" altLang="en-US" sz="2000">
+              <a:solidFill>
+                <a:schemeClr val="tx1"/>
+              </a:solidFill>
+              <a:latin typeface="Consolas" pitchFamily="49" charset="0"/>
+              <a:cs typeface="Consolas" pitchFamily="49" charset="0"/>
+            </a:endParaRPr>
+          </a:p>
+        </p:txBody>
+      </p:sp>
+      <p:sp>
+        <p:nvSpPr>
+          <p:cNvPr id="22" name="직사각형 21">
+            <a:extLst>
+              <a:ext uri="{FF2B5EF4-FFF2-40B4-BE49-F238E27FC236}">
+                <a16:creationId xmlns:a16="http://schemas.microsoft.com/office/drawing/2014/main" id="{330C7DED-B266-4388-9991-445C61C7CC00}"/>
+              </a:ext>
+            </a:extLst>
+          </p:cNvPr>
+          <p:cNvSpPr/>
+          <p:nvPr/>
+        </p:nvSpPr>
+        <p:spPr>
+          <a:xfrm>
+            <a:off x="6444208" y="1124744"/>
+            <a:ext cx="504056" cy="576064"/>
+          </a:xfrm>
+          <a:prstGeom prst="rect">
+            <a:avLst/>
+          </a:prstGeom>
+          <a:solidFill>
+            <a:srgbClr val="FFFF00"/>
+          </a:solidFill>
+          <a:ln w="9525"/>
+        </p:spPr>
+        <p:style>
+          <a:lnRef idx="2">
+            <a:schemeClr val="accent1">
+              <a:shade val="50000"/>
+            </a:schemeClr>
+          </a:lnRef>
+          <a:fillRef idx="1">
+            <a:schemeClr val="accent1"/>
+          </a:fillRef>
+          <a:effectRef idx="0">
+            <a:schemeClr val="accent1"/>
+          </a:effectRef>
+          <a:fontRef idx="minor">
+            <a:schemeClr val="lt1"/>
+          </a:fontRef>
+        </p:style>
+        <p:txBody>
+          <a:bodyPr rot="0" spcFirstLastPara="0" vertOverflow="overflow" horzOverflow="overflow" vert="horz" wrap="square" lIns="91440" tIns="45720" rIns="91440" bIns="45720" numCol="1" spcCol="0" rtlCol="0" fromWordArt="0" anchor="ctr" anchorCtr="0" forceAA="0" compatLnSpc="1">
+            <a:prstTxWarp prst="textNoShape">
+              <a:avLst/>
+            </a:prstTxWarp>
+            <a:noAutofit/>
+          </a:bodyPr>
+          <a:lstStyle/>
+          <a:p>
+            <a:pPr algn="ctr"/>
+            <a:r>
+              <a:rPr lang="en-US" altLang="ko-KR" sz="2000">
+                <a:solidFill>
+                  <a:schemeClr val="tx1"/>
+                </a:solidFill>
+                <a:latin typeface="Consolas" pitchFamily="49" charset="0"/>
+                <a:cs typeface="Consolas" pitchFamily="49" charset="0"/>
+              </a:rPr>
+              <a:t>9</a:t>
+            </a:r>
+            <a:endParaRPr lang="ko-KR" altLang="en-US" sz="2000">
+              <a:solidFill>
+                <a:schemeClr val="tx1"/>
+              </a:solidFill>
+              <a:latin typeface="Consolas" pitchFamily="49" charset="0"/>
+              <a:cs typeface="Consolas" pitchFamily="49" charset="0"/>
+            </a:endParaRPr>
+          </a:p>
+        </p:txBody>
+      </p:sp>
+      <p:sp>
+        <p:nvSpPr>
+          <p:cNvPr id="23" name="직사각형 22">
+            <a:extLst>
+              <a:ext uri="{FF2B5EF4-FFF2-40B4-BE49-F238E27FC236}">
+                <a16:creationId xmlns:a16="http://schemas.microsoft.com/office/drawing/2014/main" id="{091DF2EB-5147-43B2-A013-6760AE9526E5}"/>
+              </a:ext>
+            </a:extLst>
+          </p:cNvPr>
+          <p:cNvSpPr/>
+          <p:nvPr/>
+        </p:nvSpPr>
+        <p:spPr>
+          <a:xfrm>
+            <a:off x="6948264" y="1124744"/>
+            <a:ext cx="504056" cy="576064"/>
+          </a:xfrm>
+          <a:prstGeom prst="rect">
+            <a:avLst/>
+          </a:prstGeom>
+          <a:solidFill>
+            <a:srgbClr val="FFFF00"/>
+          </a:solidFill>
+          <a:ln w="9525"/>
+        </p:spPr>
+        <p:style>
+          <a:lnRef idx="2">
+            <a:schemeClr val="accent1">
+              <a:shade val="50000"/>
+            </a:schemeClr>
+          </a:lnRef>
+          <a:fillRef idx="1">
+            <a:schemeClr val="accent1"/>
+          </a:fillRef>
+          <a:effectRef idx="0">
+            <a:schemeClr val="accent1"/>
+          </a:effectRef>
+          <a:fontRef idx="minor">
+            <a:schemeClr val="lt1"/>
+          </a:fontRef>
+        </p:style>
+        <p:txBody>
+          <a:bodyPr rot="0" spcFirstLastPara="0" vertOverflow="overflow" horzOverflow="overflow" vert="horz" wrap="square" lIns="91440" tIns="45720" rIns="91440" bIns="45720" numCol="1" spcCol="0" rtlCol="0" fromWordArt="0" anchor="ctr" anchorCtr="0" forceAA="0" compatLnSpc="1">
+            <a:prstTxWarp prst="textNoShape">
+              <a:avLst/>
+            </a:prstTxWarp>
+            <a:noAutofit/>
+          </a:bodyPr>
+          <a:lstStyle/>
+          <a:p>
+            <a:pPr algn="ctr"/>
+            <a:r>
+              <a:rPr lang="en-US" altLang="ko-KR" sz="2000">
+                <a:solidFill>
+                  <a:schemeClr val="tx1"/>
+                </a:solidFill>
+                <a:latin typeface="Consolas" pitchFamily="49" charset="0"/>
+                <a:cs typeface="Consolas" pitchFamily="49" charset="0"/>
+              </a:rPr>
+              <a:t>1</a:t>
+            </a:r>
+            <a:endParaRPr lang="ko-KR" altLang="en-US" sz="2000">
+              <a:solidFill>
+                <a:schemeClr val="tx1"/>
+              </a:solidFill>
+              <a:latin typeface="Consolas" pitchFamily="49" charset="0"/>
+              <a:cs typeface="Consolas" pitchFamily="49" charset="0"/>
+            </a:endParaRPr>
+          </a:p>
+        </p:txBody>
+      </p:sp>
+      <p:sp>
+        <p:nvSpPr>
+          <p:cNvPr id="24" name="직사각형 23">
+            <a:extLst>
+              <a:ext uri="{FF2B5EF4-FFF2-40B4-BE49-F238E27FC236}">
+                <a16:creationId xmlns:a16="http://schemas.microsoft.com/office/drawing/2014/main" id="{A3B83A9D-2565-4D5F-BE5D-0FEEFA450682}"/>
+              </a:ext>
+            </a:extLst>
+          </p:cNvPr>
+          <p:cNvSpPr/>
+          <p:nvPr/>
+        </p:nvSpPr>
+        <p:spPr>
+          <a:xfrm>
+            <a:off x="7452320" y="1124744"/>
+            <a:ext cx="504056" cy="576064"/>
+          </a:xfrm>
+          <a:prstGeom prst="rect">
+            <a:avLst/>
+          </a:prstGeom>
+          <a:solidFill>
+            <a:srgbClr val="FFFF00"/>
+          </a:solidFill>
+          <a:ln w="9525"/>
+        </p:spPr>
+        <p:style>
+          <a:lnRef idx="2">
+            <a:schemeClr val="accent1">
+              <a:shade val="50000"/>
+            </a:schemeClr>
+          </a:lnRef>
+          <a:fillRef idx="1">
+            <a:schemeClr val="accent1"/>
+          </a:fillRef>
+          <a:effectRef idx="0">
+            <a:schemeClr val="accent1"/>
+          </a:effectRef>
+          <a:fontRef idx="minor">
+            <a:schemeClr val="lt1"/>
+          </a:fontRef>
+        </p:style>
+        <p:txBody>
+          <a:bodyPr rot="0" spcFirstLastPara="0" vertOverflow="overflow" horzOverflow="overflow" vert="horz" wrap="square" lIns="91440" tIns="45720" rIns="91440" bIns="45720" numCol="1" spcCol="0" rtlCol="0" fromWordArt="0" anchor="ctr" anchorCtr="0" forceAA="0" compatLnSpc="1">
+            <a:prstTxWarp prst="textNoShape">
+              <a:avLst/>
+            </a:prstTxWarp>
+            <a:noAutofit/>
+          </a:bodyPr>
+          <a:lstStyle/>
+          <a:p>
+            <a:pPr algn="ctr"/>
+            <a:r>
+              <a:rPr lang="en-US" altLang="ko-KR" sz="2000">
+                <a:solidFill>
+                  <a:schemeClr val="tx1"/>
+                </a:solidFill>
+                <a:latin typeface="Consolas" pitchFamily="49" charset="0"/>
+                <a:cs typeface="Consolas" pitchFamily="49" charset="0"/>
+              </a:rPr>
+              <a:t>1</a:t>
+            </a:r>
+            <a:endParaRPr lang="ko-KR" altLang="en-US" sz="2000">
+              <a:solidFill>
+                <a:schemeClr val="tx1"/>
+              </a:solidFill>
+              <a:latin typeface="Consolas" pitchFamily="49" charset="0"/>
+              <a:cs typeface="Consolas" pitchFamily="49" charset="0"/>
+            </a:endParaRPr>
+          </a:p>
+        </p:txBody>
+      </p:sp>
+      <p:sp>
+        <p:nvSpPr>
+          <p:cNvPr id="25" name="직사각형 24">
+            <a:extLst>
+              <a:ext uri="{FF2B5EF4-FFF2-40B4-BE49-F238E27FC236}">
+                <a16:creationId xmlns:a16="http://schemas.microsoft.com/office/drawing/2014/main" id="{2394668F-460D-4026-BC07-434B8098E6D0}"/>
+              </a:ext>
+            </a:extLst>
+          </p:cNvPr>
+          <p:cNvSpPr/>
+          <p:nvPr/>
+        </p:nvSpPr>
+        <p:spPr>
+          <a:xfrm>
+            <a:off x="1043608" y="1844824"/>
+            <a:ext cx="504056" cy="576064"/>
+          </a:xfrm>
+          <a:prstGeom prst="rect">
+            <a:avLst/>
+          </a:prstGeom>
+          <a:solidFill>
+            <a:srgbClr val="FFFF00"/>
+          </a:solidFill>
+          <a:ln w="9525"/>
+        </p:spPr>
+        <p:style>
+          <a:lnRef idx="2">
+            <a:schemeClr val="accent1">
+              <a:shade val="50000"/>
+            </a:schemeClr>
+          </a:lnRef>
+          <a:fillRef idx="1">
+            <a:schemeClr val="accent1"/>
+          </a:fillRef>
+          <a:effectRef idx="0">
+            <a:schemeClr val="accent1"/>
+          </a:effectRef>
+          <a:fontRef idx="minor">
+            <a:schemeClr val="lt1"/>
+          </a:fontRef>
+        </p:style>
+        <p:txBody>
+          <a:bodyPr rot="0" spcFirstLastPara="0" vertOverflow="overflow" horzOverflow="overflow" vert="horz" wrap="square" lIns="91440" tIns="45720" rIns="91440" bIns="45720" numCol="1" spcCol="0" rtlCol="0" fromWordArt="0" anchor="ctr" anchorCtr="0" forceAA="0" compatLnSpc="1">
+            <a:prstTxWarp prst="textNoShape">
+              <a:avLst/>
+            </a:prstTxWarp>
+            <a:noAutofit/>
+          </a:bodyPr>
+          <a:lstStyle/>
+          <a:p>
+            <a:pPr algn="ctr"/>
+            <a:r>
+              <a:rPr lang="en-US" altLang="ko-KR" sz="2000">
+                <a:solidFill>
+                  <a:schemeClr val="tx1"/>
+                </a:solidFill>
+                <a:latin typeface="Consolas" pitchFamily="49" charset="0"/>
+                <a:cs typeface="Consolas" pitchFamily="49" charset="0"/>
+              </a:rPr>
+              <a:t>2</a:t>
+            </a:r>
+            <a:endParaRPr lang="ko-KR" altLang="en-US" sz="2000">
+              <a:solidFill>
+                <a:schemeClr val="tx1"/>
+              </a:solidFill>
+              <a:latin typeface="Consolas" pitchFamily="49" charset="0"/>
+              <a:cs typeface="Consolas" pitchFamily="49" charset="0"/>
+            </a:endParaRPr>
+          </a:p>
+        </p:txBody>
+      </p:sp>
+      <p:sp>
+        <p:nvSpPr>
+          <p:cNvPr id="26" name="직사각형 25">
+            <a:extLst>
+              <a:ext uri="{FF2B5EF4-FFF2-40B4-BE49-F238E27FC236}">
+                <a16:creationId xmlns:a16="http://schemas.microsoft.com/office/drawing/2014/main" id="{DA5F44F8-049A-400A-9C59-3C61C36E9642}"/>
+              </a:ext>
+            </a:extLst>
+          </p:cNvPr>
+          <p:cNvSpPr/>
+          <p:nvPr/>
+        </p:nvSpPr>
+        <p:spPr>
+          <a:xfrm>
+            <a:off x="1547664" y="1844824"/>
+            <a:ext cx="504056" cy="576064"/>
+          </a:xfrm>
+          <a:prstGeom prst="rect">
+            <a:avLst/>
+          </a:prstGeom>
+          <a:solidFill>
+            <a:srgbClr val="FFFF00"/>
+          </a:solidFill>
+          <a:ln w="9525"/>
+        </p:spPr>
+        <p:style>
+          <a:lnRef idx="2">
+            <a:schemeClr val="accent1">
+              <a:shade val="50000"/>
+            </a:schemeClr>
+          </a:lnRef>
+          <a:fillRef idx="1">
+            <a:schemeClr val="accent1"/>
+          </a:fillRef>
+          <a:effectRef idx="0">
+            <a:schemeClr val="accent1"/>
+          </a:effectRef>
+          <a:fontRef idx="minor">
+            <a:schemeClr val="lt1"/>
+          </a:fontRef>
+        </p:style>
+        <p:txBody>
+          <a:bodyPr rot="0" spcFirstLastPara="0" vertOverflow="overflow" horzOverflow="overflow" vert="horz" wrap="square" lIns="91440" tIns="45720" rIns="91440" bIns="45720" numCol="1" spcCol="0" rtlCol="0" fromWordArt="0" anchor="ctr" anchorCtr="0" forceAA="0" compatLnSpc="1">
+            <a:prstTxWarp prst="textNoShape">
+              <a:avLst/>
+            </a:prstTxWarp>
+            <a:noAutofit/>
+          </a:bodyPr>
+          <a:lstStyle/>
+          <a:p>
+            <a:pPr algn="ctr"/>
+            <a:r>
+              <a:rPr lang="en-US" altLang="ko-KR" sz="2000">
+                <a:solidFill>
+                  <a:schemeClr val="tx1"/>
+                </a:solidFill>
+                <a:latin typeface="Consolas" pitchFamily="49" charset="0"/>
+                <a:cs typeface="Consolas" pitchFamily="49" charset="0"/>
+              </a:rPr>
+              <a:t>3</a:t>
+            </a:r>
+            <a:endParaRPr lang="ko-KR" altLang="en-US" sz="2000">
+              <a:solidFill>
+                <a:schemeClr val="tx1"/>
+              </a:solidFill>
+              <a:latin typeface="Consolas" pitchFamily="49" charset="0"/>
+              <a:cs typeface="Consolas" pitchFamily="49" charset="0"/>
+            </a:endParaRPr>
+          </a:p>
+        </p:txBody>
+      </p:sp>
+      <p:sp>
+        <p:nvSpPr>
+          <p:cNvPr id="27" name="직사각형 26">
+            <a:extLst>
+              <a:ext uri="{FF2B5EF4-FFF2-40B4-BE49-F238E27FC236}">
+                <a16:creationId xmlns:a16="http://schemas.microsoft.com/office/drawing/2014/main" id="{2085D7BF-1E4D-44BA-B164-9D710F6FBBD3}"/>
+              </a:ext>
+            </a:extLst>
+          </p:cNvPr>
+          <p:cNvSpPr/>
+          <p:nvPr/>
+        </p:nvSpPr>
+        <p:spPr>
+          <a:xfrm>
+            <a:off x="2045907" y="1844824"/>
+            <a:ext cx="504056" cy="576064"/>
+          </a:xfrm>
+          <a:prstGeom prst="rect">
+            <a:avLst/>
+          </a:prstGeom>
+          <a:solidFill>
+            <a:srgbClr val="FFFF00"/>
+          </a:solidFill>
+          <a:ln w="9525"/>
+        </p:spPr>
+        <p:style>
+          <a:lnRef idx="2">
+            <a:schemeClr val="accent1">
+              <a:shade val="50000"/>
+            </a:schemeClr>
+          </a:lnRef>
+          <a:fillRef idx="1">
+            <a:schemeClr val="accent1"/>
+          </a:fillRef>
+          <a:effectRef idx="0">
+            <a:schemeClr val="accent1"/>
+          </a:effectRef>
+          <a:fontRef idx="minor">
+            <a:schemeClr val="lt1"/>
+          </a:fontRef>
+        </p:style>
+        <p:txBody>
+          <a:bodyPr rot="0" spcFirstLastPara="0" vertOverflow="overflow" horzOverflow="overflow" vert="horz" wrap="square" lIns="91440" tIns="45720" rIns="91440" bIns="45720" numCol="1" spcCol="0" rtlCol="0" fromWordArt="0" anchor="ctr" anchorCtr="0" forceAA="0" compatLnSpc="1">
+            <a:prstTxWarp prst="textNoShape">
+              <a:avLst/>
+            </a:prstTxWarp>
+            <a:noAutofit/>
+          </a:bodyPr>
+          <a:lstStyle/>
+          <a:p>
+            <a:pPr algn="ctr"/>
+            <a:r>
+              <a:rPr lang="en-US" altLang="ko-KR" sz="2000">
+                <a:solidFill>
+                  <a:schemeClr val="tx1"/>
+                </a:solidFill>
+                <a:latin typeface="Consolas" pitchFamily="49" charset="0"/>
+                <a:cs typeface="Consolas" pitchFamily="49" charset="0"/>
+              </a:rPr>
+              <a:t>4</a:t>
+            </a:r>
+            <a:endParaRPr lang="ko-KR" altLang="en-US" sz="2000">
+              <a:solidFill>
+                <a:schemeClr val="tx1"/>
+              </a:solidFill>
+              <a:latin typeface="Consolas" pitchFamily="49" charset="0"/>
+              <a:cs typeface="Consolas" pitchFamily="49" charset="0"/>
+            </a:endParaRPr>
+          </a:p>
+        </p:txBody>
+      </p:sp>
+      <p:sp>
+        <p:nvSpPr>
+          <p:cNvPr id="28" name="직사각형 27">
+            <a:extLst>
+              <a:ext uri="{FF2B5EF4-FFF2-40B4-BE49-F238E27FC236}">
+                <a16:creationId xmlns:a16="http://schemas.microsoft.com/office/drawing/2014/main" id="{9F602204-6676-4663-8316-FBB5A9E1E055}"/>
+              </a:ext>
+            </a:extLst>
+          </p:cNvPr>
+          <p:cNvSpPr/>
+          <p:nvPr/>
+        </p:nvSpPr>
+        <p:spPr>
+          <a:xfrm>
+            <a:off x="2555776" y="1844824"/>
+            <a:ext cx="504056" cy="576064"/>
+          </a:xfrm>
+          <a:prstGeom prst="rect">
+            <a:avLst/>
+          </a:prstGeom>
+          <a:solidFill>
+            <a:srgbClr val="FFFF00"/>
+          </a:solidFill>
+          <a:ln w="9525"/>
+        </p:spPr>
+        <p:style>
+          <a:lnRef idx="2">
+            <a:schemeClr val="accent1">
+              <a:shade val="50000"/>
+            </a:schemeClr>
+          </a:lnRef>
+          <a:fillRef idx="1">
+            <a:schemeClr val="accent1"/>
+          </a:fillRef>
+          <a:effectRef idx="0">
+            <a:schemeClr val="accent1"/>
+          </a:effectRef>
+          <a:fontRef idx="minor">
+            <a:schemeClr val="lt1"/>
+          </a:fontRef>
+        </p:style>
+        <p:txBody>
+          <a:bodyPr rot="0" spcFirstLastPara="0" vertOverflow="overflow" horzOverflow="overflow" vert="horz" wrap="square" lIns="91440" tIns="45720" rIns="91440" bIns="45720" numCol="1" spcCol="0" rtlCol="0" fromWordArt="0" anchor="ctr" anchorCtr="0" forceAA="0" compatLnSpc="1">
+            <a:prstTxWarp prst="textNoShape">
+              <a:avLst/>
+            </a:prstTxWarp>
+            <a:noAutofit/>
+          </a:bodyPr>
+          <a:lstStyle/>
+          <a:p>
+            <a:pPr algn="ctr"/>
+            <a:r>
+              <a:rPr lang="en-US" altLang="ko-KR" sz="2000">
+                <a:solidFill>
+                  <a:schemeClr val="tx1"/>
+                </a:solidFill>
+                <a:latin typeface="Consolas" pitchFamily="49" charset="0"/>
+                <a:cs typeface="Consolas" pitchFamily="49" charset="0"/>
+              </a:rPr>
+              <a:t>5</a:t>
+            </a:r>
+            <a:endParaRPr lang="ko-KR" altLang="en-US" sz="2000">
+              <a:solidFill>
+                <a:schemeClr val="tx1"/>
+              </a:solidFill>
+              <a:latin typeface="Consolas" pitchFamily="49" charset="0"/>
+              <a:cs typeface="Consolas" pitchFamily="49" charset="0"/>
+            </a:endParaRPr>
+          </a:p>
+        </p:txBody>
+      </p:sp>
+      <p:sp>
+        <p:nvSpPr>
+          <p:cNvPr id="29" name="직사각형 28">
+            <a:extLst>
+              <a:ext uri="{FF2B5EF4-FFF2-40B4-BE49-F238E27FC236}">
+                <a16:creationId xmlns:a16="http://schemas.microsoft.com/office/drawing/2014/main" id="{460B3FF3-56B7-4E86-B6B5-3A8D92AE6FE2}"/>
+              </a:ext>
+            </a:extLst>
+          </p:cNvPr>
+          <p:cNvSpPr/>
+          <p:nvPr/>
+        </p:nvSpPr>
+        <p:spPr>
+          <a:xfrm>
+            <a:off x="3059832" y="1844824"/>
+            <a:ext cx="504056" cy="576064"/>
+          </a:xfrm>
+          <a:prstGeom prst="rect">
+            <a:avLst/>
+          </a:prstGeom>
+          <a:solidFill>
+            <a:srgbClr val="FFFF00"/>
+          </a:solidFill>
+          <a:ln w="9525"/>
+        </p:spPr>
+        <p:style>
+          <a:lnRef idx="2">
+            <a:schemeClr val="accent1">
+              <a:shade val="50000"/>
+            </a:schemeClr>
+          </a:lnRef>
+          <a:fillRef idx="1">
+            <a:schemeClr val="accent1"/>
+          </a:fillRef>
+          <a:effectRef idx="0">
+            <a:schemeClr val="accent1"/>
+          </a:effectRef>
+          <a:fontRef idx="minor">
+            <a:schemeClr val="lt1"/>
+          </a:fontRef>
+        </p:style>
+        <p:txBody>
+          <a:bodyPr rot="0" spcFirstLastPara="0" vertOverflow="overflow" horzOverflow="overflow" vert="horz" wrap="square" lIns="91440" tIns="45720" rIns="91440" bIns="45720" numCol="1" spcCol="0" rtlCol="0" fromWordArt="0" anchor="ctr" anchorCtr="0" forceAA="0" compatLnSpc="1">
+            <a:prstTxWarp prst="textNoShape">
+              <a:avLst/>
+            </a:prstTxWarp>
+            <a:noAutofit/>
+          </a:bodyPr>
+          <a:lstStyle/>
+          <a:p>
+            <a:pPr algn="ctr"/>
+            <a:r>
+              <a:rPr lang="en-US" altLang="ko-KR" sz="2000">
+                <a:solidFill>
+                  <a:schemeClr val="tx1"/>
+                </a:solidFill>
+                <a:latin typeface="Consolas" pitchFamily="49" charset="0"/>
+                <a:cs typeface="Consolas" pitchFamily="49" charset="0"/>
+              </a:rPr>
+              <a:t>6</a:t>
+            </a:r>
+            <a:endParaRPr lang="ko-KR" altLang="en-US" sz="2000">
+              <a:solidFill>
+                <a:schemeClr val="tx1"/>
+              </a:solidFill>
+              <a:latin typeface="Consolas" pitchFamily="49" charset="0"/>
+              <a:cs typeface="Consolas" pitchFamily="49" charset="0"/>
+            </a:endParaRPr>
+          </a:p>
+        </p:txBody>
+      </p:sp>
+      <p:sp>
+        <p:nvSpPr>
+          <p:cNvPr id="30" name="직사각형 29">
+            <a:extLst>
+              <a:ext uri="{FF2B5EF4-FFF2-40B4-BE49-F238E27FC236}">
+                <a16:creationId xmlns:a16="http://schemas.microsoft.com/office/drawing/2014/main" id="{0EE8E8DF-BE9F-423F-8FD9-F3DF45B0724F}"/>
+              </a:ext>
+            </a:extLst>
+          </p:cNvPr>
+          <p:cNvSpPr/>
+          <p:nvPr/>
+        </p:nvSpPr>
+        <p:spPr>
+          <a:xfrm>
+            <a:off x="3563888" y="1844824"/>
+            <a:ext cx="504056" cy="576064"/>
+          </a:xfrm>
+          <a:prstGeom prst="rect">
+            <a:avLst/>
+          </a:prstGeom>
+          <a:solidFill>
+            <a:srgbClr val="FFFF00"/>
+          </a:solidFill>
+          <a:ln w="9525"/>
+        </p:spPr>
+        <p:style>
+          <a:lnRef idx="2">
+            <a:schemeClr val="accent1">
+              <a:shade val="50000"/>
+            </a:schemeClr>
+          </a:lnRef>
+          <a:fillRef idx="1">
+            <a:schemeClr val="accent1"/>
+          </a:fillRef>
+          <a:effectRef idx="0">
+            <a:schemeClr val="accent1"/>
+          </a:effectRef>
+          <a:fontRef idx="minor">
+            <a:schemeClr val="lt1"/>
+          </a:fontRef>
+        </p:style>
+        <p:txBody>
+          <a:bodyPr rot="0" spcFirstLastPara="0" vertOverflow="overflow" horzOverflow="overflow" vert="horz" wrap="square" lIns="91440" tIns="45720" rIns="91440" bIns="45720" numCol="1" spcCol="0" rtlCol="0" fromWordArt="0" anchor="ctr" anchorCtr="0" forceAA="0" compatLnSpc="1">
+            <a:prstTxWarp prst="textNoShape">
+              <a:avLst/>
+            </a:prstTxWarp>
+            <a:noAutofit/>
+          </a:bodyPr>
+          <a:lstStyle/>
+          <a:p>
+            <a:pPr algn="ctr"/>
+            <a:r>
+              <a:rPr lang="en-US" altLang="ko-KR" sz="2000">
+                <a:solidFill>
+                  <a:schemeClr val="tx1"/>
+                </a:solidFill>
+                <a:latin typeface="Consolas" pitchFamily="49" charset="0"/>
+                <a:cs typeface="Consolas" pitchFamily="49" charset="0"/>
+              </a:rPr>
+              <a:t>7</a:t>
+            </a:r>
+            <a:endParaRPr lang="ko-KR" altLang="en-US" sz="2000">
+              <a:solidFill>
+                <a:schemeClr val="tx1"/>
+              </a:solidFill>
+              <a:latin typeface="Consolas" pitchFamily="49" charset="0"/>
+              <a:cs typeface="Consolas" pitchFamily="49" charset="0"/>
+            </a:endParaRPr>
+          </a:p>
+        </p:txBody>
+      </p:sp>
+      <p:sp>
+        <p:nvSpPr>
+          <p:cNvPr id="31" name="직사각형 30">
+            <a:extLst>
+              <a:ext uri="{FF2B5EF4-FFF2-40B4-BE49-F238E27FC236}">
+                <a16:creationId xmlns:a16="http://schemas.microsoft.com/office/drawing/2014/main" id="{6D5DF05A-BB51-4C4D-AF26-76238664404B}"/>
+              </a:ext>
+            </a:extLst>
+          </p:cNvPr>
+          <p:cNvSpPr/>
+          <p:nvPr/>
+        </p:nvSpPr>
+        <p:spPr>
+          <a:xfrm>
+            <a:off x="4427984" y="1844824"/>
+            <a:ext cx="504056" cy="576064"/>
+          </a:xfrm>
+          <a:prstGeom prst="rect">
+            <a:avLst/>
+          </a:prstGeom>
+          <a:solidFill>
+            <a:srgbClr val="FFFF00"/>
+          </a:solidFill>
+          <a:ln w="9525"/>
+        </p:spPr>
+        <p:style>
+          <a:lnRef idx="2">
+            <a:schemeClr val="accent1">
+              <a:shade val="50000"/>
+            </a:schemeClr>
+          </a:lnRef>
+          <a:fillRef idx="1">
+            <a:schemeClr val="accent1"/>
+          </a:fillRef>
+          <a:effectRef idx="0">
+            <a:schemeClr val="accent1"/>
+          </a:effectRef>
+          <a:fontRef idx="minor">
+            <a:schemeClr val="lt1"/>
+          </a:fontRef>
+        </p:style>
+        <p:txBody>
+          <a:bodyPr rot="0" spcFirstLastPara="0" vertOverflow="overflow" horzOverflow="overflow" vert="horz" wrap="square" lIns="91440" tIns="45720" rIns="91440" bIns="45720" numCol="1" spcCol="0" rtlCol="0" fromWordArt="0" anchor="ctr" anchorCtr="0" forceAA="0" compatLnSpc="1">
+            <a:prstTxWarp prst="textNoShape">
+              <a:avLst/>
+            </a:prstTxWarp>
+            <a:noAutofit/>
+          </a:bodyPr>
+          <a:lstStyle/>
+          <a:p>
+            <a:pPr algn="ctr"/>
+            <a:r>
+              <a:rPr lang="en-US" altLang="ko-KR" sz="2000">
+                <a:solidFill>
+                  <a:schemeClr val="tx1"/>
+                </a:solidFill>
+                <a:latin typeface="Consolas" pitchFamily="49" charset="0"/>
+                <a:cs typeface="Consolas" pitchFamily="49" charset="0"/>
+              </a:rPr>
+              <a:t>8</a:t>
+            </a:r>
+            <a:endParaRPr lang="ko-KR" altLang="en-US" sz="2000">
+              <a:solidFill>
+                <a:schemeClr val="tx1"/>
+              </a:solidFill>
+              <a:latin typeface="Consolas" pitchFamily="49" charset="0"/>
+              <a:cs typeface="Consolas" pitchFamily="49" charset="0"/>
+            </a:endParaRPr>
+          </a:p>
+        </p:txBody>
+      </p:sp>
+      <p:sp>
+        <p:nvSpPr>
+          <p:cNvPr id="32" name="직사각형 31">
+            <a:extLst>
+              <a:ext uri="{FF2B5EF4-FFF2-40B4-BE49-F238E27FC236}">
+                <a16:creationId xmlns:a16="http://schemas.microsoft.com/office/drawing/2014/main" id="{837E77F7-34FC-4D79-AD9F-B6225B11DFBA}"/>
+              </a:ext>
+            </a:extLst>
+          </p:cNvPr>
+          <p:cNvSpPr/>
+          <p:nvPr/>
+        </p:nvSpPr>
+        <p:spPr>
+          <a:xfrm>
+            <a:off x="4932040" y="1844824"/>
+            <a:ext cx="504056" cy="576064"/>
+          </a:xfrm>
+          <a:prstGeom prst="rect">
+            <a:avLst/>
+          </a:prstGeom>
+          <a:solidFill>
+            <a:srgbClr val="FFFF00"/>
+          </a:solidFill>
+          <a:ln w="9525"/>
+        </p:spPr>
+        <p:style>
+          <a:lnRef idx="2">
+            <a:schemeClr val="accent1">
+              <a:shade val="50000"/>
+            </a:schemeClr>
+          </a:lnRef>
+          <a:fillRef idx="1">
+            <a:schemeClr val="accent1"/>
+          </a:fillRef>
+          <a:effectRef idx="0">
+            <a:schemeClr val="accent1"/>
+          </a:effectRef>
+          <a:fontRef idx="minor">
+            <a:schemeClr val="lt1"/>
+          </a:fontRef>
+        </p:style>
+        <p:txBody>
+          <a:bodyPr rot="0" spcFirstLastPara="0" vertOverflow="overflow" horzOverflow="overflow" vert="horz" wrap="square" lIns="91440" tIns="45720" rIns="91440" bIns="45720" numCol="1" spcCol="0" rtlCol="0" fromWordArt="0" anchor="ctr" anchorCtr="0" forceAA="0" compatLnSpc="1">
+            <a:prstTxWarp prst="textNoShape">
+              <a:avLst/>
+            </a:prstTxWarp>
+            <a:noAutofit/>
+          </a:bodyPr>
+          <a:lstStyle/>
+          <a:p>
+            <a:pPr algn="ctr"/>
+            <a:r>
+              <a:rPr lang="en-US" altLang="ko-KR" sz="2000">
+                <a:solidFill>
+                  <a:schemeClr val="tx1"/>
+                </a:solidFill>
+                <a:latin typeface="Consolas" pitchFamily="49" charset="0"/>
+                <a:cs typeface="Consolas" pitchFamily="49" charset="0"/>
+              </a:rPr>
+              <a:t>9</a:t>
+            </a:r>
+            <a:endParaRPr lang="ko-KR" altLang="en-US" sz="2000">
+              <a:solidFill>
+                <a:schemeClr val="tx1"/>
+              </a:solidFill>
+              <a:latin typeface="Consolas" pitchFamily="49" charset="0"/>
+              <a:cs typeface="Consolas" pitchFamily="49" charset="0"/>
+            </a:endParaRPr>
+          </a:p>
+        </p:txBody>
+      </p:sp>
+      <p:sp>
+        <p:nvSpPr>
+          <p:cNvPr id="33" name="직사각형 32">
+            <a:extLst>
+              <a:ext uri="{FF2B5EF4-FFF2-40B4-BE49-F238E27FC236}">
+                <a16:creationId xmlns:a16="http://schemas.microsoft.com/office/drawing/2014/main" id="{304704C3-3006-436E-96C9-EE5423F89712}"/>
+              </a:ext>
+            </a:extLst>
+          </p:cNvPr>
+          <p:cNvSpPr/>
+          <p:nvPr/>
+        </p:nvSpPr>
+        <p:spPr>
+          <a:xfrm>
+            <a:off x="5436096" y="1844824"/>
+            <a:ext cx="504056" cy="576064"/>
+          </a:xfrm>
+          <a:prstGeom prst="rect">
+            <a:avLst/>
+          </a:prstGeom>
+          <a:solidFill>
+            <a:srgbClr val="FFFF00"/>
+          </a:solidFill>
+          <a:ln w="9525"/>
+        </p:spPr>
+        <p:style>
+          <a:lnRef idx="2">
+            <a:schemeClr val="accent1">
+              <a:shade val="50000"/>
+            </a:schemeClr>
+          </a:lnRef>
+          <a:fillRef idx="1">
+            <a:schemeClr val="accent1"/>
+          </a:fillRef>
+          <a:effectRef idx="0">
+            <a:schemeClr val="accent1"/>
+          </a:effectRef>
+          <a:fontRef idx="minor">
+            <a:schemeClr val="lt1"/>
+          </a:fontRef>
+        </p:style>
+        <p:txBody>
+          <a:bodyPr rot="0" spcFirstLastPara="0" vertOverflow="overflow" horzOverflow="overflow" vert="horz" wrap="square" lIns="91440" tIns="45720" rIns="91440" bIns="45720" numCol="1" spcCol="0" rtlCol="0" fromWordArt="0" anchor="ctr" anchorCtr="0" forceAA="0" compatLnSpc="1">
+            <a:prstTxWarp prst="textNoShape">
+              <a:avLst/>
+            </a:prstTxWarp>
+            <a:noAutofit/>
+          </a:bodyPr>
+          <a:lstStyle/>
+          <a:p>
+            <a:pPr algn="ctr"/>
+            <a:r>
+              <a:rPr lang="en-US" altLang="ko-KR" sz="2000">
+                <a:solidFill>
+                  <a:schemeClr val="tx1"/>
+                </a:solidFill>
+                <a:latin typeface="Consolas" pitchFamily="49" charset="0"/>
+                <a:cs typeface="Consolas" pitchFamily="49" charset="0"/>
+              </a:rPr>
+              <a:t>2</a:t>
+            </a:r>
+            <a:endParaRPr lang="ko-KR" altLang="en-US" sz="2000">
+              <a:solidFill>
+                <a:schemeClr val="tx1"/>
+              </a:solidFill>
+              <a:latin typeface="Consolas" pitchFamily="49" charset="0"/>
+              <a:cs typeface="Consolas" pitchFamily="49" charset="0"/>
+            </a:endParaRPr>
+          </a:p>
+        </p:txBody>
+      </p:sp>
+      <p:sp>
+        <p:nvSpPr>
+          <p:cNvPr id="34" name="직사각형 33">
+            <a:extLst>
+              <a:ext uri="{FF2B5EF4-FFF2-40B4-BE49-F238E27FC236}">
+                <a16:creationId xmlns:a16="http://schemas.microsoft.com/office/drawing/2014/main" id="{658310A9-8038-46A4-8F64-ADF3E2C5C9B9}"/>
+              </a:ext>
+            </a:extLst>
+          </p:cNvPr>
+          <p:cNvSpPr/>
+          <p:nvPr/>
+        </p:nvSpPr>
+        <p:spPr>
+          <a:xfrm>
+            <a:off x="5940152" y="1844824"/>
+            <a:ext cx="504056" cy="576064"/>
+          </a:xfrm>
+          <a:prstGeom prst="rect">
+            <a:avLst/>
+          </a:prstGeom>
+          <a:solidFill>
+            <a:srgbClr val="FFFF00"/>
+          </a:solidFill>
+          <a:ln w="9525"/>
+        </p:spPr>
+        <p:style>
+          <a:lnRef idx="2">
+            <a:schemeClr val="accent1">
+              <a:shade val="50000"/>
+            </a:schemeClr>
+          </a:lnRef>
+          <a:fillRef idx="1">
+            <a:schemeClr val="accent1"/>
+          </a:fillRef>
+          <a:effectRef idx="0">
+            <a:schemeClr val="accent1"/>
+          </a:effectRef>
+          <a:fontRef idx="minor">
+            <a:schemeClr val="lt1"/>
+          </a:fontRef>
+        </p:style>
+        <p:txBody>
+          <a:bodyPr rot="0" spcFirstLastPara="0" vertOverflow="overflow" horzOverflow="overflow" vert="horz" wrap="square" lIns="91440" tIns="45720" rIns="91440" bIns="45720" numCol="1" spcCol="0" rtlCol="0" fromWordArt="0" anchor="ctr" anchorCtr="0" forceAA="0" compatLnSpc="1">
+            <a:prstTxWarp prst="textNoShape">
+              <a:avLst/>
+            </a:prstTxWarp>
+            <a:noAutofit/>
+          </a:bodyPr>
+          <a:lstStyle/>
+          <a:p>
+            <a:pPr algn="ctr"/>
+            <a:r>
+              <a:rPr lang="en-US" altLang="ko-KR" sz="2000">
+                <a:solidFill>
+                  <a:schemeClr val="tx1"/>
+                </a:solidFill>
+                <a:latin typeface="Consolas" pitchFamily="49" charset="0"/>
+                <a:cs typeface="Consolas" pitchFamily="49" charset="0"/>
+              </a:rPr>
+              <a:t>3</a:t>
+            </a:r>
+            <a:endParaRPr lang="ko-KR" altLang="en-US" sz="2000">
+              <a:solidFill>
+                <a:schemeClr val="tx1"/>
+              </a:solidFill>
+              <a:latin typeface="Consolas" pitchFamily="49" charset="0"/>
+              <a:cs typeface="Consolas" pitchFamily="49" charset="0"/>
+            </a:endParaRPr>
+          </a:p>
+        </p:txBody>
+      </p:sp>
+      <p:sp>
+        <p:nvSpPr>
+          <p:cNvPr id="35" name="직사각형 34">
+            <a:extLst>
+              <a:ext uri="{FF2B5EF4-FFF2-40B4-BE49-F238E27FC236}">
+                <a16:creationId xmlns:a16="http://schemas.microsoft.com/office/drawing/2014/main" id="{790D60C0-74D3-49C1-B8C1-D9FF81D62FC5}"/>
+              </a:ext>
+            </a:extLst>
+          </p:cNvPr>
+          <p:cNvSpPr/>
+          <p:nvPr/>
+        </p:nvSpPr>
+        <p:spPr>
+          <a:xfrm>
+            <a:off x="6444208" y="1844824"/>
+            <a:ext cx="504056" cy="576064"/>
+          </a:xfrm>
+          <a:prstGeom prst="rect">
+            <a:avLst/>
+          </a:prstGeom>
+          <a:solidFill>
+            <a:srgbClr val="FFFF00"/>
+          </a:solidFill>
+          <a:ln w="9525"/>
+        </p:spPr>
+        <p:style>
+          <a:lnRef idx="2">
+            <a:schemeClr val="accent1">
+              <a:shade val="50000"/>
+            </a:schemeClr>
+          </a:lnRef>
+          <a:fillRef idx="1">
+            <a:schemeClr val="accent1"/>
+          </a:fillRef>
+          <a:effectRef idx="0">
+            <a:schemeClr val="accent1"/>
+          </a:effectRef>
+          <a:fontRef idx="minor">
+            <a:schemeClr val="lt1"/>
+          </a:fontRef>
+        </p:style>
+        <p:txBody>
+          <a:bodyPr rot="0" spcFirstLastPara="0" vertOverflow="overflow" horzOverflow="overflow" vert="horz" wrap="square" lIns="91440" tIns="45720" rIns="91440" bIns="45720" numCol="1" spcCol="0" rtlCol="0" fromWordArt="0" anchor="ctr" anchorCtr="0" forceAA="0" compatLnSpc="1">
+            <a:prstTxWarp prst="textNoShape">
+              <a:avLst/>
+            </a:prstTxWarp>
+            <a:noAutofit/>
+          </a:bodyPr>
+          <a:lstStyle/>
+          <a:p>
+            <a:pPr algn="ctr"/>
+            <a:r>
+              <a:rPr lang="en-US" altLang="ko-KR" sz="2000">
+                <a:solidFill>
+                  <a:schemeClr val="tx1"/>
+                </a:solidFill>
+                <a:latin typeface="Consolas" pitchFamily="49" charset="0"/>
+                <a:cs typeface="Consolas" pitchFamily="49" charset="0"/>
+              </a:rPr>
+              <a:t>4</a:t>
+            </a:r>
+            <a:endParaRPr lang="ko-KR" altLang="en-US" sz="2000">
+              <a:solidFill>
+                <a:schemeClr val="tx1"/>
+              </a:solidFill>
+              <a:latin typeface="Consolas" pitchFamily="49" charset="0"/>
+              <a:cs typeface="Consolas" pitchFamily="49" charset="0"/>
+            </a:endParaRPr>
+          </a:p>
+        </p:txBody>
+      </p:sp>
+      <p:sp>
+        <p:nvSpPr>
+          <p:cNvPr id="36" name="직사각형 35">
+            <a:extLst>
+              <a:ext uri="{FF2B5EF4-FFF2-40B4-BE49-F238E27FC236}">
+                <a16:creationId xmlns:a16="http://schemas.microsoft.com/office/drawing/2014/main" id="{65DD7EC7-CDA6-4B1A-8387-172EAA4CA52F}"/>
+              </a:ext>
+            </a:extLst>
+          </p:cNvPr>
+          <p:cNvSpPr/>
+          <p:nvPr/>
+        </p:nvSpPr>
+        <p:spPr>
+          <a:xfrm>
+            <a:off x="6948264" y="1844824"/>
+            <a:ext cx="504056" cy="576064"/>
+          </a:xfrm>
+          <a:prstGeom prst="rect">
+            <a:avLst/>
+          </a:prstGeom>
+          <a:solidFill>
+            <a:srgbClr val="FFFF00"/>
+          </a:solidFill>
+          <a:ln w="9525"/>
+        </p:spPr>
+        <p:style>
+          <a:lnRef idx="2">
+            <a:schemeClr val="accent1">
+              <a:shade val="50000"/>
+            </a:schemeClr>
+          </a:lnRef>
+          <a:fillRef idx="1">
+            <a:schemeClr val="accent1"/>
+          </a:fillRef>
+          <a:effectRef idx="0">
+            <a:schemeClr val="accent1"/>
+          </a:effectRef>
+          <a:fontRef idx="minor">
+            <a:schemeClr val="lt1"/>
+          </a:fontRef>
+        </p:style>
+        <p:txBody>
+          <a:bodyPr rot="0" spcFirstLastPara="0" vertOverflow="overflow" horzOverflow="overflow" vert="horz" wrap="square" lIns="91440" tIns="45720" rIns="91440" bIns="45720" numCol="1" spcCol="0" rtlCol="0" fromWordArt="0" anchor="ctr" anchorCtr="0" forceAA="0" compatLnSpc="1">
+            <a:prstTxWarp prst="textNoShape">
+              <a:avLst/>
+            </a:prstTxWarp>
+            <a:noAutofit/>
+          </a:bodyPr>
+          <a:lstStyle/>
+          <a:p>
+            <a:pPr algn="ctr"/>
+            <a:r>
+              <a:rPr lang="en-US" altLang="ko-KR" sz="2000">
+                <a:solidFill>
+                  <a:schemeClr val="tx1"/>
+                </a:solidFill>
+                <a:latin typeface="Consolas" pitchFamily="49" charset="0"/>
+                <a:cs typeface="Consolas" pitchFamily="49" charset="0"/>
+              </a:rPr>
+              <a:t>5</a:t>
+            </a:r>
+            <a:endParaRPr lang="ko-KR" altLang="en-US" sz="2000">
+              <a:solidFill>
+                <a:schemeClr val="tx1"/>
+              </a:solidFill>
+              <a:latin typeface="Consolas" pitchFamily="49" charset="0"/>
+              <a:cs typeface="Consolas" pitchFamily="49" charset="0"/>
+            </a:endParaRPr>
+          </a:p>
+        </p:txBody>
+      </p:sp>
+      <p:sp>
+        <p:nvSpPr>
+          <p:cNvPr id="3" name="TextBox 2">
+            <a:extLst>
+              <a:ext uri="{FF2B5EF4-FFF2-40B4-BE49-F238E27FC236}">
+                <a16:creationId xmlns:a16="http://schemas.microsoft.com/office/drawing/2014/main" id="{E06B49F5-0157-42A7-B018-8920784A7B1F}"/>
+              </a:ext>
+            </a:extLst>
+          </p:cNvPr>
+          <p:cNvSpPr txBox="1"/>
+          <p:nvPr/>
+        </p:nvSpPr>
+        <p:spPr>
+          <a:xfrm>
+            <a:off x="1259632" y="2852936"/>
+            <a:ext cx="6391493" cy="1015663"/>
+          </a:xfrm>
+          <a:prstGeom prst="rect">
+            <a:avLst/>
+          </a:prstGeom>
+          <a:noFill/>
+        </p:spPr>
+        <p:txBody>
+          <a:bodyPr wrap="none" rtlCol="0">
+            <a:spAutoFit/>
+          </a:bodyPr>
+          <a:lstStyle/>
+          <a:p>
+            <a:r>
+              <a:rPr lang="en-US" altLang="ko-KR" sz="2000">
+                <a:latin typeface="Consolas" pitchFamily="49" charset="0"/>
+                <a:cs typeface="Consolas" pitchFamily="49" charset="0"/>
+              </a:rPr>
+              <a:t>sum = 16+24+4+5+12+35+16+36+12+18+36+5 = 219</a:t>
+            </a:r>
+          </a:p>
+          <a:p>
+            <a:endParaRPr lang="en-US" altLang="ko-KR" sz="2000">
+              <a:latin typeface="Consolas" pitchFamily="49" charset="0"/>
+              <a:cs typeface="Consolas" pitchFamily="49" charset="0"/>
+            </a:endParaRPr>
+          </a:p>
+          <a:p>
+            <a:r>
+              <a:rPr lang="en-US" altLang="ko-KR" sz="2000">
+                <a:latin typeface="Consolas" pitchFamily="49" charset="0"/>
+                <a:cs typeface="Consolas" pitchFamily="49" charset="0"/>
+              </a:rPr>
+              <a:t>(11-219%11)%10</a:t>
+            </a:r>
+            <a:endParaRPr lang="ko-KR" altLang="en-US" sz="2000">
+              <a:latin typeface="Consolas" pitchFamily="49" charset="0"/>
+              <a:cs typeface="Consolas" pitchFamily="49" charset="0"/>
+            </a:endParaRPr>
+          </a:p>
+        </p:txBody>
+      </p:sp>
+      <p:sp>
+        <p:nvSpPr>
+          <p:cNvPr id="37" name="TextBox 36">
+            <a:extLst>
+              <a:ext uri="{FF2B5EF4-FFF2-40B4-BE49-F238E27FC236}">
+                <a16:creationId xmlns:a16="http://schemas.microsoft.com/office/drawing/2014/main" id="{0BAF018B-151E-4C8A-8FF7-A24FC0BC3563}"/>
+              </a:ext>
+            </a:extLst>
+          </p:cNvPr>
+          <p:cNvSpPr txBox="1"/>
+          <p:nvPr/>
+        </p:nvSpPr>
+        <p:spPr>
+          <a:xfrm>
+            <a:off x="808799" y="4300647"/>
+            <a:ext cx="8533105" cy="400110"/>
+          </a:xfrm>
+          <a:prstGeom prst="rect">
+            <a:avLst/>
+          </a:prstGeom>
+          <a:noFill/>
+        </p:spPr>
+        <p:txBody>
+          <a:bodyPr wrap="none" rtlCol="0">
+            <a:spAutoFit/>
+          </a:bodyPr>
+          <a:lstStyle/>
+          <a:p>
+            <a:r>
+              <a:rPr lang="ko-KR" altLang="en-US" sz="2000">
+                <a:latin typeface="Consolas" pitchFamily="49" charset="0"/>
+                <a:cs typeface="Consolas" pitchFamily="49" charset="0"/>
+              </a:rPr>
+              <a:t>문제점 </a:t>
+            </a:r>
+            <a:r>
+              <a:rPr lang="en-US" altLang="ko-KR" sz="2000">
+                <a:latin typeface="Consolas" pitchFamily="49" charset="0"/>
+                <a:cs typeface="Consolas" pitchFamily="49" charset="0"/>
+              </a:rPr>
+              <a:t>: </a:t>
+            </a:r>
+            <a:r>
+              <a:rPr lang="ko-KR" altLang="en-US" sz="2000">
+                <a:latin typeface="Consolas" pitchFamily="49" charset="0"/>
+                <a:cs typeface="Consolas" pitchFamily="49" charset="0"/>
+              </a:rPr>
+              <a:t>한값은 </a:t>
+            </a:r>
+            <a:r>
+              <a:rPr lang="en-US" altLang="ko-KR" sz="2000">
+                <a:latin typeface="Consolas" pitchFamily="49" charset="0"/>
+                <a:cs typeface="Consolas" pitchFamily="49" charset="0"/>
+              </a:rPr>
+              <a:t>++</a:t>
+            </a:r>
+            <a:r>
+              <a:rPr lang="ko-KR" altLang="en-US" sz="2000">
+                <a:latin typeface="Consolas" pitchFamily="49" charset="0"/>
+                <a:cs typeface="Consolas" pitchFamily="49" charset="0"/>
+              </a:rPr>
+              <a:t>되고 한값은 </a:t>
+            </a:r>
+            <a:r>
+              <a:rPr lang="en-US" altLang="ko-KR" sz="2000">
+                <a:latin typeface="Consolas" pitchFamily="49" charset="0"/>
+                <a:cs typeface="Consolas" pitchFamily="49" charset="0"/>
+              </a:rPr>
+              <a:t>--</a:t>
+            </a:r>
+            <a:r>
+              <a:rPr lang="ko-KR" altLang="en-US" sz="2000">
+                <a:latin typeface="Consolas" pitchFamily="49" charset="0"/>
+                <a:cs typeface="Consolas" pitchFamily="49" charset="0"/>
+              </a:rPr>
+              <a:t>가 되는 경우는 </a:t>
+            </a:r>
+            <a:r>
+              <a:rPr lang="en-US" altLang="ko-KR" sz="2000">
+                <a:latin typeface="Consolas" pitchFamily="49" charset="0"/>
+                <a:cs typeface="Consolas" pitchFamily="49" charset="0"/>
+              </a:rPr>
+              <a:t>check</a:t>
+            </a:r>
+            <a:r>
+              <a:rPr lang="ko-KR" altLang="en-US" sz="2000">
+                <a:latin typeface="Consolas" pitchFamily="49" charset="0"/>
+                <a:cs typeface="Consolas" pitchFamily="49" charset="0"/>
+              </a:rPr>
+              <a:t>할수 없다</a:t>
+            </a:r>
+            <a:r>
+              <a:rPr lang="en-US" altLang="ko-KR" sz="2000">
+                <a:latin typeface="Consolas" pitchFamily="49" charset="0"/>
+                <a:cs typeface="Consolas" pitchFamily="49" charset="0"/>
+              </a:rPr>
+              <a:t>. </a:t>
+            </a:r>
+            <a:endParaRPr lang="ko-KR" altLang="en-US" sz="2000">
+              <a:latin typeface="Consolas" pitchFamily="49" charset="0"/>
+              <a:cs typeface="Consolas" pitchFamily="49" charset="0"/>
+            </a:endParaRPr>
+          </a:p>
+        </p:txBody>
+      </p:sp>
+    </p:spTree>
+    <p:extLst>
+      <p:ext uri="{BB962C8B-B14F-4D97-AF65-F5344CB8AC3E}">
+        <p14:creationId xmlns:p14="http://schemas.microsoft.com/office/powerpoint/2010/main" val="509986811"/>
+      </p:ext>
+    </p:extLst>
+  </p:cSld>
+  <p:clrMapOvr>
+    <a:masterClrMapping/>
+  </p:clrMapOvr>
+</p:sld>
+</file>
+
+<file path=ppt/slides/slide17.xml><?xml version="1.0" encoding="utf-8"?>
+<p:sld xmlns:a="http://schemas.openxmlformats.org/drawingml/2006/main" xmlns:r="http://schemas.openxmlformats.org/officeDocument/2006/relationships" xmlns:p="http://schemas.openxmlformats.org/presentationml/2006/main">
+  <p:cSld>
+    <p:spTree>
+      <p:nvGrpSpPr>
+        <p:cNvPr id="1" name=""/>
+        <p:cNvGrpSpPr/>
+        <p:nvPr/>
+      </p:nvGrpSpPr>
+      <p:grpSpPr>
+        <a:xfrm>
+          <a:off x="0" y="0"/>
+          <a:ext cx="0" cy="0"/>
+          <a:chOff x="0" y="0"/>
+          <a:chExt cx="0" cy="0"/>
+        </a:xfrm>
+      </p:grpSpPr>
+      <p:sp>
+        <p:nvSpPr>
+          <p:cNvPr id="4" name="TextBox 3">
+            <a:extLst>
+              <a:ext uri="{FF2B5EF4-FFF2-40B4-BE49-F238E27FC236}">
+                <a16:creationId xmlns:a16="http://schemas.microsoft.com/office/drawing/2014/main" id="{D1D448C5-07DF-4A30-9AFA-FBE117E4A5A9}"/>
+              </a:ext>
+            </a:extLst>
+          </p:cNvPr>
+          <p:cNvSpPr txBox="1"/>
+          <p:nvPr/>
+        </p:nvSpPr>
+        <p:spPr>
+          <a:xfrm>
+            <a:off x="323528" y="188640"/>
+            <a:ext cx="1204176" cy="461665"/>
+          </a:xfrm>
+          <a:prstGeom prst="rect">
+            <a:avLst/>
+          </a:prstGeom>
+          <a:noFill/>
+        </p:spPr>
+        <p:txBody>
+          <a:bodyPr wrap="none" rtlCol="0">
+            <a:spAutoFit/>
+          </a:bodyPr>
+          <a:lstStyle/>
+          <a:p>
+            <a:r>
+              <a:rPr lang="en-US" altLang="ko-KR" sz="2400">
+                <a:latin typeface="Consolas" pitchFamily="49" charset="0"/>
+                <a:cs typeface="Consolas" pitchFamily="49" charset="0"/>
+              </a:rPr>
+              <a:t>TCP/IP</a:t>
+            </a:r>
+            <a:endParaRPr lang="ko-KR" altLang="en-US" sz="2400">
+              <a:latin typeface="Consolas" pitchFamily="49" charset="0"/>
+              <a:cs typeface="Consolas" pitchFamily="49" charset="0"/>
+            </a:endParaRPr>
+          </a:p>
+        </p:txBody>
+      </p:sp>
+      <p:sp>
+        <p:nvSpPr>
+          <p:cNvPr id="5" name="TextBox 4">
+            <a:extLst>
+              <a:ext uri="{FF2B5EF4-FFF2-40B4-BE49-F238E27FC236}">
+                <a16:creationId xmlns:a16="http://schemas.microsoft.com/office/drawing/2014/main" id="{6B4CBD99-0FCB-4D84-B3C1-616EB6B52782}"/>
+              </a:ext>
+            </a:extLst>
+          </p:cNvPr>
+          <p:cNvSpPr txBox="1"/>
+          <p:nvPr/>
+        </p:nvSpPr>
+        <p:spPr>
+          <a:xfrm>
+            <a:off x="179512" y="764704"/>
+            <a:ext cx="3801041" cy="4093428"/>
+          </a:xfrm>
+          <a:prstGeom prst="rect">
+            <a:avLst/>
+          </a:prstGeom>
+          <a:noFill/>
+        </p:spPr>
+        <p:txBody>
+          <a:bodyPr wrap="none" rtlCol="0">
+            <a:spAutoFit/>
+          </a:bodyPr>
+          <a:lstStyle/>
+          <a:p>
+            <a:r>
+              <a:rPr lang="en-US" altLang="ko-KR" sz="2000">
+                <a:latin typeface="Consolas" pitchFamily="49" charset="0"/>
+                <a:cs typeface="Consolas" pitchFamily="49" charset="0"/>
+              </a:rPr>
+              <a:t>struct iphdr {</a:t>
+            </a:r>
+          </a:p>
+          <a:p>
+            <a:r>
+              <a:rPr lang="en-US" altLang="ko-KR" sz="2000">
+                <a:latin typeface="Consolas" pitchFamily="49" charset="0"/>
+                <a:cs typeface="Consolas" pitchFamily="49" charset="0"/>
+              </a:rPr>
+              <a:t>	__u8	ihl:4,</a:t>
+            </a:r>
+          </a:p>
+          <a:p>
+            <a:r>
+              <a:rPr lang="en-US" altLang="ko-KR" sz="2000">
+                <a:latin typeface="Consolas" pitchFamily="49" charset="0"/>
+                <a:cs typeface="Consolas" pitchFamily="49" charset="0"/>
+              </a:rPr>
+              <a:t>		version:4;</a:t>
+            </a:r>
+          </a:p>
+          <a:p>
+            <a:r>
+              <a:rPr lang="en-US" altLang="ko-KR" sz="2000">
+                <a:latin typeface="Consolas" pitchFamily="49" charset="0"/>
+                <a:cs typeface="Consolas" pitchFamily="49" charset="0"/>
+              </a:rPr>
+              <a:t>	__u8	tos;</a:t>
+            </a:r>
+          </a:p>
+          <a:p>
+            <a:r>
+              <a:rPr lang="en-US" altLang="ko-KR" sz="2000">
+                <a:latin typeface="Consolas" pitchFamily="49" charset="0"/>
+                <a:cs typeface="Consolas" pitchFamily="49" charset="0"/>
+              </a:rPr>
+              <a:t>	__be16	tot_len;</a:t>
+            </a:r>
+          </a:p>
+          <a:p>
+            <a:r>
+              <a:rPr lang="en-US" altLang="ko-KR" sz="2000">
+                <a:latin typeface="Consolas" pitchFamily="49" charset="0"/>
+                <a:cs typeface="Consolas" pitchFamily="49" charset="0"/>
+              </a:rPr>
+              <a:t>	__be16	id;</a:t>
+            </a:r>
+          </a:p>
+          <a:p>
+            <a:r>
+              <a:rPr lang="en-US" altLang="ko-KR" sz="2000">
+                <a:latin typeface="Consolas" pitchFamily="49" charset="0"/>
+                <a:cs typeface="Consolas" pitchFamily="49" charset="0"/>
+              </a:rPr>
+              <a:t>	__be16	frag_off;</a:t>
+            </a:r>
+          </a:p>
+          <a:p>
+            <a:r>
+              <a:rPr lang="en-US" altLang="ko-KR" sz="2000">
+                <a:latin typeface="Consolas" pitchFamily="49" charset="0"/>
+                <a:cs typeface="Consolas" pitchFamily="49" charset="0"/>
+              </a:rPr>
+              <a:t>	__u8	ttl;</a:t>
+            </a:r>
+          </a:p>
+          <a:p>
+            <a:r>
+              <a:rPr lang="en-US" altLang="ko-KR" sz="2000">
+                <a:latin typeface="Consolas" pitchFamily="49" charset="0"/>
+                <a:cs typeface="Consolas" pitchFamily="49" charset="0"/>
+              </a:rPr>
+              <a:t>	__u8	protocol;</a:t>
+            </a:r>
+          </a:p>
+          <a:p>
+            <a:r>
+              <a:rPr lang="en-US" altLang="ko-KR" sz="2000">
+                <a:latin typeface="Consolas" pitchFamily="49" charset="0"/>
+                <a:cs typeface="Consolas" pitchFamily="49" charset="0"/>
+              </a:rPr>
+              <a:t>	__sum16	check;</a:t>
+            </a:r>
+          </a:p>
+          <a:p>
+            <a:r>
+              <a:rPr lang="en-US" altLang="ko-KR" sz="2000">
+                <a:latin typeface="Consolas" pitchFamily="49" charset="0"/>
+                <a:cs typeface="Consolas" pitchFamily="49" charset="0"/>
+              </a:rPr>
+              <a:t>	__be32	saddr;</a:t>
+            </a:r>
+          </a:p>
+          <a:p>
+            <a:r>
+              <a:rPr lang="en-US" altLang="ko-KR" sz="2000">
+                <a:latin typeface="Consolas" pitchFamily="49" charset="0"/>
+                <a:cs typeface="Consolas" pitchFamily="49" charset="0"/>
+              </a:rPr>
+              <a:t>	__be32	daddr;</a:t>
+            </a:r>
+          </a:p>
+          <a:p>
+            <a:r>
+              <a:rPr lang="en-US" altLang="ko-KR" sz="2000">
+                <a:latin typeface="Consolas" pitchFamily="49" charset="0"/>
+                <a:cs typeface="Consolas" pitchFamily="49" charset="0"/>
+              </a:rPr>
+              <a:t>};</a:t>
+            </a:r>
+            <a:endParaRPr lang="ko-KR" altLang="en-US" sz="2000">
+              <a:latin typeface="Consolas" pitchFamily="49" charset="0"/>
+              <a:cs typeface="Consolas" pitchFamily="49" charset="0"/>
+            </a:endParaRPr>
+          </a:p>
+        </p:txBody>
+      </p:sp>
+      <p:sp>
+        <p:nvSpPr>
+          <p:cNvPr id="6" name="TextBox 5">
+            <a:extLst>
+              <a:ext uri="{FF2B5EF4-FFF2-40B4-BE49-F238E27FC236}">
+                <a16:creationId xmlns:a16="http://schemas.microsoft.com/office/drawing/2014/main" id="{FE08FCDD-A6A4-4EB0-B09E-A9BAD624450A}"/>
+              </a:ext>
+            </a:extLst>
+          </p:cNvPr>
+          <p:cNvSpPr txBox="1"/>
+          <p:nvPr/>
+        </p:nvSpPr>
+        <p:spPr>
+          <a:xfrm>
+            <a:off x="5076056" y="188640"/>
+            <a:ext cx="2864887" cy="5940088"/>
+          </a:xfrm>
+          <a:prstGeom prst="rect">
+            <a:avLst/>
+          </a:prstGeom>
+          <a:noFill/>
+        </p:spPr>
+        <p:txBody>
+          <a:bodyPr wrap="none" rtlCol="0">
+            <a:spAutoFit/>
+          </a:bodyPr>
+          <a:lstStyle/>
+          <a:p>
+            <a:r>
+              <a:rPr lang="pt-BR" altLang="ko-KR" sz="2000">
+                <a:latin typeface="Consolas" pitchFamily="49" charset="0"/>
+                <a:cs typeface="Consolas" pitchFamily="49" charset="0"/>
+              </a:rPr>
+              <a:t>4500 </a:t>
+            </a:r>
+          </a:p>
+          <a:p>
+            <a:r>
+              <a:rPr lang="pt-BR" altLang="ko-KR" sz="2000">
+                <a:latin typeface="Consolas" pitchFamily="49" charset="0"/>
+                <a:cs typeface="Consolas" pitchFamily="49" charset="0"/>
+              </a:rPr>
+              <a:t>0028 </a:t>
+            </a:r>
+          </a:p>
+          <a:p>
+            <a:r>
+              <a:rPr lang="pt-BR" altLang="ko-KR" sz="2000">
+                <a:latin typeface="Consolas" pitchFamily="49" charset="0"/>
+                <a:cs typeface="Consolas" pitchFamily="49" charset="0"/>
+              </a:rPr>
+              <a:t>7229 </a:t>
+            </a:r>
+          </a:p>
+          <a:p>
+            <a:r>
+              <a:rPr lang="pt-BR" altLang="ko-KR" sz="2000">
+                <a:latin typeface="Consolas" pitchFamily="49" charset="0"/>
+                <a:cs typeface="Consolas" pitchFamily="49" charset="0"/>
+              </a:rPr>
+              <a:t>0000 </a:t>
+            </a:r>
+          </a:p>
+          <a:p>
+            <a:r>
+              <a:rPr lang="pt-BR" altLang="ko-KR" sz="2000">
+                <a:latin typeface="Consolas" pitchFamily="49" charset="0"/>
+                <a:cs typeface="Consolas" pitchFamily="49" charset="0"/>
+              </a:rPr>
+              <a:t>3b06 </a:t>
+            </a:r>
+          </a:p>
+          <a:p>
+            <a:r>
+              <a:rPr lang="pt-BR" altLang="ko-KR" sz="2000">
+                <a:latin typeface="Consolas" pitchFamily="49" charset="0"/>
+                <a:cs typeface="Consolas" pitchFamily="49" charset="0"/>
+              </a:rPr>
+              <a:t>0000</a:t>
+            </a:r>
+          </a:p>
+          <a:p>
+            <a:r>
+              <a:rPr lang="pt-BR" altLang="ko-KR" sz="2000">
+                <a:latin typeface="Consolas" pitchFamily="49" charset="0"/>
+                <a:cs typeface="Consolas" pitchFamily="49" charset="0"/>
+              </a:rPr>
+              <a:t>c623 </a:t>
+            </a:r>
+          </a:p>
+          <a:p>
+            <a:r>
+              <a:rPr lang="pt-BR" altLang="ko-KR" sz="2000">
+                <a:latin typeface="Consolas" pitchFamily="49" charset="0"/>
+                <a:cs typeface="Consolas" pitchFamily="49" charset="0"/>
+              </a:rPr>
+              <a:t>1a60</a:t>
+            </a:r>
+          </a:p>
+          <a:p>
+            <a:r>
+              <a:rPr lang="pt-BR" altLang="ko-KR" sz="2000">
+                <a:latin typeface="Consolas" pitchFamily="49" charset="0"/>
+                <a:cs typeface="Consolas" pitchFamily="49" charset="0"/>
+              </a:rPr>
+              <a:t>9c93 </a:t>
+            </a:r>
+          </a:p>
+          <a:p>
+            <a:r>
+              <a:rPr lang="pt-BR" altLang="ko-KR" sz="2000">
+                <a:latin typeface="Consolas" pitchFamily="49" charset="0"/>
+                <a:cs typeface="Consolas" pitchFamily="49" charset="0"/>
+              </a:rPr>
+              <a:t>b218 +</a:t>
+            </a:r>
+          </a:p>
+          <a:p>
+            <a:r>
+              <a:rPr lang="en-US" altLang="ko-KR" sz="2000">
+                <a:latin typeface="Consolas" pitchFamily="49" charset="0"/>
+                <a:cs typeface="Consolas" pitchFamily="49" charset="0"/>
+              </a:rPr>
+              <a:t>--------</a:t>
+            </a:r>
+          </a:p>
+          <a:p>
+            <a:r>
+              <a:rPr lang="en-US" altLang="ko-KR" sz="2000">
+                <a:solidFill>
+                  <a:srgbClr val="FF0000"/>
+                </a:solidFill>
+                <a:latin typeface="Consolas" pitchFamily="49" charset="0"/>
+                <a:cs typeface="Consolas" pitchFamily="49" charset="0"/>
+              </a:rPr>
+              <a:t>3</a:t>
+            </a:r>
+            <a:r>
+              <a:rPr lang="en-US" altLang="ko-KR" sz="2000">
+                <a:latin typeface="Consolas" pitchFamily="49" charset="0"/>
+                <a:cs typeface="Consolas" pitchFamily="49" charset="0"/>
+              </a:rPr>
+              <a:t>2185</a:t>
+            </a:r>
+          </a:p>
+          <a:p>
+            <a:r>
+              <a:rPr lang="en-US" altLang="ko-KR" sz="2000">
+                <a:latin typeface="Consolas" pitchFamily="49" charset="0"/>
+                <a:cs typeface="Consolas" pitchFamily="49" charset="0"/>
+              </a:rPr>
+              <a:t>    3 +</a:t>
+            </a:r>
+          </a:p>
+          <a:p>
+            <a:r>
+              <a:rPr lang="en-US" altLang="ko-KR" sz="2000">
+                <a:latin typeface="Consolas" pitchFamily="49" charset="0"/>
+                <a:cs typeface="Consolas" pitchFamily="49" charset="0"/>
+              </a:rPr>
+              <a:t>---------</a:t>
+            </a:r>
+          </a:p>
+          <a:p>
+            <a:r>
+              <a:rPr lang="en-US" altLang="ko-KR" sz="2000">
+                <a:latin typeface="Consolas" pitchFamily="49" charset="0"/>
+                <a:cs typeface="Consolas" pitchFamily="49" charset="0"/>
+              </a:rPr>
+              <a:t>~2188 </a:t>
+            </a:r>
+          </a:p>
+          <a:p>
+            <a:endParaRPr lang="en-US" altLang="ko-KR" sz="2000">
+              <a:latin typeface="Consolas" pitchFamily="49" charset="0"/>
+              <a:cs typeface="Consolas" pitchFamily="49" charset="0"/>
+            </a:endParaRPr>
+          </a:p>
+          <a:p>
+            <a:r>
+              <a:rPr lang="en-US" altLang="ko-KR" sz="2000">
+                <a:latin typeface="Consolas" pitchFamily="49" charset="0"/>
+                <a:cs typeface="Consolas" pitchFamily="49" charset="0"/>
+              </a:rPr>
+              <a:t>0010 0001 1000 1000</a:t>
+            </a:r>
+          </a:p>
+          <a:p>
+            <a:r>
+              <a:rPr lang="en-US" altLang="ko-KR" sz="2000">
+                <a:latin typeface="Consolas" pitchFamily="49" charset="0"/>
+                <a:cs typeface="Consolas" pitchFamily="49" charset="0"/>
+              </a:rPr>
+              <a:t>1101 1110 0111 0111</a:t>
+            </a:r>
+          </a:p>
+          <a:p>
+            <a:r>
+              <a:rPr lang="en-US" altLang="ko-KR" sz="2000">
+                <a:latin typeface="Consolas" pitchFamily="49" charset="0"/>
+                <a:cs typeface="Consolas" pitchFamily="49" charset="0"/>
+              </a:rPr>
+              <a:t>  d    e    7    7</a:t>
+            </a:r>
+            <a:endParaRPr lang="ko-KR" altLang="en-US" sz="2000">
+              <a:latin typeface="Consolas" pitchFamily="49" charset="0"/>
+              <a:cs typeface="Consolas" pitchFamily="49" charset="0"/>
+            </a:endParaRPr>
+          </a:p>
+        </p:txBody>
+      </p:sp>
+      <p:sp>
+        <p:nvSpPr>
+          <p:cNvPr id="7" name="TextBox 6">
+            <a:extLst>
+              <a:ext uri="{FF2B5EF4-FFF2-40B4-BE49-F238E27FC236}">
+                <a16:creationId xmlns:a16="http://schemas.microsoft.com/office/drawing/2014/main" id="{C7D724AF-46EE-4C3A-BC36-69C7CC629F89}"/>
+              </a:ext>
+            </a:extLst>
+          </p:cNvPr>
+          <p:cNvSpPr txBox="1"/>
+          <p:nvPr/>
+        </p:nvSpPr>
+        <p:spPr>
+          <a:xfrm>
+            <a:off x="6948264" y="306027"/>
+            <a:ext cx="889987" cy="400110"/>
+          </a:xfrm>
+          <a:prstGeom prst="rect">
+            <a:avLst/>
+          </a:prstGeom>
+          <a:noFill/>
+        </p:spPr>
+        <p:txBody>
+          <a:bodyPr wrap="none" rtlCol="0">
+            <a:spAutoFit/>
+          </a:bodyPr>
+          <a:lstStyle/>
+          <a:p>
+            <a:r>
+              <a:rPr lang="pt-BR" altLang="ko-KR" sz="2000">
+                <a:latin typeface="Consolas" pitchFamily="49" charset="0"/>
+                <a:cs typeface="Consolas" pitchFamily="49" charset="0"/>
+              </a:rPr>
+              <a:t>de77 </a:t>
+            </a:r>
+          </a:p>
+        </p:txBody>
+      </p:sp>
+    </p:spTree>
+    <p:extLst>
+      <p:ext uri="{BB962C8B-B14F-4D97-AF65-F5344CB8AC3E}">
+        <p14:creationId xmlns:p14="http://schemas.microsoft.com/office/powerpoint/2010/main" val="3354623097"/>
+      </p:ext>
+    </p:extLst>
+  </p:cSld>
+  <p:clrMapOvr>
+    <a:masterClrMapping/>
+  </p:clrMapOvr>
+</p:sld>
+</file>
+
 <file path=ppt/slides/slide2.xml><?xml version="1.0" encoding="utf-8"?>
 <p:sld xmlns:a="http://schemas.openxmlformats.org/drawingml/2006/main" xmlns:r="http://schemas.openxmlformats.org/officeDocument/2006/relationships" xmlns:p="http://schemas.openxmlformats.org/presentationml/2006/main">
   <p:cSld>
@@ -3654,32 +10450,12 @@
           </a:p>
           <a:p>
             <a:r>
-              <a:rPr lang="en-US" altLang="ko-KR" sz="2000" b="1"/>
-              <a:t>- Bit</a:t>
-            </a:r>
-            <a:r>
-              <a:rPr lang="ko-KR" altLang="en-US" sz="2000" b="1"/>
-              <a:t> </a:t>
-            </a:r>
-            <a:r>
-              <a:rPr lang="en-US" altLang="ko-KR" sz="2000" b="1"/>
-              <a:t>Search</a:t>
-            </a:r>
-            <a:r>
-              <a:rPr lang="ko-KR" altLang="en-US" sz="2000" b="1"/>
-              <a:t> </a:t>
-            </a:r>
-            <a:r>
-              <a:rPr lang="en-US" altLang="ko-KR" sz="2000" b="1"/>
-              <a:t>Algorithm : </a:t>
-            </a:r>
-            <a:r>
               <a:rPr lang="en-US" altLang="ko-KR" sz="2000" b="1">
                 <a:solidFill>
                   <a:srgbClr val="FF0000"/>
                 </a:solidFill>
               </a:rPr>
-              <a:t>ffs,</a:t>
+              <a:t>- Bit</a:t>
             </a:r>
             <a:r>
               <a:rPr lang="ko-KR" altLang="en-US" sz="2000" b="1">
@@ -3695,11 +10471,39 @@
                   <a:srgbClr val="FF0000"/>
                 </a:solidFill>
               </a:rPr>
-              <a:t>find_next_bit, </a:t>
-            </a:r>
-            <a:r>
-              <a:rPr lang="en-US" altLang="ko-KR" sz="2000" b="1"/>
-              <a:t>hweight , bit_rev</a:t>
+              <a:t>Search</a:t>
+            </a:r>
+            <a:r>
+              <a:rPr lang="ko-KR" altLang="en-US" sz="2000" b="1">
+                <a:solidFill>
+                  <a:srgbClr val="FF0000"/>
+                </a:solidFill>
+              </a:rPr>
+              <a:t> </a:t>
+            </a:r>
+            <a:r>
+              <a:rPr lang="en-US" altLang="ko-KR" sz="2000" b="1">
+                <a:solidFill>
+                  <a:srgbClr val="FF0000"/>
+                </a:solidFill>
+              </a:rPr>
+              <a:t>Algorithm : ffs,</a:t>
+            </a:r>
+            <a:r>
+              <a:rPr lang="ko-KR" altLang="en-US" sz="2000" b="1">
+                <a:solidFill>
+                  <a:srgbClr val="FF0000"/>
+                </a:solidFill>
+              </a:rPr>
+              <a:t> </a:t>
+            </a:r>
+            <a:r>
+              <a:rPr lang="en-US" altLang="ko-KR" sz="2000" b="1">
+                <a:solidFill>
+                  <a:srgbClr val="FF0000"/>
+                </a:solidFill>
+              </a:rPr>
+              <a:t>find_next_bit, hweight , bit_rev</a:t>
             </a:r>
           </a:p>
           <a:p>
@@ -19609,6 +26413,980 @@
     <p:extLst>
       <p:ext uri="{BB962C8B-B14F-4D97-AF65-F5344CB8AC3E}">
         <p14:creationId xmlns:p14="http://schemas.microsoft.com/office/powerpoint/2010/main" val="1376935582"/>
+      </p:ext>
+    </p:extLst>
+  </p:cSld>
+  <p:clrMapOvr>
+    <a:masterClrMapping/>
+  </p:clrMapOvr>
+</p:sld>
+</file>
+
+<file path=ppt/slides/slide8.xml><?xml version="1.0" encoding="utf-8"?>
+<p:sld xmlns:a="http://schemas.openxmlformats.org/drawingml/2006/main" xmlns:r="http://schemas.openxmlformats.org/officeDocument/2006/relationships" xmlns:p="http://schemas.openxmlformats.org/presentationml/2006/main">
+  <p:cSld>
+    <p:spTree>
+      <p:nvGrpSpPr>
+        <p:cNvPr id="1" name=""/>
+        <p:cNvGrpSpPr/>
+        <p:nvPr/>
+      </p:nvGrpSpPr>
+      <p:grpSpPr>
+        <a:xfrm>
+          <a:off x="0" y="0"/>
+          <a:ext cx="0" cy="0"/>
+          <a:chOff x="0" y="0"/>
+          <a:chExt cx="0" cy="0"/>
+        </a:xfrm>
+      </p:grpSpPr>
+      <p:sp>
+        <p:nvSpPr>
+          <p:cNvPr id="40" name="TextBox 39">
+            <a:extLst>
+              <a:ext uri="{FF2B5EF4-FFF2-40B4-BE49-F238E27FC236}">
+                <a16:creationId xmlns:a16="http://schemas.microsoft.com/office/drawing/2014/main" id="{40A03F83-8756-4750-95D7-C9F8B4C3F0B5}"/>
+              </a:ext>
+            </a:extLst>
+          </p:cNvPr>
+          <p:cNvSpPr txBox="1"/>
+          <p:nvPr/>
+        </p:nvSpPr>
+        <p:spPr>
+          <a:xfrm>
+            <a:off x="-252536" y="116632"/>
+            <a:ext cx="5250155" cy="4524315"/>
+          </a:xfrm>
+          <a:prstGeom prst="rect">
+            <a:avLst/>
+          </a:prstGeom>
+          <a:noFill/>
+        </p:spPr>
+        <p:txBody>
+          <a:bodyPr wrap="none" rtlCol="0">
+            <a:spAutoFit/>
+          </a:bodyPr>
+          <a:lstStyle/>
+          <a:p>
+            <a:r>
+              <a:rPr lang="en-US" altLang="ko-KR">
+                <a:latin typeface="Consolas" pitchFamily="49" charset="0"/>
+                <a:cs typeface="Consolas" pitchFamily="49" charset="0"/>
+              </a:rPr>
+              <a:t>const uint32_t m1  = 0x55555555; </a:t>
+            </a:r>
+          </a:p>
+          <a:p>
+            <a:r>
+              <a:rPr lang="en-US" altLang="ko-KR">
+                <a:latin typeface="Consolas" pitchFamily="49" charset="0"/>
+                <a:cs typeface="Consolas" pitchFamily="49" charset="0"/>
+              </a:rPr>
+              <a:t>const uint32_t m2  = 0x33333333; </a:t>
+            </a:r>
+          </a:p>
+          <a:p>
+            <a:r>
+              <a:rPr lang="en-US" altLang="ko-KR">
+                <a:latin typeface="Consolas" pitchFamily="49" charset="0"/>
+                <a:cs typeface="Consolas" pitchFamily="49" charset="0"/>
+              </a:rPr>
+              <a:t>const uint32_t m4  = 0x0f0f0f0f; </a:t>
+            </a:r>
+          </a:p>
+          <a:p>
+            <a:r>
+              <a:rPr lang="en-US" altLang="ko-KR">
+                <a:latin typeface="Consolas" pitchFamily="49" charset="0"/>
+                <a:cs typeface="Consolas" pitchFamily="49" charset="0"/>
+              </a:rPr>
+              <a:t>const uint32_t m8  = 0x00ff00ff; </a:t>
+            </a:r>
+          </a:p>
+          <a:p>
+            <a:r>
+              <a:rPr lang="en-US" altLang="ko-KR">
+                <a:latin typeface="Consolas" pitchFamily="49" charset="0"/>
+                <a:cs typeface="Consolas" pitchFamily="49" charset="0"/>
+              </a:rPr>
+              <a:t>const uint32_t m16 = 0x0000ffff; </a:t>
+            </a:r>
+          </a:p>
+          <a:p>
+            <a:r>
+              <a:rPr lang="en-US" altLang="ko-KR">
+                <a:latin typeface="Consolas" pitchFamily="49" charset="0"/>
+                <a:cs typeface="Consolas" pitchFamily="49" charset="0"/>
+              </a:rPr>
+              <a:t>const uint32_t h01 = 0x01010101; </a:t>
+            </a:r>
+          </a:p>
+          <a:p>
+            <a:endParaRPr lang="en-US" altLang="ko-KR">
+              <a:latin typeface="Consolas" pitchFamily="49" charset="0"/>
+              <a:cs typeface="Consolas" pitchFamily="49" charset="0"/>
+            </a:endParaRPr>
+          </a:p>
+          <a:p>
+            <a:r>
+              <a:rPr lang="en-US" altLang="ko-KR">
+                <a:latin typeface="Consolas" pitchFamily="49" charset="0"/>
+                <a:cs typeface="Consolas" pitchFamily="49" charset="0"/>
+              </a:rPr>
+              <a:t>int popcount32a(uint32_t x)</a:t>
+            </a:r>
+          </a:p>
+          <a:p>
+            <a:r>
+              <a:rPr lang="en-US" altLang="ko-KR">
+                <a:latin typeface="Consolas" pitchFamily="49" charset="0"/>
+                <a:cs typeface="Consolas" pitchFamily="49" charset="0"/>
+              </a:rPr>
+              <a:t>{</a:t>
+            </a:r>
+          </a:p>
+          <a:p>
+            <a:r>
+              <a:rPr lang="en-US" altLang="ko-KR">
+                <a:latin typeface="Consolas" pitchFamily="49" charset="0"/>
+                <a:cs typeface="Consolas" pitchFamily="49" charset="0"/>
+              </a:rPr>
+              <a:t>    </a:t>
+            </a:r>
+            <a:r>
+              <a:rPr lang="en-US" altLang="ko-KR">
+                <a:solidFill>
+                  <a:srgbClr val="FF0000"/>
+                </a:solidFill>
+                <a:latin typeface="Consolas" pitchFamily="49" charset="0"/>
+                <a:cs typeface="Consolas" pitchFamily="49" charset="0"/>
+              </a:rPr>
+              <a:t>x = (x &amp; m1 ) + ((x &gt;&gt;  1) &amp; m1 );  </a:t>
+            </a:r>
+          </a:p>
+          <a:p>
+            <a:r>
+              <a:rPr lang="en-US" altLang="ko-KR">
+                <a:latin typeface="Consolas" pitchFamily="49" charset="0"/>
+                <a:cs typeface="Consolas" pitchFamily="49" charset="0"/>
+              </a:rPr>
+              <a:t>    x = (x &amp; m2 ) + ((x &gt;&gt;  2) &amp; m2 );  </a:t>
+            </a:r>
+          </a:p>
+          <a:p>
+            <a:r>
+              <a:rPr lang="en-US" altLang="ko-KR">
+                <a:latin typeface="Consolas" pitchFamily="49" charset="0"/>
+                <a:cs typeface="Consolas" pitchFamily="49" charset="0"/>
+              </a:rPr>
+              <a:t>    x = (x &amp; m4 ) + ((x &gt;&gt;  4) &amp; m4 );  </a:t>
+            </a:r>
+          </a:p>
+          <a:p>
+            <a:r>
+              <a:rPr lang="en-US" altLang="ko-KR">
+                <a:latin typeface="Consolas" pitchFamily="49" charset="0"/>
+                <a:cs typeface="Consolas" pitchFamily="49" charset="0"/>
+              </a:rPr>
+              <a:t>    x = (x &amp; m8 ) + ((x &gt;&gt;  8) &amp; m8 );  </a:t>
+            </a:r>
+          </a:p>
+          <a:p>
+            <a:r>
+              <a:rPr lang="en-US" altLang="ko-KR">
+                <a:latin typeface="Consolas" pitchFamily="49" charset="0"/>
+                <a:cs typeface="Consolas" pitchFamily="49" charset="0"/>
+              </a:rPr>
+              <a:t>    x = (x &amp; m16) + ((x &gt;&gt; 16) &amp; m16);  </a:t>
+            </a:r>
+          </a:p>
+          <a:p>
+            <a:r>
+              <a:rPr lang="en-US" altLang="ko-KR">
+                <a:latin typeface="Consolas" pitchFamily="49" charset="0"/>
+                <a:cs typeface="Consolas" pitchFamily="49" charset="0"/>
+              </a:rPr>
+              <a:t>    return x;</a:t>
+            </a:r>
+          </a:p>
+          <a:p>
+            <a:r>
+              <a:rPr lang="en-US" altLang="ko-KR">
+                <a:latin typeface="Consolas" pitchFamily="49" charset="0"/>
+                <a:cs typeface="Consolas" pitchFamily="49" charset="0"/>
+              </a:rPr>
+              <a:t>}</a:t>
+            </a:r>
+          </a:p>
+        </p:txBody>
+      </p:sp>
+      <p:sp>
+        <p:nvSpPr>
+          <p:cNvPr id="2" name="TextBox 1">
+            <a:extLst>
+              <a:ext uri="{FF2B5EF4-FFF2-40B4-BE49-F238E27FC236}">
+                <a16:creationId xmlns:a16="http://schemas.microsoft.com/office/drawing/2014/main" id="{1553897F-F7D2-4155-9D42-E0D7136EBF31}"/>
+              </a:ext>
+            </a:extLst>
+          </p:cNvPr>
+          <p:cNvSpPr txBox="1"/>
+          <p:nvPr/>
+        </p:nvSpPr>
+        <p:spPr>
+          <a:xfrm>
+            <a:off x="5213643" y="836712"/>
+            <a:ext cx="4698722" cy="400110"/>
+          </a:xfrm>
+          <a:prstGeom prst="rect">
+            <a:avLst/>
+          </a:prstGeom>
+          <a:noFill/>
+        </p:spPr>
+        <p:txBody>
+          <a:bodyPr wrap="none" rtlCol="0">
+            <a:spAutoFit/>
+          </a:bodyPr>
+          <a:lstStyle/>
+          <a:p>
+            <a:r>
+              <a:rPr lang="en-US" altLang="ko-KR" sz="2000">
+                <a:latin typeface="Consolas" pitchFamily="49" charset="0"/>
+                <a:cs typeface="Consolas" pitchFamily="49" charset="0"/>
+              </a:rPr>
+              <a:t>00010010001101000101011001111000</a:t>
+            </a:r>
+            <a:endParaRPr lang="ko-KR" altLang="en-US" sz="2000">
+              <a:latin typeface="Consolas" pitchFamily="49" charset="0"/>
+              <a:cs typeface="Consolas" pitchFamily="49" charset="0"/>
+            </a:endParaRPr>
+          </a:p>
+        </p:txBody>
+      </p:sp>
+      <p:sp>
+        <p:nvSpPr>
+          <p:cNvPr id="42" name="TextBox 41">
+            <a:extLst>
+              <a:ext uri="{FF2B5EF4-FFF2-40B4-BE49-F238E27FC236}">
+                <a16:creationId xmlns:a16="http://schemas.microsoft.com/office/drawing/2014/main" id="{236FD9F7-9CD2-4076-952E-892049AFF721}"/>
+              </a:ext>
+            </a:extLst>
+          </p:cNvPr>
+          <p:cNvSpPr txBox="1"/>
+          <p:nvPr/>
+        </p:nvSpPr>
+        <p:spPr>
+          <a:xfrm>
+            <a:off x="5186632" y="1628800"/>
+            <a:ext cx="4980851" cy="1015663"/>
+          </a:xfrm>
+          <a:prstGeom prst="rect">
+            <a:avLst/>
+          </a:prstGeom>
+          <a:noFill/>
+        </p:spPr>
+        <p:txBody>
+          <a:bodyPr wrap="none" rtlCol="0">
+            <a:spAutoFit/>
+          </a:bodyPr>
+          <a:lstStyle/>
+          <a:p>
+            <a:r>
+              <a:rPr lang="en-US" altLang="ko-KR" sz="2000">
+                <a:latin typeface="Consolas" pitchFamily="49" charset="0"/>
+                <a:cs typeface="Consolas" pitchFamily="49" charset="0"/>
+              </a:rPr>
+              <a:t>00010010001101000101011001111000</a:t>
+            </a:r>
+          </a:p>
+          <a:p>
+            <a:r>
+              <a:rPr lang="en-US" altLang="ko-KR" sz="2000">
+                <a:latin typeface="Consolas" pitchFamily="49" charset="0"/>
+                <a:cs typeface="Consolas" pitchFamily="49" charset="0"/>
+              </a:rPr>
+              <a:t>01010101010101010101010101010101 &amp;</a:t>
+            </a:r>
+          </a:p>
+          <a:p>
+            <a:r>
+              <a:rPr lang="en-US" altLang="ko-KR" sz="2000">
+                <a:latin typeface="Consolas" pitchFamily="49" charset="0"/>
+                <a:cs typeface="Consolas" pitchFamily="49" charset="0"/>
+              </a:rPr>
+              <a:t>00010000000101000101010001010000</a:t>
+            </a:r>
+            <a:endParaRPr lang="ko-KR" altLang="en-US" sz="2000">
+              <a:latin typeface="Consolas" pitchFamily="49" charset="0"/>
+              <a:cs typeface="Consolas" pitchFamily="49" charset="0"/>
+            </a:endParaRPr>
+          </a:p>
+        </p:txBody>
+      </p:sp>
+      <p:sp>
+        <p:nvSpPr>
+          <p:cNvPr id="43" name="TextBox 42">
+            <a:extLst>
+              <a:ext uri="{FF2B5EF4-FFF2-40B4-BE49-F238E27FC236}">
+                <a16:creationId xmlns:a16="http://schemas.microsoft.com/office/drawing/2014/main" id="{DEACAF50-D96A-453D-A850-D8F1CE0A7FC2}"/>
+              </a:ext>
+            </a:extLst>
+          </p:cNvPr>
+          <p:cNvSpPr txBox="1"/>
+          <p:nvPr/>
+        </p:nvSpPr>
+        <p:spPr>
+          <a:xfrm>
+            <a:off x="5186632" y="2924944"/>
+            <a:ext cx="4980851" cy="1015663"/>
+          </a:xfrm>
+          <a:prstGeom prst="rect">
+            <a:avLst/>
+          </a:prstGeom>
+          <a:noFill/>
+        </p:spPr>
+        <p:txBody>
+          <a:bodyPr wrap="none" rtlCol="0">
+            <a:spAutoFit/>
+          </a:bodyPr>
+          <a:lstStyle/>
+          <a:p>
+            <a:r>
+              <a:rPr lang="en-US" altLang="ko-KR" sz="2000">
+                <a:latin typeface="Consolas" pitchFamily="49" charset="0"/>
+                <a:cs typeface="Consolas" pitchFamily="49" charset="0"/>
+              </a:rPr>
+              <a:t>00001001000110100010101100111100</a:t>
+            </a:r>
+          </a:p>
+          <a:p>
+            <a:r>
+              <a:rPr lang="en-US" altLang="ko-KR" sz="2000">
+                <a:latin typeface="Consolas" pitchFamily="49" charset="0"/>
+                <a:cs typeface="Consolas" pitchFamily="49" charset="0"/>
+              </a:rPr>
+              <a:t>01010101010101010101010101010101 &amp;</a:t>
+            </a:r>
+          </a:p>
+          <a:p>
+            <a:r>
+              <a:rPr lang="en-US" altLang="ko-KR" sz="2000">
+                <a:latin typeface="Consolas" pitchFamily="49" charset="0"/>
+                <a:cs typeface="Consolas" pitchFamily="49" charset="0"/>
+              </a:rPr>
+              <a:t>00000001000100000000000100010100</a:t>
+            </a:r>
+            <a:endParaRPr lang="ko-KR" altLang="en-US" sz="2000">
+              <a:latin typeface="Consolas" pitchFamily="49" charset="0"/>
+              <a:cs typeface="Consolas" pitchFamily="49" charset="0"/>
+            </a:endParaRPr>
+          </a:p>
+        </p:txBody>
+      </p:sp>
+      <p:sp>
+        <p:nvSpPr>
+          <p:cNvPr id="44" name="TextBox 43">
+            <a:extLst>
+              <a:ext uri="{FF2B5EF4-FFF2-40B4-BE49-F238E27FC236}">
+                <a16:creationId xmlns:a16="http://schemas.microsoft.com/office/drawing/2014/main" id="{77DCE63E-B981-40F4-B282-363FA86EB55B}"/>
+              </a:ext>
+            </a:extLst>
+          </p:cNvPr>
+          <p:cNvSpPr txBox="1"/>
+          <p:nvPr/>
+        </p:nvSpPr>
+        <p:spPr>
+          <a:xfrm>
+            <a:off x="5148064" y="4149080"/>
+            <a:ext cx="5256584" cy="1015663"/>
+          </a:xfrm>
+          <a:prstGeom prst="rect">
+            <a:avLst/>
+          </a:prstGeom>
+          <a:noFill/>
+        </p:spPr>
+        <p:txBody>
+          <a:bodyPr wrap="square" rtlCol="0">
+            <a:spAutoFit/>
+          </a:bodyPr>
+          <a:lstStyle/>
+          <a:p>
+            <a:r>
+              <a:rPr lang="en-US" altLang="ko-KR" sz="2000">
+                <a:latin typeface="Consolas" pitchFamily="49" charset="0"/>
+                <a:cs typeface="Consolas" pitchFamily="49" charset="0"/>
+              </a:rPr>
+              <a:t>00010000000101000101010001010000</a:t>
+            </a:r>
+          </a:p>
+          <a:p>
+            <a:r>
+              <a:rPr lang="en-US" altLang="ko-KR" sz="2000">
+                <a:latin typeface="Consolas" pitchFamily="49" charset="0"/>
+                <a:cs typeface="Consolas" pitchFamily="49" charset="0"/>
+              </a:rPr>
+              <a:t>00000001000100000000000100010100 +</a:t>
+            </a:r>
+          </a:p>
+          <a:p>
+            <a:r>
+              <a:rPr lang="en-US" altLang="ko-KR" sz="2000">
+                <a:latin typeface="Consolas" pitchFamily="49" charset="0"/>
+                <a:cs typeface="Consolas" pitchFamily="49" charset="0"/>
+              </a:rPr>
+              <a:t>00010001001001000101010101100100</a:t>
+            </a:r>
+            <a:endParaRPr lang="ko-KR" altLang="en-US" sz="2000">
+              <a:latin typeface="Consolas" pitchFamily="49" charset="0"/>
+              <a:cs typeface="Consolas" pitchFamily="49" charset="0"/>
+            </a:endParaRPr>
+          </a:p>
+        </p:txBody>
+      </p:sp>
+      <p:sp>
+        <p:nvSpPr>
+          <p:cNvPr id="45" name="TextBox 44">
+            <a:extLst>
+              <a:ext uri="{FF2B5EF4-FFF2-40B4-BE49-F238E27FC236}">
+                <a16:creationId xmlns:a16="http://schemas.microsoft.com/office/drawing/2014/main" id="{6133A906-E3B6-46FB-9250-EB8CD77F10E9}"/>
+              </a:ext>
+            </a:extLst>
+          </p:cNvPr>
+          <p:cNvSpPr txBox="1"/>
+          <p:nvPr/>
+        </p:nvSpPr>
+        <p:spPr>
+          <a:xfrm>
+            <a:off x="251520" y="5229200"/>
+            <a:ext cx="8352928" cy="707886"/>
+          </a:xfrm>
+          <a:prstGeom prst="rect">
+            <a:avLst/>
+          </a:prstGeom>
+          <a:noFill/>
+        </p:spPr>
+        <p:txBody>
+          <a:bodyPr wrap="square" rtlCol="0">
+            <a:spAutoFit/>
+          </a:bodyPr>
+          <a:lstStyle/>
+          <a:p>
+            <a:r>
+              <a:rPr lang="en-US" altLang="ko-KR" sz="2000">
+                <a:latin typeface="Consolas" pitchFamily="49" charset="0"/>
+                <a:cs typeface="Consolas" pitchFamily="49" charset="0"/>
+              </a:rPr>
+              <a:t>00 01 00 10 00 11 01 00 01 01 01 10 01 11 10 00</a:t>
+            </a:r>
+          </a:p>
+          <a:p>
+            <a:r>
+              <a:rPr lang="en-US" altLang="ko-KR" sz="2000">
+                <a:latin typeface="Consolas" pitchFamily="49" charset="0"/>
+                <a:cs typeface="Consolas" pitchFamily="49" charset="0"/>
+              </a:rPr>
+              <a:t>00 01 00 01 00 10 01 00 01 01 01 01 01 10 01 00</a:t>
+            </a:r>
+            <a:endParaRPr lang="ko-KR" altLang="en-US" sz="2000">
+              <a:latin typeface="Consolas" pitchFamily="49" charset="0"/>
+              <a:cs typeface="Consolas" pitchFamily="49" charset="0"/>
+            </a:endParaRPr>
+          </a:p>
+        </p:txBody>
+      </p:sp>
+    </p:spTree>
+    <p:extLst>
+      <p:ext uri="{BB962C8B-B14F-4D97-AF65-F5344CB8AC3E}">
+        <p14:creationId xmlns:p14="http://schemas.microsoft.com/office/powerpoint/2010/main" val="3364981713"/>
+      </p:ext>
+    </p:extLst>
+  </p:cSld>
+  <p:clrMapOvr>
+    <a:masterClrMapping/>
+  </p:clrMapOvr>
+</p:sld>
+</file>
+
+<file path=ppt/slides/slide9.xml><?xml version="1.0" encoding="utf-8"?>
+<p:sld xmlns:a="http://schemas.openxmlformats.org/drawingml/2006/main" xmlns:r="http://schemas.openxmlformats.org/officeDocument/2006/relationships" xmlns:p="http://schemas.openxmlformats.org/presentationml/2006/main">
+  <p:cSld>
+    <p:spTree>
+      <p:nvGrpSpPr>
+        <p:cNvPr id="1" name=""/>
+        <p:cNvGrpSpPr/>
+        <p:nvPr/>
+      </p:nvGrpSpPr>
+      <p:grpSpPr>
+        <a:xfrm>
+          <a:off x="0" y="0"/>
+          <a:ext cx="0" cy="0"/>
+          <a:chOff x="0" y="0"/>
+          <a:chExt cx="0" cy="0"/>
+        </a:xfrm>
+      </p:grpSpPr>
+      <p:sp>
+        <p:nvSpPr>
+          <p:cNvPr id="40" name="TextBox 39">
+            <a:extLst>
+              <a:ext uri="{FF2B5EF4-FFF2-40B4-BE49-F238E27FC236}">
+                <a16:creationId xmlns:a16="http://schemas.microsoft.com/office/drawing/2014/main" id="{40A03F83-8756-4750-95D7-C9F8B4C3F0B5}"/>
+              </a:ext>
+            </a:extLst>
+          </p:cNvPr>
+          <p:cNvSpPr txBox="1"/>
+          <p:nvPr/>
+        </p:nvSpPr>
+        <p:spPr>
+          <a:xfrm>
+            <a:off x="-252536" y="116632"/>
+            <a:ext cx="5250155" cy="4524315"/>
+          </a:xfrm>
+          <a:prstGeom prst="rect">
+            <a:avLst/>
+          </a:prstGeom>
+          <a:noFill/>
+        </p:spPr>
+        <p:txBody>
+          <a:bodyPr wrap="none" rtlCol="0">
+            <a:spAutoFit/>
+          </a:bodyPr>
+          <a:lstStyle/>
+          <a:p>
+            <a:r>
+              <a:rPr lang="en-US" altLang="ko-KR">
+                <a:latin typeface="Consolas" pitchFamily="49" charset="0"/>
+                <a:cs typeface="Consolas" pitchFamily="49" charset="0"/>
+              </a:rPr>
+              <a:t>const uint32_t m1  = 0x55555555; </a:t>
+            </a:r>
+          </a:p>
+          <a:p>
+            <a:r>
+              <a:rPr lang="en-US" altLang="ko-KR">
+                <a:latin typeface="Consolas" pitchFamily="49" charset="0"/>
+                <a:cs typeface="Consolas" pitchFamily="49" charset="0"/>
+              </a:rPr>
+              <a:t>const uint32_t m2  = 0x33333333; </a:t>
+            </a:r>
+          </a:p>
+          <a:p>
+            <a:r>
+              <a:rPr lang="en-US" altLang="ko-KR">
+                <a:latin typeface="Consolas" pitchFamily="49" charset="0"/>
+                <a:cs typeface="Consolas" pitchFamily="49" charset="0"/>
+              </a:rPr>
+              <a:t>const uint32_t m4  = 0x0f0f0f0f; </a:t>
+            </a:r>
+          </a:p>
+          <a:p>
+            <a:r>
+              <a:rPr lang="en-US" altLang="ko-KR">
+                <a:latin typeface="Consolas" pitchFamily="49" charset="0"/>
+                <a:cs typeface="Consolas" pitchFamily="49" charset="0"/>
+              </a:rPr>
+              <a:t>const uint32_t m8  = 0x00ff00ff; </a:t>
+            </a:r>
+          </a:p>
+          <a:p>
+            <a:r>
+              <a:rPr lang="en-US" altLang="ko-KR">
+                <a:latin typeface="Consolas" pitchFamily="49" charset="0"/>
+                <a:cs typeface="Consolas" pitchFamily="49" charset="0"/>
+              </a:rPr>
+              <a:t>const uint32_t m16 = 0x0000ffff; </a:t>
+            </a:r>
+          </a:p>
+          <a:p>
+            <a:r>
+              <a:rPr lang="en-US" altLang="ko-KR">
+                <a:latin typeface="Consolas" pitchFamily="49" charset="0"/>
+                <a:cs typeface="Consolas" pitchFamily="49" charset="0"/>
+              </a:rPr>
+              <a:t>const uint32_t h01 = 0x01010101; </a:t>
+            </a:r>
+          </a:p>
+          <a:p>
+            <a:endParaRPr lang="en-US" altLang="ko-KR">
+              <a:latin typeface="Consolas" pitchFamily="49" charset="0"/>
+              <a:cs typeface="Consolas" pitchFamily="49" charset="0"/>
+            </a:endParaRPr>
+          </a:p>
+          <a:p>
+            <a:r>
+              <a:rPr lang="en-US" altLang="ko-KR">
+                <a:latin typeface="Consolas" pitchFamily="49" charset="0"/>
+                <a:cs typeface="Consolas" pitchFamily="49" charset="0"/>
+              </a:rPr>
+              <a:t>int popcount32a(uint32_t x)</a:t>
+            </a:r>
+          </a:p>
+          <a:p>
+            <a:r>
+              <a:rPr lang="en-US" altLang="ko-KR">
+                <a:latin typeface="Consolas" pitchFamily="49" charset="0"/>
+                <a:cs typeface="Consolas" pitchFamily="49" charset="0"/>
+              </a:rPr>
+              <a:t>{</a:t>
+            </a:r>
+          </a:p>
+          <a:p>
+            <a:r>
+              <a:rPr lang="en-US" altLang="ko-KR">
+                <a:latin typeface="Consolas" pitchFamily="49" charset="0"/>
+                <a:cs typeface="Consolas" pitchFamily="49" charset="0"/>
+              </a:rPr>
+              <a:t>    x = (x &amp; m1 ) + ((x &gt;&gt;  1) &amp; m1 );  </a:t>
+            </a:r>
+          </a:p>
+          <a:p>
+            <a:r>
+              <a:rPr lang="en-US" altLang="ko-KR">
+                <a:latin typeface="Consolas" pitchFamily="49" charset="0"/>
+                <a:cs typeface="Consolas" pitchFamily="49" charset="0"/>
+              </a:rPr>
+              <a:t>    </a:t>
+            </a:r>
+            <a:r>
+              <a:rPr lang="en-US" altLang="ko-KR">
+                <a:solidFill>
+                  <a:srgbClr val="FF0000"/>
+                </a:solidFill>
+                <a:latin typeface="Consolas" pitchFamily="49" charset="0"/>
+                <a:cs typeface="Consolas" pitchFamily="49" charset="0"/>
+              </a:rPr>
+              <a:t>x = (x &amp; m2 ) + ((x &gt;&gt;  2) &amp; m2 );  </a:t>
+            </a:r>
+          </a:p>
+          <a:p>
+            <a:r>
+              <a:rPr lang="en-US" altLang="ko-KR">
+                <a:latin typeface="Consolas" pitchFamily="49" charset="0"/>
+                <a:cs typeface="Consolas" pitchFamily="49" charset="0"/>
+              </a:rPr>
+              <a:t>    x = (x &amp; m4 ) + ((x &gt;&gt;  4) &amp; m4 );  </a:t>
+            </a:r>
+          </a:p>
+          <a:p>
+            <a:r>
+              <a:rPr lang="en-US" altLang="ko-KR">
+                <a:latin typeface="Consolas" pitchFamily="49" charset="0"/>
+                <a:cs typeface="Consolas" pitchFamily="49" charset="0"/>
+              </a:rPr>
+              <a:t>    x = (x &amp; m8 ) + ((x &gt;&gt;  8) &amp; m8 );  </a:t>
+            </a:r>
+          </a:p>
+          <a:p>
+            <a:r>
+              <a:rPr lang="en-US" altLang="ko-KR">
+                <a:latin typeface="Consolas" pitchFamily="49" charset="0"/>
+                <a:cs typeface="Consolas" pitchFamily="49" charset="0"/>
+              </a:rPr>
+              <a:t>    x = (x &amp; m16) + ((x &gt;&gt; 16) &amp; m16);  </a:t>
+            </a:r>
+          </a:p>
+          <a:p>
+            <a:r>
+              <a:rPr lang="en-US" altLang="ko-KR">
+                <a:latin typeface="Consolas" pitchFamily="49" charset="0"/>
+                <a:cs typeface="Consolas" pitchFamily="49" charset="0"/>
+              </a:rPr>
+              <a:t>    return x;</a:t>
+            </a:r>
+          </a:p>
+          <a:p>
+            <a:r>
+              <a:rPr lang="en-US" altLang="ko-KR">
+                <a:latin typeface="Consolas" pitchFamily="49" charset="0"/>
+                <a:cs typeface="Consolas" pitchFamily="49" charset="0"/>
+              </a:rPr>
+              <a:t>}</a:t>
+            </a:r>
+          </a:p>
+        </p:txBody>
+      </p:sp>
+      <p:sp>
+        <p:nvSpPr>
+          <p:cNvPr id="2" name="TextBox 1">
+            <a:extLst>
+              <a:ext uri="{FF2B5EF4-FFF2-40B4-BE49-F238E27FC236}">
+                <a16:creationId xmlns:a16="http://schemas.microsoft.com/office/drawing/2014/main" id="{1553897F-F7D2-4155-9D42-E0D7136EBF31}"/>
+              </a:ext>
+            </a:extLst>
+          </p:cNvPr>
+          <p:cNvSpPr txBox="1"/>
+          <p:nvPr/>
+        </p:nvSpPr>
+        <p:spPr>
+          <a:xfrm>
+            <a:off x="5213643" y="836712"/>
+            <a:ext cx="4698722" cy="400110"/>
+          </a:xfrm>
+          <a:prstGeom prst="rect">
+            <a:avLst/>
+          </a:prstGeom>
+          <a:noFill/>
+        </p:spPr>
+        <p:txBody>
+          <a:bodyPr wrap="none" rtlCol="0">
+            <a:spAutoFit/>
+          </a:bodyPr>
+          <a:lstStyle/>
+          <a:p>
+            <a:r>
+              <a:rPr lang="en-US" altLang="ko-KR" sz="2000">
+                <a:latin typeface="Consolas" pitchFamily="49" charset="0"/>
+                <a:cs typeface="Consolas" pitchFamily="49" charset="0"/>
+              </a:rPr>
+              <a:t>00010001001001000101010101100100</a:t>
+            </a:r>
+            <a:endParaRPr lang="ko-KR" altLang="en-US" sz="2000">
+              <a:latin typeface="Consolas" pitchFamily="49" charset="0"/>
+              <a:cs typeface="Consolas" pitchFamily="49" charset="0"/>
+            </a:endParaRPr>
+          </a:p>
+        </p:txBody>
+      </p:sp>
+      <p:sp>
+        <p:nvSpPr>
+          <p:cNvPr id="42" name="TextBox 41">
+            <a:extLst>
+              <a:ext uri="{FF2B5EF4-FFF2-40B4-BE49-F238E27FC236}">
+                <a16:creationId xmlns:a16="http://schemas.microsoft.com/office/drawing/2014/main" id="{236FD9F7-9CD2-4076-952E-892049AFF721}"/>
+              </a:ext>
+            </a:extLst>
+          </p:cNvPr>
+          <p:cNvSpPr txBox="1"/>
+          <p:nvPr/>
+        </p:nvSpPr>
+        <p:spPr>
+          <a:xfrm>
+            <a:off x="5186632" y="1628800"/>
+            <a:ext cx="4980851" cy="1015663"/>
+          </a:xfrm>
+          <a:prstGeom prst="rect">
+            <a:avLst/>
+          </a:prstGeom>
+          <a:noFill/>
+        </p:spPr>
+        <p:txBody>
+          <a:bodyPr wrap="none" rtlCol="0">
+            <a:spAutoFit/>
+          </a:bodyPr>
+          <a:lstStyle/>
+          <a:p>
+            <a:r>
+              <a:rPr lang="en-US" altLang="ko-KR" sz="2000">
+                <a:latin typeface="Consolas" pitchFamily="49" charset="0"/>
+                <a:cs typeface="Consolas" pitchFamily="49" charset="0"/>
+              </a:rPr>
+              <a:t>00010001001001000101010101100100</a:t>
+            </a:r>
+            <a:endParaRPr lang="ko-KR" altLang="en-US" sz="2000">
+              <a:latin typeface="Consolas" pitchFamily="49" charset="0"/>
+              <a:cs typeface="Consolas" pitchFamily="49" charset="0"/>
+            </a:endParaRPr>
+          </a:p>
+          <a:p>
+            <a:r>
+              <a:rPr lang="en-US" altLang="ko-KR" sz="2000">
+                <a:latin typeface="Consolas" pitchFamily="49" charset="0"/>
+                <a:cs typeface="Consolas" pitchFamily="49" charset="0"/>
+              </a:rPr>
+              <a:t>00110011001100110011001100110011 &amp;</a:t>
+            </a:r>
+          </a:p>
+          <a:p>
+            <a:r>
+              <a:rPr lang="en-US" altLang="ko-KR" sz="2000">
+                <a:latin typeface="Consolas" pitchFamily="49" charset="0"/>
+                <a:cs typeface="Consolas" pitchFamily="49" charset="0"/>
+              </a:rPr>
+              <a:t>00010001001000000001000100100000</a:t>
+            </a:r>
+            <a:endParaRPr lang="ko-KR" altLang="en-US" sz="2000">
+              <a:latin typeface="Consolas" pitchFamily="49" charset="0"/>
+              <a:cs typeface="Consolas" pitchFamily="49" charset="0"/>
+            </a:endParaRPr>
+          </a:p>
+        </p:txBody>
+      </p:sp>
+      <p:sp>
+        <p:nvSpPr>
+          <p:cNvPr id="43" name="TextBox 42">
+            <a:extLst>
+              <a:ext uri="{FF2B5EF4-FFF2-40B4-BE49-F238E27FC236}">
+                <a16:creationId xmlns:a16="http://schemas.microsoft.com/office/drawing/2014/main" id="{DEACAF50-D96A-453D-A850-D8F1CE0A7FC2}"/>
+              </a:ext>
+            </a:extLst>
+          </p:cNvPr>
+          <p:cNvSpPr txBox="1"/>
+          <p:nvPr/>
+        </p:nvSpPr>
+        <p:spPr>
+          <a:xfrm>
+            <a:off x="5186632" y="2924944"/>
+            <a:ext cx="4980851" cy="1015663"/>
+          </a:xfrm>
+          <a:prstGeom prst="rect">
+            <a:avLst/>
+          </a:prstGeom>
+          <a:noFill/>
+        </p:spPr>
+        <p:txBody>
+          <a:bodyPr wrap="none" rtlCol="0">
+            <a:spAutoFit/>
+          </a:bodyPr>
+          <a:lstStyle/>
+          <a:p>
+            <a:r>
+              <a:rPr lang="en-US" altLang="ko-KR" sz="2000">
+                <a:latin typeface="Consolas" pitchFamily="49" charset="0"/>
+                <a:cs typeface="Consolas" pitchFamily="49" charset="0"/>
+              </a:rPr>
+              <a:t>00000100010010010001010101011001</a:t>
+            </a:r>
+            <a:endParaRPr lang="ko-KR" altLang="en-US" sz="2000">
+              <a:latin typeface="Consolas" pitchFamily="49" charset="0"/>
+              <a:cs typeface="Consolas" pitchFamily="49" charset="0"/>
+            </a:endParaRPr>
+          </a:p>
+          <a:p>
+            <a:r>
+              <a:rPr lang="en-US" altLang="ko-KR" sz="2000">
+                <a:latin typeface="Consolas" pitchFamily="49" charset="0"/>
+                <a:cs typeface="Consolas" pitchFamily="49" charset="0"/>
+              </a:rPr>
+              <a:t>00110011001100110011001100110011 &amp;</a:t>
+            </a:r>
+          </a:p>
+          <a:p>
+            <a:r>
+              <a:rPr lang="en-US" altLang="ko-KR" sz="2000">
+                <a:latin typeface="Consolas" pitchFamily="49" charset="0"/>
+                <a:cs typeface="Consolas" pitchFamily="49" charset="0"/>
+              </a:rPr>
+              <a:t>00000000000000010001000100010001</a:t>
+            </a:r>
+            <a:endParaRPr lang="ko-KR" altLang="en-US" sz="2000">
+              <a:latin typeface="Consolas" pitchFamily="49" charset="0"/>
+              <a:cs typeface="Consolas" pitchFamily="49" charset="0"/>
+            </a:endParaRPr>
+          </a:p>
+        </p:txBody>
+      </p:sp>
+      <p:sp>
+        <p:nvSpPr>
+          <p:cNvPr id="44" name="TextBox 43">
+            <a:extLst>
+              <a:ext uri="{FF2B5EF4-FFF2-40B4-BE49-F238E27FC236}">
+                <a16:creationId xmlns:a16="http://schemas.microsoft.com/office/drawing/2014/main" id="{77DCE63E-B981-40F4-B282-363FA86EB55B}"/>
+              </a:ext>
+            </a:extLst>
+          </p:cNvPr>
+          <p:cNvSpPr txBox="1"/>
+          <p:nvPr/>
+        </p:nvSpPr>
+        <p:spPr>
+          <a:xfrm>
+            <a:off x="5148064" y="4149080"/>
+            <a:ext cx="5256584" cy="1015663"/>
+          </a:xfrm>
+          <a:prstGeom prst="rect">
+            <a:avLst/>
+          </a:prstGeom>
+          <a:noFill/>
+        </p:spPr>
+        <p:txBody>
+          <a:bodyPr wrap="square" rtlCol="0">
+            <a:spAutoFit/>
+          </a:bodyPr>
+          <a:lstStyle/>
+          <a:p>
+            <a:r>
+              <a:rPr lang="en-US" altLang="ko-KR" sz="2000">
+                <a:latin typeface="Consolas" pitchFamily="49" charset="0"/>
+                <a:cs typeface="Consolas" pitchFamily="49" charset="0"/>
+              </a:rPr>
+              <a:t>00010001001000000001000100100000</a:t>
+            </a:r>
+            <a:endParaRPr lang="ko-KR" altLang="en-US" sz="2000">
+              <a:latin typeface="Consolas" pitchFamily="49" charset="0"/>
+              <a:cs typeface="Consolas" pitchFamily="49" charset="0"/>
+            </a:endParaRPr>
+          </a:p>
+          <a:p>
+            <a:r>
+              <a:rPr lang="en-US" altLang="ko-KR" sz="2000">
+                <a:latin typeface="Consolas" pitchFamily="49" charset="0"/>
+                <a:cs typeface="Consolas" pitchFamily="49" charset="0"/>
+              </a:rPr>
+              <a:t>00000000000000010001000100010001 +</a:t>
+            </a:r>
+          </a:p>
+          <a:p>
+            <a:r>
+              <a:rPr lang="en-US" altLang="ko-KR" sz="2000">
+                <a:latin typeface="Consolas" pitchFamily="49" charset="0"/>
+                <a:cs typeface="Consolas" pitchFamily="49" charset="0"/>
+              </a:rPr>
+              <a:t>00010001001000010010001000110001</a:t>
+            </a:r>
+          </a:p>
+        </p:txBody>
+      </p:sp>
+      <p:sp>
+        <p:nvSpPr>
+          <p:cNvPr id="8" name="TextBox 7">
+            <a:extLst>
+              <a:ext uri="{FF2B5EF4-FFF2-40B4-BE49-F238E27FC236}">
+                <a16:creationId xmlns:a16="http://schemas.microsoft.com/office/drawing/2014/main" id="{FC1558DF-6ABD-439C-8222-A8B5776F7D1C}"/>
+              </a:ext>
+            </a:extLst>
+          </p:cNvPr>
+          <p:cNvSpPr txBox="1"/>
+          <p:nvPr/>
+        </p:nvSpPr>
+        <p:spPr>
+          <a:xfrm>
+            <a:off x="35496" y="5373216"/>
+            <a:ext cx="7416824" cy="707886"/>
+          </a:xfrm>
+          <a:prstGeom prst="rect">
+            <a:avLst/>
+          </a:prstGeom>
+          <a:noFill/>
+        </p:spPr>
+        <p:txBody>
+          <a:bodyPr wrap="square" rtlCol="0">
+            <a:spAutoFit/>
+          </a:bodyPr>
+          <a:lstStyle/>
+          <a:p>
+            <a:r>
+              <a:rPr lang="en-US" altLang="ko-KR" sz="2000">
+                <a:latin typeface="Consolas" pitchFamily="49" charset="0"/>
+                <a:cs typeface="Consolas" pitchFamily="49" charset="0"/>
+              </a:rPr>
+              <a:t>0001 0010 0011 0100 0101 0110 0111 1000</a:t>
+            </a:r>
+            <a:endParaRPr lang="ko-KR" altLang="en-US" sz="2000">
+              <a:latin typeface="Consolas" pitchFamily="49" charset="0"/>
+              <a:cs typeface="Consolas" pitchFamily="49" charset="0"/>
+            </a:endParaRPr>
+          </a:p>
+          <a:p>
+            <a:r>
+              <a:rPr lang="en-US" altLang="ko-KR" sz="2000">
+                <a:latin typeface="Consolas" pitchFamily="49" charset="0"/>
+                <a:cs typeface="Consolas" pitchFamily="49" charset="0"/>
+              </a:rPr>
+              <a:t>0001 0001 0010 0001 0010 0010 0011 0001</a:t>
+            </a:r>
+          </a:p>
+        </p:txBody>
+      </p:sp>
+    </p:spTree>
+    <p:extLst>
+      <p:ext uri="{BB962C8B-B14F-4D97-AF65-F5344CB8AC3E}">
+        <p14:creationId xmlns:p14="http://schemas.microsoft.com/office/powerpoint/2010/main" val="2501857105"/>
       </p:ext>
     </p:extLst>
   </p:cSld>

--- a/05_day.pptx
+++ b/05_day.pptx
@@ -22,6 +22,7 @@
     <p:sldId id="270" r:id="rId16"/>
     <p:sldId id="271" r:id="rId17"/>
     <p:sldId id="272" r:id="rId18"/>
+    <p:sldId id="273" r:id="rId19"/>
   </p:sldIdLst>
   <p:sldSz cx="9144000" cy="6858000" type="screen4x3"/>
   <p:notesSz cx="6858000" cy="9144000"/>
@@ -10075,7 +10076,7 @@
         <p:spPr>
           <a:xfrm>
             <a:off x="6948264" y="306027"/>
-            <a:ext cx="889987" cy="400110"/>
+            <a:ext cx="954107" cy="400110"/>
           </a:xfrm>
           <a:prstGeom prst="rect">
             <a:avLst/>
@@ -10089,12 +10090,16 @@
           <a:lstStyle/>
           <a:p>
             <a:r>
-              <a:rPr lang="pt-BR" altLang="ko-KR" sz="2000">
-                <a:latin typeface="Consolas" pitchFamily="49" charset="0"/>
-                <a:cs typeface="Consolas" pitchFamily="49" charset="0"/>
-              </a:rPr>
-              <a:t>de77 </a:t>
-            </a:r>
+              <a:rPr lang="ko-KR" altLang="en-US" sz="2000">
+                <a:latin typeface="Consolas" pitchFamily="49" charset="0"/>
+                <a:cs typeface="Consolas" pitchFamily="49" charset="0"/>
+              </a:rPr>
+              <a:t>송신자</a:t>
+            </a:r>
+            <a:endParaRPr lang="pt-BR" altLang="ko-KR" sz="2000">
+              <a:latin typeface="Consolas" pitchFamily="49" charset="0"/>
+              <a:cs typeface="Consolas" pitchFamily="49" charset="0"/>
+            </a:endParaRPr>
           </a:p>
         </p:txBody>
       </p:sp>
@@ -10102,6 +10107,456 @@
     <p:extLst>
       <p:ext uri="{BB962C8B-B14F-4D97-AF65-F5344CB8AC3E}">
         <p14:creationId xmlns:p14="http://schemas.microsoft.com/office/powerpoint/2010/main" val="3354623097"/>
+      </p:ext>
+    </p:extLst>
+  </p:cSld>
+  <p:clrMapOvr>
+    <a:masterClrMapping/>
+  </p:clrMapOvr>
+</p:sld>
+</file>
+
+<file path=ppt/slides/slide18.xml><?xml version="1.0" encoding="utf-8"?>
+<p:sld xmlns:a="http://schemas.openxmlformats.org/drawingml/2006/main" xmlns:r="http://schemas.openxmlformats.org/officeDocument/2006/relationships" xmlns:p="http://schemas.openxmlformats.org/presentationml/2006/main">
+  <p:cSld>
+    <p:spTree>
+      <p:nvGrpSpPr>
+        <p:cNvPr id="1" name=""/>
+        <p:cNvGrpSpPr/>
+        <p:nvPr/>
+      </p:nvGrpSpPr>
+      <p:grpSpPr>
+        <a:xfrm>
+          <a:off x="0" y="0"/>
+          <a:ext cx="0" cy="0"/>
+          <a:chOff x="0" y="0"/>
+          <a:chExt cx="0" cy="0"/>
+        </a:xfrm>
+      </p:grpSpPr>
+      <p:sp>
+        <p:nvSpPr>
+          <p:cNvPr id="4" name="TextBox 3">
+            <a:extLst>
+              <a:ext uri="{FF2B5EF4-FFF2-40B4-BE49-F238E27FC236}">
+                <a16:creationId xmlns:a16="http://schemas.microsoft.com/office/drawing/2014/main" id="{D1D448C5-07DF-4A30-9AFA-FBE117E4A5A9}"/>
+              </a:ext>
+            </a:extLst>
+          </p:cNvPr>
+          <p:cNvSpPr txBox="1"/>
+          <p:nvPr/>
+        </p:nvSpPr>
+        <p:spPr>
+          <a:xfrm>
+            <a:off x="323528" y="188640"/>
+            <a:ext cx="1204176" cy="461665"/>
+          </a:xfrm>
+          <a:prstGeom prst="rect">
+            <a:avLst/>
+          </a:prstGeom>
+          <a:noFill/>
+        </p:spPr>
+        <p:txBody>
+          <a:bodyPr wrap="none" rtlCol="0">
+            <a:spAutoFit/>
+          </a:bodyPr>
+          <a:lstStyle/>
+          <a:p>
+            <a:r>
+              <a:rPr lang="en-US" altLang="ko-KR" sz="2400">
+                <a:latin typeface="Consolas" pitchFamily="49" charset="0"/>
+                <a:cs typeface="Consolas" pitchFamily="49" charset="0"/>
+              </a:rPr>
+              <a:t>TCP/IP</a:t>
+            </a:r>
+            <a:endParaRPr lang="ko-KR" altLang="en-US" sz="2400">
+              <a:latin typeface="Consolas" pitchFamily="49" charset="0"/>
+              <a:cs typeface="Consolas" pitchFamily="49" charset="0"/>
+            </a:endParaRPr>
+          </a:p>
+        </p:txBody>
+      </p:sp>
+      <p:sp>
+        <p:nvSpPr>
+          <p:cNvPr id="5" name="TextBox 4">
+            <a:extLst>
+              <a:ext uri="{FF2B5EF4-FFF2-40B4-BE49-F238E27FC236}">
+                <a16:creationId xmlns:a16="http://schemas.microsoft.com/office/drawing/2014/main" id="{6B4CBD99-0FCB-4D84-B3C1-616EB6B52782}"/>
+              </a:ext>
+            </a:extLst>
+          </p:cNvPr>
+          <p:cNvSpPr txBox="1"/>
+          <p:nvPr/>
+        </p:nvSpPr>
+        <p:spPr>
+          <a:xfrm>
+            <a:off x="179512" y="764704"/>
+            <a:ext cx="3801041" cy="4093428"/>
+          </a:xfrm>
+          <a:prstGeom prst="rect">
+            <a:avLst/>
+          </a:prstGeom>
+          <a:noFill/>
+        </p:spPr>
+        <p:txBody>
+          <a:bodyPr wrap="none" rtlCol="0">
+            <a:spAutoFit/>
+          </a:bodyPr>
+          <a:lstStyle/>
+          <a:p>
+            <a:r>
+              <a:rPr lang="en-US" altLang="ko-KR" sz="2000">
+                <a:latin typeface="Consolas" pitchFamily="49" charset="0"/>
+                <a:cs typeface="Consolas" pitchFamily="49" charset="0"/>
+              </a:rPr>
+              <a:t>struct iphdr {</a:t>
+            </a:r>
+          </a:p>
+          <a:p>
+            <a:r>
+              <a:rPr lang="en-US" altLang="ko-KR" sz="2000">
+                <a:latin typeface="Consolas" pitchFamily="49" charset="0"/>
+                <a:cs typeface="Consolas" pitchFamily="49" charset="0"/>
+              </a:rPr>
+              <a:t>	__u8	ihl:4,</a:t>
+            </a:r>
+          </a:p>
+          <a:p>
+            <a:r>
+              <a:rPr lang="en-US" altLang="ko-KR" sz="2000">
+                <a:latin typeface="Consolas" pitchFamily="49" charset="0"/>
+                <a:cs typeface="Consolas" pitchFamily="49" charset="0"/>
+              </a:rPr>
+              <a:t>		version:4;</a:t>
+            </a:r>
+          </a:p>
+          <a:p>
+            <a:r>
+              <a:rPr lang="en-US" altLang="ko-KR" sz="2000">
+                <a:latin typeface="Consolas" pitchFamily="49" charset="0"/>
+                <a:cs typeface="Consolas" pitchFamily="49" charset="0"/>
+              </a:rPr>
+              <a:t>	__u8	tos;</a:t>
+            </a:r>
+          </a:p>
+          <a:p>
+            <a:r>
+              <a:rPr lang="en-US" altLang="ko-KR" sz="2000">
+                <a:latin typeface="Consolas" pitchFamily="49" charset="0"/>
+                <a:cs typeface="Consolas" pitchFamily="49" charset="0"/>
+              </a:rPr>
+              <a:t>	__be16	tot_len;</a:t>
+            </a:r>
+          </a:p>
+          <a:p>
+            <a:r>
+              <a:rPr lang="en-US" altLang="ko-KR" sz="2000">
+                <a:latin typeface="Consolas" pitchFamily="49" charset="0"/>
+                <a:cs typeface="Consolas" pitchFamily="49" charset="0"/>
+              </a:rPr>
+              <a:t>	__be16	id;</a:t>
+            </a:r>
+          </a:p>
+          <a:p>
+            <a:r>
+              <a:rPr lang="en-US" altLang="ko-KR" sz="2000">
+                <a:latin typeface="Consolas" pitchFamily="49" charset="0"/>
+                <a:cs typeface="Consolas" pitchFamily="49" charset="0"/>
+              </a:rPr>
+              <a:t>	__be16	frag_off;</a:t>
+            </a:r>
+          </a:p>
+          <a:p>
+            <a:r>
+              <a:rPr lang="en-US" altLang="ko-KR" sz="2000">
+                <a:latin typeface="Consolas" pitchFamily="49" charset="0"/>
+                <a:cs typeface="Consolas" pitchFamily="49" charset="0"/>
+              </a:rPr>
+              <a:t>	__u8	ttl;</a:t>
+            </a:r>
+          </a:p>
+          <a:p>
+            <a:r>
+              <a:rPr lang="en-US" altLang="ko-KR" sz="2000">
+                <a:latin typeface="Consolas" pitchFamily="49" charset="0"/>
+                <a:cs typeface="Consolas" pitchFamily="49" charset="0"/>
+              </a:rPr>
+              <a:t>	__u8	protocol;</a:t>
+            </a:r>
+          </a:p>
+          <a:p>
+            <a:r>
+              <a:rPr lang="en-US" altLang="ko-KR" sz="2000">
+                <a:latin typeface="Consolas" pitchFamily="49" charset="0"/>
+                <a:cs typeface="Consolas" pitchFamily="49" charset="0"/>
+              </a:rPr>
+              <a:t>	__sum16	check;</a:t>
+            </a:r>
+          </a:p>
+          <a:p>
+            <a:r>
+              <a:rPr lang="en-US" altLang="ko-KR" sz="2000">
+                <a:latin typeface="Consolas" pitchFamily="49" charset="0"/>
+                <a:cs typeface="Consolas" pitchFamily="49" charset="0"/>
+              </a:rPr>
+              <a:t>	__be32	saddr;</a:t>
+            </a:r>
+          </a:p>
+          <a:p>
+            <a:r>
+              <a:rPr lang="en-US" altLang="ko-KR" sz="2000">
+                <a:latin typeface="Consolas" pitchFamily="49" charset="0"/>
+                <a:cs typeface="Consolas" pitchFamily="49" charset="0"/>
+              </a:rPr>
+              <a:t>	__be32	daddr;</a:t>
+            </a:r>
+          </a:p>
+          <a:p>
+            <a:r>
+              <a:rPr lang="en-US" altLang="ko-KR" sz="2000">
+                <a:latin typeface="Consolas" pitchFamily="49" charset="0"/>
+                <a:cs typeface="Consolas" pitchFamily="49" charset="0"/>
+              </a:rPr>
+              <a:t>};</a:t>
+            </a:r>
+            <a:endParaRPr lang="ko-KR" altLang="en-US" sz="2000">
+              <a:latin typeface="Consolas" pitchFamily="49" charset="0"/>
+              <a:cs typeface="Consolas" pitchFamily="49" charset="0"/>
+            </a:endParaRPr>
+          </a:p>
+        </p:txBody>
+      </p:sp>
+      <p:sp>
+        <p:nvSpPr>
+          <p:cNvPr id="6" name="TextBox 5">
+            <a:extLst>
+              <a:ext uri="{FF2B5EF4-FFF2-40B4-BE49-F238E27FC236}">
+                <a16:creationId xmlns:a16="http://schemas.microsoft.com/office/drawing/2014/main" id="{FE08FCDD-A6A4-4EB0-B09E-A9BAD624450A}"/>
+              </a:ext>
+            </a:extLst>
+          </p:cNvPr>
+          <p:cNvSpPr txBox="1"/>
+          <p:nvPr/>
+        </p:nvSpPr>
+        <p:spPr>
+          <a:xfrm>
+            <a:off x="5076056" y="188640"/>
+            <a:ext cx="1454244" cy="5324535"/>
+          </a:xfrm>
+          <a:prstGeom prst="rect">
+            <a:avLst/>
+          </a:prstGeom>
+          <a:noFill/>
+        </p:spPr>
+        <p:txBody>
+          <a:bodyPr wrap="none" rtlCol="0">
+            <a:spAutoFit/>
+          </a:bodyPr>
+          <a:lstStyle/>
+          <a:p>
+            <a:r>
+              <a:rPr lang="pt-BR" altLang="ko-KR" sz="2000">
+                <a:latin typeface="Consolas" pitchFamily="49" charset="0"/>
+                <a:cs typeface="Consolas" pitchFamily="49" charset="0"/>
+              </a:rPr>
+              <a:t>4500 </a:t>
+            </a:r>
+          </a:p>
+          <a:p>
+            <a:r>
+              <a:rPr lang="pt-BR" altLang="ko-KR" sz="2000">
+                <a:latin typeface="Consolas" pitchFamily="49" charset="0"/>
+                <a:cs typeface="Consolas" pitchFamily="49" charset="0"/>
+              </a:rPr>
+              <a:t>0028 </a:t>
+            </a:r>
+          </a:p>
+          <a:p>
+            <a:r>
+              <a:rPr lang="pt-BR" altLang="ko-KR" sz="2000">
+                <a:latin typeface="Consolas" pitchFamily="49" charset="0"/>
+                <a:cs typeface="Consolas" pitchFamily="49" charset="0"/>
+              </a:rPr>
+              <a:t>7229 </a:t>
+            </a:r>
+          </a:p>
+          <a:p>
+            <a:r>
+              <a:rPr lang="pt-BR" altLang="ko-KR" sz="2000">
+                <a:latin typeface="Consolas" pitchFamily="49" charset="0"/>
+                <a:cs typeface="Consolas" pitchFamily="49" charset="0"/>
+              </a:rPr>
+              <a:t>0000 </a:t>
+            </a:r>
+          </a:p>
+          <a:p>
+            <a:r>
+              <a:rPr lang="pt-BR" altLang="ko-KR" sz="2000">
+                <a:latin typeface="Consolas" pitchFamily="49" charset="0"/>
+                <a:cs typeface="Consolas" pitchFamily="49" charset="0"/>
+              </a:rPr>
+              <a:t>3b06 </a:t>
+            </a:r>
+          </a:p>
+          <a:p>
+            <a:r>
+              <a:rPr lang="pt-BR" altLang="ko-KR" sz="2000">
+                <a:latin typeface="Consolas" pitchFamily="49" charset="0"/>
+                <a:cs typeface="Consolas" pitchFamily="49" charset="0"/>
+              </a:rPr>
+              <a:t>de77</a:t>
+            </a:r>
+          </a:p>
+          <a:p>
+            <a:r>
+              <a:rPr lang="pt-BR" altLang="ko-KR" sz="2000">
+                <a:latin typeface="Consolas" pitchFamily="49" charset="0"/>
+                <a:cs typeface="Consolas" pitchFamily="49" charset="0"/>
+              </a:rPr>
+              <a:t>c623 </a:t>
+            </a:r>
+          </a:p>
+          <a:p>
+            <a:r>
+              <a:rPr lang="pt-BR" altLang="ko-KR" sz="2000">
+                <a:latin typeface="Consolas" pitchFamily="49" charset="0"/>
+                <a:cs typeface="Consolas" pitchFamily="49" charset="0"/>
+              </a:rPr>
+              <a:t>1a60</a:t>
+            </a:r>
+          </a:p>
+          <a:p>
+            <a:r>
+              <a:rPr lang="pt-BR" altLang="ko-KR" sz="2000">
+                <a:latin typeface="Consolas" pitchFamily="49" charset="0"/>
+                <a:cs typeface="Consolas" pitchFamily="49" charset="0"/>
+              </a:rPr>
+              <a:t>9c93 </a:t>
+            </a:r>
+          </a:p>
+          <a:p>
+            <a:r>
+              <a:rPr lang="pt-BR" altLang="ko-KR" sz="2000">
+                <a:latin typeface="Consolas" pitchFamily="49" charset="0"/>
+                <a:cs typeface="Consolas" pitchFamily="49" charset="0"/>
+              </a:rPr>
+              <a:t>b218 +</a:t>
+            </a:r>
+          </a:p>
+          <a:p>
+            <a:r>
+              <a:rPr lang="en-US" altLang="ko-KR" sz="2000">
+                <a:latin typeface="Consolas" pitchFamily="49" charset="0"/>
+                <a:cs typeface="Consolas" pitchFamily="49" charset="0"/>
+              </a:rPr>
+              <a:t>--------</a:t>
+            </a:r>
+          </a:p>
+          <a:p>
+            <a:r>
+              <a:rPr lang="en-US" altLang="ko-KR" sz="2000">
+                <a:solidFill>
+                  <a:srgbClr val="FF0000"/>
+                </a:solidFill>
+                <a:latin typeface="Consolas" pitchFamily="49" charset="0"/>
+                <a:cs typeface="Consolas" pitchFamily="49" charset="0"/>
+              </a:rPr>
+              <a:t>3</a:t>
+            </a:r>
+            <a:r>
+              <a:rPr lang="en-US" altLang="ko-KR" sz="2000">
+                <a:latin typeface="Consolas" pitchFamily="49" charset="0"/>
+                <a:cs typeface="Consolas" pitchFamily="49" charset="0"/>
+              </a:rPr>
+              <a:t>fffc    </a:t>
+            </a:r>
+          </a:p>
+          <a:p>
+            <a:r>
+              <a:rPr lang="en-US" altLang="ko-KR" sz="2000">
+                <a:latin typeface="Consolas" pitchFamily="49" charset="0"/>
+                <a:cs typeface="Consolas" pitchFamily="49" charset="0"/>
+              </a:rPr>
+              <a:t>    3 +</a:t>
+            </a:r>
+          </a:p>
+          <a:p>
+            <a:r>
+              <a:rPr lang="en-US" altLang="ko-KR" sz="2000">
+                <a:latin typeface="Consolas" pitchFamily="49" charset="0"/>
+                <a:cs typeface="Consolas" pitchFamily="49" charset="0"/>
+              </a:rPr>
+              <a:t>---------</a:t>
+            </a:r>
+          </a:p>
+          <a:p>
+            <a:r>
+              <a:rPr lang="en-US" altLang="ko-KR" sz="2000">
+                <a:latin typeface="Consolas" pitchFamily="49" charset="0"/>
+                <a:cs typeface="Consolas" pitchFamily="49" charset="0"/>
+              </a:rPr>
+              <a:t>~ffff </a:t>
+            </a:r>
+          </a:p>
+          <a:p>
+            <a:endParaRPr lang="en-US" altLang="ko-KR" sz="2000">
+              <a:latin typeface="Consolas" pitchFamily="49" charset="0"/>
+              <a:cs typeface="Consolas" pitchFamily="49" charset="0"/>
+            </a:endParaRPr>
+          </a:p>
+          <a:p>
+            <a:endParaRPr lang="ko-KR" altLang="en-US" sz="2000">
+              <a:latin typeface="Consolas" pitchFamily="49" charset="0"/>
+              <a:cs typeface="Consolas" pitchFamily="49" charset="0"/>
+            </a:endParaRPr>
+          </a:p>
+        </p:txBody>
+      </p:sp>
+      <p:sp>
+        <p:nvSpPr>
+          <p:cNvPr id="7" name="TextBox 6">
+            <a:extLst>
+              <a:ext uri="{FF2B5EF4-FFF2-40B4-BE49-F238E27FC236}">
+                <a16:creationId xmlns:a16="http://schemas.microsoft.com/office/drawing/2014/main" id="{C7D724AF-46EE-4C3A-BC36-69C7CC629F89}"/>
+              </a:ext>
+            </a:extLst>
+          </p:cNvPr>
+          <p:cNvSpPr txBox="1"/>
+          <p:nvPr/>
+        </p:nvSpPr>
+        <p:spPr>
+          <a:xfrm>
+            <a:off x="6948264" y="306027"/>
+            <a:ext cx="1095172" cy="400110"/>
+          </a:xfrm>
+          <a:prstGeom prst="rect">
+            <a:avLst/>
+          </a:prstGeom>
+          <a:noFill/>
+        </p:spPr>
+        <p:txBody>
+          <a:bodyPr wrap="none" rtlCol="0">
+            <a:spAutoFit/>
+          </a:bodyPr>
+          <a:lstStyle/>
+          <a:p>
+            <a:r>
+              <a:rPr lang="ko-KR" altLang="en-US" sz="2000">
+                <a:latin typeface="Consolas" pitchFamily="49" charset="0"/>
+                <a:cs typeface="Consolas" pitchFamily="49" charset="0"/>
+              </a:rPr>
+              <a:t>수신자 </a:t>
+            </a:r>
+            <a:endParaRPr lang="pt-BR" altLang="ko-KR" sz="2000">
+              <a:latin typeface="Consolas" pitchFamily="49" charset="0"/>
+              <a:cs typeface="Consolas" pitchFamily="49" charset="0"/>
+            </a:endParaRPr>
+          </a:p>
+        </p:txBody>
+      </p:sp>
+    </p:spTree>
+    <p:extLst>
+      <p:ext uri="{BB962C8B-B14F-4D97-AF65-F5344CB8AC3E}">
+        <p14:creationId xmlns:p14="http://schemas.microsoft.com/office/powerpoint/2010/main" val="2534768313"/>
       </p:ext>
     </p:extLst>
   </p:cSld>

--- a/05_day.pptx
+++ b/05_day.pptx
@@ -23,6 +23,8 @@
     <p:sldId id="271" r:id="rId17"/>
     <p:sldId id="272" r:id="rId18"/>
     <p:sldId id="273" r:id="rId19"/>
+    <p:sldId id="274" r:id="rId20"/>
+    <p:sldId id="275" r:id="rId21"/>
   </p:sldIdLst>
   <p:sldSz cx="9144000" cy="6858000" type="screen4x3"/>
   <p:notesSz cx="6858000" cy="9144000"/>
@@ -10566,6 +10568,258 @@
 </p:sld>
 </file>
 
+<file path=ppt/slides/slide19.xml><?xml version="1.0" encoding="utf-8"?>
+<p:sld xmlns:a="http://schemas.openxmlformats.org/drawingml/2006/main" xmlns:r="http://schemas.openxmlformats.org/officeDocument/2006/relationships" xmlns:p="http://schemas.openxmlformats.org/presentationml/2006/main">
+  <p:cSld>
+    <p:spTree>
+      <p:nvGrpSpPr>
+        <p:cNvPr id="1" name=""/>
+        <p:cNvGrpSpPr/>
+        <p:nvPr/>
+      </p:nvGrpSpPr>
+      <p:grpSpPr>
+        <a:xfrm>
+          <a:off x="0" y="0"/>
+          <a:ext cx="0" cy="0"/>
+          <a:chOff x="0" y="0"/>
+          <a:chExt cx="0" cy="0"/>
+        </a:xfrm>
+      </p:grpSpPr>
+      <p:sp>
+        <p:nvSpPr>
+          <p:cNvPr id="5" name="TextBox 4">
+            <a:extLst>
+              <a:ext uri="{FF2B5EF4-FFF2-40B4-BE49-F238E27FC236}">
+                <a16:creationId xmlns:a16="http://schemas.microsoft.com/office/drawing/2014/main" id="{6B4CBD99-0FCB-4D84-B3C1-616EB6B52782}"/>
+              </a:ext>
+            </a:extLst>
+          </p:cNvPr>
+          <p:cNvSpPr txBox="1"/>
+          <p:nvPr/>
+        </p:nvSpPr>
+        <p:spPr>
+          <a:xfrm>
+            <a:off x="179512" y="764704"/>
+            <a:ext cx="3570208" cy="1938992"/>
+          </a:xfrm>
+          <a:prstGeom prst="rect">
+            <a:avLst/>
+          </a:prstGeom>
+          <a:noFill/>
+        </p:spPr>
+        <p:txBody>
+          <a:bodyPr wrap="none" rtlCol="0">
+            <a:spAutoFit/>
+          </a:bodyPr>
+          <a:lstStyle/>
+          <a:p>
+            <a:r>
+              <a:rPr lang="en-US" altLang="ko-KR" sz="2000">
+                <a:latin typeface="Consolas" pitchFamily="49" charset="0"/>
+                <a:cs typeface="Consolas" pitchFamily="49" charset="0"/>
+              </a:rPr>
+              <a:t>data = {0x12, 0x34}</a:t>
+            </a:r>
+          </a:p>
+          <a:p>
+            <a:r>
+              <a:rPr lang="en-US" altLang="ko-KR" sz="2000">
+                <a:latin typeface="Consolas" pitchFamily="49" charset="0"/>
+                <a:cs typeface="Consolas" pitchFamily="49" charset="0"/>
+              </a:rPr>
+              <a:t>0xd5 </a:t>
+            </a:r>
+          </a:p>
+          <a:p>
+            <a:endParaRPr lang="en-US" altLang="ko-KR" sz="2000">
+              <a:latin typeface="Consolas" pitchFamily="49" charset="0"/>
+              <a:cs typeface="Consolas" pitchFamily="49" charset="0"/>
+            </a:endParaRPr>
+          </a:p>
+          <a:p>
+            <a:r>
+              <a:rPr lang="en-US" altLang="ko-KR" sz="2000">
+                <a:latin typeface="Consolas" pitchFamily="49" charset="0"/>
+                <a:cs typeface="Consolas" pitchFamily="49" charset="0"/>
+              </a:rPr>
+              <a:t>crc = 0x2d</a:t>
+            </a:r>
+          </a:p>
+          <a:p>
+            <a:endParaRPr lang="en-US" altLang="ko-KR" sz="2000">
+              <a:latin typeface="Consolas" pitchFamily="49" charset="0"/>
+              <a:cs typeface="Consolas" pitchFamily="49" charset="0"/>
+            </a:endParaRPr>
+          </a:p>
+          <a:p>
+            <a:r>
+              <a:rPr lang="en-US" altLang="ko-KR" sz="2000">
+                <a:latin typeface="Consolas" pitchFamily="49" charset="0"/>
+                <a:cs typeface="Consolas" pitchFamily="49" charset="0"/>
+              </a:rPr>
+              <a:t>crc = crc8(0x2d ^ 0x34);</a:t>
+            </a:r>
+            <a:endParaRPr lang="ko-KR" altLang="en-US" sz="2000">
+              <a:latin typeface="Consolas" pitchFamily="49" charset="0"/>
+              <a:cs typeface="Consolas" pitchFamily="49" charset="0"/>
+            </a:endParaRPr>
+          </a:p>
+        </p:txBody>
+      </p:sp>
+      <p:sp>
+        <p:nvSpPr>
+          <p:cNvPr id="8" name="TextBox 7">
+            <a:extLst>
+              <a:ext uri="{FF2B5EF4-FFF2-40B4-BE49-F238E27FC236}">
+                <a16:creationId xmlns:a16="http://schemas.microsoft.com/office/drawing/2014/main" id="{199CC897-ED40-4089-93B1-97740F207CA5}"/>
+              </a:ext>
+            </a:extLst>
+          </p:cNvPr>
+          <p:cNvSpPr txBox="1"/>
+          <p:nvPr/>
+        </p:nvSpPr>
+        <p:spPr>
+          <a:xfrm>
+            <a:off x="3131840" y="188640"/>
+            <a:ext cx="2441694" cy="2554545"/>
+          </a:xfrm>
+          <a:prstGeom prst="rect">
+            <a:avLst/>
+          </a:prstGeom>
+          <a:noFill/>
+        </p:spPr>
+        <p:txBody>
+          <a:bodyPr wrap="none" rtlCol="0">
+            <a:spAutoFit/>
+          </a:bodyPr>
+          <a:lstStyle/>
+          <a:p>
+            <a:r>
+              <a:rPr lang="en-US" altLang="ko-KR" sz="2000">
+                <a:latin typeface="Consolas" pitchFamily="49" charset="0"/>
+                <a:cs typeface="Consolas" pitchFamily="49" charset="0"/>
+              </a:rPr>
+              <a:t>0001001000000000</a:t>
+            </a:r>
+          </a:p>
+          <a:p>
+            <a:r>
+              <a:rPr lang="en-US" altLang="ko-KR" sz="2000">
+                <a:latin typeface="Consolas" pitchFamily="49" charset="0"/>
+                <a:cs typeface="Consolas" pitchFamily="49" charset="0"/>
+              </a:rPr>
+              <a:t>   111010101</a:t>
+            </a:r>
+          </a:p>
+          <a:p>
+            <a:r>
+              <a:rPr lang="en-US" altLang="ko-KR" sz="2000">
+                <a:latin typeface="Consolas" pitchFamily="49" charset="0"/>
+                <a:cs typeface="Consolas" pitchFamily="49" charset="0"/>
+              </a:rPr>
+              <a:t>   0111101010000</a:t>
+            </a:r>
+          </a:p>
+          <a:p>
+            <a:r>
+              <a:rPr lang="en-US" altLang="ko-KR" sz="2000">
+                <a:latin typeface="Consolas" pitchFamily="49" charset="0"/>
+                <a:cs typeface="Consolas" pitchFamily="49" charset="0"/>
+              </a:rPr>
+              <a:t>    111010101</a:t>
+            </a:r>
+          </a:p>
+          <a:p>
+            <a:r>
+              <a:rPr lang="en-US" altLang="ko-KR" sz="2000">
+                <a:latin typeface="Consolas" pitchFamily="49" charset="0"/>
+                <a:cs typeface="Consolas" pitchFamily="49" charset="0"/>
+              </a:rPr>
+              <a:t>       111111000</a:t>
+            </a:r>
+          </a:p>
+          <a:p>
+            <a:r>
+              <a:rPr lang="en-US" altLang="ko-KR" sz="2000">
+                <a:latin typeface="Consolas" pitchFamily="49" charset="0"/>
+                <a:cs typeface="Consolas" pitchFamily="49" charset="0"/>
+              </a:rPr>
+              <a:t>       111010101</a:t>
+            </a:r>
+          </a:p>
+          <a:p>
+            <a:r>
+              <a:rPr lang="en-US" altLang="ko-KR" sz="2000">
+                <a:latin typeface="Consolas" pitchFamily="49" charset="0"/>
+                <a:cs typeface="Consolas" pitchFamily="49" charset="0"/>
+              </a:rPr>
+              <a:t>       000101101</a:t>
+            </a:r>
+          </a:p>
+          <a:p>
+            <a:r>
+              <a:rPr lang="en-US" altLang="ko-KR" sz="2000">
+                <a:latin typeface="Consolas" pitchFamily="49" charset="0"/>
+                <a:cs typeface="Consolas" pitchFamily="49" charset="0"/>
+              </a:rPr>
+              <a:t>          2   d</a:t>
+            </a:r>
+            <a:endParaRPr lang="ko-KR" altLang="en-US" sz="2000">
+              <a:latin typeface="Consolas" pitchFamily="49" charset="0"/>
+              <a:cs typeface="Consolas" pitchFamily="49" charset="0"/>
+            </a:endParaRPr>
+          </a:p>
+        </p:txBody>
+      </p:sp>
+      <p:cxnSp>
+        <p:nvCxnSpPr>
+          <p:cNvPr id="3" name="직선 연결선 2">
+            <a:extLst>
+              <a:ext uri="{FF2B5EF4-FFF2-40B4-BE49-F238E27FC236}">
+                <a16:creationId xmlns:a16="http://schemas.microsoft.com/office/drawing/2014/main" id="{4A60D3AB-2920-4056-8FEF-040FAD4C638C}"/>
+              </a:ext>
+            </a:extLst>
+          </p:cNvPr>
+          <p:cNvCxnSpPr/>
+          <p:nvPr/>
+        </p:nvCxnSpPr>
+        <p:spPr>
+          <a:xfrm>
+            <a:off x="4335592" y="116632"/>
+            <a:ext cx="0" cy="4464496"/>
+          </a:xfrm>
+          <a:prstGeom prst="line">
+            <a:avLst/>
+          </a:prstGeom>
+        </p:spPr>
+        <p:style>
+          <a:lnRef idx="1">
+            <a:schemeClr val="accent1"/>
+          </a:lnRef>
+          <a:fillRef idx="0">
+            <a:schemeClr val="accent1"/>
+          </a:fillRef>
+          <a:effectRef idx="0">
+            <a:schemeClr val="accent1"/>
+          </a:effectRef>
+          <a:fontRef idx="minor">
+            <a:schemeClr val="tx1"/>
+          </a:fontRef>
+        </p:style>
+      </p:cxnSp>
+    </p:spTree>
+    <p:extLst>
+      <p:ext uri="{BB962C8B-B14F-4D97-AF65-F5344CB8AC3E}">
+        <p14:creationId xmlns:p14="http://schemas.microsoft.com/office/powerpoint/2010/main" val="911602820"/>
+      </p:ext>
+    </p:extLst>
+  </p:cSld>
+  <p:clrMapOvr>
+    <a:masterClrMapping/>
+  </p:clrMapOvr>
+</p:sld>
+</file>
+
 <file path=ppt/slides/slide2.xml><?xml version="1.0" encoding="utf-8"?>
 <p:sld xmlns:a="http://schemas.openxmlformats.org/drawingml/2006/main" xmlns:r="http://schemas.openxmlformats.org/officeDocument/2006/relationships" xmlns:p="http://schemas.openxmlformats.org/presentationml/2006/main">
   <p:cSld>
@@ -10963,15 +11217,27 @@
           </a:p>
           <a:p>
             <a:r>
-              <a:rPr lang="en-US" altLang="ko-KR" sz="2000" b="1"/>
+              <a:rPr lang="en-US" altLang="ko-KR" sz="2000" b="1">
+                <a:solidFill>
+                  <a:srgbClr val="FF0000"/>
+                </a:solidFill>
+              </a:rPr>
               <a:t>- </a:t>
             </a:r>
             <a:r>
-              <a:rPr lang="ko-KR" altLang="en-US" sz="2000" b="1"/>
+              <a:rPr lang="ko-KR" altLang="en-US" sz="2000" b="1">
+                <a:solidFill>
+                  <a:srgbClr val="FF0000"/>
+                </a:solidFill>
+              </a:rPr>
               <a:t>무결성 검사 </a:t>
             </a:r>
             <a:r>
-              <a:rPr lang="en-US" altLang="ko-KR" sz="2000" b="1"/>
+              <a:rPr lang="en-US" altLang="ko-KR" sz="2000" b="1">
+                <a:solidFill>
+                  <a:srgbClr val="FF0000"/>
+                </a:solidFill>
+              </a:rPr>
               <a:t>:  Parity =&gt; Check Sum =&gt; CRC8</a:t>
             </a:r>
           </a:p>
@@ -10995,11 +11261,19 @@
               <a:t>: </a:t>
             </a:r>
             <a:r>
-              <a:rPr lang="ko-KR" altLang="en-US" sz="2000"/>
+              <a:rPr lang="ko-KR" altLang="en-US" sz="2000">
+                <a:solidFill>
+                  <a:srgbClr val="FF0000"/>
+                </a:solidFill>
+              </a:rPr>
               <a:t>단일키 암호화 알고리즘 </a:t>
             </a:r>
             <a:r>
-              <a:rPr lang="en-US" altLang="ko-KR" sz="2000"/>
+              <a:rPr lang="en-US" altLang="ko-KR" sz="2000">
+                <a:solidFill>
+                  <a:srgbClr val="FF0000"/>
+                </a:solidFill>
+              </a:rPr>
               <a:t>( DES ), </a:t>
             </a:r>
             <a:r>
@@ -11075,6 +11349,295 @@
     <p:extLst>
       <p:ext uri="{BB962C8B-B14F-4D97-AF65-F5344CB8AC3E}">
         <p14:creationId xmlns:p14="http://schemas.microsoft.com/office/powerpoint/2010/main" val="1529001108"/>
+      </p:ext>
+    </p:extLst>
+  </p:cSld>
+  <p:clrMapOvr>
+    <a:masterClrMapping/>
+  </p:clrMapOvr>
+</p:sld>
+</file>
+
+<file path=ppt/slides/slide20.xml><?xml version="1.0" encoding="utf-8"?>
+<p:sld xmlns:a="http://schemas.openxmlformats.org/drawingml/2006/main" xmlns:r="http://schemas.openxmlformats.org/officeDocument/2006/relationships" xmlns:p="http://schemas.openxmlformats.org/presentationml/2006/main">
+  <p:cSld>
+    <p:spTree>
+      <p:nvGrpSpPr>
+        <p:cNvPr id="1" name=""/>
+        <p:cNvGrpSpPr/>
+        <p:nvPr/>
+      </p:nvGrpSpPr>
+      <p:grpSpPr>
+        <a:xfrm>
+          <a:off x="0" y="0"/>
+          <a:ext cx="0" cy="0"/>
+          <a:chOff x="0" y="0"/>
+          <a:chExt cx="0" cy="0"/>
+        </a:xfrm>
+      </p:grpSpPr>
+      <p:sp>
+        <p:nvSpPr>
+          <p:cNvPr id="5" name="TextBox 4">
+            <a:extLst>
+              <a:ext uri="{FF2B5EF4-FFF2-40B4-BE49-F238E27FC236}">
+                <a16:creationId xmlns:a16="http://schemas.microsoft.com/office/drawing/2014/main" id="{6B4CBD99-0FCB-4D84-B3C1-616EB6B52782}"/>
+              </a:ext>
+            </a:extLst>
+          </p:cNvPr>
+          <p:cNvSpPr txBox="1"/>
+          <p:nvPr/>
+        </p:nvSpPr>
+        <p:spPr>
+          <a:xfrm>
+            <a:off x="179512" y="764704"/>
+            <a:ext cx="3570208" cy="3170099"/>
+          </a:xfrm>
+          <a:prstGeom prst="rect">
+            <a:avLst/>
+          </a:prstGeom>
+          <a:noFill/>
+        </p:spPr>
+        <p:txBody>
+          <a:bodyPr wrap="none" rtlCol="0">
+            <a:spAutoFit/>
+          </a:bodyPr>
+          <a:lstStyle/>
+          <a:p>
+            <a:r>
+              <a:rPr lang="en-US" altLang="ko-KR" sz="2000">
+                <a:latin typeface="Consolas" pitchFamily="49" charset="0"/>
+                <a:cs typeface="Consolas" pitchFamily="49" charset="0"/>
+              </a:rPr>
+              <a:t>data = {0x12, 0x34}</a:t>
+            </a:r>
+          </a:p>
+          <a:p>
+            <a:r>
+              <a:rPr lang="en-US" altLang="ko-KR" sz="2000">
+                <a:latin typeface="Consolas" pitchFamily="49" charset="0"/>
+                <a:cs typeface="Consolas" pitchFamily="49" charset="0"/>
+              </a:rPr>
+              <a:t>0xd5 </a:t>
+            </a:r>
+          </a:p>
+          <a:p>
+            <a:endParaRPr lang="en-US" altLang="ko-KR" sz="2000">
+              <a:latin typeface="Consolas" pitchFamily="49" charset="0"/>
+              <a:cs typeface="Consolas" pitchFamily="49" charset="0"/>
+            </a:endParaRPr>
+          </a:p>
+          <a:p>
+            <a:r>
+              <a:rPr lang="en-US" altLang="ko-KR" sz="2000">
+                <a:latin typeface="Consolas" pitchFamily="49" charset="0"/>
+                <a:cs typeface="Consolas" pitchFamily="49" charset="0"/>
+              </a:rPr>
+              <a:t>crc = 0x2d</a:t>
+            </a:r>
+          </a:p>
+          <a:p>
+            <a:endParaRPr lang="en-US" altLang="ko-KR" sz="2000">
+              <a:latin typeface="Consolas" pitchFamily="49" charset="0"/>
+              <a:cs typeface="Consolas" pitchFamily="49" charset="0"/>
+            </a:endParaRPr>
+          </a:p>
+          <a:p>
+            <a:r>
+              <a:rPr lang="en-US" altLang="ko-KR" sz="2000">
+                <a:latin typeface="Consolas" pitchFamily="49" charset="0"/>
+                <a:cs typeface="Consolas" pitchFamily="49" charset="0"/>
+              </a:rPr>
+              <a:t>crc = crc8(0x2d ^ 0x34);</a:t>
+            </a:r>
+          </a:p>
+          <a:p>
+            <a:endParaRPr lang="en-US" altLang="ko-KR" sz="2000">
+              <a:latin typeface="Consolas" pitchFamily="49" charset="0"/>
+              <a:cs typeface="Consolas" pitchFamily="49" charset="0"/>
+            </a:endParaRPr>
+          </a:p>
+          <a:p>
+            <a:r>
+              <a:rPr lang="en-US" altLang="ko-KR" sz="2000">
+                <a:latin typeface="Consolas" pitchFamily="49" charset="0"/>
+                <a:cs typeface="Consolas" pitchFamily="49" charset="0"/>
+              </a:rPr>
+              <a:t>00101101</a:t>
+            </a:r>
+          </a:p>
+          <a:p>
+            <a:r>
+              <a:rPr lang="en-US" altLang="ko-KR" sz="2000">
+                <a:latin typeface="Consolas" pitchFamily="49" charset="0"/>
+                <a:cs typeface="Consolas" pitchFamily="49" charset="0"/>
+              </a:rPr>
+              <a:t>00110100 ^</a:t>
+            </a:r>
+          </a:p>
+          <a:p>
+            <a:r>
+              <a:rPr lang="en-US" altLang="ko-KR" sz="2000">
+                <a:latin typeface="Consolas" pitchFamily="49" charset="0"/>
+                <a:cs typeface="Consolas" pitchFamily="49" charset="0"/>
+              </a:rPr>
+              <a:t>00011001</a:t>
+            </a:r>
+            <a:endParaRPr lang="ko-KR" altLang="en-US" sz="2000">
+              <a:latin typeface="Consolas" pitchFamily="49" charset="0"/>
+              <a:cs typeface="Consolas" pitchFamily="49" charset="0"/>
+            </a:endParaRPr>
+          </a:p>
+        </p:txBody>
+      </p:sp>
+      <p:sp>
+        <p:nvSpPr>
+          <p:cNvPr id="8" name="TextBox 7">
+            <a:extLst>
+              <a:ext uri="{FF2B5EF4-FFF2-40B4-BE49-F238E27FC236}">
+                <a16:creationId xmlns:a16="http://schemas.microsoft.com/office/drawing/2014/main" id="{199CC897-ED40-4089-93B1-97740F207CA5}"/>
+              </a:ext>
+            </a:extLst>
+          </p:cNvPr>
+          <p:cNvSpPr txBox="1"/>
+          <p:nvPr/>
+        </p:nvSpPr>
+        <p:spPr>
+          <a:xfrm>
+            <a:off x="5802714" y="188640"/>
+            <a:ext cx="2864887" cy="2554545"/>
+          </a:xfrm>
+          <a:prstGeom prst="rect">
+            <a:avLst/>
+          </a:prstGeom>
+          <a:noFill/>
+        </p:spPr>
+        <p:txBody>
+          <a:bodyPr wrap="none" rtlCol="0">
+            <a:spAutoFit/>
+          </a:bodyPr>
+          <a:lstStyle/>
+          <a:p>
+            <a:r>
+              <a:rPr lang="en-US" altLang="ko-KR" sz="2000">
+                <a:latin typeface="Consolas" pitchFamily="49" charset="0"/>
+                <a:cs typeface="Consolas" pitchFamily="49" charset="0"/>
+              </a:rPr>
+              <a:t>0001100100000000</a:t>
+            </a:r>
+            <a:endParaRPr lang="ko-KR" altLang="en-US" sz="2000">
+              <a:latin typeface="Consolas" pitchFamily="49" charset="0"/>
+              <a:cs typeface="Consolas" pitchFamily="49" charset="0"/>
+            </a:endParaRPr>
+          </a:p>
+          <a:p>
+            <a:r>
+              <a:rPr lang="en-US" altLang="ko-KR" sz="2000">
+                <a:latin typeface="Consolas" pitchFamily="49" charset="0"/>
+                <a:cs typeface="Consolas" pitchFamily="49" charset="0"/>
+              </a:rPr>
+              <a:t>   111010101</a:t>
+            </a:r>
+          </a:p>
+          <a:p>
+            <a:r>
+              <a:rPr lang="en-US" altLang="ko-KR" sz="2000">
+                <a:latin typeface="Consolas" pitchFamily="49" charset="0"/>
+                <a:cs typeface="Consolas" pitchFamily="49" charset="0"/>
+              </a:rPr>
+              <a:t>   0010001010000</a:t>
+            </a:r>
+          </a:p>
+          <a:p>
+            <a:r>
+              <a:rPr lang="en-US" altLang="ko-KR" sz="2000">
+                <a:latin typeface="Consolas" pitchFamily="49" charset="0"/>
+                <a:cs typeface="Consolas" pitchFamily="49" charset="0"/>
+              </a:rPr>
+              <a:t>     111010101     </a:t>
+            </a:r>
+          </a:p>
+          <a:p>
+            <a:r>
+              <a:rPr lang="en-US" altLang="ko-KR" sz="2000">
+                <a:latin typeface="Consolas" pitchFamily="49" charset="0"/>
+                <a:cs typeface="Consolas" pitchFamily="49" charset="0"/>
+              </a:rPr>
+              <a:t>      1100000100</a:t>
+            </a:r>
+          </a:p>
+          <a:p>
+            <a:r>
+              <a:rPr lang="en-US" altLang="ko-KR" sz="2000">
+                <a:latin typeface="Consolas" pitchFamily="49" charset="0"/>
+                <a:cs typeface="Consolas" pitchFamily="49" charset="0"/>
+              </a:rPr>
+              <a:t>      111010101 </a:t>
+            </a:r>
+          </a:p>
+          <a:p>
+            <a:r>
+              <a:rPr lang="en-US" altLang="ko-KR" sz="2000">
+                <a:latin typeface="Consolas" pitchFamily="49" charset="0"/>
+                <a:cs typeface="Consolas" pitchFamily="49" charset="0"/>
+              </a:rPr>
+              <a:t>        10101110</a:t>
+            </a:r>
+          </a:p>
+          <a:p>
+            <a:r>
+              <a:rPr lang="en-US" altLang="ko-KR" sz="2000">
+                <a:latin typeface="Consolas" pitchFamily="49" charset="0"/>
+                <a:cs typeface="Consolas" pitchFamily="49" charset="0"/>
+              </a:rPr>
+              <a:t>          a   e </a:t>
+            </a:r>
+            <a:endParaRPr lang="ko-KR" altLang="en-US" sz="2000">
+              <a:latin typeface="Consolas" pitchFamily="49" charset="0"/>
+              <a:cs typeface="Consolas" pitchFamily="49" charset="0"/>
+            </a:endParaRPr>
+          </a:p>
+        </p:txBody>
+      </p:sp>
+      <p:cxnSp>
+        <p:nvCxnSpPr>
+          <p:cNvPr id="3" name="직선 연결선 2">
+            <a:extLst>
+              <a:ext uri="{FF2B5EF4-FFF2-40B4-BE49-F238E27FC236}">
+                <a16:creationId xmlns:a16="http://schemas.microsoft.com/office/drawing/2014/main" id="{4A60D3AB-2920-4056-8FEF-040FAD4C638C}"/>
+              </a:ext>
+            </a:extLst>
+          </p:cNvPr>
+          <p:cNvCxnSpPr/>
+          <p:nvPr/>
+        </p:nvCxnSpPr>
+        <p:spPr>
+          <a:xfrm>
+            <a:off x="7006466" y="116632"/>
+            <a:ext cx="0" cy="4464496"/>
+          </a:xfrm>
+          <a:prstGeom prst="line">
+            <a:avLst/>
+          </a:prstGeom>
+        </p:spPr>
+        <p:style>
+          <a:lnRef idx="1">
+            <a:schemeClr val="accent1"/>
+          </a:lnRef>
+          <a:fillRef idx="0">
+            <a:schemeClr val="accent1"/>
+          </a:fillRef>
+          <a:effectRef idx="0">
+            <a:schemeClr val="accent1"/>
+          </a:effectRef>
+          <a:fontRef idx="minor">
+            <a:schemeClr val="tx1"/>
+          </a:fontRef>
+        </p:style>
+      </p:cxnSp>
+    </p:spTree>
+    <p:extLst>
+      <p:ext uri="{BB962C8B-B14F-4D97-AF65-F5344CB8AC3E}">
+        <p14:creationId xmlns:p14="http://schemas.microsoft.com/office/powerpoint/2010/main" val="3422539609"/>
       </p:ext>
     </p:extLst>
   </p:cSld>

--- a/05_day.pptx
+++ b/05_day.pptx
@@ -25,6 +25,10 @@
     <p:sldId id="273" r:id="rId19"/>
     <p:sldId id="274" r:id="rId20"/>
     <p:sldId id="275" r:id="rId21"/>
+    <p:sldId id="276" r:id="rId22"/>
+    <p:sldId id="277" r:id="rId23"/>
+    <p:sldId id="278" r:id="rId24"/>
+    <p:sldId id="279" r:id="rId25"/>
   </p:sldIdLst>
   <p:sldSz cx="9144000" cy="6858000" type="screen4x3"/>
   <p:notesSz cx="6858000" cy="9144000"/>
@@ -11249,16 +11253,12 @@
           </a:p>
           <a:p>
             <a:r>
-              <a:rPr lang="en-US" altLang="ko-KR" sz="2000"/>
+              <a:rPr lang="en-US" altLang="ko-KR" sz="2000">
+                <a:solidFill>
+                  <a:srgbClr val="FF0000"/>
+                </a:solidFill>
+              </a:rPr>
               <a:t>- </a:t>
-            </a:r>
-            <a:r>
-              <a:rPr lang="ko-KR" altLang="en-US" sz="2000"/>
-              <a:t>암호학 </a:t>
-            </a:r>
-            <a:r>
-              <a:rPr lang="en-US" altLang="ko-KR" sz="2000"/>
-              <a:t>: </a:t>
             </a:r>
             <a:r>
               <a:rPr lang="ko-KR" altLang="en-US" sz="2000">
@@ -11266,7 +11266,7 @@
                   <a:srgbClr val="FF0000"/>
                 </a:solidFill>
               </a:rPr>
-              <a:t>단일키 암호화 알고리즘 </a:t>
+              <a:t>암호학 </a:t>
             </a:r>
             <a:r>
               <a:rPr lang="en-US" altLang="ko-KR" sz="2000">
@@ -11274,14 +11274,38 @@
                   <a:srgbClr val="FF0000"/>
                 </a:solidFill>
               </a:rPr>
+              <a:t>: </a:t>
+            </a:r>
+            <a:r>
+              <a:rPr lang="ko-KR" altLang="en-US" sz="2000">
+                <a:solidFill>
+                  <a:srgbClr val="FF0000"/>
+                </a:solidFill>
+              </a:rPr>
+              <a:t>단일키 암호화 알고리즘 </a:t>
+            </a:r>
+            <a:r>
+              <a:rPr lang="en-US" altLang="ko-KR" sz="2000">
+                <a:solidFill>
+                  <a:srgbClr val="FF0000"/>
+                </a:solidFill>
+              </a:rPr>
               <a:t>( DES ), </a:t>
             </a:r>
             <a:r>
-              <a:rPr lang="ko-KR" altLang="en-US" sz="2000"/>
+              <a:rPr lang="ko-KR" altLang="en-US" sz="2000">
+                <a:solidFill>
+                  <a:srgbClr val="FF0000"/>
+                </a:solidFill>
+              </a:rPr>
               <a:t>공개키 암호화 알고리즘</a:t>
             </a:r>
             <a:r>
-              <a:rPr lang="en-US" altLang="ko-KR" sz="2000"/>
+              <a:rPr lang="en-US" altLang="ko-KR" sz="2000">
+                <a:solidFill>
+                  <a:srgbClr val="FF0000"/>
+                </a:solidFill>
+              </a:rPr>
               <a:t>( RSA )</a:t>
             </a:r>
           </a:p>
@@ -11638,6 +11662,4100 @@
     <p:extLst>
       <p:ext uri="{BB962C8B-B14F-4D97-AF65-F5344CB8AC3E}">
         <p14:creationId xmlns:p14="http://schemas.microsoft.com/office/powerpoint/2010/main" val="3422539609"/>
+      </p:ext>
+    </p:extLst>
+  </p:cSld>
+  <p:clrMapOvr>
+    <a:masterClrMapping/>
+  </p:clrMapOvr>
+</p:sld>
+</file>
+
+<file path=ppt/slides/slide21.xml><?xml version="1.0" encoding="utf-8"?>
+<p:sld xmlns:a="http://schemas.openxmlformats.org/drawingml/2006/main" xmlns:r="http://schemas.openxmlformats.org/officeDocument/2006/relationships" xmlns:p="http://schemas.openxmlformats.org/presentationml/2006/main">
+  <p:cSld>
+    <p:spTree>
+      <p:nvGrpSpPr>
+        <p:cNvPr id="1" name=""/>
+        <p:cNvGrpSpPr/>
+        <p:nvPr/>
+      </p:nvGrpSpPr>
+      <p:grpSpPr>
+        <a:xfrm>
+          <a:off x="0" y="0"/>
+          <a:ext cx="0" cy="0"/>
+          <a:chOff x="0" y="0"/>
+          <a:chExt cx="0" cy="0"/>
+        </a:xfrm>
+      </p:grpSpPr>
+      <p:sp>
+        <p:nvSpPr>
+          <p:cNvPr id="4" name="TextBox 3">
+            <a:extLst>
+              <a:ext uri="{FF2B5EF4-FFF2-40B4-BE49-F238E27FC236}">
+                <a16:creationId xmlns:a16="http://schemas.microsoft.com/office/drawing/2014/main" id="{06C98B2E-2DDC-455F-A961-716E52950489}"/>
+              </a:ext>
+            </a:extLst>
+          </p:cNvPr>
+          <p:cNvSpPr txBox="1"/>
+          <p:nvPr/>
+        </p:nvSpPr>
+        <p:spPr>
+          <a:xfrm>
+            <a:off x="467544" y="188640"/>
+            <a:ext cx="3031599" cy="400110"/>
+          </a:xfrm>
+          <a:prstGeom prst="rect">
+            <a:avLst/>
+          </a:prstGeom>
+          <a:noFill/>
+        </p:spPr>
+        <p:txBody>
+          <a:bodyPr wrap="none" rtlCol="0">
+            <a:spAutoFit/>
+          </a:bodyPr>
+          <a:lstStyle/>
+          <a:p>
+            <a:r>
+              <a:rPr lang="ko-KR" altLang="en-US" sz="2000">
+                <a:latin typeface="Consolas" pitchFamily="49" charset="0"/>
+                <a:cs typeface="Consolas" pitchFamily="49" charset="0"/>
+              </a:rPr>
+              <a:t>단일키의 키분배의 문제</a:t>
+            </a:r>
+          </a:p>
+        </p:txBody>
+      </p:sp>
+      <p:sp>
+        <p:nvSpPr>
+          <p:cNvPr id="5" name="TextBox 4">
+            <a:extLst>
+              <a:ext uri="{FF2B5EF4-FFF2-40B4-BE49-F238E27FC236}">
+                <a16:creationId xmlns:a16="http://schemas.microsoft.com/office/drawing/2014/main" id="{26B77F1A-FE13-4E04-BAD3-B2038A6C0836}"/>
+              </a:ext>
+            </a:extLst>
+          </p:cNvPr>
+          <p:cNvSpPr txBox="1"/>
+          <p:nvPr/>
+        </p:nvSpPr>
+        <p:spPr>
+          <a:xfrm>
+            <a:off x="827584" y="2348880"/>
+            <a:ext cx="889987" cy="400110"/>
+          </a:xfrm>
+          <a:prstGeom prst="rect">
+            <a:avLst/>
+          </a:prstGeom>
+          <a:noFill/>
+        </p:spPr>
+        <p:txBody>
+          <a:bodyPr wrap="none" rtlCol="0">
+            <a:spAutoFit/>
+          </a:bodyPr>
+          <a:lstStyle/>
+          <a:p>
+            <a:r>
+              <a:rPr lang="en-US" altLang="ko-KR" sz="2000">
+                <a:latin typeface="Consolas" pitchFamily="49" charset="0"/>
+                <a:cs typeface="Consolas" pitchFamily="49" charset="0"/>
+              </a:rPr>
+              <a:t>Alice</a:t>
+            </a:r>
+            <a:endParaRPr lang="ko-KR" altLang="en-US" sz="2000">
+              <a:latin typeface="Consolas" pitchFamily="49" charset="0"/>
+              <a:cs typeface="Consolas" pitchFamily="49" charset="0"/>
+            </a:endParaRPr>
+          </a:p>
+        </p:txBody>
+      </p:sp>
+      <p:sp>
+        <p:nvSpPr>
+          <p:cNvPr id="6" name="TextBox 5">
+            <a:extLst>
+              <a:ext uri="{FF2B5EF4-FFF2-40B4-BE49-F238E27FC236}">
+                <a16:creationId xmlns:a16="http://schemas.microsoft.com/office/drawing/2014/main" id="{0BE24EB6-C362-4C3A-B79E-4F7416BF1BB2}"/>
+              </a:ext>
+            </a:extLst>
+          </p:cNvPr>
+          <p:cNvSpPr txBox="1"/>
+          <p:nvPr/>
+        </p:nvSpPr>
+        <p:spPr>
+          <a:xfrm>
+            <a:off x="6660232" y="2348880"/>
+            <a:ext cx="607859" cy="400110"/>
+          </a:xfrm>
+          <a:prstGeom prst="rect">
+            <a:avLst/>
+          </a:prstGeom>
+          <a:noFill/>
+        </p:spPr>
+        <p:txBody>
+          <a:bodyPr wrap="none" rtlCol="0">
+            <a:spAutoFit/>
+          </a:bodyPr>
+          <a:lstStyle/>
+          <a:p>
+            <a:r>
+              <a:rPr lang="en-US" altLang="ko-KR" sz="2000">
+                <a:latin typeface="Consolas" pitchFamily="49" charset="0"/>
+                <a:cs typeface="Consolas" pitchFamily="49" charset="0"/>
+              </a:rPr>
+              <a:t>Bob</a:t>
+            </a:r>
+            <a:endParaRPr lang="ko-KR" altLang="en-US" sz="2000">
+              <a:latin typeface="Consolas" pitchFamily="49" charset="0"/>
+              <a:cs typeface="Consolas" pitchFamily="49" charset="0"/>
+            </a:endParaRPr>
+          </a:p>
+        </p:txBody>
+      </p:sp>
+      <p:sp>
+        <p:nvSpPr>
+          <p:cNvPr id="7" name="생각 풍선: 구름 모양 6">
+            <a:extLst>
+              <a:ext uri="{FF2B5EF4-FFF2-40B4-BE49-F238E27FC236}">
+                <a16:creationId xmlns:a16="http://schemas.microsoft.com/office/drawing/2014/main" id="{D4909866-55E1-4322-8E68-D55E92F84776}"/>
+              </a:ext>
+            </a:extLst>
+          </p:cNvPr>
+          <p:cNvSpPr/>
+          <p:nvPr/>
+        </p:nvSpPr>
+        <p:spPr>
+          <a:xfrm rot="511114">
+            <a:off x="2771800" y="2132856"/>
+            <a:ext cx="2664296" cy="1512168"/>
+          </a:xfrm>
+          <a:prstGeom prst="cloudCallout">
+            <a:avLst>
+              <a:gd name="adj1" fmla="val -12635"/>
+              <a:gd name="adj2" fmla="val 43627"/>
+            </a:avLst>
+          </a:prstGeom>
+          <a:solidFill>
+            <a:srgbClr val="FFFF00"/>
+          </a:solidFill>
+          <a:ln w="9525"/>
+        </p:spPr>
+        <p:style>
+          <a:lnRef idx="2">
+            <a:schemeClr val="accent1">
+              <a:shade val="50000"/>
+            </a:schemeClr>
+          </a:lnRef>
+          <a:fillRef idx="1">
+            <a:schemeClr val="accent1"/>
+          </a:fillRef>
+          <a:effectRef idx="0">
+            <a:schemeClr val="accent1"/>
+          </a:effectRef>
+          <a:fontRef idx="minor">
+            <a:schemeClr val="lt1"/>
+          </a:fontRef>
+        </p:style>
+        <p:txBody>
+          <a:bodyPr rot="0" spcFirstLastPara="0" vertOverflow="overflow" horzOverflow="overflow" vert="horz" wrap="square" lIns="91440" tIns="45720" rIns="91440" bIns="45720" numCol="1" spcCol="0" rtlCol="0" fromWordArt="0" anchor="ctr" anchorCtr="0" forceAA="0" compatLnSpc="1">
+            <a:prstTxWarp prst="textNoShape">
+              <a:avLst/>
+            </a:prstTxWarp>
+            <a:noAutofit/>
+          </a:bodyPr>
+          <a:lstStyle/>
+          <a:p>
+            <a:pPr algn="ctr"/>
+            <a:endParaRPr lang="ko-KR" altLang="en-US" sz="2000">
+              <a:solidFill>
+                <a:schemeClr val="tx1"/>
+              </a:solidFill>
+              <a:latin typeface="Consolas" pitchFamily="49" charset="0"/>
+              <a:cs typeface="Consolas" pitchFamily="49" charset="0"/>
+            </a:endParaRPr>
+          </a:p>
+        </p:txBody>
+      </p:sp>
+      <p:sp>
+        <p:nvSpPr>
+          <p:cNvPr id="8" name="직사각형 7">
+            <a:extLst>
+              <a:ext uri="{FF2B5EF4-FFF2-40B4-BE49-F238E27FC236}">
+                <a16:creationId xmlns:a16="http://schemas.microsoft.com/office/drawing/2014/main" id="{92D4667A-03D8-447B-AA67-8E865ABB9C92}"/>
+              </a:ext>
+            </a:extLst>
+          </p:cNvPr>
+          <p:cNvSpPr/>
+          <p:nvPr/>
+        </p:nvSpPr>
+        <p:spPr>
+          <a:xfrm>
+            <a:off x="827583" y="2852936"/>
+            <a:ext cx="864096" cy="504056"/>
+          </a:xfrm>
+          <a:prstGeom prst="rect">
+            <a:avLst/>
+          </a:prstGeom>
+          <a:solidFill>
+            <a:srgbClr val="FFC000"/>
+          </a:solidFill>
+          <a:ln w="9525"/>
+        </p:spPr>
+        <p:style>
+          <a:lnRef idx="2">
+            <a:schemeClr val="accent1">
+              <a:shade val="50000"/>
+            </a:schemeClr>
+          </a:lnRef>
+          <a:fillRef idx="1">
+            <a:schemeClr val="accent1"/>
+          </a:fillRef>
+          <a:effectRef idx="0">
+            <a:schemeClr val="accent1"/>
+          </a:effectRef>
+          <a:fontRef idx="minor">
+            <a:schemeClr val="lt1"/>
+          </a:fontRef>
+        </p:style>
+        <p:txBody>
+          <a:bodyPr rot="0" spcFirstLastPara="0" vertOverflow="overflow" horzOverflow="overflow" vert="horz" wrap="square" lIns="91440" tIns="45720" rIns="91440" bIns="45720" numCol="1" spcCol="0" rtlCol="0" fromWordArt="0" anchor="ctr" anchorCtr="0" forceAA="0" compatLnSpc="1">
+            <a:prstTxWarp prst="textNoShape">
+              <a:avLst/>
+            </a:prstTxWarp>
+            <a:noAutofit/>
+          </a:bodyPr>
+          <a:lstStyle/>
+          <a:p>
+            <a:pPr algn="ctr"/>
+            <a:endParaRPr lang="ko-KR" altLang="en-US" sz="2000">
+              <a:solidFill>
+                <a:schemeClr val="tx1"/>
+              </a:solidFill>
+              <a:latin typeface="Consolas" pitchFamily="49" charset="0"/>
+              <a:cs typeface="Consolas" pitchFamily="49" charset="0"/>
+            </a:endParaRPr>
+          </a:p>
+        </p:txBody>
+      </p:sp>
+      <p:sp>
+        <p:nvSpPr>
+          <p:cNvPr id="9" name="직사각형 8">
+            <a:extLst>
+              <a:ext uri="{FF2B5EF4-FFF2-40B4-BE49-F238E27FC236}">
+                <a16:creationId xmlns:a16="http://schemas.microsoft.com/office/drawing/2014/main" id="{F7CA6A25-CB75-44F4-9D3C-5F98F11C4D41}"/>
+              </a:ext>
+            </a:extLst>
+          </p:cNvPr>
+          <p:cNvSpPr/>
+          <p:nvPr/>
+        </p:nvSpPr>
+        <p:spPr>
+          <a:xfrm>
+            <a:off x="3563888" y="2415727"/>
+            <a:ext cx="864096" cy="504056"/>
+          </a:xfrm>
+          <a:prstGeom prst="rect">
+            <a:avLst/>
+          </a:prstGeom>
+          <a:solidFill>
+            <a:srgbClr val="FF0000"/>
+          </a:solidFill>
+          <a:ln w="9525"/>
+        </p:spPr>
+        <p:style>
+          <a:lnRef idx="2">
+            <a:schemeClr val="accent1">
+              <a:shade val="50000"/>
+            </a:schemeClr>
+          </a:lnRef>
+          <a:fillRef idx="1">
+            <a:schemeClr val="accent1"/>
+          </a:fillRef>
+          <a:effectRef idx="0">
+            <a:schemeClr val="accent1"/>
+          </a:effectRef>
+          <a:fontRef idx="minor">
+            <a:schemeClr val="lt1"/>
+          </a:fontRef>
+        </p:style>
+        <p:txBody>
+          <a:bodyPr rot="0" spcFirstLastPara="0" vertOverflow="overflow" horzOverflow="overflow" vert="horz" wrap="square" lIns="91440" tIns="45720" rIns="91440" bIns="45720" numCol="1" spcCol="0" rtlCol="0" fromWordArt="0" anchor="ctr" anchorCtr="0" forceAA="0" compatLnSpc="1">
+            <a:prstTxWarp prst="textNoShape">
+              <a:avLst/>
+            </a:prstTxWarp>
+            <a:noAutofit/>
+          </a:bodyPr>
+          <a:lstStyle/>
+          <a:p>
+            <a:pPr algn="ctr"/>
+            <a:endParaRPr lang="ko-KR" altLang="en-US" sz="2000">
+              <a:solidFill>
+                <a:schemeClr val="tx1"/>
+              </a:solidFill>
+              <a:latin typeface="Consolas" pitchFamily="49" charset="0"/>
+              <a:cs typeface="Consolas" pitchFamily="49" charset="0"/>
+            </a:endParaRPr>
+          </a:p>
+        </p:txBody>
+      </p:sp>
+      <p:sp>
+        <p:nvSpPr>
+          <p:cNvPr id="10" name="직사각형 9">
+            <a:extLst>
+              <a:ext uri="{FF2B5EF4-FFF2-40B4-BE49-F238E27FC236}">
+                <a16:creationId xmlns:a16="http://schemas.microsoft.com/office/drawing/2014/main" id="{EA26C8F2-80B4-4FC5-BFE6-A834888B81EC}"/>
+              </a:ext>
+            </a:extLst>
+          </p:cNvPr>
+          <p:cNvSpPr/>
+          <p:nvPr/>
+        </p:nvSpPr>
+        <p:spPr>
+          <a:xfrm>
+            <a:off x="6588224" y="2852936"/>
+            <a:ext cx="864096" cy="504056"/>
+          </a:xfrm>
+          <a:prstGeom prst="rect">
+            <a:avLst/>
+          </a:prstGeom>
+          <a:solidFill>
+            <a:srgbClr val="FFC000"/>
+          </a:solidFill>
+          <a:ln w="9525"/>
+        </p:spPr>
+        <p:style>
+          <a:lnRef idx="2">
+            <a:schemeClr val="accent1">
+              <a:shade val="50000"/>
+            </a:schemeClr>
+          </a:lnRef>
+          <a:fillRef idx="1">
+            <a:schemeClr val="accent1"/>
+          </a:fillRef>
+          <a:effectRef idx="0">
+            <a:schemeClr val="accent1"/>
+          </a:effectRef>
+          <a:fontRef idx="minor">
+            <a:schemeClr val="lt1"/>
+          </a:fontRef>
+        </p:style>
+        <p:txBody>
+          <a:bodyPr rot="0" spcFirstLastPara="0" vertOverflow="overflow" horzOverflow="overflow" vert="horz" wrap="square" lIns="91440" tIns="45720" rIns="91440" bIns="45720" numCol="1" spcCol="0" rtlCol="0" fromWordArt="0" anchor="ctr" anchorCtr="0" forceAA="0" compatLnSpc="1">
+            <a:prstTxWarp prst="textNoShape">
+              <a:avLst/>
+            </a:prstTxWarp>
+            <a:noAutofit/>
+          </a:bodyPr>
+          <a:lstStyle/>
+          <a:p>
+            <a:pPr algn="ctr"/>
+            <a:endParaRPr lang="ko-KR" altLang="en-US" sz="2000">
+              <a:solidFill>
+                <a:schemeClr val="tx1"/>
+              </a:solidFill>
+              <a:latin typeface="Consolas" pitchFamily="49" charset="0"/>
+              <a:cs typeface="Consolas" pitchFamily="49" charset="0"/>
+            </a:endParaRPr>
+          </a:p>
+        </p:txBody>
+      </p:sp>
+      <p:grpSp>
+        <p:nvGrpSpPr>
+          <p:cNvPr id="18" name="그룹 17">
+            <a:extLst>
+              <a:ext uri="{FF2B5EF4-FFF2-40B4-BE49-F238E27FC236}">
+                <a16:creationId xmlns:a16="http://schemas.microsoft.com/office/drawing/2014/main" id="{1632FD63-A496-4AA8-A3F2-A0AB9D498314}"/>
+              </a:ext>
+            </a:extLst>
+          </p:cNvPr>
+          <p:cNvGrpSpPr/>
+          <p:nvPr/>
+        </p:nvGrpSpPr>
+        <p:grpSpPr>
+          <a:xfrm>
+            <a:off x="2121790" y="2876366"/>
+            <a:ext cx="216024" cy="518458"/>
+            <a:chOff x="1331640" y="3573016"/>
+            <a:chExt cx="360040" cy="864096"/>
+          </a:xfrm>
+        </p:grpSpPr>
+        <p:sp>
+          <p:nvSpPr>
+            <p:cNvPr id="11" name="타원 10">
+              <a:extLst>
+                <a:ext uri="{FF2B5EF4-FFF2-40B4-BE49-F238E27FC236}">
+                  <a16:creationId xmlns:a16="http://schemas.microsoft.com/office/drawing/2014/main" id="{E41F5FBD-1794-43E7-B26C-34D8C214460E}"/>
+                </a:ext>
+              </a:extLst>
+            </p:cNvPr>
+            <p:cNvSpPr/>
+            <p:nvPr/>
+          </p:nvSpPr>
+          <p:spPr>
+            <a:xfrm>
+              <a:off x="1403648" y="3573016"/>
+              <a:ext cx="288032" cy="288032"/>
+            </a:xfrm>
+            <a:prstGeom prst="ellipse">
+              <a:avLst/>
+            </a:prstGeom>
+            <a:solidFill>
+              <a:srgbClr val="FFFF00"/>
+            </a:solidFill>
+            <a:ln w="38100">
+              <a:solidFill>
+                <a:schemeClr val="tx1"/>
+              </a:solidFill>
+            </a:ln>
+          </p:spPr>
+          <p:style>
+            <a:lnRef idx="2">
+              <a:schemeClr val="accent1">
+                <a:shade val="50000"/>
+              </a:schemeClr>
+            </a:lnRef>
+            <a:fillRef idx="1">
+              <a:schemeClr val="accent1"/>
+            </a:fillRef>
+            <a:effectRef idx="0">
+              <a:schemeClr val="accent1"/>
+            </a:effectRef>
+            <a:fontRef idx="minor">
+              <a:schemeClr val="lt1"/>
+            </a:fontRef>
+          </p:style>
+          <p:txBody>
+            <a:bodyPr rot="0" spcFirstLastPara="0" vertOverflow="overflow" horzOverflow="overflow" vert="horz" wrap="square" lIns="91440" tIns="45720" rIns="91440" bIns="45720" numCol="1" spcCol="0" rtlCol="0" fromWordArt="0" anchor="ctr" anchorCtr="0" forceAA="0" compatLnSpc="1">
+              <a:prstTxWarp prst="textNoShape">
+                <a:avLst/>
+              </a:prstTxWarp>
+              <a:noAutofit/>
+            </a:bodyPr>
+            <a:lstStyle/>
+            <a:p>
+              <a:pPr algn="ctr"/>
+              <a:endParaRPr lang="ko-KR" altLang="en-US" sz="2000">
+                <a:solidFill>
+                  <a:schemeClr val="tx1"/>
+                </a:solidFill>
+                <a:latin typeface="Consolas" pitchFamily="49" charset="0"/>
+                <a:cs typeface="Consolas" pitchFamily="49" charset="0"/>
+              </a:endParaRPr>
+            </a:p>
+          </p:txBody>
+        </p:sp>
+        <p:cxnSp>
+          <p:nvCxnSpPr>
+            <p:cNvPr id="13" name="직선 연결선 12">
+              <a:extLst>
+                <a:ext uri="{FF2B5EF4-FFF2-40B4-BE49-F238E27FC236}">
+                  <a16:creationId xmlns:a16="http://schemas.microsoft.com/office/drawing/2014/main" id="{13700ECD-DF9F-43E5-B210-891F9CF2045C}"/>
+                </a:ext>
+              </a:extLst>
+            </p:cNvPr>
+            <p:cNvCxnSpPr>
+              <a:stCxn id="11" idx="4"/>
+            </p:cNvCxnSpPr>
+            <p:nvPr/>
+          </p:nvCxnSpPr>
+          <p:spPr>
+            <a:xfrm>
+              <a:off x="1547664" y="3861048"/>
+              <a:ext cx="0" cy="576064"/>
+            </a:xfrm>
+            <a:prstGeom prst="line">
+              <a:avLst/>
+            </a:prstGeom>
+            <a:ln w="38100">
+              <a:solidFill>
+                <a:schemeClr val="tx1"/>
+              </a:solidFill>
+            </a:ln>
+          </p:spPr>
+          <p:style>
+            <a:lnRef idx="1">
+              <a:schemeClr val="accent1"/>
+            </a:lnRef>
+            <a:fillRef idx="0">
+              <a:schemeClr val="accent1"/>
+            </a:fillRef>
+            <a:effectRef idx="0">
+              <a:schemeClr val="accent1"/>
+            </a:effectRef>
+            <a:fontRef idx="minor">
+              <a:schemeClr val="tx1"/>
+            </a:fontRef>
+          </p:style>
+        </p:cxnSp>
+        <p:cxnSp>
+          <p:nvCxnSpPr>
+            <p:cNvPr id="14" name="직선 연결선 13">
+              <a:extLst>
+                <a:ext uri="{FF2B5EF4-FFF2-40B4-BE49-F238E27FC236}">
+                  <a16:creationId xmlns:a16="http://schemas.microsoft.com/office/drawing/2014/main" id="{50493D56-541F-4E87-9BBC-477FF546A4C6}"/>
+                </a:ext>
+              </a:extLst>
+            </p:cNvPr>
+            <p:cNvCxnSpPr>
+              <a:cxnSpLocks/>
+            </p:cNvCxnSpPr>
+            <p:nvPr/>
+          </p:nvCxnSpPr>
+          <p:spPr>
+            <a:xfrm>
+              <a:off x="1331640" y="4149080"/>
+              <a:ext cx="216024" cy="0"/>
+            </a:xfrm>
+            <a:prstGeom prst="line">
+              <a:avLst/>
+            </a:prstGeom>
+            <a:ln w="38100">
+              <a:solidFill>
+                <a:schemeClr val="tx1"/>
+              </a:solidFill>
+            </a:ln>
+          </p:spPr>
+          <p:style>
+            <a:lnRef idx="1">
+              <a:schemeClr val="accent1"/>
+            </a:lnRef>
+            <a:fillRef idx="0">
+              <a:schemeClr val="accent1"/>
+            </a:fillRef>
+            <a:effectRef idx="0">
+              <a:schemeClr val="accent1"/>
+            </a:effectRef>
+            <a:fontRef idx="minor">
+              <a:schemeClr val="tx1"/>
+            </a:fontRef>
+          </p:style>
+        </p:cxnSp>
+        <p:cxnSp>
+          <p:nvCxnSpPr>
+            <p:cNvPr id="17" name="직선 연결선 16">
+              <a:extLst>
+                <a:ext uri="{FF2B5EF4-FFF2-40B4-BE49-F238E27FC236}">
+                  <a16:creationId xmlns:a16="http://schemas.microsoft.com/office/drawing/2014/main" id="{322641F7-1338-42F4-B250-5AAD3B54C838}"/>
+                </a:ext>
+              </a:extLst>
+            </p:cNvPr>
+            <p:cNvCxnSpPr>
+              <a:cxnSpLocks/>
+            </p:cNvCxnSpPr>
+            <p:nvPr/>
+          </p:nvCxnSpPr>
+          <p:spPr>
+            <a:xfrm>
+              <a:off x="1331640" y="4365104"/>
+              <a:ext cx="216024" cy="0"/>
+            </a:xfrm>
+            <a:prstGeom prst="line">
+              <a:avLst/>
+            </a:prstGeom>
+            <a:ln w="38100">
+              <a:solidFill>
+                <a:schemeClr val="tx1"/>
+              </a:solidFill>
+            </a:ln>
+          </p:spPr>
+          <p:style>
+            <a:lnRef idx="1">
+              <a:schemeClr val="accent1"/>
+            </a:lnRef>
+            <a:fillRef idx="0">
+              <a:schemeClr val="accent1"/>
+            </a:fillRef>
+            <a:effectRef idx="0">
+              <a:schemeClr val="accent1"/>
+            </a:effectRef>
+            <a:fontRef idx="minor">
+              <a:schemeClr val="tx1"/>
+            </a:fontRef>
+          </p:style>
+        </p:cxnSp>
+      </p:grpSp>
+      <p:grpSp>
+        <p:nvGrpSpPr>
+          <p:cNvPr id="29" name="그룹 28">
+            <a:extLst>
+              <a:ext uri="{FF2B5EF4-FFF2-40B4-BE49-F238E27FC236}">
+                <a16:creationId xmlns:a16="http://schemas.microsoft.com/office/drawing/2014/main" id="{7AADA191-A7AE-4D4A-BB0D-06BE1F050D5A}"/>
+              </a:ext>
+            </a:extLst>
+          </p:cNvPr>
+          <p:cNvGrpSpPr/>
+          <p:nvPr/>
+        </p:nvGrpSpPr>
+        <p:grpSpPr>
+          <a:xfrm>
+            <a:off x="6084168" y="2884335"/>
+            <a:ext cx="216024" cy="518458"/>
+            <a:chOff x="1331640" y="3573016"/>
+            <a:chExt cx="360040" cy="864096"/>
+          </a:xfrm>
+        </p:grpSpPr>
+        <p:sp>
+          <p:nvSpPr>
+            <p:cNvPr id="30" name="타원 29">
+              <a:extLst>
+                <a:ext uri="{FF2B5EF4-FFF2-40B4-BE49-F238E27FC236}">
+                  <a16:creationId xmlns:a16="http://schemas.microsoft.com/office/drawing/2014/main" id="{8801C4F7-B12C-44A7-A1A2-605FCA0497CB}"/>
+                </a:ext>
+              </a:extLst>
+            </p:cNvPr>
+            <p:cNvSpPr/>
+            <p:nvPr/>
+          </p:nvSpPr>
+          <p:spPr>
+            <a:xfrm>
+              <a:off x="1403648" y="3573016"/>
+              <a:ext cx="288032" cy="288032"/>
+            </a:xfrm>
+            <a:prstGeom prst="ellipse">
+              <a:avLst/>
+            </a:prstGeom>
+            <a:solidFill>
+              <a:srgbClr val="FFFF00"/>
+            </a:solidFill>
+            <a:ln w="38100">
+              <a:solidFill>
+                <a:schemeClr val="tx1"/>
+              </a:solidFill>
+            </a:ln>
+          </p:spPr>
+          <p:style>
+            <a:lnRef idx="2">
+              <a:schemeClr val="accent1">
+                <a:shade val="50000"/>
+              </a:schemeClr>
+            </a:lnRef>
+            <a:fillRef idx="1">
+              <a:schemeClr val="accent1"/>
+            </a:fillRef>
+            <a:effectRef idx="0">
+              <a:schemeClr val="accent1"/>
+            </a:effectRef>
+            <a:fontRef idx="minor">
+              <a:schemeClr val="lt1"/>
+            </a:fontRef>
+          </p:style>
+          <p:txBody>
+            <a:bodyPr rot="0" spcFirstLastPara="0" vertOverflow="overflow" horzOverflow="overflow" vert="horz" wrap="square" lIns="91440" tIns="45720" rIns="91440" bIns="45720" numCol="1" spcCol="0" rtlCol="0" fromWordArt="0" anchor="ctr" anchorCtr="0" forceAA="0" compatLnSpc="1">
+              <a:prstTxWarp prst="textNoShape">
+                <a:avLst/>
+              </a:prstTxWarp>
+              <a:noAutofit/>
+            </a:bodyPr>
+            <a:lstStyle/>
+            <a:p>
+              <a:pPr algn="ctr"/>
+              <a:endParaRPr lang="ko-KR" altLang="en-US" sz="2000">
+                <a:solidFill>
+                  <a:schemeClr val="tx1"/>
+                </a:solidFill>
+                <a:latin typeface="Consolas" pitchFamily="49" charset="0"/>
+                <a:cs typeface="Consolas" pitchFamily="49" charset="0"/>
+              </a:endParaRPr>
+            </a:p>
+          </p:txBody>
+        </p:sp>
+        <p:cxnSp>
+          <p:nvCxnSpPr>
+            <p:cNvPr id="31" name="직선 연결선 30">
+              <a:extLst>
+                <a:ext uri="{FF2B5EF4-FFF2-40B4-BE49-F238E27FC236}">
+                  <a16:creationId xmlns:a16="http://schemas.microsoft.com/office/drawing/2014/main" id="{49257119-97FF-4AB4-9736-28EFFCA49F6E}"/>
+                </a:ext>
+              </a:extLst>
+            </p:cNvPr>
+            <p:cNvCxnSpPr>
+              <a:stCxn id="30" idx="4"/>
+            </p:cNvCxnSpPr>
+            <p:nvPr/>
+          </p:nvCxnSpPr>
+          <p:spPr>
+            <a:xfrm>
+              <a:off x="1547664" y="3861048"/>
+              <a:ext cx="0" cy="576064"/>
+            </a:xfrm>
+            <a:prstGeom prst="line">
+              <a:avLst/>
+            </a:prstGeom>
+            <a:ln w="38100">
+              <a:solidFill>
+                <a:schemeClr val="tx1"/>
+              </a:solidFill>
+            </a:ln>
+          </p:spPr>
+          <p:style>
+            <a:lnRef idx="1">
+              <a:schemeClr val="accent1"/>
+            </a:lnRef>
+            <a:fillRef idx="0">
+              <a:schemeClr val="accent1"/>
+            </a:fillRef>
+            <a:effectRef idx="0">
+              <a:schemeClr val="accent1"/>
+            </a:effectRef>
+            <a:fontRef idx="minor">
+              <a:schemeClr val="tx1"/>
+            </a:fontRef>
+          </p:style>
+        </p:cxnSp>
+        <p:cxnSp>
+          <p:nvCxnSpPr>
+            <p:cNvPr id="32" name="직선 연결선 31">
+              <a:extLst>
+                <a:ext uri="{FF2B5EF4-FFF2-40B4-BE49-F238E27FC236}">
+                  <a16:creationId xmlns:a16="http://schemas.microsoft.com/office/drawing/2014/main" id="{4E5F50EF-3BD6-4E5A-9490-0BF954785C72}"/>
+                </a:ext>
+              </a:extLst>
+            </p:cNvPr>
+            <p:cNvCxnSpPr>
+              <a:cxnSpLocks/>
+            </p:cNvCxnSpPr>
+            <p:nvPr/>
+          </p:nvCxnSpPr>
+          <p:spPr>
+            <a:xfrm>
+              <a:off x="1331640" y="4149080"/>
+              <a:ext cx="216024" cy="0"/>
+            </a:xfrm>
+            <a:prstGeom prst="line">
+              <a:avLst/>
+            </a:prstGeom>
+            <a:ln w="38100">
+              <a:solidFill>
+                <a:schemeClr val="tx1"/>
+              </a:solidFill>
+            </a:ln>
+          </p:spPr>
+          <p:style>
+            <a:lnRef idx="1">
+              <a:schemeClr val="accent1"/>
+            </a:lnRef>
+            <a:fillRef idx="0">
+              <a:schemeClr val="accent1"/>
+            </a:fillRef>
+            <a:effectRef idx="0">
+              <a:schemeClr val="accent1"/>
+            </a:effectRef>
+            <a:fontRef idx="minor">
+              <a:schemeClr val="tx1"/>
+            </a:fontRef>
+          </p:style>
+        </p:cxnSp>
+        <p:cxnSp>
+          <p:nvCxnSpPr>
+            <p:cNvPr id="33" name="직선 연결선 32">
+              <a:extLst>
+                <a:ext uri="{FF2B5EF4-FFF2-40B4-BE49-F238E27FC236}">
+                  <a16:creationId xmlns:a16="http://schemas.microsoft.com/office/drawing/2014/main" id="{FFB021FD-1FF2-48FA-BE31-5A3D6CF1C713}"/>
+                </a:ext>
+              </a:extLst>
+            </p:cNvPr>
+            <p:cNvCxnSpPr>
+              <a:cxnSpLocks/>
+            </p:cNvCxnSpPr>
+            <p:nvPr/>
+          </p:nvCxnSpPr>
+          <p:spPr>
+            <a:xfrm>
+              <a:off x="1331640" y="4365104"/>
+              <a:ext cx="216024" cy="0"/>
+            </a:xfrm>
+            <a:prstGeom prst="line">
+              <a:avLst/>
+            </a:prstGeom>
+            <a:ln w="38100">
+              <a:solidFill>
+                <a:schemeClr val="tx1"/>
+              </a:solidFill>
+            </a:ln>
+          </p:spPr>
+          <p:style>
+            <a:lnRef idx="1">
+              <a:schemeClr val="accent1"/>
+            </a:lnRef>
+            <a:fillRef idx="0">
+              <a:schemeClr val="accent1"/>
+            </a:fillRef>
+            <a:effectRef idx="0">
+              <a:schemeClr val="accent1"/>
+            </a:effectRef>
+            <a:fontRef idx="minor">
+              <a:schemeClr val="tx1"/>
+            </a:fontRef>
+          </p:style>
+        </p:cxnSp>
+      </p:grpSp>
+    </p:spTree>
+    <p:extLst>
+      <p:ext uri="{BB962C8B-B14F-4D97-AF65-F5344CB8AC3E}">
+        <p14:creationId xmlns:p14="http://schemas.microsoft.com/office/powerpoint/2010/main" val="3752304803"/>
+      </p:ext>
+    </p:extLst>
+  </p:cSld>
+  <p:clrMapOvr>
+    <a:masterClrMapping/>
+  </p:clrMapOvr>
+</p:sld>
+</file>
+
+<file path=ppt/slides/slide22.xml><?xml version="1.0" encoding="utf-8"?>
+<p:sld xmlns:a="http://schemas.openxmlformats.org/drawingml/2006/main" xmlns:r="http://schemas.openxmlformats.org/officeDocument/2006/relationships" xmlns:p="http://schemas.openxmlformats.org/presentationml/2006/main">
+  <p:cSld>
+    <p:spTree>
+      <p:nvGrpSpPr>
+        <p:cNvPr id="1" name=""/>
+        <p:cNvGrpSpPr/>
+        <p:nvPr/>
+      </p:nvGrpSpPr>
+      <p:grpSpPr>
+        <a:xfrm>
+          <a:off x="0" y="0"/>
+          <a:ext cx="0" cy="0"/>
+          <a:chOff x="0" y="0"/>
+          <a:chExt cx="0" cy="0"/>
+        </a:xfrm>
+      </p:grpSpPr>
+      <p:sp>
+        <p:nvSpPr>
+          <p:cNvPr id="4" name="TextBox 3">
+            <a:extLst>
+              <a:ext uri="{FF2B5EF4-FFF2-40B4-BE49-F238E27FC236}">
+                <a16:creationId xmlns:a16="http://schemas.microsoft.com/office/drawing/2014/main" id="{06C98B2E-2DDC-455F-A961-716E52950489}"/>
+              </a:ext>
+            </a:extLst>
+          </p:cNvPr>
+          <p:cNvSpPr txBox="1"/>
+          <p:nvPr/>
+        </p:nvSpPr>
+        <p:spPr>
+          <a:xfrm>
+            <a:off x="467544" y="188640"/>
+            <a:ext cx="3172663" cy="400110"/>
+          </a:xfrm>
+          <a:prstGeom prst="rect">
+            <a:avLst/>
+          </a:prstGeom>
+          <a:noFill/>
+        </p:spPr>
+        <p:txBody>
+          <a:bodyPr wrap="none" rtlCol="0">
+            <a:spAutoFit/>
+          </a:bodyPr>
+          <a:lstStyle/>
+          <a:p>
+            <a:r>
+              <a:rPr lang="ko-KR" altLang="en-US" sz="2000">
+                <a:latin typeface="Consolas" pitchFamily="49" charset="0"/>
+                <a:cs typeface="Consolas" pitchFamily="49" charset="0"/>
+              </a:rPr>
+              <a:t>공개키 암호화 알고리즘 </a:t>
+            </a:r>
+          </a:p>
+        </p:txBody>
+      </p:sp>
+      <p:sp>
+        <p:nvSpPr>
+          <p:cNvPr id="5" name="TextBox 4">
+            <a:extLst>
+              <a:ext uri="{FF2B5EF4-FFF2-40B4-BE49-F238E27FC236}">
+                <a16:creationId xmlns:a16="http://schemas.microsoft.com/office/drawing/2014/main" id="{26B77F1A-FE13-4E04-BAD3-B2038A6C0836}"/>
+              </a:ext>
+            </a:extLst>
+          </p:cNvPr>
+          <p:cNvSpPr txBox="1"/>
+          <p:nvPr/>
+        </p:nvSpPr>
+        <p:spPr>
+          <a:xfrm>
+            <a:off x="827584" y="2348880"/>
+            <a:ext cx="889987" cy="400110"/>
+          </a:xfrm>
+          <a:prstGeom prst="rect">
+            <a:avLst/>
+          </a:prstGeom>
+          <a:noFill/>
+        </p:spPr>
+        <p:txBody>
+          <a:bodyPr wrap="none" rtlCol="0">
+            <a:spAutoFit/>
+          </a:bodyPr>
+          <a:lstStyle/>
+          <a:p>
+            <a:r>
+              <a:rPr lang="en-US" altLang="ko-KR" sz="2000">
+                <a:latin typeface="Consolas" pitchFamily="49" charset="0"/>
+                <a:cs typeface="Consolas" pitchFamily="49" charset="0"/>
+              </a:rPr>
+              <a:t>Alice</a:t>
+            </a:r>
+            <a:endParaRPr lang="ko-KR" altLang="en-US" sz="2000">
+              <a:latin typeface="Consolas" pitchFamily="49" charset="0"/>
+              <a:cs typeface="Consolas" pitchFamily="49" charset="0"/>
+            </a:endParaRPr>
+          </a:p>
+        </p:txBody>
+      </p:sp>
+      <p:sp>
+        <p:nvSpPr>
+          <p:cNvPr id="6" name="TextBox 5">
+            <a:extLst>
+              <a:ext uri="{FF2B5EF4-FFF2-40B4-BE49-F238E27FC236}">
+                <a16:creationId xmlns:a16="http://schemas.microsoft.com/office/drawing/2014/main" id="{0BE24EB6-C362-4C3A-B79E-4F7416BF1BB2}"/>
+              </a:ext>
+            </a:extLst>
+          </p:cNvPr>
+          <p:cNvSpPr txBox="1"/>
+          <p:nvPr/>
+        </p:nvSpPr>
+        <p:spPr>
+          <a:xfrm>
+            <a:off x="6660232" y="2348880"/>
+            <a:ext cx="607859" cy="400110"/>
+          </a:xfrm>
+          <a:prstGeom prst="rect">
+            <a:avLst/>
+          </a:prstGeom>
+          <a:noFill/>
+        </p:spPr>
+        <p:txBody>
+          <a:bodyPr wrap="none" rtlCol="0">
+            <a:spAutoFit/>
+          </a:bodyPr>
+          <a:lstStyle/>
+          <a:p>
+            <a:r>
+              <a:rPr lang="en-US" altLang="ko-KR" sz="2000">
+                <a:latin typeface="Consolas" pitchFamily="49" charset="0"/>
+                <a:cs typeface="Consolas" pitchFamily="49" charset="0"/>
+              </a:rPr>
+              <a:t>Bob</a:t>
+            </a:r>
+            <a:endParaRPr lang="ko-KR" altLang="en-US" sz="2000">
+              <a:latin typeface="Consolas" pitchFamily="49" charset="0"/>
+              <a:cs typeface="Consolas" pitchFamily="49" charset="0"/>
+            </a:endParaRPr>
+          </a:p>
+        </p:txBody>
+      </p:sp>
+      <p:sp>
+        <p:nvSpPr>
+          <p:cNvPr id="7" name="생각 풍선: 구름 모양 6">
+            <a:extLst>
+              <a:ext uri="{FF2B5EF4-FFF2-40B4-BE49-F238E27FC236}">
+                <a16:creationId xmlns:a16="http://schemas.microsoft.com/office/drawing/2014/main" id="{D4909866-55E1-4322-8E68-D55E92F84776}"/>
+              </a:ext>
+            </a:extLst>
+          </p:cNvPr>
+          <p:cNvSpPr/>
+          <p:nvPr/>
+        </p:nvSpPr>
+        <p:spPr>
+          <a:xfrm rot="511114">
+            <a:off x="2771800" y="2132856"/>
+            <a:ext cx="2664296" cy="1512168"/>
+          </a:xfrm>
+          <a:prstGeom prst="cloudCallout">
+            <a:avLst>
+              <a:gd name="adj1" fmla="val -12635"/>
+              <a:gd name="adj2" fmla="val 43627"/>
+            </a:avLst>
+          </a:prstGeom>
+          <a:solidFill>
+            <a:srgbClr val="FFFF00"/>
+          </a:solidFill>
+          <a:ln w="9525"/>
+        </p:spPr>
+        <p:style>
+          <a:lnRef idx="2">
+            <a:schemeClr val="accent1">
+              <a:shade val="50000"/>
+            </a:schemeClr>
+          </a:lnRef>
+          <a:fillRef idx="1">
+            <a:schemeClr val="accent1"/>
+          </a:fillRef>
+          <a:effectRef idx="0">
+            <a:schemeClr val="accent1"/>
+          </a:effectRef>
+          <a:fontRef idx="minor">
+            <a:schemeClr val="lt1"/>
+          </a:fontRef>
+        </p:style>
+        <p:txBody>
+          <a:bodyPr rot="0" spcFirstLastPara="0" vertOverflow="overflow" horzOverflow="overflow" vert="horz" wrap="square" lIns="91440" tIns="45720" rIns="91440" bIns="45720" numCol="1" spcCol="0" rtlCol="0" fromWordArt="0" anchor="ctr" anchorCtr="0" forceAA="0" compatLnSpc="1">
+            <a:prstTxWarp prst="textNoShape">
+              <a:avLst/>
+            </a:prstTxWarp>
+            <a:noAutofit/>
+          </a:bodyPr>
+          <a:lstStyle/>
+          <a:p>
+            <a:pPr algn="ctr"/>
+            <a:endParaRPr lang="ko-KR" altLang="en-US" sz="2000">
+              <a:solidFill>
+                <a:schemeClr val="tx1"/>
+              </a:solidFill>
+              <a:latin typeface="Consolas" pitchFamily="49" charset="0"/>
+              <a:cs typeface="Consolas" pitchFamily="49" charset="0"/>
+            </a:endParaRPr>
+          </a:p>
+        </p:txBody>
+      </p:sp>
+      <p:sp>
+        <p:nvSpPr>
+          <p:cNvPr id="8" name="직사각형 7">
+            <a:extLst>
+              <a:ext uri="{FF2B5EF4-FFF2-40B4-BE49-F238E27FC236}">
+                <a16:creationId xmlns:a16="http://schemas.microsoft.com/office/drawing/2014/main" id="{92D4667A-03D8-447B-AA67-8E865ABB9C92}"/>
+              </a:ext>
+            </a:extLst>
+          </p:cNvPr>
+          <p:cNvSpPr/>
+          <p:nvPr/>
+        </p:nvSpPr>
+        <p:spPr>
+          <a:xfrm>
+            <a:off x="819410" y="2852936"/>
+            <a:ext cx="864096" cy="504056"/>
+          </a:xfrm>
+          <a:prstGeom prst="rect">
+            <a:avLst/>
+          </a:prstGeom>
+          <a:solidFill>
+            <a:srgbClr val="FFC000"/>
+          </a:solidFill>
+          <a:ln w="9525"/>
+        </p:spPr>
+        <p:style>
+          <a:lnRef idx="2">
+            <a:schemeClr val="accent1">
+              <a:shade val="50000"/>
+            </a:schemeClr>
+          </a:lnRef>
+          <a:fillRef idx="1">
+            <a:schemeClr val="accent1"/>
+          </a:fillRef>
+          <a:effectRef idx="0">
+            <a:schemeClr val="accent1"/>
+          </a:effectRef>
+          <a:fontRef idx="minor">
+            <a:schemeClr val="lt1"/>
+          </a:fontRef>
+        </p:style>
+        <p:txBody>
+          <a:bodyPr rot="0" spcFirstLastPara="0" vertOverflow="overflow" horzOverflow="overflow" vert="horz" wrap="square" lIns="91440" tIns="45720" rIns="91440" bIns="45720" numCol="1" spcCol="0" rtlCol="0" fromWordArt="0" anchor="ctr" anchorCtr="0" forceAA="0" compatLnSpc="1">
+            <a:prstTxWarp prst="textNoShape">
+              <a:avLst/>
+            </a:prstTxWarp>
+            <a:noAutofit/>
+          </a:bodyPr>
+          <a:lstStyle/>
+          <a:p>
+            <a:pPr algn="ctr"/>
+            <a:endParaRPr lang="ko-KR" altLang="en-US" sz="2000">
+              <a:solidFill>
+                <a:schemeClr val="tx1"/>
+              </a:solidFill>
+              <a:latin typeface="Consolas" pitchFamily="49" charset="0"/>
+              <a:cs typeface="Consolas" pitchFamily="49" charset="0"/>
+            </a:endParaRPr>
+          </a:p>
+        </p:txBody>
+      </p:sp>
+      <p:sp>
+        <p:nvSpPr>
+          <p:cNvPr id="9" name="직사각형 8">
+            <a:extLst>
+              <a:ext uri="{FF2B5EF4-FFF2-40B4-BE49-F238E27FC236}">
+                <a16:creationId xmlns:a16="http://schemas.microsoft.com/office/drawing/2014/main" id="{F7CA6A25-CB75-44F4-9D3C-5F98F11C4D41}"/>
+              </a:ext>
+            </a:extLst>
+          </p:cNvPr>
+          <p:cNvSpPr/>
+          <p:nvPr/>
+        </p:nvSpPr>
+        <p:spPr>
+          <a:xfrm>
+            <a:off x="3563888" y="2415727"/>
+            <a:ext cx="864096" cy="504056"/>
+          </a:xfrm>
+          <a:prstGeom prst="rect">
+            <a:avLst/>
+          </a:prstGeom>
+          <a:solidFill>
+            <a:srgbClr val="FF0000"/>
+          </a:solidFill>
+          <a:ln w="9525"/>
+        </p:spPr>
+        <p:style>
+          <a:lnRef idx="2">
+            <a:schemeClr val="accent1">
+              <a:shade val="50000"/>
+            </a:schemeClr>
+          </a:lnRef>
+          <a:fillRef idx="1">
+            <a:schemeClr val="accent1"/>
+          </a:fillRef>
+          <a:effectRef idx="0">
+            <a:schemeClr val="accent1"/>
+          </a:effectRef>
+          <a:fontRef idx="minor">
+            <a:schemeClr val="lt1"/>
+          </a:fontRef>
+        </p:style>
+        <p:txBody>
+          <a:bodyPr rot="0" spcFirstLastPara="0" vertOverflow="overflow" horzOverflow="overflow" vert="horz" wrap="square" lIns="91440" tIns="45720" rIns="91440" bIns="45720" numCol="1" spcCol="0" rtlCol="0" fromWordArt="0" anchor="ctr" anchorCtr="0" forceAA="0" compatLnSpc="1">
+            <a:prstTxWarp prst="textNoShape">
+              <a:avLst/>
+            </a:prstTxWarp>
+            <a:noAutofit/>
+          </a:bodyPr>
+          <a:lstStyle/>
+          <a:p>
+            <a:pPr algn="ctr"/>
+            <a:endParaRPr lang="ko-KR" altLang="en-US" sz="2000">
+              <a:solidFill>
+                <a:schemeClr val="tx1"/>
+              </a:solidFill>
+              <a:latin typeface="Consolas" pitchFamily="49" charset="0"/>
+              <a:cs typeface="Consolas" pitchFamily="49" charset="0"/>
+            </a:endParaRPr>
+          </a:p>
+        </p:txBody>
+      </p:sp>
+      <p:sp>
+        <p:nvSpPr>
+          <p:cNvPr id="10" name="직사각형 9">
+            <a:extLst>
+              <a:ext uri="{FF2B5EF4-FFF2-40B4-BE49-F238E27FC236}">
+                <a16:creationId xmlns:a16="http://schemas.microsoft.com/office/drawing/2014/main" id="{EA26C8F2-80B4-4FC5-BFE6-A834888B81EC}"/>
+              </a:ext>
+            </a:extLst>
+          </p:cNvPr>
+          <p:cNvSpPr/>
+          <p:nvPr/>
+        </p:nvSpPr>
+        <p:spPr>
+          <a:xfrm>
+            <a:off x="6588224" y="2852936"/>
+            <a:ext cx="864096" cy="504056"/>
+          </a:xfrm>
+          <a:prstGeom prst="rect">
+            <a:avLst/>
+          </a:prstGeom>
+          <a:solidFill>
+            <a:srgbClr val="FFC000"/>
+          </a:solidFill>
+          <a:ln w="9525"/>
+        </p:spPr>
+        <p:style>
+          <a:lnRef idx="2">
+            <a:schemeClr val="accent1">
+              <a:shade val="50000"/>
+            </a:schemeClr>
+          </a:lnRef>
+          <a:fillRef idx="1">
+            <a:schemeClr val="accent1"/>
+          </a:fillRef>
+          <a:effectRef idx="0">
+            <a:schemeClr val="accent1"/>
+          </a:effectRef>
+          <a:fontRef idx="minor">
+            <a:schemeClr val="lt1"/>
+          </a:fontRef>
+        </p:style>
+        <p:txBody>
+          <a:bodyPr rot="0" spcFirstLastPara="0" vertOverflow="overflow" horzOverflow="overflow" vert="horz" wrap="square" lIns="91440" tIns="45720" rIns="91440" bIns="45720" numCol="1" spcCol="0" rtlCol="0" fromWordArt="0" anchor="ctr" anchorCtr="0" forceAA="0" compatLnSpc="1">
+            <a:prstTxWarp prst="textNoShape">
+              <a:avLst/>
+            </a:prstTxWarp>
+            <a:noAutofit/>
+          </a:bodyPr>
+          <a:lstStyle/>
+          <a:p>
+            <a:pPr algn="ctr"/>
+            <a:endParaRPr lang="ko-KR" altLang="en-US" sz="2000">
+              <a:solidFill>
+                <a:schemeClr val="tx1"/>
+              </a:solidFill>
+              <a:latin typeface="Consolas" pitchFamily="49" charset="0"/>
+              <a:cs typeface="Consolas" pitchFamily="49" charset="0"/>
+            </a:endParaRPr>
+          </a:p>
+        </p:txBody>
+      </p:sp>
+      <p:grpSp>
+        <p:nvGrpSpPr>
+          <p:cNvPr id="18" name="그룹 17">
+            <a:extLst>
+              <a:ext uri="{FF2B5EF4-FFF2-40B4-BE49-F238E27FC236}">
+                <a16:creationId xmlns:a16="http://schemas.microsoft.com/office/drawing/2014/main" id="{1632FD63-A496-4AA8-A3F2-A0AB9D498314}"/>
+              </a:ext>
+            </a:extLst>
+          </p:cNvPr>
+          <p:cNvGrpSpPr/>
+          <p:nvPr/>
+        </p:nvGrpSpPr>
+        <p:grpSpPr>
+          <a:xfrm>
+            <a:off x="1036998" y="3501007"/>
+            <a:ext cx="360041" cy="864099"/>
+            <a:chOff x="1331640" y="3573016"/>
+            <a:chExt cx="360040" cy="864096"/>
+          </a:xfrm>
+          <a:solidFill>
+            <a:srgbClr val="FF0000"/>
+          </a:solidFill>
+        </p:grpSpPr>
+        <p:sp>
+          <p:nvSpPr>
+            <p:cNvPr id="11" name="타원 10">
+              <a:extLst>
+                <a:ext uri="{FF2B5EF4-FFF2-40B4-BE49-F238E27FC236}">
+                  <a16:creationId xmlns:a16="http://schemas.microsoft.com/office/drawing/2014/main" id="{E41F5FBD-1794-43E7-B26C-34D8C214460E}"/>
+                </a:ext>
+              </a:extLst>
+            </p:cNvPr>
+            <p:cNvSpPr/>
+            <p:nvPr/>
+          </p:nvSpPr>
+          <p:spPr>
+            <a:xfrm>
+              <a:off x="1403648" y="3573016"/>
+              <a:ext cx="288032" cy="288032"/>
+            </a:xfrm>
+            <a:prstGeom prst="ellipse">
+              <a:avLst/>
+            </a:prstGeom>
+            <a:grpFill/>
+            <a:ln w="38100">
+              <a:solidFill>
+                <a:schemeClr val="tx1"/>
+              </a:solidFill>
+            </a:ln>
+          </p:spPr>
+          <p:style>
+            <a:lnRef idx="2">
+              <a:schemeClr val="accent1">
+                <a:shade val="50000"/>
+              </a:schemeClr>
+            </a:lnRef>
+            <a:fillRef idx="1">
+              <a:schemeClr val="accent1"/>
+            </a:fillRef>
+            <a:effectRef idx="0">
+              <a:schemeClr val="accent1"/>
+            </a:effectRef>
+            <a:fontRef idx="minor">
+              <a:schemeClr val="lt1"/>
+            </a:fontRef>
+          </p:style>
+          <p:txBody>
+            <a:bodyPr rot="0" spcFirstLastPara="0" vertOverflow="overflow" horzOverflow="overflow" vert="horz" wrap="square" lIns="91440" tIns="45720" rIns="91440" bIns="45720" numCol="1" spcCol="0" rtlCol="0" fromWordArt="0" anchor="ctr" anchorCtr="0" forceAA="0" compatLnSpc="1">
+              <a:prstTxWarp prst="textNoShape">
+                <a:avLst/>
+              </a:prstTxWarp>
+              <a:noAutofit/>
+            </a:bodyPr>
+            <a:lstStyle/>
+            <a:p>
+              <a:pPr algn="ctr"/>
+              <a:r>
+                <a:rPr lang="en-US" altLang="ko-KR" sz="2000">
+                  <a:solidFill>
+                    <a:schemeClr val="tx1"/>
+                  </a:solidFill>
+                  <a:latin typeface="Consolas" pitchFamily="49" charset="0"/>
+                  <a:cs typeface="Consolas" pitchFamily="49" charset="0"/>
+                </a:rPr>
+                <a:t>a</a:t>
+              </a:r>
+              <a:endParaRPr lang="ko-KR" altLang="en-US" sz="2000">
+                <a:solidFill>
+                  <a:schemeClr val="tx1"/>
+                </a:solidFill>
+                <a:latin typeface="Consolas" pitchFamily="49" charset="0"/>
+                <a:cs typeface="Consolas" pitchFamily="49" charset="0"/>
+              </a:endParaRPr>
+            </a:p>
+          </p:txBody>
+        </p:sp>
+        <p:cxnSp>
+          <p:nvCxnSpPr>
+            <p:cNvPr id="13" name="직선 연결선 12">
+              <a:extLst>
+                <a:ext uri="{FF2B5EF4-FFF2-40B4-BE49-F238E27FC236}">
+                  <a16:creationId xmlns:a16="http://schemas.microsoft.com/office/drawing/2014/main" id="{13700ECD-DF9F-43E5-B210-891F9CF2045C}"/>
+                </a:ext>
+              </a:extLst>
+            </p:cNvPr>
+            <p:cNvCxnSpPr>
+              <a:stCxn id="11" idx="4"/>
+            </p:cNvCxnSpPr>
+            <p:nvPr/>
+          </p:nvCxnSpPr>
+          <p:spPr>
+            <a:xfrm>
+              <a:off x="1547664" y="3861048"/>
+              <a:ext cx="0" cy="576064"/>
+            </a:xfrm>
+            <a:prstGeom prst="line">
+              <a:avLst/>
+            </a:prstGeom>
+            <a:grpFill/>
+            <a:ln w="38100">
+              <a:solidFill>
+                <a:schemeClr val="tx1"/>
+              </a:solidFill>
+            </a:ln>
+          </p:spPr>
+          <p:style>
+            <a:lnRef idx="1">
+              <a:schemeClr val="accent1"/>
+            </a:lnRef>
+            <a:fillRef idx="0">
+              <a:schemeClr val="accent1"/>
+            </a:fillRef>
+            <a:effectRef idx="0">
+              <a:schemeClr val="accent1"/>
+            </a:effectRef>
+            <a:fontRef idx="minor">
+              <a:schemeClr val="tx1"/>
+            </a:fontRef>
+          </p:style>
+        </p:cxnSp>
+        <p:cxnSp>
+          <p:nvCxnSpPr>
+            <p:cNvPr id="14" name="직선 연결선 13">
+              <a:extLst>
+                <a:ext uri="{FF2B5EF4-FFF2-40B4-BE49-F238E27FC236}">
+                  <a16:creationId xmlns:a16="http://schemas.microsoft.com/office/drawing/2014/main" id="{50493D56-541F-4E87-9BBC-477FF546A4C6}"/>
+                </a:ext>
+              </a:extLst>
+            </p:cNvPr>
+            <p:cNvCxnSpPr>
+              <a:cxnSpLocks/>
+            </p:cNvCxnSpPr>
+            <p:nvPr/>
+          </p:nvCxnSpPr>
+          <p:spPr>
+            <a:xfrm>
+              <a:off x="1331640" y="4149080"/>
+              <a:ext cx="216024" cy="0"/>
+            </a:xfrm>
+            <a:prstGeom prst="line">
+              <a:avLst/>
+            </a:prstGeom>
+            <a:grpFill/>
+            <a:ln w="38100">
+              <a:solidFill>
+                <a:schemeClr val="tx1"/>
+              </a:solidFill>
+            </a:ln>
+          </p:spPr>
+          <p:style>
+            <a:lnRef idx="1">
+              <a:schemeClr val="accent1"/>
+            </a:lnRef>
+            <a:fillRef idx="0">
+              <a:schemeClr val="accent1"/>
+            </a:fillRef>
+            <a:effectRef idx="0">
+              <a:schemeClr val="accent1"/>
+            </a:effectRef>
+            <a:fontRef idx="minor">
+              <a:schemeClr val="tx1"/>
+            </a:fontRef>
+          </p:style>
+        </p:cxnSp>
+        <p:cxnSp>
+          <p:nvCxnSpPr>
+            <p:cNvPr id="17" name="직선 연결선 16">
+              <a:extLst>
+                <a:ext uri="{FF2B5EF4-FFF2-40B4-BE49-F238E27FC236}">
+                  <a16:creationId xmlns:a16="http://schemas.microsoft.com/office/drawing/2014/main" id="{322641F7-1338-42F4-B250-5AAD3B54C838}"/>
+                </a:ext>
+              </a:extLst>
+            </p:cNvPr>
+            <p:cNvCxnSpPr>
+              <a:cxnSpLocks/>
+            </p:cNvCxnSpPr>
+            <p:nvPr/>
+          </p:nvCxnSpPr>
+          <p:spPr>
+            <a:xfrm>
+              <a:off x="1331640" y="4365104"/>
+              <a:ext cx="216024" cy="0"/>
+            </a:xfrm>
+            <a:prstGeom prst="line">
+              <a:avLst/>
+            </a:prstGeom>
+            <a:grpFill/>
+            <a:ln w="38100">
+              <a:solidFill>
+                <a:schemeClr val="tx1"/>
+              </a:solidFill>
+            </a:ln>
+          </p:spPr>
+          <p:style>
+            <a:lnRef idx="1">
+              <a:schemeClr val="accent1"/>
+            </a:lnRef>
+            <a:fillRef idx="0">
+              <a:schemeClr val="accent1"/>
+            </a:fillRef>
+            <a:effectRef idx="0">
+              <a:schemeClr val="accent1"/>
+            </a:effectRef>
+            <a:fontRef idx="minor">
+              <a:schemeClr val="tx1"/>
+            </a:fontRef>
+          </p:style>
+        </p:cxnSp>
+      </p:grpSp>
+      <p:grpSp>
+        <p:nvGrpSpPr>
+          <p:cNvPr id="19" name="그룹 18">
+            <a:extLst>
+              <a:ext uri="{FF2B5EF4-FFF2-40B4-BE49-F238E27FC236}">
+                <a16:creationId xmlns:a16="http://schemas.microsoft.com/office/drawing/2014/main" id="{B057B28A-996E-4BC0-BF48-3A2015BA0EC4}"/>
+              </a:ext>
+            </a:extLst>
+          </p:cNvPr>
+          <p:cNvGrpSpPr/>
+          <p:nvPr/>
+        </p:nvGrpSpPr>
+        <p:grpSpPr>
+          <a:xfrm>
+            <a:off x="1475654" y="3501007"/>
+            <a:ext cx="360041" cy="864099"/>
+            <a:chOff x="1331640" y="3573016"/>
+            <a:chExt cx="360040" cy="864096"/>
+          </a:xfrm>
+          <a:solidFill>
+            <a:srgbClr val="00B0F0"/>
+          </a:solidFill>
+        </p:grpSpPr>
+        <p:sp>
+          <p:nvSpPr>
+            <p:cNvPr id="20" name="타원 19">
+              <a:extLst>
+                <a:ext uri="{FF2B5EF4-FFF2-40B4-BE49-F238E27FC236}">
+                  <a16:creationId xmlns:a16="http://schemas.microsoft.com/office/drawing/2014/main" id="{69509F8D-C391-4B39-A4AA-1C013581365B}"/>
+                </a:ext>
+              </a:extLst>
+            </p:cNvPr>
+            <p:cNvSpPr/>
+            <p:nvPr/>
+          </p:nvSpPr>
+          <p:spPr>
+            <a:xfrm>
+              <a:off x="1403648" y="3573016"/>
+              <a:ext cx="288032" cy="288032"/>
+            </a:xfrm>
+            <a:prstGeom prst="ellipse">
+              <a:avLst/>
+            </a:prstGeom>
+            <a:grpFill/>
+            <a:ln w="38100">
+              <a:solidFill>
+                <a:schemeClr val="tx1"/>
+              </a:solidFill>
+            </a:ln>
+          </p:spPr>
+          <p:style>
+            <a:lnRef idx="2">
+              <a:schemeClr val="accent1">
+                <a:shade val="50000"/>
+              </a:schemeClr>
+            </a:lnRef>
+            <a:fillRef idx="1">
+              <a:schemeClr val="accent1"/>
+            </a:fillRef>
+            <a:effectRef idx="0">
+              <a:schemeClr val="accent1"/>
+            </a:effectRef>
+            <a:fontRef idx="minor">
+              <a:schemeClr val="lt1"/>
+            </a:fontRef>
+          </p:style>
+          <p:txBody>
+            <a:bodyPr rot="0" spcFirstLastPara="0" vertOverflow="overflow" horzOverflow="overflow" vert="horz" wrap="square" lIns="91440" tIns="45720" rIns="91440" bIns="45720" numCol="1" spcCol="0" rtlCol="0" fromWordArt="0" anchor="ctr" anchorCtr="0" forceAA="0" compatLnSpc="1">
+              <a:prstTxWarp prst="textNoShape">
+                <a:avLst/>
+              </a:prstTxWarp>
+              <a:noAutofit/>
+            </a:bodyPr>
+            <a:lstStyle/>
+            <a:p>
+              <a:pPr algn="ctr"/>
+              <a:r>
+                <a:rPr lang="en-US" altLang="ko-KR" sz="2000">
+                  <a:solidFill>
+                    <a:schemeClr val="tx1"/>
+                  </a:solidFill>
+                  <a:latin typeface="Consolas" pitchFamily="49" charset="0"/>
+                  <a:cs typeface="Consolas" pitchFamily="49" charset="0"/>
+                </a:rPr>
+                <a:t>a</a:t>
+              </a:r>
+              <a:endParaRPr lang="ko-KR" altLang="en-US" sz="2000">
+                <a:solidFill>
+                  <a:schemeClr val="tx1"/>
+                </a:solidFill>
+                <a:latin typeface="Consolas" pitchFamily="49" charset="0"/>
+                <a:cs typeface="Consolas" pitchFamily="49" charset="0"/>
+              </a:endParaRPr>
+            </a:p>
+          </p:txBody>
+        </p:sp>
+        <p:cxnSp>
+          <p:nvCxnSpPr>
+            <p:cNvPr id="21" name="직선 연결선 20">
+              <a:extLst>
+                <a:ext uri="{FF2B5EF4-FFF2-40B4-BE49-F238E27FC236}">
+                  <a16:creationId xmlns:a16="http://schemas.microsoft.com/office/drawing/2014/main" id="{4FB565E5-81B2-44D5-B396-EF16060F8E66}"/>
+                </a:ext>
+              </a:extLst>
+            </p:cNvPr>
+            <p:cNvCxnSpPr>
+              <a:stCxn id="20" idx="4"/>
+            </p:cNvCxnSpPr>
+            <p:nvPr/>
+          </p:nvCxnSpPr>
+          <p:spPr>
+            <a:xfrm>
+              <a:off x="1547664" y="3861048"/>
+              <a:ext cx="0" cy="576064"/>
+            </a:xfrm>
+            <a:prstGeom prst="line">
+              <a:avLst/>
+            </a:prstGeom>
+            <a:grpFill/>
+            <a:ln w="38100">
+              <a:solidFill>
+                <a:schemeClr val="tx1"/>
+              </a:solidFill>
+            </a:ln>
+          </p:spPr>
+          <p:style>
+            <a:lnRef idx="1">
+              <a:schemeClr val="accent1"/>
+            </a:lnRef>
+            <a:fillRef idx="0">
+              <a:schemeClr val="accent1"/>
+            </a:fillRef>
+            <a:effectRef idx="0">
+              <a:schemeClr val="accent1"/>
+            </a:effectRef>
+            <a:fontRef idx="minor">
+              <a:schemeClr val="tx1"/>
+            </a:fontRef>
+          </p:style>
+        </p:cxnSp>
+        <p:cxnSp>
+          <p:nvCxnSpPr>
+            <p:cNvPr id="22" name="직선 연결선 21">
+              <a:extLst>
+                <a:ext uri="{FF2B5EF4-FFF2-40B4-BE49-F238E27FC236}">
+                  <a16:creationId xmlns:a16="http://schemas.microsoft.com/office/drawing/2014/main" id="{23E6AEFD-45C8-4786-8CA5-4900513A7DA6}"/>
+                </a:ext>
+              </a:extLst>
+            </p:cNvPr>
+            <p:cNvCxnSpPr>
+              <a:cxnSpLocks/>
+            </p:cNvCxnSpPr>
+            <p:nvPr/>
+          </p:nvCxnSpPr>
+          <p:spPr>
+            <a:xfrm>
+              <a:off x="1331640" y="4149080"/>
+              <a:ext cx="216024" cy="0"/>
+            </a:xfrm>
+            <a:prstGeom prst="line">
+              <a:avLst/>
+            </a:prstGeom>
+            <a:grpFill/>
+            <a:ln w="38100">
+              <a:solidFill>
+                <a:schemeClr val="tx1"/>
+              </a:solidFill>
+            </a:ln>
+          </p:spPr>
+          <p:style>
+            <a:lnRef idx="1">
+              <a:schemeClr val="accent1"/>
+            </a:lnRef>
+            <a:fillRef idx="0">
+              <a:schemeClr val="accent1"/>
+            </a:fillRef>
+            <a:effectRef idx="0">
+              <a:schemeClr val="accent1"/>
+            </a:effectRef>
+            <a:fontRef idx="minor">
+              <a:schemeClr val="tx1"/>
+            </a:fontRef>
+          </p:style>
+        </p:cxnSp>
+        <p:cxnSp>
+          <p:nvCxnSpPr>
+            <p:cNvPr id="23" name="직선 연결선 22">
+              <a:extLst>
+                <a:ext uri="{FF2B5EF4-FFF2-40B4-BE49-F238E27FC236}">
+                  <a16:creationId xmlns:a16="http://schemas.microsoft.com/office/drawing/2014/main" id="{AA768CE7-177D-4832-97F3-94EF810C6F6D}"/>
+                </a:ext>
+              </a:extLst>
+            </p:cNvPr>
+            <p:cNvCxnSpPr>
+              <a:cxnSpLocks/>
+            </p:cNvCxnSpPr>
+            <p:nvPr/>
+          </p:nvCxnSpPr>
+          <p:spPr>
+            <a:xfrm>
+              <a:off x="1331640" y="4365104"/>
+              <a:ext cx="216024" cy="0"/>
+            </a:xfrm>
+            <a:prstGeom prst="line">
+              <a:avLst/>
+            </a:prstGeom>
+            <a:grpFill/>
+            <a:ln w="38100">
+              <a:solidFill>
+                <a:schemeClr val="tx1"/>
+              </a:solidFill>
+            </a:ln>
+          </p:spPr>
+          <p:style>
+            <a:lnRef idx="1">
+              <a:schemeClr val="accent1"/>
+            </a:lnRef>
+            <a:fillRef idx="0">
+              <a:schemeClr val="accent1"/>
+            </a:fillRef>
+            <a:effectRef idx="0">
+              <a:schemeClr val="accent1"/>
+            </a:effectRef>
+            <a:fontRef idx="minor">
+              <a:schemeClr val="tx1"/>
+            </a:fontRef>
+          </p:style>
+        </p:cxnSp>
+      </p:grpSp>
+      <p:grpSp>
+        <p:nvGrpSpPr>
+          <p:cNvPr id="24" name="그룹 23">
+            <a:extLst>
+              <a:ext uri="{FF2B5EF4-FFF2-40B4-BE49-F238E27FC236}">
+                <a16:creationId xmlns:a16="http://schemas.microsoft.com/office/drawing/2014/main" id="{F6431688-121C-4E82-ACA2-839526E5EE53}"/>
+              </a:ext>
+            </a:extLst>
+          </p:cNvPr>
+          <p:cNvGrpSpPr/>
+          <p:nvPr/>
+        </p:nvGrpSpPr>
+        <p:grpSpPr>
+          <a:xfrm>
+            <a:off x="6588224" y="3460938"/>
+            <a:ext cx="360041" cy="864099"/>
+            <a:chOff x="1331640" y="3573016"/>
+            <a:chExt cx="360040" cy="864096"/>
+          </a:xfrm>
+          <a:solidFill>
+            <a:srgbClr val="FF0000"/>
+          </a:solidFill>
+        </p:grpSpPr>
+        <p:sp>
+          <p:nvSpPr>
+            <p:cNvPr id="25" name="타원 24">
+              <a:extLst>
+                <a:ext uri="{FF2B5EF4-FFF2-40B4-BE49-F238E27FC236}">
+                  <a16:creationId xmlns:a16="http://schemas.microsoft.com/office/drawing/2014/main" id="{0DB41652-604F-4AEF-8406-20DB4722ABD8}"/>
+                </a:ext>
+              </a:extLst>
+            </p:cNvPr>
+            <p:cNvSpPr/>
+            <p:nvPr/>
+          </p:nvSpPr>
+          <p:spPr>
+            <a:xfrm>
+              <a:off x="1403648" y="3573016"/>
+              <a:ext cx="288032" cy="288032"/>
+            </a:xfrm>
+            <a:prstGeom prst="ellipse">
+              <a:avLst/>
+            </a:prstGeom>
+            <a:grpFill/>
+            <a:ln w="38100">
+              <a:solidFill>
+                <a:schemeClr val="tx1"/>
+              </a:solidFill>
+            </a:ln>
+          </p:spPr>
+          <p:style>
+            <a:lnRef idx="2">
+              <a:schemeClr val="accent1">
+                <a:shade val="50000"/>
+              </a:schemeClr>
+            </a:lnRef>
+            <a:fillRef idx="1">
+              <a:schemeClr val="accent1"/>
+            </a:fillRef>
+            <a:effectRef idx="0">
+              <a:schemeClr val="accent1"/>
+            </a:effectRef>
+            <a:fontRef idx="minor">
+              <a:schemeClr val="lt1"/>
+            </a:fontRef>
+          </p:style>
+          <p:txBody>
+            <a:bodyPr rot="0" spcFirstLastPara="0" vertOverflow="overflow" horzOverflow="overflow" vert="horz" wrap="square" lIns="91440" tIns="45720" rIns="91440" bIns="45720" numCol="1" spcCol="0" rtlCol="0" fromWordArt="0" anchor="ctr" anchorCtr="0" forceAA="0" compatLnSpc="1">
+              <a:prstTxWarp prst="textNoShape">
+                <a:avLst/>
+              </a:prstTxWarp>
+              <a:noAutofit/>
+            </a:bodyPr>
+            <a:lstStyle/>
+            <a:p>
+              <a:pPr algn="ctr"/>
+              <a:r>
+                <a:rPr lang="en-US" altLang="ko-KR" sz="2000">
+                  <a:solidFill>
+                    <a:schemeClr val="tx1"/>
+                  </a:solidFill>
+                  <a:latin typeface="Consolas" pitchFamily="49" charset="0"/>
+                  <a:cs typeface="Consolas" pitchFamily="49" charset="0"/>
+                </a:rPr>
+                <a:t>b</a:t>
+              </a:r>
+              <a:endParaRPr lang="ko-KR" altLang="en-US" sz="2000">
+                <a:solidFill>
+                  <a:schemeClr val="tx1"/>
+                </a:solidFill>
+                <a:latin typeface="Consolas" pitchFamily="49" charset="0"/>
+                <a:cs typeface="Consolas" pitchFamily="49" charset="0"/>
+              </a:endParaRPr>
+            </a:p>
+          </p:txBody>
+        </p:sp>
+        <p:cxnSp>
+          <p:nvCxnSpPr>
+            <p:cNvPr id="26" name="직선 연결선 25">
+              <a:extLst>
+                <a:ext uri="{FF2B5EF4-FFF2-40B4-BE49-F238E27FC236}">
+                  <a16:creationId xmlns:a16="http://schemas.microsoft.com/office/drawing/2014/main" id="{1F912521-973B-48CF-AFE9-FB468E130101}"/>
+                </a:ext>
+              </a:extLst>
+            </p:cNvPr>
+            <p:cNvCxnSpPr>
+              <a:stCxn id="25" idx="4"/>
+            </p:cNvCxnSpPr>
+            <p:nvPr/>
+          </p:nvCxnSpPr>
+          <p:spPr>
+            <a:xfrm>
+              <a:off x="1547664" y="3861048"/>
+              <a:ext cx="0" cy="576064"/>
+            </a:xfrm>
+            <a:prstGeom prst="line">
+              <a:avLst/>
+            </a:prstGeom>
+            <a:grpFill/>
+            <a:ln w="38100">
+              <a:solidFill>
+                <a:schemeClr val="tx1"/>
+              </a:solidFill>
+            </a:ln>
+          </p:spPr>
+          <p:style>
+            <a:lnRef idx="1">
+              <a:schemeClr val="accent1"/>
+            </a:lnRef>
+            <a:fillRef idx="0">
+              <a:schemeClr val="accent1"/>
+            </a:fillRef>
+            <a:effectRef idx="0">
+              <a:schemeClr val="accent1"/>
+            </a:effectRef>
+            <a:fontRef idx="minor">
+              <a:schemeClr val="tx1"/>
+            </a:fontRef>
+          </p:style>
+        </p:cxnSp>
+        <p:cxnSp>
+          <p:nvCxnSpPr>
+            <p:cNvPr id="27" name="직선 연결선 26">
+              <a:extLst>
+                <a:ext uri="{FF2B5EF4-FFF2-40B4-BE49-F238E27FC236}">
+                  <a16:creationId xmlns:a16="http://schemas.microsoft.com/office/drawing/2014/main" id="{A716B876-7748-45B9-8AEF-436F38448512}"/>
+                </a:ext>
+              </a:extLst>
+            </p:cNvPr>
+            <p:cNvCxnSpPr>
+              <a:cxnSpLocks/>
+            </p:cNvCxnSpPr>
+            <p:nvPr/>
+          </p:nvCxnSpPr>
+          <p:spPr>
+            <a:xfrm>
+              <a:off x="1331640" y="4149080"/>
+              <a:ext cx="216024" cy="0"/>
+            </a:xfrm>
+            <a:prstGeom prst="line">
+              <a:avLst/>
+            </a:prstGeom>
+            <a:grpFill/>
+            <a:ln w="38100">
+              <a:solidFill>
+                <a:schemeClr val="tx1"/>
+              </a:solidFill>
+            </a:ln>
+          </p:spPr>
+          <p:style>
+            <a:lnRef idx="1">
+              <a:schemeClr val="accent1"/>
+            </a:lnRef>
+            <a:fillRef idx="0">
+              <a:schemeClr val="accent1"/>
+            </a:fillRef>
+            <a:effectRef idx="0">
+              <a:schemeClr val="accent1"/>
+            </a:effectRef>
+            <a:fontRef idx="minor">
+              <a:schemeClr val="tx1"/>
+            </a:fontRef>
+          </p:style>
+        </p:cxnSp>
+        <p:cxnSp>
+          <p:nvCxnSpPr>
+            <p:cNvPr id="28" name="직선 연결선 27">
+              <a:extLst>
+                <a:ext uri="{FF2B5EF4-FFF2-40B4-BE49-F238E27FC236}">
+                  <a16:creationId xmlns:a16="http://schemas.microsoft.com/office/drawing/2014/main" id="{C613D528-F74D-4EDC-AEB5-372CE48117F7}"/>
+                </a:ext>
+              </a:extLst>
+            </p:cNvPr>
+            <p:cNvCxnSpPr>
+              <a:cxnSpLocks/>
+            </p:cNvCxnSpPr>
+            <p:nvPr/>
+          </p:nvCxnSpPr>
+          <p:spPr>
+            <a:xfrm>
+              <a:off x="1331640" y="4365104"/>
+              <a:ext cx="216024" cy="0"/>
+            </a:xfrm>
+            <a:prstGeom prst="line">
+              <a:avLst/>
+            </a:prstGeom>
+            <a:grpFill/>
+            <a:ln w="38100">
+              <a:solidFill>
+                <a:schemeClr val="tx1"/>
+              </a:solidFill>
+            </a:ln>
+          </p:spPr>
+          <p:style>
+            <a:lnRef idx="1">
+              <a:schemeClr val="accent1"/>
+            </a:lnRef>
+            <a:fillRef idx="0">
+              <a:schemeClr val="accent1"/>
+            </a:fillRef>
+            <a:effectRef idx="0">
+              <a:schemeClr val="accent1"/>
+            </a:effectRef>
+            <a:fontRef idx="minor">
+              <a:schemeClr val="tx1"/>
+            </a:fontRef>
+          </p:style>
+        </p:cxnSp>
+      </p:grpSp>
+      <p:grpSp>
+        <p:nvGrpSpPr>
+          <p:cNvPr id="34" name="그룹 33">
+            <a:extLst>
+              <a:ext uri="{FF2B5EF4-FFF2-40B4-BE49-F238E27FC236}">
+                <a16:creationId xmlns:a16="http://schemas.microsoft.com/office/drawing/2014/main" id="{F34066A9-FB87-4C57-A718-98D673F1D672}"/>
+              </a:ext>
+            </a:extLst>
+          </p:cNvPr>
+          <p:cNvGrpSpPr/>
+          <p:nvPr/>
+        </p:nvGrpSpPr>
+        <p:grpSpPr>
+          <a:xfrm>
+            <a:off x="7026880" y="3460938"/>
+            <a:ext cx="360041" cy="864099"/>
+            <a:chOff x="1331640" y="3573016"/>
+            <a:chExt cx="360040" cy="864096"/>
+          </a:xfrm>
+          <a:solidFill>
+            <a:srgbClr val="00B0F0"/>
+          </a:solidFill>
+        </p:grpSpPr>
+        <p:sp>
+          <p:nvSpPr>
+            <p:cNvPr id="35" name="타원 34">
+              <a:extLst>
+                <a:ext uri="{FF2B5EF4-FFF2-40B4-BE49-F238E27FC236}">
+                  <a16:creationId xmlns:a16="http://schemas.microsoft.com/office/drawing/2014/main" id="{56DFAFD4-D832-45A3-A66E-230400CA1957}"/>
+                </a:ext>
+              </a:extLst>
+            </p:cNvPr>
+            <p:cNvSpPr/>
+            <p:nvPr/>
+          </p:nvSpPr>
+          <p:spPr>
+            <a:xfrm>
+              <a:off x="1403648" y="3573016"/>
+              <a:ext cx="288032" cy="288032"/>
+            </a:xfrm>
+            <a:prstGeom prst="ellipse">
+              <a:avLst/>
+            </a:prstGeom>
+            <a:grpFill/>
+            <a:ln w="38100">
+              <a:solidFill>
+                <a:schemeClr val="tx1"/>
+              </a:solidFill>
+            </a:ln>
+          </p:spPr>
+          <p:style>
+            <a:lnRef idx="2">
+              <a:schemeClr val="accent1">
+                <a:shade val="50000"/>
+              </a:schemeClr>
+            </a:lnRef>
+            <a:fillRef idx="1">
+              <a:schemeClr val="accent1"/>
+            </a:fillRef>
+            <a:effectRef idx="0">
+              <a:schemeClr val="accent1"/>
+            </a:effectRef>
+            <a:fontRef idx="minor">
+              <a:schemeClr val="lt1"/>
+            </a:fontRef>
+          </p:style>
+          <p:txBody>
+            <a:bodyPr rot="0" spcFirstLastPara="0" vertOverflow="overflow" horzOverflow="overflow" vert="horz" wrap="square" lIns="91440" tIns="45720" rIns="91440" bIns="45720" numCol="1" spcCol="0" rtlCol="0" fromWordArt="0" anchor="ctr" anchorCtr="0" forceAA="0" compatLnSpc="1">
+              <a:prstTxWarp prst="textNoShape">
+                <a:avLst/>
+              </a:prstTxWarp>
+              <a:noAutofit/>
+            </a:bodyPr>
+            <a:lstStyle/>
+            <a:p>
+              <a:pPr algn="ctr"/>
+              <a:r>
+                <a:rPr lang="en-US" altLang="ko-KR" sz="2000">
+                  <a:solidFill>
+                    <a:schemeClr val="tx1"/>
+                  </a:solidFill>
+                  <a:latin typeface="Consolas" pitchFamily="49" charset="0"/>
+                  <a:cs typeface="Consolas" pitchFamily="49" charset="0"/>
+                </a:rPr>
+                <a:t>b</a:t>
+              </a:r>
+              <a:endParaRPr lang="ko-KR" altLang="en-US" sz="2000">
+                <a:solidFill>
+                  <a:schemeClr val="tx1"/>
+                </a:solidFill>
+                <a:latin typeface="Consolas" pitchFamily="49" charset="0"/>
+                <a:cs typeface="Consolas" pitchFamily="49" charset="0"/>
+              </a:endParaRPr>
+            </a:p>
+          </p:txBody>
+        </p:sp>
+        <p:cxnSp>
+          <p:nvCxnSpPr>
+            <p:cNvPr id="36" name="직선 연결선 35">
+              <a:extLst>
+                <a:ext uri="{FF2B5EF4-FFF2-40B4-BE49-F238E27FC236}">
+                  <a16:creationId xmlns:a16="http://schemas.microsoft.com/office/drawing/2014/main" id="{4FF0BC91-90D5-4EB6-AD70-4DD6D782D444}"/>
+                </a:ext>
+              </a:extLst>
+            </p:cNvPr>
+            <p:cNvCxnSpPr>
+              <a:stCxn id="35" idx="4"/>
+            </p:cNvCxnSpPr>
+            <p:nvPr/>
+          </p:nvCxnSpPr>
+          <p:spPr>
+            <a:xfrm>
+              <a:off x="1547664" y="3861048"/>
+              <a:ext cx="0" cy="576064"/>
+            </a:xfrm>
+            <a:prstGeom prst="line">
+              <a:avLst/>
+            </a:prstGeom>
+            <a:grpFill/>
+            <a:ln w="38100">
+              <a:solidFill>
+                <a:schemeClr val="tx1"/>
+              </a:solidFill>
+            </a:ln>
+          </p:spPr>
+          <p:style>
+            <a:lnRef idx="1">
+              <a:schemeClr val="accent1"/>
+            </a:lnRef>
+            <a:fillRef idx="0">
+              <a:schemeClr val="accent1"/>
+            </a:fillRef>
+            <a:effectRef idx="0">
+              <a:schemeClr val="accent1"/>
+            </a:effectRef>
+            <a:fontRef idx="minor">
+              <a:schemeClr val="tx1"/>
+            </a:fontRef>
+          </p:style>
+        </p:cxnSp>
+        <p:cxnSp>
+          <p:nvCxnSpPr>
+            <p:cNvPr id="37" name="직선 연결선 36">
+              <a:extLst>
+                <a:ext uri="{FF2B5EF4-FFF2-40B4-BE49-F238E27FC236}">
+                  <a16:creationId xmlns:a16="http://schemas.microsoft.com/office/drawing/2014/main" id="{4E1C5F97-E96E-4017-9F95-27A6F6642696}"/>
+                </a:ext>
+              </a:extLst>
+            </p:cNvPr>
+            <p:cNvCxnSpPr>
+              <a:cxnSpLocks/>
+            </p:cNvCxnSpPr>
+            <p:nvPr/>
+          </p:nvCxnSpPr>
+          <p:spPr>
+            <a:xfrm>
+              <a:off x="1331640" y="4149080"/>
+              <a:ext cx="216024" cy="0"/>
+            </a:xfrm>
+            <a:prstGeom prst="line">
+              <a:avLst/>
+            </a:prstGeom>
+            <a:grpFill/>
+            <a:ln w="38100">
+              <a:solidFill>
+                <a:schemeClr val="tx1"/>
+              </a:solidFill>
+            </a:ln>
+          </p:spPr>
+          <p:style>
+            <a:lnRef idx="1">
+              <a:schemeClr val="accent1"/>
+            </a:lnRef>
+            <a:fillRef idx="0">
+              <a:schemeClr val="accent1"/>
+            </a:fillRef>
+            <a:effectRef idx="0">
+              <a:schemeClr val="accent1"/>
+            </a:effectRef>
+            <a:fontRef idx="minor">
+              <a:schemeClr val="tx1"/>
+            </a:fontRef>
+          </p:style>
+        </p:cxnSp>
+        <p:cxnSp>
+          <p:nvCxnSpPr>
+            <p:cNvPr id="38" name="직선 연결선 37">
+              <a:extLst>
+                <a:ext uri="{FF2B5EF4-FFF2-40B4-BE49-F238E27FC236}">
+                  <a16:creationId xmlns:a16="http://schemas.microsoft.com/office/drawing/2014/main" id="{5535DD89-3834-4D92-8C0F-9C246B5DEE30}"/>
+                </a:ext>
+              </a:extLst>
+            </p:cNvPr>
+            <p:cNvCxnSpPr>
+              <a:cxnSpLocks/>
+            </p:cNvCxnSpPr>
+            <p:nvPr/>
+          </p:nvCxnSpPr>
+          <p:spPr>
+            <a:xfrm>
+              <a:off x="1331640" y="4365104"/>
+              <a:ext cx="216024" cy="0"/>
+            </a:xfrm>
+            <a:prstGeom prst="line">
+              <a:avLst/>
+            </a:prstGeom>
+            <a:grpFill/>
+            <a:ln w="38100">
+              <a:solidFill>
+                <a:schemeClr val="tx1"/>
+              </a:solidFill>
+            </a:ln>
+          </p:spPr>
+          <p:style>
+            <a:lnRef idx="1">
+              <a:schemeClr val="accent1"/>
+            </a:lnRef>
+            <a:fillRef idx="0">
+              <a:schemeClr val="accent1"/>
+            </a:fillRef>
+            <a:effectRef idx="0">
+              <a:schemeClr val="accent1"/>
+            </a:effectRef>
+            <a:fontRef idx="minor">
+              <a:schemeClr val="tx1"/>
+            </a:fontRef>
+          </p:style>
+        </p:cxnSp>
+      </p:grpSp>
+      <p:grpSp>
+        <p:nvGrpSpPr>
+          <p:cNvPr id="39" name="그룹 38">
+            <a:extLst>
+              <a:ext uri="{FF2B5EF4-FFF2-40B4-BE49-F238E27FC236}">
+                <a16:creationId xmlns:a16="http://schemas.microsoft.com/office/drawing/2014/main" id="{9BBF5BB5-BFEA-417E-8306-CC663ABC94DB}"/>
+              </a:ext>
+            </a:extLst>
+          </p:cNvPr>
+          <p:cNvGrpSpPr/>
+          <p:nvPr/>
+        </p:nvGrpSpPr>
+        <p:grpSpPr>
+          <a:xfrm>
+            <a:off x="3707904" y="1058091"/>
+            <a:ext cx="360041" cy="864099"/>
+            <a:chOff x="1331640" y="3573016"/>
+            <a:chExt cx="360040" cy="864096"/>
+          </a:xfrm>
+          <a:solidFill>
+            <a:srgbClr val="00B0F0"/>
+          </a:solidFill>
+        </p:grpSpPr>
+        <p:sp>
+          <p:nvSpPr>
+            <p:cNvPr id="40" name="타원 39">
+              <a:extLst>
+                <a:ext uri="{FF2B5EF4-FFF2-40B4-BE49-F238E27FC236}">
+                  <a16:creationId xmlns:a16="http://schemas.microsoft.com/office/drawing/2014/main" id="{A777B7B0-0D4B-4439-9691-60FF39972FD1}"/>
+                </a:ext>
+              </a:extLst>
+            </p:cNvPr>
+            <p:cNvSpPr/>
+            <p:nvPr/>
+          </p:nvSpPr>
+          <p:spPr>
+            <a:xfrm>
+              <a:off x="1403648" y="3573016"/>
+              <a:ext cx="288032" cy="288032"/>
+            </a:xfrm>
+            <a:prstGeom prst="ellipse">
+              <a:avLst/>
+            </a:prstGeom>
+            <a:grpFill/>
+            <a:ln w="38100">
+              <a:solidFill>
+                <a:schemeClr val="tx1"/>
+              </a:solidFill>
+            </a:ln>
+          </p:spPr>
+          <p:style>
+            <a:lnRef idx="2">
+              <a:schemeClr val="accent1">
+                <a:shade val="50000"/>
+              </a:schemeClr>
+            </a:lnRef>
+            <a:fillRef idx="1">
+              <a:schemeClr val="accent1"/>
+            </a:fillRef>
+            <a:effectRef idx="0">
+              <a:schemeClr val="accent1"/>
+            </a:effectRef>
+            <a:fontRef idx="minor">
+              <a:schemeClr val="lt1"/>
+            </a:fontRef>
+          </p:style>
+          <p:txBody>
+            <a:bodyPr rot="0" spcFirstLastPara="0" vertOverflow="overflow" horzOverflow="overflow" vert="horz" wrap="square" lIns="91440" tIns="45720" rIns="91440" bIns="45720" numCol="1" spcCol="0" rtlCol="0" fromWordArt="0" anchor="ctr" anchorCtr="0" forceAA="0" compatLnSpc="1">
+              <a:prstTxWarp prst="textNoShape">
+                <a:avLst/>
+              </a:prstTxWarp>
+              <a:noAutofit/>
+            </a:bodyPr>
+            <a:lstStyle/>
+            <a:p>
+              <a:pPr algn="ctr"/>
+              <a:r>
+                <a:rPr lang="en-US" altLang="ko-KR" sz="2000">
+                  <a:solidFill>
+                    <a:schemeClr val="tx1"/>
+                  </a:solidFill>
+                  <a:latin typeface="Consolas" pitchFamily="49" charset="0"/>
+                  <a:cs typeface="Consolas" pitchFamily="49" charset="0"/>
+                </a:rPr>
+                <a:t>a</a:t>
+              </a:r>
+              <a:endParaRPr lang="ko-KR" altLang="en-US" sz="2000">
+                <a:solidFill>
+                  <a:schemeClr val="tx1"/>
+                </a:solidFill>
+                <a:latin typeface="Consolas" pitchFamily="49" charset="0"/>
+                <a:cs typeface="Consolas" pitchFamily="49" charset="0"/>
+              </a:endParaRPr>
+            </a:p>
+          </p:txBody>
+        </p:sp>
+        <p:cxnSp>
+          <p:nvCxnSpPr>
+            <p:cNvPr id="41" name="직선 연결선 40">
+              <a:extLst>
+                <a:ext uri="{FF2B5EF4-FFF2-40B4-BE49-F238E27FC236}">
+                  <a16:creationId xmlns:a16="http://schemas.microsoft.com/office/drawing/2014/main" id="{14B6B869-6083-410B-86A0-322C189339C2}"/>
+                </a:ext>
+              </a:extLst>
+            </p:cNvPr>
+            <p:cNvCxnSpPr>
+              <a:stCxn id="40" idx="4"/>
+            </p:cNvCxnSpPr>
+            <p:nvPr/>
+          </p:nvCxnSpPr>
+          <p:spPr>
+            <a:xfrm>
+              <a:off x="1547664" y="3861048"/>
+              <a:ext cx="0" cy="576064"/>
+            </a:xfrm>
+            <a:prstGeom prst="line">
+              <a:avLst/>
+            </a:prstGeom>
+            <a:grpFill/>
+            <a:ln w="38100">
+              <a:solidFill>
+                <a:schemeClr val="tx1"/>
+              </a:solidFill>
+            </a:ln>
+          </p:spPr>
+          <p:style>
+            <a:lnRef idx="1">
+              <a:schemeClr val="accent1"/>
+            </a:lnRef>
+            <a:fillRef idx="0">
+              <a:schemeClr val="accent1"/>
+            </a:fillRef>
+            <a:effectRef idx="0">
+              <a:schemeClr val="accent1"/>
+            </a:effectRef>
+            <a:fontRef idx="minor">
+              <a:schemeClr val="tx1"/>
+            </a:fontRef>
+          </p:style>
+        </p:cxnSp>
+        <p:cxnSp>
+          <p:nvCxnSpPr>
+            <p:cNvPr id="42" name="직선 연결선 41">
+              <a:extLst>
+                <a:ext uri="{FF2B5EF4-FFF2-40B4-BE49-F238E27FC236}">
+                  <a16:creationId xmlns:a16="http://schemas.microsoft.com/office/drawing/2014/main" id="{875FB9B0-33D9-407D-9468-6CCD096211E0}"/>
+                </a:ext>
+              </a:extLst>
+            </p:cNvPr>
+            <p:cNvCxnSpPr>
+              <a:cxnSpLocks/>
+            </p:cNvCxnSpPr>
+            <p:nvPr/>
+          </p:nvCxnSpPr>
+          <p:spPr>
+            <a:xfrm>
+              <a:off x="1331640" y="4149080"/>
+              <a:ext cx="216024" cy="0"/>
+            </a:xfrm>
+            <a:prstGeom prst="line">
+              <a:avLst/>
+            </a:prstGeom>
+            <a:grpFill/>
+            <a:ln w="38100">
+              <a:solidFill>
+                <a:schemeClr val="tx1"/>
+              </a:solidFill>
+            </a:ln>
+          </p:spPr>
+          <p:style>
+            <a:lnRef idx="1">
+              <a:schemeClr val="accent1"/>
+            </a:lnRef>
+            <a:fillRef idx="0">
+              <a:schemeClr val="accent1"/>
+            </a:fillRef>
+            <a:effectRef idx="0">
+              <a:schemeClr val="accent1"/>
+            </a:effectRef>
+            <a:fontRef idx="minor">
+              <a:schemeClr val="tx1"/>
+            </a:fontRef>
+          </p:style>
+        </p:cxnSp>
+        <p:cxnSp>
+          <p:nvCxnSpPr>
+            <p:cNvPr id="43" name="직선 연결선 42">
+              <a:extLst>
+                <a:ext uri="{FF2B5EF4-FFF2-40B4-BE49-F238E27FC236}">
+                  <a16:creationId xmlns:a16="http://schemas.microsoft.com/office/drawing/2014/main" id="{C414B6B7-D813-4B82-B13C-CE7FF3E3C8CF}"/>
+                </a:ext>
+              </a:extLst>
+            </p:cNvPr>
+            <p:cNvCxnSpPr>
+              <a:cxnSpLocks/>
+            </p:cNvCxnSpPr>
+            <p:nvPr/>
+          </p:nvCxnSpPr>
+          <p:spPr>
+            <a:xfrm>
+              <a:off x="1331640" y="4365104"/>
+              <a:ext cx="216024" cy="0"/>
+            </a:xfrm>
+            <a:prstGeom prst="line">
+              <a:avLst/>
+            </a:prstGeom>
+            <a:grpFill/>
+            <a:ln w="38100">
+              <a:solidFill>
+                <a:schemeClr val="tx1"/>
+              </a:solidFill>
+            </a:ln>
+          </p:spPr>
+          <p:style>
+            <a:lnRef idx="1">
+              <a:schemeClr val="accent1"/>
+            </a:lnRef>
+            <a:fillRef idx="0">
+              <a:schemeClr val="accent1"/>
+            </a:fillRef>
+            <a:effectRef idx="0">
+              <a:schemeClr val="accent1"/>
+            </a:effectRef>
+            <a:fontRef idx="minor">
+              <a:schemeClr val="tx1"/>
+            </a:fontRef>
+          </p:style>
+        </p:cxnSp>
+      </p:grpSp>
+      <p:grpSp>
+        <p:nvGrpSpPr>
+          <p:cNvPr id="44" name="그룹 43">
+            <a:extLst>
+              <a:ext uri="{FF2B5EF4-FFF2-40B4-BE49-F238E27FC236}">
+                <a16:creationId xmlns:a16="http://schemas.microsoft.com/office/drawing/2014/main" id="{98B5151C-4E12-4EAD-BCEF-DBBBE286E70F}"/>
+              </a:ext>
+            </a:extLst>
+          </p:cNvPr>
+          <p:cNvGrpSpPr/>
+          <p:nvPr/>
+        </p:nvGrpSpPr>
+        <p:grpSpPr>
+          <a:xfrm>
+            <a:off x="4153192" y="1058955"/>
+            <a:ext cx="360041" cy="864099"/>
+            <a:chOff x="1331640" y="3573016"/>
+            <a:chExt cx="360040" cy="864096"/>
+          </a:xfrm>
+          <a:solidFill>
+            <a:srgbClr val="00B0F0"/>
+          </a:solidFill>
+        </p:grpSpPr>
+        <p:sp>
+          <p:nvSpPr>
+            <p:cNvPr id="45" name="타원 44">
+              <a:extLst>
+                <a:ext uri="{FF2B5EF4-FFF2-40B4-BE49-F238E27FC236}">
+                  <a16:creationId xmlns:a16="http://schemas.microsoft.com/office/drawing/2014/main" id="{5541BAFC-6DF1-46F0-A81F-18BA190177E1}"/>
+                </a:ext>
+              </a:extLst>
+            </p:cNvPr>
+            <p:cNvSpPr/>
+            <p:nvPr/>
+          </p:nvSpPr>
+          <p:spPr>
+            <a:xfrm>
+              <a:off x="1403648" y="3573016"/>
+              <a:ext cx="288032" cy="288032"/>
+            </a:xfrm>
+            <a:prstGeom prst="ellipse">
+              <a:avLst/>
+            </a:prstGeom>
+            <a:grpFill/>
+            <a:ln w="38100">
+              <a:solidFill>
+                <a:schemeClr val="tx1"/>
+              </a:solidFill>
+            </a:ln>
+          </p:spPr>
+          <p:style>
+            <a:lnRef idx="2">
+              <a:schemeClr val="accent1">
+                <a:shade val="50000"/>
+              </a:schemeClr>
+            </a:lnRef>
+            <a:fillRef idx="1">
+              <a:schemeClr val="accent1"/>
+            </a:fillRef>
+            <a:effectRef idx="0">
+              <a:schemeClr val="accent1"/>
+            </a:effectRef>
+            <a:fontRef idx="minor">
+              <a:schemeClr val="lt1"/>
+            </a:fontRef>
+          </p:style>
+          <p:txBody>
+            <a:bodyPr rot="0" spcFirstLastPara="0" vertOverflow="overflow" horzOverflow="overflow" vert="horz" wrap="square" lIns="91440" tIns="45720" rIns="91440" bIns="45720" numCol="1" spcCol="0" rtlCol="0" fromWordArt="0" anchor="ctr" anchorCtr="0" forceAA="0" compatLnSpc="1">
+              <a:prstTxWarp prst="textNoShape">
+                <a:avLst/>
+              </a:prstTxWarp>
+              <a:noAutofit/>
+            </a:bodyPr>
+            <a:lstStyle/>
+            <a:p>
+              <a:pPr algn="ctr"/>
+              <a:r>
+                <a:rPr lang="en-US" altLang="ko-KR" sz="2000">
+                  <a:solidFill>
+                    <a:schemeClr val="tx1"/>
+                  </a:solidFill>
+                  <a:latin typeface="Consolas" pitchFamily="49" charset="0"/>
+                  <a:cs typeface="Consolas" pitchFamily="49" charset="0"/>
+                </a:rPr>
+                <a:t>b</a:t>
+              </a:r>
+              <a:endParaRPr lang="ko-KR" altLang="en-US" sz="2000">
+                <a:solidFill>
+                  <a:schemeClr val="tx1"/>
+                </a:solidFill>
+                <a:latin typeface="Consolas" pitchFamily="49" charset="0"/>
+                <a:cs typeface="Consolas" pitchFamily="49" charset="0"/>
+              </a:endParaRPr>
+            </a:p>
+          </p:txBody>
+        </p:sp>
+        <p:cxnSp>
+          <p:nvCxnSpPr>
+            <p:cNvPr id="46" name="직선 연결선 45">
+              <a:extLst>
+                <a:ext uri="{FF2B5EF4-FFF2-40B4-BE49-F238E27FC236}">
+                  <a16:creationId xmlns:a16="http://schemas.microsoft.com/office/drawing/2014/main" id="{55459242-8F69-40D5-A369-548E9B6469AE}"/>
+                </a:ext>
+              </a:extLst>
+            </p:cNvPr>
+            <p:cNvCxnSpPr>
+              <a:stCxn id="45" idx="4"/>
+            </p:cNvCxnSpPr>
+            <p:nvPr/>
+          </p:nvCxnSpPr>
+          <p:spPr>
+            <a:xfrm>
+              <a:off x="1547664" y="3861048"/>
+              <a:ext cx="0" cy="576064"/>
+            </a:xfrm>
+            <a:prstGeom prst="line">
+              <a:avLst/>
+            </a:prstGeom>
+            <a:grpFill/>
+            <a:ln w="38100">
+              <a:solidFill>
+                <a:schemeClr val="tx1"/>
+              </a:solidFill>
+            </a:ln>
+          </p:spPr>
+          <p:style>
+            <a:lnRef idx="1">
+              <a:schemeClr val="accent1"/>
+            </a:lnRef>
+            <a:fillRef idx="0">
+              <a:schemeClr val="accent1"/>
+            </a:fillRef>
+            <a:effectRef idx="0">
+              <a:schemeClr val="accent1"/>
+            </a:effectRef>
+            <a:fontRef idx="minor">
+              <a:schemeClr val="tx1"/>
+            </a:fontRef>
+          </p:style>
+        </p:cxnSp>
+        <p:cxnSp>
+          <p:nvCxnSpPr>
+            <p:cNvPr id="47" name="직선 연결선 46">
+              <a:extLst>
+                <a:ext uri="{FF2B5EF4-FFF2-40B4-BE49-F238E27FC236}">
+                  <a16:creationId xmlns:a16="http://schemas.microsoft.com/office/drawing/2014/main" id="{39CA1F9D-4683-4B54-9591-1DB62FBE001F}"/>
+                </a:ext>
+              </a:extLst>
+            </p:cNvPr>
+            <p:cNvCxnSpPr>
+              <a:cxnSpLocks/>
+            </p:cNvCxnSpPr>
+            <p:nvPr/>
+          </p:nvCxnSpPr>
+          <p:spPr>
+            <a:xfrm>
+              <a:off x="1331640" y="4149080"/>
+              <a:ext cx="216024" cy="0"/>
+            </a:xfrm>
+            <a:prstGeom prst="line">
+              <a:avLst/>
+            </a:prstGeom>
+            <a:grpFill/>
+            <a:ln w="38100">
+              <a:solidFill>
+                <a:schemeClr val="tx1"/>
+              </a:solidFill>
+            </a:ln>
+          </p:spPr>
+          <p:style>
+            <a:lnRef idx="1">
+              <a:schemeClr val="accent1"/>
+            </a:lnRef>
+            <a:fillRef idx="0">
+              <a:schemeClr val="accent1"/>
+            </a:fillRef>
+            <a:effectRef idx="0">
+              <a:schemeClr val="accent1"/>
+            </a:effectRef>
+            <a:fontRef idx="minor">
+              <a:schemeClr val="tx1"/>
+            </a:fontRef>
+          </p:style>
+        </p:cxnSp>
+        <p:cxnSp>
+          <p:nvCxnSpPr>
+            <p:cNvPr id="48" name="직선 연결선 47">
+              <a:extLst>
+                <a:ext uri="{FF2B5EF4-FFF2-40B4-BE49-F238E27FC236}">
+                  <a16:creationId xmlns:a16="http://schemas.microsoft.com/office/drawing/2014/main" id="{7D058A7A-14AC-4244-ACF4-D1FCA51CE8EB}"/>
+                </a:ext>
+              </a:extLst>
+            </p:cNvPr>
+            <p:cNvCxnSpPr>
+              <a:cxnSpLocks/>
+            </p:cNvCxnSpPr>
+            <p:nvPr/>
+          </p:nvCxnSpPr>
+          <p:spPr>
+            <a:xfrm>
+              <a:off x="1331640" y="4365104"/>
+              <a:ext cx="216024" cy="0"/>
+            </a:xfrm>
+            <a:prstGeom prst="line">
+              <a:avLst/>
+            </a:prstGeom>
+            <a:grpFill/>
+            <a:ln w="38100">
+              <a:solidFill>
+                <a:schemeClr val="tx1"/>
+              </a:solidFill>
+            </a:ln>
+          </p:spPr>
+          <p:style>
+            <a:lnRef idx="1">
+              <a:schemeClr val="accent1"/>
+            </a:lnRef>
+            <a:fillRef idx="0">
+              <a:schemeClr val="accent1"/>
+            </a:fillRef>
+            <a:effectRef idx="0">
+              <a:schemeClr val="accent1"/>
+            </a:effectRef>
+            <a:fontRef idx="minor">
+              <a:schemeClr val="tx1"/>
+            </a:fontRef>
+          </p:style>
+        </p:cxnSp>
+      </p:grpSp>
+      <p:sp>
+        <p:nvSpPr>
+          <p:cNvPr id="49" name="TextBox 48">
+            <a:extLst>
+              <a:ext uri="{FF2B5EF4-FFF2-40B4-BE49-F238E27FC236}">
+                <a16:creationId xmlns:a16="http://schemas.microsoft.com/office/drawing/2014/main" id="{CBA1E65B-8754-445D-A31D-F0AFFF1E4D8C}"/>
+              </a:ext>
+            </a:extLst>
+          </p:cNvPr>
+          <p:cNvSpPr txBox="1"/>
+          <p:nvPr/>
+        </p:nvSpPr>
+        <p:spPr>
+          <a:xfrm>
+            <a:off x="3834548" y="525320"/>
+            <a:ext cx="466794" cy="400110"/>
+          </a:xfrm>
+          <a:prstGeom prst="rect">
+            <a:avLst/>
+          </a:prstGeom>
+          <a:noFill/>
+        </p:spPr>
+        <p:txBody>
+          <a:bodyPr wrap="none" rtlCol="0">
+            <a:spAutoFit/>
+          </a:bodyPr>
+          <a:lstStyle/>
+          <a:p>
+            <a:r>
+              <a:rPr lang="en-US" altLang="ko-KR" sz="2000">
+                <a:latin typeface="Consolas" pitchFamily="49" charset="0"/>
+                <a:cs typeface="Consolas" pitchFamily="49" charset="0"/>
+              </a:rPr>
+              <a:t>CA</a:t>
+            </a:r>
+            <a:endParaRPr lang="ko-KR" altLang="en-US" sz="2000">
+              <a:latin typeface="Consolas" pitchFamily="49" charset="0"/>
+              <a:cs typeface="Consolas" pitchFamily="49" charset="0"/>
+            </a:endParaRPr>
+          </a:p>
+        </p:txBody>
+      </p:sp>
+      <p:grpSp>
+        <p:nvGrpSpPr>
+          <p:cNvPr id="50" name="그룹 49">
+            <a:extLst>
+              <a:ext uri="{FF2B5EF4-FFF2-40B4-BE49-F238E27FC236}">
+                <a16:creationId xmlns:a16="http://schemas.microsoft.com/office/drawing/2014/main" id="{B49F8507-0663-4889-A04E-6EA8109A9689}"/>
+              </a:ext>
+            </a:extLst>
+          </p:cNvPr>
+          <p:cNvGrpSpPr/>
+          <p:nvPr/>
+        </p:nvGrpSpPr>
+        <p:grpSpPr>
+          <a:xfrm>
+            <a:off x="2090258" y="2548935"/>
+            <a:ext cx="360041" cy="864099"/>
+            <a:chOff x="1331640" y="3573016"/>
+            <a:chExt cx="360040" cy="864096"/>
+          </a:xfrm>
+          <a:solidFill>
+            <a:srgbClr val="00B0F0"/>
+          </a:solidFill>
+        </p:grpSpPr>
+        <p:sp>
+          <p:nvSpPr>
+            <p:cNvPr id="51" name="타원 50">
+              <a:extLst>
+                <a:ext uri="{FF2B5EF4-FFF2-40B4-BE49-F238E27FC236}">
+                  <a16:creationId xmlns:a16="http://schemas.microsoft.com/office/drawing/2014/main" id="{3A080D23-3252-4C42-8867-75625B3DCDAB}"/>
+                </a:ext>
+              </a:extLst>
+            </p:cNvPr>
+            <p:cNvSpPr/>
+            <p:nvPr/>
+          </p:nvSpPr>
+          <p:spPr>
+            <a:xfrm>
+              <a:off x="1403648" y="3573016"/>
+              <a:ext cx="288032" cy="288032"/>
+            </a:xfrm>
+            <a:prstGeom prst="ellipse">
+              <a:avLst/>
+            </a:prstGeom>
+            <a:grpFill/>
+            <a:ln w="38100">
+              <a:solidFill>
+                <a:schemeClr val="tx1"/>
+              </a:solidFill>
+            </a:ln>
+          </p:spPr>
+          <p:style>
+            <a:lnRef idx="2">
+              <a:schemeClr val="accent1">
+                <a:shade val="50000"/>
+              </a:schemeClr>
+            </a:lnRef>
+            <a:fillRef idx="1">
+              <a:schemeClr val="accent1"/>
+            </a:fillRef>
+            <a:effectRef idx="0">
+              <a:schemeClr val="accent1"/>
+            </a:effectRef>
+            <a:fontRef idx="minor">
+              <a:schemeClr val="lt1"/>
+            </a:fontRef>
+          </p:style>
+          <p:txBody>
+            <a:bodyPr rot="0" spcFirstLastPara="0" vertOverflow="overflow" horzOverflow="overflow" vert="horz" wrap="square" lIns="91440" tIns="45720" rIns="91440" bIns="45720" numCol="1" spcCol="0" rtlCol="0" fromWordArt="0" anchor="ctr" anchorCtr="0" forceAA="0" compatLnSpc="1">
+              <a:prstTxWarp prst="textNoShape">
+                <a:avLst/>
+              </a:prstTxWarp>
+              <a:noAutofit/>
+            </a:bodyPr>
+            <a:lstStyle/>
+            <a:p>
+              <a:pPr algn="ctr"/>
+              <a:r>
+                <a:rPr lang="en-US" altLang="ko-KR" sz="2000">
+                  <a:solidFill>
+                    <a:schemeClr val="tx1"/>
+                  </a:solidFill>
+                  <a:latin typeface="Consolas" pitchFamily="49" charset="0"/>
+                  <a:cs typeface="Consolas" pitchFamily="49" charset="0"/>
+                </a:rPr>
+                <a:t>b</a:t>
+              </a:r>
+              <a:endParaRPr lang="ko-KR" altLang="en-US" sz="2000">
+                <a:solidFill>
+                  <a:schemeClr val="tx1"/>
+                </a:solidFill>
+                <a:latin typeface="Consolas" pitchFamily="49" charset="0"/>
+                <a:cs typeface="Consolas" pitchFamily="49" charset="0"/>
+              </a:endParaRPr>
+            </a:p>
+          </p:txBody>
+        </p:sp>
+        <p:cxnSp>
+          <p:nvCxnSpPr>
+            <p:cNvPr id="52" name="직선 연결선 51">
+              <a:extLst>
+                <a:ext uri="{FF2B5EF4-FFF2-40B4-BE49-F238E27FC236}">
+                  <a16:creationId xmlns:a16="http://schemas.microsoft.com/office/drawing/2014/main" id="{A1A096A6-0E57-4A12-99E9-35DD951E573D}"/>
+                </a:ext>
+              </a:extLst>
+            </p:cNvPr>
+            <p:cNvCxnSpPr>
+              <a:stCxn id="51" idx="4"/>
+            </p:cNvCxnSpPr>
+            <p:nvPr/>
+          </p:nvCxnSpPr>
+          <p:spPr>
+            <a:xfrm>
+              <a:off x="1547664" y="3861048"/>
+              <a:ext cx="0" cy="576064"/>
+            </a:xfrm>
+            <a:prstGeom prst="line">
+              <a:avLst/>
+            </a:prstGeom>
+            <a:grpFill/>
+            <a:ln w="38100">
+              <a:solidFill>
+                <a:schemeClr val="tx1"/>
+              </a:solidFill>
+            </a:ln>
+          </p:spPr>
+          <p:style>
+            <a:lnRef idx="1">
+              <a:schemeClr val="accent1"/>
+            </a:lnRef>
+            <a:fillRef idx="0">
+              <a:schemeClr val="accent1"/>
+            </a:fillRef>
+            <a:effectRef idx="0">
+              <a:schemeClr val="accent1"/>
+            </a:effectRef>
+            <a:fontRef idx="minor">
+              <a:schemeClr val="tx1"/>
+            </a:fontRef>
+          </p:style>
+        </p:cxnSp>
+        <p:cxnSp>
+          <p:nvCxnSpPr>
+            <p:cNvPr id="53" name="직선 연결선 52">
+              <a:extLst>
+                <a:ext uri="{FF2B5EF4-FFF2-40B4-BE49-F238E27FC236}">
+                  <a16:creationId xmlns:a16="http://schemas.microsoft.com/office/drawing/2014/main" id="{25D248FD-78FF-4A4A-854C-0FE2BA35ACB6}"/>
+                </a:ext>
+              </a:extLst>
+            </p:cNvPr>
+            <p:cNvCxnSpPr>
+              <a:cxnSpLocks/>
+            </p:cNvCxnSpPr>
+            <p:nvPr/>
+          </p:nvCxnSpPr>
+          <p:spPr>
+            <a:xfrm>
+              <a:off x="1331640" y="4149080"/>
+              <a:ext cx="216024" cy="0"/>
+            </a:xfrm>
+            <a:prstGeom prst="line">
+              <a:avLst/>
+            </a:prstGeom>
+            <a:grpFill/>
+            <a:ln w="38100">
+              <a:solidFill>
+                <a:schemeClr val="tx1"/>
+              </a:solidFill>
+            </a:ln>
+          </p:spPr>
+          <p:style>
+            <a:lnRef idx="1">
+              <a:schemeClr val="accent1"/>
+            </a:lnRef>
+            <a:fillRef idx="0">
+              <a:schemeClr val="accent1"/>
+            </a:fillRef>
+            <a:effectRef idx="0">
+              <a:schemeClr val="accent1"/>
+            </a:effectRef>
+            <a:fontRef idx="minor">
+              <a:schemeClr val="tx1"/>
+            </a:fontRef>
+          </p:style>
+        </p:cxnSp>
+        <p:cxnSp>
+          <p:nvCxnSpPr>
+            <p:cNvPr id="54" name="직선 연결선 53">
+              <a:extLst>
+                <a:ext uri="{FF2B5EF4-FFF2-40B4-BE49-F238E27FC236}">
+                  <a16:creationId xmlns:a16="http://schemas.microsoft.com/office/drawing/2014/main" id="{D898353E-30E9-4B93-A1DE-F50892A6BD2B}"/>
+                </a:ext>
+              </a:extLst>
+            </p:cNvPr>
+            <p:cNvCxnSpPr>
+              <a:cxnSpLocks/>
+            </p:cNvCxnSpPr>
+            <p:nvPr/>
+          </p:nvCxnSpPr>
+          <p:spPr>
+            <a:xfrm>
+              <a:off x="1331640" y="4365104"/>
+              <a:ext cx="216024" cy="0"/>
+            </a:xfrm>
+            <a:prstGeom prst="line">
+              <a:avLst/>
+            </a:prstGeom>
+            <a:grpFill/>
+            <a:ln w="38100">
+              <a:solidFill>
+                <a:schemeClr val="tx1"/>
+              </a:solidFill>
+            </a:ln>
+          </p:spPr>
+          <p:style>
+            <a:lnRef idx="1">
+              <a:schemeClr val="accent1"/>
+            </a:lnRef>
+            <a:fillRef idx="0">
+              <a:schemeClr val="accent1"/>
+            </a:fillRef>
+            <a:effectRef idx="0">
+              <a:schemeClr val="accent1"/>
+            </a:effectRef>
+            <a:fontRef idx="minor">
+              <a:schemeClr val="tx1"/>
+            </a:fontRef>
+          </p:style>
+        </p:cxnSp>
+      </p:grpSp>
+      <p:grpSp>
+        <p:nvGrpSpPr>
+          <p:cNvPr id="55" name="그룹 54">
+            <a:extLst>
+              <a:ext uri="{FF2B5EF4-FFF2-40B4-BE49-F238E27FC236}">
+                <a16:creationId xmlns:a16="http://schemas.microsoft.com/office/drawing/2014/main" id="{5E9253FA-D40A-4ECC-9F0C-46A0E40D4DA8}"/>
+              </a:ext>
+            </a:extLst>
+          </p:cNvPr>
+          <p:cNvGrpSpPr/>
+          <p:nvPr/>
+        </p:nvGrpSpPr>
+        <p:grpSpPr>
+          <a:xfrm>
+            <a:off x="5844787" y="2456890"/>
+            <a:ext cx="360041" cy="864099"/>
+            <a:chOff x="1331640" y="3573016"/>
+            <a:chExt cx="360040" cy="864096"/>
+          </a:xfrm>
+          <a:solidFill>
+            <a:srgbClr val="FF0000"/>
+          </a:solidFill>
+        </p:grpSpPr>
+        <p:sp>
+          <p:nvSpPr>
+            <p:cNvPr id="56" name="타원 55">
+              <a:extLst>
+                <a:ext uri="{FF2B5EF4-FFF2-40B4-BE49-F238E27FC236}">
+                  <a16:creationId xmlns:a16="http://schemas.microsoft.com/office/drawing/2014/main" id="{41B78289-4D5C-4F94-9FC8-280820D7C514}"/>
+                </a:ext>
+              </a:extLst>
+            </p:cNvPr>
+            <p:cNvSpPr/>
+            <p:nvPr/>
+          </p:nvSpPr>
+          <p:spPr>
+            <a:xfrm>
+              <a:off x="1403648" y="3573016"/>
+              <a:ext cx="288032" cy="288032"/>
+            </a:xfrm>
+            <a:prstGeom prst="ellipse">
+              <a:avLst/>
+            </a:prstGeom>
+            <a:grpFill/>
+            <a:ln w="38100">
+              <a:solidFill>
+                <a:schemeClr val="tx1"/>
+              </a:solidFill>
+            </a:ln>
+          </p:spPr>
+          <p:style>
+            <a:lnRef idx="2">
+              <a:schemeClr val="accent1">
+                <a:shade val="50000"/>
+              </a:schemeClr>
+            </a:lnRef>
+            <a:fillRef idx="1">
+              <a:schemeClr val="accent1"/>
+            </a:fillRef>
+            <a:effectRef idx="0">
+              <a:schemeClr val="accent1"/>
+            </a:effectRef>
+            <a:fontRef idx="minor">
+              <a:schemeClr val="lt1"/>
+            </a:fontRef>
+          </p:style>
+          <p:txBody>
+            <a:bodyPr rot="0" spcFirstLastPara="0" vertOverflow="overflow" horzOverflow="overflow" vert="horz" wrap="square" lIns="91440" tIns="45720" rIns="91440" bIns="45720" numCol="1" spcCol="0" rtlCol="0" fromWordArt="0" anchor="ctr" anchorCtr="0" forceAA="0" compatLnSpc="1">
+              <a:prstTxWarp prst="textNoShape">
+                <a:avLst/>
+              </a:prstTxWarp>
+              <a:noAutofit/>
+            </a:bodyPr>
+            <a:lstStyle/>
+            <a:p>
+              <a:pPr algn="ctr"/>
+              <a:r>
+                <a:rPr lang="en-US" altLang="ko-KR" sz="2000">
+                  <a:solidFill>
+                    <a:schemeClr val="tx1"/>
+                  </a:solidFill>
+                  <a:latin typeface="Consolas" pitchFamily="49" charset="0"/>
+                  <a:cs typeface="Consolas" pitchFamily="49" charset="0"/>
+                </a:rPr>
+                <a:t>b</a:t>
+              </a:r>
+              <a:endParaRPr lang="ko-KR" altLang="en-US" sz="2000">
+                <a:solidFill>
+                  <a:schemeClr val="tx1"/>
+                </a:solidFill>
+                <a:latin typeface="Consolas" pitchFamily="49" charset="0"/>
+                <a:cs typeface="Consolas" pitchFamily="49" charset="0"/>
+              </a:endParaRPr>
+            </a:p>
+          </p:txBody>
+        </p:sp>
+        <p:cxnSp>
+          <p:nvCxnSpPr>
+            <p:cNvPr id="57" name="직선 연결선 56">
+              <a:extLst>
+                <a:ext uri="{FF2B5EF4-FFF2-40B4-BE49-F238E27FC236}">
+                  <a16:creationId xmlns:a16="http://schemas.microsoft.com/office/drawing/2014/main" id="{586E98E5-42C6-410F-9453-B21220F0ACBE}"/>
+                </a:ext>
+              </a:extLst>
+            </p:cNvPr>
+            <p:cNvCxnSpPr>
+              <a:stCxn id="56" idx="4"/>
+            </p:cNvCxnSpPr>
+            <p:nvPr/>
+          </p:nvCxnSpPr>
+          <p:spPr>
+            <a:xfrm>
+              <a:off x="1547664" y="3861048"/>
+              <a:ext cx="0" cy="576064"/>
+            </a:xfrm>
+            <a:prstGeom prst="line">
+              <a:avLst/>
+            </a:prstGeom>
+            <a:grpFill/>
+            <a:ln w="38100">
+              <a:solidFill>
+                <a:schemeClr val="tx1"/>
+              </a:solidFill>
+            </a:ln>
+          </p:spPr>
+          <p:style>
+            <a:lnRef idx="1">
+              <a:schemeClr val="accent1"/>
+            </a:lnRef>
+            <a:fillRef idx="0">
+              <a:schemeClr val="accent1"/>
+            </a:fillRef>
+            <a:effectRef idx="0">
+              <a:schemeClr val="accent1"/>
+            </a:effectRef>
+            <a:fontRef idx="minor">
+              <a:schemeClr val="tx1"/>
+            </a:fontRef>
+          </p:style>
+        </p:cxnSp>
+        <p:cxnSp>
+          <p:nvCxnSpPr>
+            <p:cNvPr id="58" name="직선 연결선 57">
+              <a:extLst>
+                <a:ext uri="{FF2B5EF4-FFF2-40B4-BE49-F238E27FC236}">
+                  <a16:creationId xmlns:a16="http://schemas.microsoft.com/office/drawing/2014/main" id="{778FBF6E-91E0-4786-AEDC-3AC4AE5BAF7E}"/>
+                </a:ext>
+              </a:extLst>
+            </p:cNvPr>
+            <p:cNvCxnSpPr>
+              <a:cxnSpLocks/>
+            </p:cNvCxnSpPr>
+            <p:nvPr/>
+          </p:nvCxnSpPr>
+          <p:spPr>
+            <a:xfrm>
+              <a:off x="1331640" y="4149080"/>
+              <a:ext cx="216024" cy="0"/>
+            </a:xfrm>
+            <a:prstGeom prst="line">
+              <a:avLst/>
+            </a:prstGeom>
+            <a:grpFill/>
+            <a:ln w="38100">
+              <a:solidFill>
+                <a:schemeClr val="tx1"/>
+              </a:solidFill>
+            </a:ln>
+          </p:spPr>
+          <p:style>
+            <a:lnRef idx="1">
+              <a:schemeClr val="accent1"/>
+            </a:lnRef>
+            <a:fillRef idx="0">
+              <a:schemeClr val="accent1"/>
+            </a:fillRef>
+            <a:effectRef idx="0">
+              <a:schemeClr val="accent1"/>
+            </a:effectRef>
+            <a:fontRef idx="minor">
+              <a:schemeClr val="tx1"/>
+            </a:fontRef>
+          </p:style>
+        </p:cxnSp>
+        <p:cxnSp>
+          <p:nvCxnSpPr>
+            <p:cNvPr id="59" name="직선 연결선 58">
+              <a:extLst>
+                <a:ext uri="{FF2B5EF4-FFF2-40B4-BE49-F238E27FC236}">
+                  <a16:creationId xmlns:a16="http://schemas.microsoft.com/office/drawing/2014/main" id="{1EB57A8C-B2A0-478A-8F89-8AAF662A49CF}"/>
+                </a:ext>
+              </a:extLst>
+            </p:cNvPr>
+            <p:cNvCxnSpPr>
+              <a:cxnSpLocks/>
+            </p:cNvCxnSpPr>
+            <p:nvPr/>
+          </p:nvCxnSpPr>
+          <p:spPr>
+            <a:xfrm>
+              <a:off x="1331640" y="4365104"/>
+              <a:ext cx="216024" cy="0"/>
+            </a:xfrm>
+            <a:prstGeom prst="line">
+              <a:avLst/>
+            </a:prstGeom>
+            <a:grpFill/>
+            <a:ln w="38100">
+              <a:solidFill>
+                <a:schemeClr val="tx1"/>
+              </a:solidFill>
+            </a:ln>
+          </p:spPr>
+          <p:style>
+            <a:lnRef idx="1">
+              <a:schemeClr val="accent1"/>
+            </a:lnRef>
+            <a:fillRef idx="0">
+              <a:schemeClr val="accent1"/>
+            </a:fillRef>
+            <a:effectRef idx="0">
+              <a:schemeClr val="accent1"/>
+            </a:effectRef>
+            <a:fontRef idx="minor">
+              <a:schemeClr val="tx1"/>
+            </a:fontRef>
+          </p:style>
+        </p:cxnSp>
+      </p:grpSp>
+    </p:spTree>
+    <p:extLst>
+      <p:ext uri="{BB962C8B-B14F-4D97-AF65-F5344CB8AC3E}">
+        <p14:creationId xmlns:p14="http://schemas.microsoft.com/office/powerpoint/2010/main" val="727266347"/>
+      </p:ext>
+    </p:extLst>
+  </p:cSld>
+  <p:clrMapOvr>
+    <a:masterClrMapping/>
+  </p:clrMapOvr>
+</p:sld>
+</file>
+
+<file path=ppt/slides/slide23.xml><?xml version="1.0" encoding="utf-8"?>
+<p:sld xmlns:a="http://schemas.openxmlformats.org/drawingml/2006/main" xmlns:r="http://schemas.openxmlformats.org/officeDocument/2006/relationships" xmlns:p="http://schemas.openxmlformats.org/presentationml/2006/main">
+  <p:cSld>
+    <p:spTree>
+      <p:nvGrpSpPr>
+        <p:cNvPr id="1" name=""/>
+        <p:cNvGrpSpPr/>
+        <p:nvPr/>
+      </p:nvGrpSpPr>
+      <p:grpSpPr>
+        <a:xfrm>
+          <a:off x="0" y="0"/>
+          <a:ext cx="0" cy="0"/>
+          <a:chOff x="0" y="0"/>
+          <a:chExt cx="0" cy="0"/>
+        </a:xfrm>
+      </p:grpSpPr>
+      <p:sp>
+        <p:nvSpPr>
+          <p:cNvPr id="4" name="TextBox 3">
+            <a:extLst>
+              <a:ext uri="{FF2B5EF4-FFF2-40B4-BE49-F238E27FC236}">
+                <a16:creationId xmlns:a16="http://schemas.microsoft.com/office/drawing/2014/main" id="{06C98B2E-2DDC-455F-A961-716E52950489}"/>
+              </a:ext>
+            </a:extLst>
+          </p:cNvPr>
+          <p:cNvSpPr txBox="1"/>
+          <p:nvPr/>
+        </p:nvSpPr>
+        <p:spPr>
+          <a:xfrm>
+            <a:off x="467544" y="188640"/>
+            <a:ext cx="8098692" cy="954107"/>
+          </a:xfrm>
+          <a:prstGeom prst="rect">
+            <a:avLst/>
+          </a:prstGeom>
+          <a:noFill/>
+        </p:spPr>
+        <p:txBody>
+          <a:bodyPr wrap="none" rtlCol="0">
+            <a:spAutoFit/>
+          </a:bodyPr>
+          <a:lstStyle/>
+          <a:p>
+            <a:r>
+              <a:rPr lang="en-US" altLang="ko-KR" sz="2800">
+                <a:latin typeface="Consolas" pitchFamily="49" charset="0"/>
+                <a:cs typeface="Consolas" pitchFamily="49" charset="0"/>
+              </a:rPr>
+              <a:t>RSA : </a:t>
+            </a:r>
+            <a:r>
+              <a:rPr lang="ko-KR" altLang="en-US" sz="2800">
+                <a:latin typeface="Consolas" pitchFamily="49" charset="0"/>
+                <a:cs typeface="Consolas" pitchFamily="49" charset="0"/>
+              </a:rPr>
+              <a:t>두개의 매우큰 솟수를 곱하기는 쉬워도 </a:t>
+            </a:r>
+            <a:endParaRPr lang="en-US" altLang="ko-KR" sz="2800">
+              <a:latin typeface="Consolas" pitchFamily="49" charset="0"/>
+              <a:cs typeface="Consolas" pitchFamily="49" charset="0"/>
+            </a:endParaRPr>
+          </a:p>
+          <a:p>
+            <a:r>
+              <a:rPr lang="en-US" altLang="ko-KR" sz="2800">
+                <a:latin typeface="Consolas" pitchFamily="49" charset="0"/>
+                <a:cs typeface="Consolas" pitchFamily="49" charset="0"/>
+              </a:rPr>
+              <a:t>      </a:t>
+            </a:r>
+            <a:r>
+              <a:rPr lang="ko-KR" altLang="en-US" sz="2800">
+                <a:latin typeface="Consolas" pitchFamily="49" charset="0"/>
+                <a:cs typeface="Consolas" pitchFamily="49" charset="0"/>
+              </a:rPr>
+              <a:t>소인수 분해 하기는 어렵다</a:t>
+            </a:r>
+            <a:r>
+              <a:rPr lang="en-US" altLang="ko-KR" sz="2800">
+                <a:latin typeface="Consolas" pitchFamily="49" charset="0"/>
+                <a:cs typeface="Consolas" pitchFamily="49" charset="0"/>
+              </a:rPr>
+              <a:t>.  </a:t>
+            </a:r>
+            <a:endParaRPr lang="ko-KR" altLang="en-US" sz="2800">
+              <a:latin typeface="Consolas" pitchFamily="49" charset="0"/>
+              <a:cs typeface="Consolas" pitchFamily="49" charset="0"/>
+            </a:endParaRPr>
+          </a:p>
+        </p:txBody>
+      </p:sp>
+      <p:sp>
+        <p:nvSpPr>
+          <p:cNvPr id="60" name="TextBox 59">
+            <a:extLst>
+              <a:ext uri="{FF2B5EF4-FFF2-40B4-BE49-F238E27FC236}">
+                <a16:creationId xmlns:a16="http://schemas.microsoft.com/office/drawing/2014/main" id="{E846FFA3-D2B8-464B-BCA4-8073C2146306}"/>
+              </a:ext>
+            </a:extLst>
+          </p:cNvPr>
+          <p:cNvSpPr txBox="1"/>
+          <p:nvPr/>
+        </p:nvSpPr>
+        <p:spPr>
+          <a:xfrm>
+            <a:off x="395536" y="1268760"/>
+            <a:ext cx="4719562" cy="3970318"/>
+          </a:xfrm>
+          <a:prstGeom prst="rect">
+            <a:avLst/>
+          </a:prstGeom>
+          <a:noFill/>
+        </p:spPr>
+        <p:txBody>
+          <a:bodyPr wrap="none" rtlCol="0">
+            <a:spAutoFit/>
+          </a:bodyPr>
+          <a:lstStyle/>
+          <a:p>
+            <a:r>
+              <a:rPr lang="en-US" altLang="ko-KR" sz="2800">
+                <a:latin typeface="Consolas" pitchFamily="49" charset="0"/>
+                <a:cs typeface="Consolas" pitchFamily="49" charset="0"/>
+              </a:rPr>
+              <a:t>p=7</a:t>
+            </a:r>
+          </a:p>
+          <a:p>
+            <a:r>
+              <a:rPr lang="en-US" altLang="ko-KR" sz="2800">
+                <a:latin typeface="Consolas" pitchFamily="49" charset="0"/>
+                <a:cs typeface="Consolas" pitchFamily="49" charset="0"/>
+              </a:rPr>
+              <a:t>q=17</a:t>
+            </a:r>
+          </a:p>
+          <a:p>
+            <a:r>
+              <a:rPr lang="en-US" altLang="ko-KR" sz="2800">
+                <a:latin typeface="Consolas" pitchFamily="49" charset="0"/>
+                <a:cs typeface="Consolas" pitchFamily="49" charset="0"/>
+              </a:rPr>
+              <a:t>n = p*q = 7*17 = 119</a:t>
+            </a:r>
+          </a:p>
+          <a:p>
+            <a:r>
+              <a:rPr lang="en-US" altLang="ko-KR" sz="2800">
+                <a:latin typeface="Consolas" pitchFamily="49" charset="0"/>
+                <a:cs typeface="Consolas" pitchFamily="49" charset="0"/>
+              </a:rPr>
+              <a:t>pi_n = (p-1)*(q-1) = 96</a:t>
+            </a:r>
+          </a:p>
+          <a:p>
+            <a:r>
+              <a:rPr lang="en-US" altLang="ko-KR" sz="2800">
+                <a:latin typeface="Consolas" pitchFamily="49" charset="0"/>
+                <a:cs typeface="Consolas" pitchFamily="49" charset="0"/>
+              </a:rPr>
+              <a:t>gcd(pi_n,e) == 1</a:t>
+            </a:r>
+          </a:p>
+          <a:p>
+            <a:r>
+              <a:rPr lang="en-US" altLang="ko-KR" sz="2800">
+                <a:latin typeface="Consolas" pitchFamily="49" charset="0"/>
+                <a:cs typeface="Consolas" pitchFamily="49" charset="0"/>
+              </a:rPr>
+              <a:t>e = 5</a:t>
+            </a:r>
+          </a:p>
+          <a:p>
+            <a:r>
+              <a:rPr lang="en-US" altLang="ko-KR" sz="2800">
+                <a:latin typeface="Consolas" pitchFamily="49" charset="0"/>
+                <a:cs typeface="Consolas" pitchFamily="49" charset="0"/>
+              </a:rPr>
+              <a:t>1 = d*e mod pi_n</a:t>
+            </a:r>
+          </a:p>
+          <a:p>
+            <a:r>
+              <a:rPr lang="en-US" altLang="ko-KR" sz="2800">
+                <a:latin typeface="Consolas" pitchFamily="49" charset="0"/>
+                <a:cs typeface="Consolas" pitchFamily="49" charset="0"/>
+              </a:rPr>
+              <a:t>d = 77</a:t>
+            </a:r>
+          </a:p>
+          <a:p>
+            <a:endParaRPr lang="en-US" altLang="ko-KR" sz="2800">
+              <a:latin typeface="Consolas" pitchFamily="49" charset="0"/>
+              <a:cs typeface="Consolas" pitchFamily="49" charset="0"/>
+            </a:endParaRPr>
+          </a:p>
+        </p:txBody>
+      </p:sp>
+      <p:sp>
+        <p:nvSpPr>
+          <p:cNvPr id="61" name="TextBox 60">
+            <a:extLst>
+              <a:ext uri="{FF2B5EF4-FFF2-40B4-BE49-F238E27FC236}">
+                <a16:creationId xmlns:a16="http://schemas.microsoft.com/office/drawing/2014/main" id="{22DDA5B8-9972-4E27-B967-1C5472C9261F}"/>
+              </a:ext>
+            </a:extLst>
+          </p:cNvPr>
+          <p:cNvSpPr txBox="1"/>
+          <p:nvPr/>
+        </p:nvSpPr>
+        <p:spPr>
+          <a:xfrm>
+            <a:off x="6084168" y="2832963"/>
+            <a:ext cx="3142207" cy="1384995"/>
+          </a:xfrm>
+          <a:prstGeom prst="rect">
+            <a:avLst/>
+          </a:prstGeom>
+          <a:noFill/>
+        </p:spPr>
+        <p:txBody>
+          <a:bodyPr wrap="none" rtlCol="0">
+            <a:spAutoFit/>
+          </a:bodyPr>
+          <a:lstStyle/>
+          <a:p>
+            <a:r>
+              <a:rPr lang="en-US" altLang="ko-KR" sz="2800">
+                <a:latin typeface="Consolas" pitchFamily="49" charset="0"/>
+                <a:cs typeface="Consolas" pitchFamily="49" charset="0"/>
+              </a:rPr>
+              <a:t>96      96</a:t>
+            </a:r>
+          </a:p>
+          <a:p>
+            <a:r>
+              <a:rPr lang="en-US" altLang="ko-KR" sz="2800">
+                <a:latin typeface="Consolas" pitchFamily="49" charset="0"/>
+                <a:cs typeface="Consolas" pitchFamily="49" charset="0"/>
+              </a:rPr>
+              <a:t>5*19    1*19  -</a:t>
+            </a:r>
+          </a:p>
+          <a:p>
+            <a:r>
+              <a:rPr lang="en-US" altLang="ko-KR" sz="2800">
+                <a:latin typeface="Consolas" pitchFamily="49" charset="0"/>
+                <a:cs typeface="Consolas" pitchFamily="49" charset="0"/>
+              </a:rPr>
+              <a:t> 1      77</a:t>
+            </a:r>
+            <a:endParaRPr lang="ko-KR" altLang="en-US" sz="2800">
+              <a:latin typeface="Consolas" pitchFamily="49" charset="0"/>
+              <a:cs typeface="Consolas" pitchFamily="49" charset="0"/>
+            </a:endParaRPr>
+          </a:p>
+        </p:txBody>
+      </p:sp>
+      <p:sp>
+        <p:nvSpPr>
+          <p:cNvPr id="3" name="TextBox 2">
+            <a:extLst>
+              <a:ext uri="{FF2B5EF4-FFF2-40B4-BE49-F238E27FC236}">
+                <a16:creationId xmlns:a16="http://schemas.microsoft.com/office/drawing/2014/main" id="{41D2A708-D8BA-427F-8331-FEA5828F14FE}"/>
+              </a:ext>
+            </a:extLst>
+          </p:cNvPr>
+          <p:cNvSpPr txBox="1"/>
+          <p:nvPr/>
+        </p:nvSpPr>
+        <p:spPr>
+          <a:xfrm>
+            <a:off x="971600" y="4869160"/>
+            <a:ext cx="325730" cy="400110"/>
+          </a:xfrm>
+          <a:prstGeom prst="rect">
+            <a:avLst/>
+          </a:prstGeom>
+          <a:noFill/>
+        </p:spPr>
+        <p:txBody>
+          <a:bodyPr wrap="none" rtlCol="0">
+            <a:spAutoFit/>
+          </a:bodyPr>
+          <a:lstStyle/>
+          <a:p>
+            <a:r>
+              <a:rPr lang="en-US" altLang="ko-KR" sz="2000">
+                <a:latin typeface="Consolas" pitchFamily="49" charset="0"/>
+                <a:cs typeface="Consolas" pitchFamily="49" charset="0"/>
+              </a:rPr>
+              <a:t>5</a:t>
+            </a:r>
+            <a:endParaRPr lang="ko-KR" altLang="en-US" sz="2000">
+              <a:latin typeface="Consolas" pitchFamily="49" charset="0"/>
+              <a:cs typeface="Consolas" pitchFamily="49" charset="0"/>
+            </a:endParaRPr>
+          </a:p>
+        </p:txBody>
+      </p:sp>
+      <p:sp>
+        <p:nvSpPr>
+          <p:cNvPr id="15" name="직사각형 14">
+            <a:extLst>
+              <a:ext uri="{FF2B5EF4-FFF2-40B4-BE49-F238E27FC236}">
+                <a16:creationId xmlns:a16="http://schemas.microsoft.com/office/drawing/2014/main" id="{10A59D66-4307-4A43-8989-362F0891E48C}"/>
+              </a:ext>
+            </a:extLst>
+          </p:cNvPr>
+          <p:cNvSpPr/>
+          <p:nvPr/>
+        </p:nvSpPr>
+        <p:spPr>
+          <a:xfrm>
+            <a:off x="539552" y="5026837"/>
+            <a:ext cx="3406702" cy="523220"/>
+          </a:xfrm>
+          <a:prstGeom prst="rect">
+            <a:avLst/>
+          </a:prstGeom>
+        </p:spPr>
+        <p:txBody>
+          <a:bodyPr wrap="none">
+            <a:spAutoFit/>
+          </a:bodyPr>
+          <a:lstStyle/>
+          <a:p>
+            <a:r>
+              <a:rPr lang="en-US" altLang="ko-KR" sz="2800"/>
+              <a:t>'a'  mod 119 =&gt; 20</a:t>
+            </a:r>
+          </a:p>
+        </p:txBody>
+      </p:sp>
+      <p:sp>
+        <p:nvSpPr>
+          <p:cNvPr id="62" name="TextBox 61">
+            <a:extLst>
+              <a:ext uri="{FF2B5EF4-FFF2-40B4-BE49-F238E27FC236}">
+                <a16:creationId xmlns:a16="http://schemas.microsoft.com/office/drawing/2014/main" id="{46F04BE8-A16F-4E42-A66A-886116FBB60A}"/>
+              </a:ext>
+            </a:extLst>
+          </p:cNvPr>
+          <p:cNvSpPr txBox="1"/>
+          <p:nvPr/>
+        </p:nvSpPr>
+        <p:spPr>
+          <a:xfrm>
+            <a:off x="971600" y="5503571"/>
+            <a:ext cx="466794" cy="400110"/>
+          </a:xfrm>
+          <a:prstGeom prst="rect">
+            <a:avLst/>
+          </a:prstGeom>
+          <a:noFill/>
+        </p:spPr>
+        <p:txBody>
+          <a:bodyPr wrap="none" rtlCol="0">
+            <a:spAutoFit/>
+          </a:bodyPr>
+          <a:lstStyle/>
+          <a:p>
+            <a:r>
+              <a:rPr lang="en-US" altLang="ko-KR" sz="2000">
+                <a:latin typeface="Consolas" pitchFamily="49" charset="0"/>
+                <a:cs typeface="Consolas" pitchFamily="49" charset="0"/>
+              </a:rPr>
+              <a:t>77</a:t>
+            </a:r>
+            <a:endParaRPr lang="ko-KR" altLang="en-US" sz="2000">
+              <a:latin typeface="Consolas" pitchFamily="49" charset="0"/>
+              <a:cs typeface="Consolas" pitchFamily="49" charset="0"/>
+            </a:endParaRPr>
+          </a:p>
+        </p:txBody>
+      </p:sp>
+      <p:sp>
+        <p:nvSpPr>
+          <p:cNvPr id="63" name="직사각형 62">
+            <a:extLst>
+              <a:ext uri="{FF2B5EF4-FFF2-40B4-BE49-F238E27FC236}">
+                <a16:creationId xmlns:a16="http://schemas.microsoft.com/office/drawing/2014/main" id="{CDF02616-51F8-4825-AF4C-70B28F6B5F83}"/>
+              </a:ext>
+            </a:extLst>
+          </p:cNvPr>
+          <p:cNvSpPr/>
+          <p:nvPr/>
+        </p:nvSpPr>
+        <p:spPr>
+          <a:xfrm>
+            <a:off x="539552" y="5661248"/>
+            <a:ext cx="3448380" cy="523220"/>
+          </a:xfrm>
+          <a:prstGeom prst="rect">
+            <a:avLst/>
+          </a:prstGeom>
+        </p:spPr>
+        <p:txBody>
+          <a:bodyPr wrap="none">
+            <a:spAutoFit/>
+          </a:bodyPr>
+          <a:lstStyle/>
+          <a:p>
+            <a:r>
+              <a:rPr lang="en-US" altLang="ko-KR" sz="2800"/>
+              <a:t>20  mod 119 =&gt; 97</a:t>
+            </a:r>
+          </a:p>
+        </p:txBody>
+      </p:sp>
+      <p:sp>
+        <p:nvSpPr>
+          <p:cNvPr id="64" name="TextBox 63">
+            <a:extLst>
+              <a:ext uri="{FF2B5EF4-FFF2-40B4-BE49-F238E27FC236}">
+                <a16:creationId xmlns:a16="http://schemas.microsoft.com/office/drawing/2014/main" id="{B0B07538-BE14-4A6D-9A95-18062CCB785E}"/>
+              </a:ext>
+            </a:extLst>
+          </p:cNvPr>
+          <p:cNvSpPr txBox="1"/>
+          <p:nvPr/>
+        </p:nvSpPr>
+        <p:spPr>
+          <a:xfrm>
+            <a:off x="5940152" y="1510801"/>
+            <a:ext cx="1459054" cy="954107"/>
+          </a:xfrm>
+          <a:prstGeom prst="rect">
+            <a:avLst/>
+          </a:prstGeom>
+          <a:noFill/>
+        </p:spPr>
+        <p:txBody>
+          <a:bodyPr wrap="none" rtlCol="0">
+            <a:spAutoFit/>
+          </a:bodyPr>
+          <a:lstStyle/>
+          <a:p>
+            <a:r>
+              <a:rPr lang="ko-KR" altLang="en-US" sz="2800">
+                <a:latin typeface="Consolas" pitchFamily="49" charset="0"/>
+                <a:cs typeface="Consolas" pitchFamily="49" charset="0"/>
+              </a:rPr>
+              <a:t>오일러</a:t>
+            </a:r>
+            <a:endParaRPr lang="en-US" altLang="ko-KR" sz="2800">
+              <a:latin typeface="Consolas" pitchFamily="49" charset="0"/>
+              <a:cs typeface="Consolas" pitchFamily="49" charset="0"/>
+            </a:endParaRPr>
+          </a:p>
+          <a:p>
+            <a:r>
+              <a:rPr lang="ko-KR" altLang="en-US" sz="2800">
+                <a:latin typeface="Consolas" pitchFamily="49" charset="0"/>
+                <a:cs typeface="Consolas" pitchFamily="49" charset="0"/>
+              </a:rPr>
+              <a:t>페르마 </a:t>
+            </a:r>
+          </a:p>
+        </p:txBody>
+      </p:sp>
+    </p:spTree>
+    <p:extLst>
+      <p:ext uri="{BB962C8B-B14F-4D97-AF65-F5344CB8AC3E}">
+        <p14:creationId xmlns:p14="http://schemas.microsoft.com/office/powerpoint/2010/main" val="4127802611"/>
+      </p:ext>
+    </p:extLst>
+  </p:cSld>
+  <p:clrMapOvr>
+    <a:masterClrMapping/>
+  </p:clrMapOvr>
+</p:sld>
+</file>
+
+<file path=ppt/slides/slide24.xml><?xml version="1.0" encoding="utf-8"?>
+<p:sld xmlns:a="http://schemas.openxmlformats.org/drawingml/2006/main" xmlns:r="http://schemas.openxmlformats.org/officeDocument/2006/relationships" xmlns:p="http://schemas.openxmlformats.org/presentationml/2006/main">
+  <p:cSld>
+    <p:spTree>
+      <p:nvGrpSpPr>
+        <p:cNvPr id="1" name=""/>
+        <p:cNvGrpSpPr/>
+        <p:nvPr/>
+      </p:nvGrpSpPr>
+      <p:grpSpPr>
+        <a:xfrm>
+          <a:off x="0" y="0"/>
+          <a:ext cx="0" cy="0"/>
+          <a:chOff x="0" y="0"/>
+          <a:chExt cx="0" cy="0"/>
+        </a:xfrm>
+      </p:grpSpPr>
+      <p:sp>
+        <p:nvSpPr>
+          <p:cNvPr id="2" name="TextBox 1">
+            <a:extLst>
+              <a:ext uri="{FF2B5EF4-FFF2-40B4-BE49-F238E27FC236}">
+                <a16:creationId xmlns:a16="http://schemas.microsoft.com/office/drawing/2014/main" id="{CC68090C-048A-431D-9AD9-785E987B2B72}"/>
+              </a:ext>
+            </a:extLst>
+          </p:cNvPr>
+          <p:cNvSpPr txBox="1"/>
+          <p:nvPr/>
+        </p:nvSpPr>
+        <p:spPr>
+          <a:xfrm>
+            <a:off x="395536" y="404664"/>
+            <a:ext cx="1031051" cy="400110"/>
+          </a:xfrm>
+          <a:prstGeom prst="rect">
+            <a:avLst/>
+          </a:prstGeom>
+          <a:noFill/>
+        </p:spPr>
+        <p:txBody>
+          <a:bodyPr wrap="none" rtlCol="0">
+            <a:spAutoFit/>
+          </a:bodyPr>
+          <a:lstStyle/>
+          <a:p>
+            <a:r>
+              <a:rPr lang="en-US" altLang="ko-KR" sz="2000">
+                <a:latin typeface="Consolas" pitchFamily="49" charset="0"/>
+                <a:cs typeface="Consolas" pitchFamily="49" charset="0"/>
+              </a:rPr>
+              <a:t>gcd();</a:t>
+            </a:r>
+            <a:endParaRPr lang="ko-KR" altLang="en-US" sz="2000">
+              <a:latin typeface="Consolas" pitchFamily="49" charset="0"/>
+              <a:cs typeface="Consolas" pitchFamily="49" charset="0"/>
+            </a:endParaRPr>
+          </a:p>
+        </p:txBody>
+      </p:sp>
+      <p:sp>
+        <p:nvSpPr>
+          <p:cNvPr id="5" name="TextBox 4">
+            <a:extLst>
+              <a:ext uri="{FF2B5EF4-FFF2-40B4-BE49-F238E27FC236}">
+                <a16:creationId xmlns:a16="http://schemas.microsoft.com/office/drawing/2014/main" id="{87A2D025-0C07-4D47-A414-A21D75FDD383}"/>
+              </a:ext>
+            </a:extLst>
+          </p:cNvPr>
+          <p:cNvSpPr txBox="1"/>
+          <p:nvPr/>
+        </p:nvSpPr>
+        <p:spPr>
+          <a:xfrm>
+            <a:off x="1115616" y="1700808"/>
+            <a:ext cx="2018501" cy="1015663"/>
+          </a:xfrm>
+          <a:prstGeom prst="rect">
+            <a:avLst/>
+          </a:prstGeom>
+          <a:noFill/>
+        </p:spPr>
+        <p:txBody>
+          <a:bodyPr wrap="none" rtlCol="0">
+            <a:spAutoFit/>
+          </a:bodyPr>
+          <a:lstStyle/>
+          <a:p>
+            <a:r>
+              <a:rPr lang="en-US" altLang="ko-KR" sz="2000">
+                <a:latin typeface="Consolas" pitchFamily="49" charset="0"/>
+                <a:cs typeface="Consolas" pitchFamily="49" charset="0"/>
+              </a:rPr>
+              <a:t>10   270  150</a:t>
+            </a:r>
+          </a:p>
+          <a:p>
+            <a:r>
+              <a:rPr lang="en-US" altLang="ko-KR" sz="2000">
+                <a:latin typeface="Consolas" pitchFamily="49" charset="0"/>
+                <a:cs typeface="Consolas" pitchFamily="49" charset="0"/>
+              </a:rPr>
+              <a:t> 3    27   15</a:t>
+            </a:r>
+          </a:p>
+          <a:p>
+            <a:r>
+              <a:rPr lang="en-US" altLang="ko-KR" sz="2000">
+                <a:latin typeface="Consolas" pitchFamily="49" charset="0"/>
+                <a:cs typeface="Consolas" pitchFamily="49" charset="0"/>
+              </a:rPr>
+              <a:t>       9    5</a:t>
+            </a:r>
+            <a:endParaRPr lang="ko-KR" altLang="en-US" sz="2000">
+              <a:latin typeface="Consolas" pitchFamily="49" charset="0"/>
+              <a:cs typeface="Consolas" pitchFamily="49" charset="0"/>
+            </a:endParaRPr>
+          </a:p>
+        </p:txBody>
+      </p:sp>
+      <p:sp>
+        <p:nvSpPr>
+          <p:cNvPr id="12" name="TextBox 11">
+            <a:extLst>
+              <a:ext uri="{FF2B5EF4-FFF2-40B4-BE49-F238E27FC236}">
+                <a16:creationId xmlns:a16="http://schemas.microsoft.com/office/drawing/2014/main" id="{73AE6442-C7FD-4699-A562-81EFF6AAB505}"/>
+              </a:ext>
+            </a:extLst>
+          </p:cNvPr>
+          <p:cNvSpPr txBox="1"/>
+          <p:nvPr/>
+        </p:nvSpPr>
+        <p:spPr>
+          <a:xfrm>
+            <a:off x="4716016" y="404664"/>
+            <a:ext cx="2121093" cy="400110"/>
+          </a:xfrm>
+          <a:prstGeom prst="rect">
+            <a:avLst/>
+          </a:prstGeom>
+          <a:noFill/>
+        </p:spPr>
+        <p:txBody>
+          <a:bodyPr wrap="none" rtlCol="0">
+            <a:spAutoFit/>
+          </a:bodyPr>
+          <a:lstStyle/>
+          <a:p>
+            <a:r>
+              <a:rPr lang="ko-KR" altLang="en-US" sz="2000">
+                <a:latin typeface="Consolas" pitchFamily="49" charset="0"/>
+                <a:cs typeface="Consolas" pitchFamily="49" charset="0"/>
+              </a:rPr>
+              <a:t>유클리드 호제법</a:t>
+            </a:r>
+            <a:endParaRPr lang="en-US" altLang="ko-KR" sz="2000">
+              <a:latin typeface="Consolas" pitchFamily="49" charset="0"/>
+              <a:cs typeface="Consolas" pitchFamily="49" charset="0"/>
+            </a:endParaRPr>
+          </a:p>
+        </p:txBody>
+      </p:sp>
+      <p:sp>
+        <p:nvSpPr>
+          <p:cNvPr id="13" name="TextBox 12">
+            <a:extLst>
+              <a:ext uri="{FF2B5EF4-FFF2-40B4-BE49-F238E27FC236}">
+                <a16:creationId xmlns:a16="http://schemas.microsoft.com/office/drawing/2014/main" id="{2CA857F4-40F2-4527-AA9C-5B4D8ADE65FA}"/>
+              </a:ext>
+            </a:extLst>
+          </p:cNvPr>
+          <p:cNvSpPr txBox="1"/>
+          <p:nvPr/>
+        </p:nvSpPr>
+        <p:spPr>
+          <a:xfrm>
+            <a:off x="4211960" y="1268760"/>
+            <a:ext cx="3454792" cy="1323439"/>
+          </a:xfrm>
+          <a:prstGeom prst="rect">
+            <a:avLst/>
+          </a:prstGeom>
+          <a:noFill/>
+        </p:spPr>
+        <p:txBody>
+          <a:bodyPr wrap="none" rtlCol="0">
+            <a:spAutoFit/>
+          </a:bodyPr>
+          <a:lstStyle/>
+          <a:p>
+            <a:r>
+              <a:rPr lang="en-US" altLang="ko-KR" sz="2000">
+                <a:latin typeface="Consolas" pitchFamily="49" charset="0"/>
+                <a:cs typeface="Consolas" pitchFamily="49" charset="0"/>
+              </a:rPr>
+              <a:t>a</a:t>
+            </a:r>
+            <a:r>
+              <a:rPr lang="ko-KR" altLang="en-US" sz="2000">
+                <a:latin typeface="Consolas" pitchFamily="49" charset="0"/>
+                <a:cs typeface="Consolas" pitchFamily="49" charset="0"/>
+              </a:rPr>
+              <a:t>와</a:t>
+            </a:r>
+            <a:r>
+              <a:rPr lang="en-US" altLang="ko-KR" sz="2000">
+                <a:latin typeface="Consolas" pitchFamily="49" charset="0"/>
+                <a:cs typeface="Consolas" pitchFamily="49" charset="0"/>
+              </a:rPr>
+              <a:t>b</a:t>
+            </a:r>
+            <a:r>
+              <a:rPr lang="ko-KR" altLang="en-US" sz="2000">
+                <a:latin typeface="Consolas" pitchFamily="49" charset="0"/>
+                <a:cs typeface="Consolas" pitchFamily="49" charset="0"/>
+              </a:rPr>
+              <a:t>의 최대공약수는 </a:t>
+            </a:r>
+            <a:endParaRPr lang="en-US" altLang="ko-KR" sz="2000">
+              <a:latin typeface="Consolas" pitchFamily="49" charset="0"/>
+              <a:cs typeface="Consolas" pitchFamily="49" charset="0"/>
+            </a:endParaRPr>
+          </a:p>
+          <a:p>
+            <a:r>
+              <a:rPr lang="en-US" altLang="ko-KR" sz="2000">
+                <a:latin typeface="Consolas" pitchFamily="49" charset="0"/>
+                <a:cs typeface="Consolas" pitchFamily="49" charset="0"/>
+              </a:rPr>
+              <a:t>b</a:t>
+            </a:r>
+            <a:r>
+              <a:rPr lang="ko-KR" altLang="en-US" sz="2000">
+                <a:latin typeface="Consolas" pitchFamily="49" charset="0"/>
+                <a:cs typeface="Consolas" pitchFamily="49" charset="0"/>
+              </a:rPr>
+              <a:t>와</a:t>
+            </a:r>
+            <a:r>
+              <a:rPr lang="en-US" altLang="ko-KR" sz="2000">
+                <a:latin typeface="Consolas" pitchFamily="49" charset="0"/>
+                <a:cs typeface="Consolas" pitchFamily="49" charset="0"/>
+              </a:rPr>
+              <a:t>c</a:t>
+            </a:r>
+            <a:r>
+              <a:rPr lang="ko-KR" altLang="en-US" sz="2000">
+                <a:latin typeface="Consolas" pitchFamily="49" charset="0"/>
+                <a:cs typeface="Consolas" pitchFamily="49" charset="0"/>
+              </a:rPr>
+              <a:t>의 최대공약수와 같다</a:t>
+            </a:r>
+            <a:r>
+              <a:rPr lang="en-US" altLang="ko-KR" sz="2000">
+                <a:latin typeface="Consolas" pitchFamily="49" charset="0"/>
+                <a:cs typeface="Consolas" pitchFamily="49" charset="0"/>
+              </a:rPr>
+              <a:t>.</a:t>
+            </a:r>
+          </a:p>
+          <a:p>
+            <a:endParaRPr lang="en-US" altLang="ko-KR" sz="2000">
+              <a:latin typeface="Consolas" pitchFamily="49" charset="0"/>
+              <a:cs typeface="Consolas" pitchFamily="49" charset="0"/>
+            </a:endParaRPr>
+          </a:p>
+          <a:p>
+            <a:r>
+              <a:rPr lang="en-US" altLang="ko-KR" sz="2000">
+                <a:latin typeface="Consolas" pitchFamily="49" charset="0"/>
+                <a:cs typeface="Consolas" pitchFamily="49" charset="0"/>
+              </a:rPr>
+              <a:t>a</a:t>
+            </a:r>
+            <a:r>
+              <a:rPr lang="ko-KR" altLang="en-US" sz="2000">
+                <a:latin typeface="Consolas" pitchFamily="49" charset="0"/>
+                <a:cs typeface="Consolas" pitchFamily="49" charset="0"/>
+              </a:rPr>
+              <a:t> </a:t>
+            </a:r>
+            <a:r>
+              <a:rPr lang="en-US" altLang="ko-KR" sz="2000">
+                <a:latin typeface="Consolas" pitchFamily="49" charset="0"/>
+                <a:cs typeface="Consolas" pitchFamily="49" charset="0"/>
+              </a:rPr>
+              <a:t>=</a:t>
+            </a:r>
+            <a:r>
+              <a:rPr lang="ko-KR" altLang="en-US" sz="2000">
+                <a:latin typeface="Consolas" pitchFamily="49" charset="0"/>
+                <a:cs typeface="Consolas" pitchFamily="49" charset="0"/>
+              </a:rPr>
+              <a:t> </a:t>
+            </a:r>
+            <a:r>
+              <a:rPr lang="en-US" altLang="ko-KR" sz="2000">
+                <a:latin typeface="Consolas" pitchFamily="49" charset="0"/>
+                <a:cs typeface="Consolas" pitchFamily="49" charset="0"/>
+              </a:rPr>
+              <a:t>bx</a:t>
+            </a:r>
+            <a:r>
+              <a:rPr lang="ko-KR" altLang="en-US" sz="2000">
+                <a:latin typeface="Consolas" pitchFamily="49" charset="0"/>
+                <a:cs typeface="Consolas" pitchFamily="49" charset="0"/>
+              </a:rPr>
+              <a:t> </a:t>
+            </a:r>
+            <a:r>
+              <a:rPr lang="en-US" altLang="ko-KR" sz="2000">
+                <a:latin typeface="Consolas" pitchFamily="49" charset="0"/>
+                <a:cs typeface="Consolas" pitchFamily="49" charset="0"/>
+              </a:rPr>
+              <a:t>+</a:t>
+            </a:r>
+            <a:r>
+              <a:rPr lang="ko-KR" altLang="en-US" sz="2000">
+                <a:latin typeface="Consolas" pitchFamily="49" charset="0"/>
+                <a:cs typeface="Consolas" pitchFamily="49" charset="0"/>
+              </a:rPr>
+              <a:t> </a:t>
+            </a:r>
+            <a:r>
+              <a:rPr lang="en-US" altLang="ko-KR" sz="2000">
+                <a:latin typeface="Consolas" pitchFamily="49" charset="0"/>
+                <a:cs typeface="Consolas" pitchFamily="49" charset="0"/>
+              </a:rPr>
+              <a:t>c</a:t>
+            </a:r>
+          </a:p>
+        </p:txBody>
+      </p:sp>
+      <p:sp>
+        <p:nvSpPr>
+          <p:cNvPr id="14" name="TextBox 13">
+            <a:extLst>
+              <a:ext uri="{FF2B5EF4-FFF2-40B4-BE49-F238E27FC236}">
+                <a16:creationId xmlns:a16="http://schemas.microsoft.com/office/drawing/2014/main" id="{92AC2DD7-E3FE-43B1-AEE1-9B897B3C68B4}"/>
+              </a:ext>
+            </a:extLst>
+          </p:cNvPr>
+          <p:cNvSpPr txBox="1"/>
+          <p:nvPr/>
+        </p:nvSpPr>
+        <p:spPr>
+          <a:xfrm>
+            <a:off x="4139952" y="2852936"/>
+            <a:ext cx="2441694" cy="1015663"/>
+          </a:xfrm>
+          <a:prstGeom prst="rect">
+            <a:avLst/>
+          </a:prstGeom>
+          <a:noFill/>
+        </p:spPr>
+        <p:txBody>
+          <a:bodyPr wrap="none" rtlCol="0">
+            <a:spAutoFit/>
+          </a:bodyPr>
+          <a:lstStyle/>
+          <a:p>
+            <a:r>
+              <a:rPr lang="en-US" altLang="ko-KR" sz="2000">
+                <a:latin typeface="Consolas" pitchFamily="49" charset="0"/>
+                <a:cs typeface="Consolas" pitchFamily="49" charset="0"/>
+              </a:rPr>
+              <a:t>270 = 150x</a:t>
+            </a:r>
+            <a:r>
+              <a:rPr lang="ko-KR" altLang="en-US" sz="2000">
+                <a:latin typeface="Consolas" pitchFamily="49" charset="0"/>
+                <a:cs typeface="Consolas" pitchFamily="49" charset="0"/>
+              </a:rPr>
+              <a:t> </a:t>
+            </a:r>
+            <a:r>
+              <a:rPr lang="en-US" altLang="ko-KR" sz="2000">
+                <a:latin typeface="Consolas" pitchFamily="49" charset="0"/>
+                <a:cs typeface="Consolas" pitchFamily="49" charset="0"/>
+              </a:rPr>
+              <a:t>+ 120</a:t>
+            </a:r>
+          </a:p>
+          <a:p>
+            <a:r>
+              <a:rPr lang="en-US" altLang="ko-KR" sz="2000">
+                <a:latin typeface="Consolas" pitchFamily="49" charset="0"/>
+                <a:cs typeface="Consolas" pitchFamily="49" charset="0"/>
+              </a:rPr>
+              <a:t>150 = 120x + 30</a:t>
+            </a:r>
+          </a:p>
+          <a:p>
+            <a:r>
+              <a:rPr lang="en-US" altLang="ko-KR" sz="2000">
+                <a:latin typeface="Consolas" pitchFamily="49" charset="0"/>
+                <a:cs typeface="Consolas" pitchFamily="49" charset="0"/>
+              </a:rPr>
+              <a:t>120 = 30x + 0  </a:t>
+            </a:r>
+            <a:r>
+              <a:rPr lang="ko-KR" altLang="en-US" sz="2000">
+                <a:latin typeface="Consolas" pitchFamily="49" charset="0"/>
+                <a:cs typeface="Consolas" pitchFamily="49" charset="0"/>
+              </a:rPr>
+              <a:t> </a:t>
+            </a:r>
+            <a:endParaRPr lang="en-US" altLang="ko-KR" sz="2000">
+              <a:latin typeface="Consolas" pitchFamily="49" charset="0"/>
+              <a:cs typeface="Consolas" pitchFamily="49" charset="0"/>
+            </a:endParaRPr>
+          </a:p>
+        </p:txBody>
+      </p:sp>
+      <p:sp>
+        <p:nvSpPr>
+          <p:cNvPr id="16" name="TextBox 15">
+            <a:extLst>
+              <a:ext uri="{FF2B5EF4-FFF2-40B4-BE49-F238E27FC236}">
+                <a16:creationId xmlns:a16="http://schemas.microsoft.com/office/drawing/2014/main" id="{209912CE-DBFD-46F7-A75B-757216FF7704}"/>
+              </a:ext>
+            </a:extLst>
+          </p:cNvPr>
+          <p:cNvSpPr txBox="1"/>
+          <p:nvPr/>
+        </p:nvSpPr>
+        <p:spPr>
+          <a:xfrm>
+            <a:off x="467544" y="2852935"/>
+            <a:ext cx="2441694" cy="1323439"/>
+          </a:xfrm>
+          <a:prstGeom prst="rect">
+            <a:avLst/>
+          </a:prstGeom>
+          <a:noFill/>
+        </p:spPr>
+        <p:txBody>
+          <a:bodyPr wrap="none" rtlCol="0">
+            <a:spAutoFit/>
+          </a:bodyPr>
+          <a:lstStyle/>
+          <a:p>
+            <a:r>
+              <a:rPr lang="en-US" altLang="ko-KR" sz="2000">
+                <a:latin typeface="Consolas" pitchFamily="49" charset="0"/>
+                <a:cs typeface="Consolas" pitchFamily="49" charset="0"/>
+              </a:rPr>
+              <a:t>150 = 270x</a:t>
+            </a:r>
+            <a:r>
+              <a:rPr lang="ko-KR" altLang="en-US" sz="2000">
+                <a:latin typeface="Consolas" pitchFamily="49" charset="0"/>
+                <a:cs typeface="Consolas" pitchFamily="49" charset="0"/>
+              </a:rPr>
+              <a:t> </a:t>
+            </a:r>
+            <a:r>
+              <a:rPr lang="en-US" altLang="ko-KR" sz="2000">
+                <a:latin typeface="Consolas" pitchFamily="49" charset="0"/>
+                <a:cs typeface="Consolas" pitchFamily="49" charset="0"/>
+              </a:rPr>
+              <a:t>+ 150</a:t>
+            </a:r>
+          </a:p>
+          <a:p>
+            <a:r>
+              <a:rPr lang="en-US" altLang="ko-KR" sz="2000">
+                <a:latin typeface="Consolas" pitchFamily="49" charset="0"/>
+                <a:cs typeface="Consolas" pitchFamily="49" charset="0"/>
+              </a:rPr>
+              <a:t>270 = 150x + 120</a:t>
+            </a:r>
+          </a:p>
+          <a:p>
+            <a:r>
+              <a:rPr lang="en-US" altLang="ko-KR" sz="2000">
+                <a:latin typeface="Consolas" pitchFamily="49" charset="0"/>
+                <a:cs typeface="Consolas" pitchFamily="49" charset="0"/>
+              </a:rPr>
+              <a:t>150 = 120x + 30</a:t>
+            </a:r>
+          </a:p>
+          <a:p>
+            <a:r>
+              <a:rPr lang="en-US" altLang="ko-KR" sz="2000">
+                <a:latin typeface="Consolas" pitchFamily="49" charset="0"/>
+                <a:cs typeface="Consolas" pitchFamily="49" charset="0"/>
+              </a:rPr>
+              <a:t>120 = 30x + 0  </a:t>
+            </a:r>
+            <a:r>
+              <a:rPr lang="ko-KR" altLang="en-US" sz="2000">
+                <a:latin typeface="Consolas" pitchFamily="49" charset="0"/>
+                <a:cs typeface="Consolas" pitchFamily="49" charset="0"/>
+              </a:rPr>
+              <a:t> </a:t>
+            </a:r>
+            <a:endParaRPr lang="en-US" altLang="ko-KR" sz="2000">
+              <a:latin typeface="Consolas" pitchFamily="49" charset="0"/>
+              <a:cs typeface="Consolas" pitchFamily="49" charset="0"/>
+            </a:endParaRPr>
+          </a:p>
+        </p:txBody>
+      </p:sp>
+    </p:spTree>
+    <p:extLst>
+      <p:ext uri="{BB962C8B-B14F-4D97-AF65-F5344CB8AC3E}">
+        <p14:creationId xmlns:p14="http://schemas.microsoft.com/office/powerpoint/2010/main" val="2003693160"/>
       </p:ext>
     </p:extLst>
   </p:cSld>
